--- a/finance/chanlun/charts.pptx
+++ b/finance/chanlun/charts.pptx
@@ -5,10 +5,10 @@
     <p:sldMasterId id="2147483648" r:id="rId1"/>
   </p:sldMasterIdLst>
   <p:notesMasterIdLst>
-    <p:notesMasterId r:id="rId8"/>
+    <p:notesMasterId r:id="rId11"/>
   </p:notesMasterIdLst>
   <p:handoutMasterIdLst>
-    <p:handoutMasterId r:id="rId9"/>
+    <p:handoutMasterId r:id="rId12"/>
   </p:handoutMasterIdLst>
   <p:sldIdLst>
     <p:sldId id="256" r:id="rId3"/>
@@ -16,6 +16,9 @@
     <p:sldId id="258" r:id="rId5"/>
     <p:sldId id="259" r:id="rId6"/>
     <p:sldId id="260" r:id="rId7"/>
+    <p:sldId id="261" r:id="rId8"/>
+    <p:sldId id="262" r:id="rId9"/>
+    <p:sldId id="263" r:id="rId10"/>
   </p:sldIdLst>
   <p:sldSz cx="12192000" cy="6858000"/>
   <p:notesSz cx="7103745" cy="10234295"/>
@@ -5925,6 +5928,1549 @@
                   <a:lumMod val="60000"/>
                   <a:lumOff val="40000"/>
                 </a:schemeClr>
+              </a:solidFill>
+            </a:endParaRPr>
+          </a:p>
+        </p:txBody>
+      </p:sp>
+    </p:spTree>
+  </p:cSld>
+  <p:clrMapOvr>
+    <a:masterClrMapping/>
+  </p:clrMapOvr>
+</p:sld>
+</file>
+
+<file path=ppt/slides/slide6.xml><?xml version="1.0" encoding="utf-8"?>
+<p:sld xmlns:a="http://schemas.openxmlformats.org/drawingml/2006/main" xmlns:r="http://schemas.openxmlformats.org/officeDocument/2006/relationships" xmlns:p="http://schemas.openxmlformats.org/presentationml/2006/main">
+  <p:cSld>
+    <p:spTree>
+      <p:nvGrpSpPr>
+        <p:cNvPr id="1" name=""/>
+        <p:cNvGrpSpPr/>
+        <p:nvPr/>
+      </p:nvGrpSpPr>
+      <p:grpSpPr>
+        <a:xfrm>
+          <a:off x="0" y="0"/>
+          <a:ext cx="0" cy="0"/>
+          <a:chOff x="0" y="0"/>
+          <a:chExt cx="0" cy="0"/>
+        </a:xfrm>
+      </p:grpSpPr>
+      <p:cxnSp>
+        <p:nvCxnSpPr>
+          <p:cNvPr id="6" name="Straight Arrow Connector 5"/>
+          <p:cNvCxnSpPr/>
+          <p:nvPr/>
+        </p:nvCxnSpPr>
+        <p:spPr>
+          <a:xfrm flipV="1">
+            <a:off x="3421380" y="1637665"/>
+            <a:ext cx="1406525" cy="1471930"/>
+          </a:xfrm>
+          <a:prstGeom prst="straightConnector1">
+            <a:avLst/>
+          </a:prstGeom>
+          <a:ln w="73025">
+            <a:solidFill>
+              <a:srgbClr val="FF3300"/>
+            </a:solidFill>
+            <a:tailEnd type="arrow"/>
+          </a:ln>
+        </p:spPr>
+        <p:style>
+          <a:lnRef idx="1">
+            <a:schemeClr val="accent1"/>
+          </a:lnRef>
+          <a:fillRef idx="0">
+            <a:schemeClr val="accent1"/>
+          </a:fillRef>
+          <a:effectRef idx="0">
+            <a:schemeClr val="accent1"/>
+          </a:effectRef>
+          <a:fontRef idx="minor">
+            <a:schemeClr val="tx1"/>
+          </a:fontRef>
+        </p:style>
+      </p:cxnSp>
+      <p:sp>
+        <p:nvSpPr>
+          <p:cNvPr id="11" name="Text Box 10"/>
+          <p:cNvSpPr txBox="1"/>
+          <p:nvPr/>
+        </p:nvSpPr>
+        <p:spPr>
+          <a:xfrm>
+            <a:off x="3404235" y="1767840"/>
+            <a:ext cx="572770" cy="521970"/>
+          </a:xfrm>
+          <a:prstGeom prst="rect">
+            <a:avLst/>
+          </a:prstGeom>
+          <a:noFill/>
+        </p:spPr>
+        <p:txBody>
+          <a:bodyPr wrap="square" rtlCol="0">
+            <a:spAutoFit/>
+          </a:bodyPr>
+          <a:p>
+            <a:r>
+              <a:rPr lang="en-US" sz="2800">
+                <a:solidFill>
+                  <a:srgbClr val="FF0000"/>
+                </a:solidFill>
+              </a:rPr>
+              <a:t>S1</a:t>
+            </a:r>
+            <a:endParaRPr lang="en-US" sz="2800">
+              <a:solidFill>
+                <a:srgbClr val="FF0000"/>
+              </a:solidFill>
+            </a:endParaRPr>
+          </a:p>
+        </p:txBody>
+      </p:sp>
+      <p:cxnSp>
+        <p:nvCxnSpPr>
+          <p:cNvPr id="2" name="Straight Arrow Connector 1"/>
+          <p:cNvCxnSpPr/>
+          <p:nvPr/>
+        </p:nvCxnSpPr>
+        <p:spPr>
+          <a:xfrm flipV="1">
+            <a:off x="5636260" y="3515995"/>
+            <a:ext cx="420370" cy="760095"/>
+          </a:xfrm>
+          <a:prstGeom prst="straightConnector1">
+            <a:avLst/>
+          </a:prstGeom>
+          <a:ln w="73025">
+            <a:solidFill>
+              <a:srgbClr val="FF3300"/>
+            </a:solidFill>
+            <a:tailEnd type="arrow"/>
+          </a:ln>
+        </p:spPr>
+        <p:style>
+          <a:lnRef idx="1">
+            <a:schemeClr val="accent1"/>
+          </a:lnRef>
+          <a:fillRef idx="0">
+            <a:schemeClr val="accent1"/>
+          </a:fillRef>
+          <a:effectRef idx="0">
+            <a:schemeClr val="accent1"/>
+          </a:effectRef>
+          <a:fontRef idx="minor">
+            <a:schemeClr val="tx1"/>
+          </a:fontRef>
+        </p:style>
+      </p:cxnSp>
+      <p:cxnSp>
+        <p:nvCxnSpPr>
+          <p:cNvPr id="4" name="Straight Arrow Connector 3"/>
+          <p:cNvCxnSpPr/>
+          <p:nvPr/>
+        </p:nvCxnSpPr>
+        <p:spPr>
+          <a:xfrm>
+            <a:off x="4812030" y="1702435"/>
+            <a:ext cx="824230" cy="2573655"/>
+          </a:xfrm>
+          <a:prstGeom prst="straightConnector1">
+            <a:avLst/>
+          </a:prstGeom>
+          <a:ln w="66675">
+            <a:solidFill>
+              <a:schemeClr val="accent6">
+                <a:lumMod val="60000"/>
+                <a:lumOff val="40000"/>
+              </a:schemeClr>
+            </a:solidFill>
+            <a:tailEnd type="arrow"/>
+          </a:ln>
+        </p:spPr>
+        <p:style>
+          <a:lnRef idx="1">
+            <a:schemeClr val="accent1"/>
+          </a:lnRef>
+          <a:fillRef idx="0">
+            <a:schemeClr val="accent1"/>
+          </a:fillRef>
+          <a:effectRef idx="0">
+            <a:schemeClr val="accent1"/>
+          </a:effectRef>
+          <a:fontRef idx="minor">
+            <a:schemeClr val="tx1"/>
+          </a:fontRef>
+        </p:style>
+      </p:cxnSp>
+      <p:sp>
+        <p:nvSpPr>
+          <p:cNvPr id="5" name="Text Box 4"/>
+          <p:cNvSpPr txBox="1"/>
+          <p:nvPr/>
+        </p:nvSpPr>
+        <p:spPr>
+          <a:xfrm>
+            <a:off x="5734685" y="4026535"/>
+            <a:ext cx="572770" cy="521970"/>
+          </a:xfrm>
+          <a:prstGeom prst="rect">
+            <a:avLst/>
+          </a:prstGeom>
+          <a:noFill/>
+        </p:spPr>
+        <p:txBody>
+          <a:bodyPr wrap="square" rtlCol="0">
+            <a:spAutoFit/>
+          </a:bodyPr>
+          <a:p>
+            <a:r>
+              <a:rPr lang="en-US" sz="2800">
+                <a:solidFill>
+                  <a:srgbClr val="FF0000"/>
+                </a:solidFill>
+              </a:rPr>
+              <a:t>S2</a:t>
+            </a:r>
+            <a:endParaRPr lang="en-US" sz="2800">
+              <a:solidFill>
+                <a:srgbClr val="FF0000"/>
+              </a:solidFill>
+            </a:endParaRPr>
+          </a:p>
+        </p:txBody>
+      </p:sp>
+      <p:sp>
+        <p:nvSpPr>
+          <p:cNvPr id="12" name="Text Box 11"/>
+          <p:cNvSpPr txBox="1"/>
+          <p:nvPr/>
+        </p:nvSpPr>
+        <p:spPr>
+          <a:xfrm>
+            <a:off x="5289550" y="2435225"/>
+            <a:ext cx="767080" cy="521970"/>
+          </a:xfrm>
+          <a:prstGeom prst="rect">
+            <a:avLst/>
+          </a:prstGeom>
+          <a:noFill/>
+        </p:spPr>
+        <p:txBody>
+          <a:bodyPr wrap="square" rtlCol="0">
+            <a:spAutoFit/>
+          </a:bodyPr>
+          <a:p>
+            <a:r>
+              <a:rPr lang="en-US" sz="2800">
+                <a:solidFill>
+                  <a:schemeClr val="accent6">
+                    <a:lumMod val="60000"/>
+                    <a:lumOff val="40000"/>
+                  </a:schemeClr>
+                </a:solidFill>
+              </a:rPr>
+              <a:t>X1</a:t>
+            </a:r>
+            <a:endParaRPr lang="en-US" sz="2800">
+              <a:solidFill>
+                <a:schemeClr val="accent6">
+                  <a:lumMod val="60000"/>
+                  <a:lumOff val="40000"/>
+                </a:schemeClr>
+              </a:solidFill>
+            </a:endParaRPr>
+          </a:p>
+        </p:txBody>
+      </p:sp>
+      <p:cxnSp>
+        <p:nvCxnSpPr>
+          <p:cNvPr id="14" name="Straight Arrow Connector 13"/>
+          <p:cNvCxnSpPr/>
+          <p:nvPr/>
+        </p:nvCxnSpPr>
+        <p:spPr>
+          <a:xfrm>
+            <a:off x="8747125" y="4156075"/>
+            <a:ext cx="1228725" cy="2134870"/>
+          </a:xfrm>
+          <a:prstGeom prst="straightConnector1">
+            <a:avLst/>
+          </a:prstGeom>
+          <a:ln w="66675">
+            <a:solidFill>
+              <a:schemeClr val="accent6">
+                <a:lumMod val="60000"/>
+                <a:lumOff val="40000"/>
+              </a:schemeClr>
+            </a:solidFill>
+            <a:tailEnd type="arrow"/>
+          </a:ln>
+        </p:spPr>
+        <p:style>
+          <a:lnRef idx="1">
+            <a:schemeClr val="accent1"/>
+          </a:lnRef>
+          <a:fillRef idx="0">
+            <a:schemeClr val="accent1"/>
+          </a:fillRef>
+          <a:effectRef idx="0">
+            <a:schemeClr val="accent1"/>
+          </a:effectRef>
+          <a:fontRef idx="minor">
+            <a:schemeClr val="tx1"/>
+          </a:fontRef>
+        </p:style>
+      </p:cxnSp>
+      <p:sp>
+        <p:nvSpPr>
+          <p:cNvPr id="15" name="Text Box 14"/>
+          <p:cNvSpPr txBox="1"/>
+          <p:nvPr/>
+        </p:nvSpPr>
+        <p:spPr>
+          <a:xfrm>
+            <a:off x="9975850" y="4026535"/>
+            <a:ext cx="767080" cy="521970"/>
+          </a:xfrm>
+          <a:prstGeom prst="rect">
+            <a:avLst/>
+          </a:prstGeom>
+          <a:noFill/>
+        </p:spPr>
+        <p:txBody>
+          <a:bodyPr wrap="square" rtlCol="0">
+            <a:spAutoFit/>
+          </a:bodyPr>
+          <a:p>
+            <a:r>
+              <a:rPr lang="en-US" sz="2800">
+                <a:solidFill>
+                  <a:schemeClr val="accent6">
+                    <a:lumMod val="60000"/>
+                    <a:lumOff val="40000"/>
+                  </a:schemeClr>
+                </a:solidFill>
+              </a:rPr>
+              <a:t>X2</a:t>
+            </a:r>
+            <a:endParaRPr lang="en-US" sz="2800">
+              <a:solidFill>
+                <a:schemeClr val="accent6">
+                  <a:lumMod val="60000"/>
+                  <a:lumOff val="40000"/>
+                </a:schemeClr>
+              </a:solidFill>
+            </a:endParaRPr>
+          </a:p>
+        </p:txBody>
+      </p:sp>
+    </p:spTree>
+  </p:cSld>
+  <p:clrMapOvr>
+    <a:masterClrMapping/>
+  </p:clrMapOvr>
+</p:sld>
+</file>
+
+<file path=ppt/slides/slide7.xml><?xml version="1.0" encoding="utf-8"?>
+<p:sld xmlns:a="http://schemas.openxmlformats.org/drawingml/2006/main" xmlns:r="http://schemas.openxmlformats.org/officeDocument/2006/relationships" xmlns:p="http://schemas.openxmlformats.org/presentationml/2006/main">
+  <p:cSld>
+    <p:spTree>
+      <p:nvGrpSpPr>
+        <p:cNvPr id="1" name=""/>
+        <p:cNvGrpSpPr/>
+        <p:nvPr/>
+      </p:nvGrpSpPr>
+      <p:grpSpPr>
+        <a:xfrm>
+          <a:off x="0" y="0"/>
+          <a:ext cx="0" cy="0"/>
+          <a:chOff x="0" y="0"/>
+          <a:chExt cx="0" cy="0"/>
+        </a:xfrm>
+      </p:grpSpPr>
+      <p:cxnSp>
+        <p:nvCxnSpPr>
+          <p:cNvPr id="6" name="Straight Arrow Connector 5"/>
+          <p:cNvCxnSpPr/>
+          <p:nvPr/>
+        </p:nvCxnSpPr>
+        <p:spPr>
+          <a:xfrm flipV="1">
+            <a:off x="3686175" y="1637665"/>
+            <a:ext cx="1141730" cy="1620520"/>
+          </a:xfrm>
+          <a:prstGeom prst="straightConnector1">
+            <a:avLst/>
+          </a:prstGeom>
+          <a:ln w="73025">
+            <a:solidFill>
+              <a:srgbClr val="FF3300"/>
+            </a:solidFill>
+            <a:tailEnd type="arrow"/>
+          </a:ln>
+        </p:spPr>
+        <p:style>
+          <a:lnRef idx="1">
+            <a:schemeClr val="accent1"/>
+          </a:lnRef>
+          <a:fillRef idx="0">
+            <a:schemeClr val="accent1"/>
+          </a:fillRef>
+          <a:effectRef idx="0">
+            <a:schemeClr val="accent1"/>
+          </a:effectRef>
+          <a:fontRef idx="minor">
+            <a:schemeClr val="tx1"/>
+          </a:fontRef>
+        </p:style>
+      </p:cxnSp>
+      <p:sp>
+        <p:nvSpPr>
+          <p:cNvPr id="11" name="Text Box 10"/>
+          <p:cNvSpPr txBox="1"/>
+          <p:nvPr/>
+        </p:nvSpPr>
+        <p:spPr>
+          <a:xfrm>
+            <a:off x="3743960" y="2042795"/>
+            <a:ext cx="572770" cy="521970"/>
+          </a:xfrm>
+          <a:prstGeom prst="rect">
+            <a:avLst/>
+          </a:prstGeom>
+          <a:noFill/>
+        </p:spPr>
+        <p:txBody>
+          <a:bodyPr wrap="square" rtlCol="0">
+            <a:spAutoFit/>
+          </a:bodyPr>
+          <a:p>
+            <a:r>
+              <a:rPr lang="en-US" sz="2800">
+                <a:solidFill>
+                  <a:srgbClr val="FF0000"/>
+                </a:solidFill>
+              </a:rPr>
+              <a:t>S1</a:t>
+            </a:r>
+            <a:endParaRPr lang="en-US" sz="2800">
+              <a:solidFill>
+                <a:srgbClr val="FF0000"/>
+              </a:solidFill>
+            </a:endParaRPr>
+          </a:p>
+        </p:txBody>
+      </p:sp>
+      <p:cxnSp>
+        <p:nvCxnSpPr>
+          <p:cNvPr id="2" name="Straight Arrow Connector 1"/>
+          <p:cNvCxnSpPr/>
+          <p:nvPr/>
+        </p:nvCxnSpPr>
+        <p:spPr>
+          <a:xfrm flipV="1">
+            <a:off x="5636260" y="2660015"/>
+            <a:ext cx="814705" cy="1616075"/>
+          </a:xfrm>
+          <a:prstGeom prst="straightConnector1">
+            <a:avLst/>
+          </a:prstGeom>
+          <a:ln w="73025">
+            <a:solidFill>
+              <a:srgbClr val="FF3300"/>
+            </a:solidFill>
+            <a:tailEnd type="arrow"/>
+          </a:ln>
+        </p:spPr>
+        <p:style>
+          <a:lnRef idx="1">
+            <a:schemeClr val="accent1"/>
+          </a:lnRef>
+          <a:fillRef idx="0">
+            <a:schemeClr val="accent1"/>
+          </a:fillRef>
+          <a:effectRef idx="0">
+            <a:schemeClr val="accent1"/>
+          </a:effectRef>
+          <a:fontRef idx="minor">
+            <a:schemeClr val="tx1"/>
+          </a:fontRef>
+        </p:style>
+      </p:cxnSp>
+      <p:cxnSp>
+        <p:nvCxnSpPr>
+          <p:cNvPr id="4" name="Straight Arrow Connector 3"/>
+          <p:cNvCxnSpPr/>
+          <p:nvPr/>
+        </p:nvCxnSpPr>
+        <p:spPr>
+          <a:xfrm>
+            <a:off x="4812030" y="1702435"/>
+            <a:ext cx="824230" cy="2573655"/>
+          </a:xfrm>
+          <a:prstGeom prst="straightConnector1">
+            <a:avLst/>
+          </a:prstGeom>
+          <a:ln w="66675">
+            <a:solidFill>
+              <a:schemeClr val="accent6">
+                <a:lumMod val="60000"/>
+                <a:lumOff val="40000"/>
+              </a:schemeClr>
+            </a:solidFill>
+            <a:tailEnd type="arrow"/>
+          </a:ln>
+        </p:spPr>
+        <p:style>
+          <a:lnRef idx="1">
+            <a:schemeClr val="accent1"/>
+          </a:lnRef>
+          <a:fillRef idx="0">
+            <a:schemeClr val="accent1"/>
+          </a:fillRef>
+          <a:effectRef idx="0">
+            <a:schemeClr val="accent1"/>
+          </a:effectRef>
+          <a:fontRef idx="minor">
+            <a:schemeClr val="tx1"/>
+          </a:fontRef>
+        </p:style>
+      </p:cxnSp>
+      <p:sp>
+        <p:nvSpPr>
+          <p:cNvPr id="5" name="Text Box 4"/>
+          <p:cNvSpPr txBox="1"/>
+          <p:nvPr/>
+        </p:nvSpPr>
+        <p:spPr>
+          <a:xfrm>
+            <a:off x="5967095" y="3452495"/>
+            <a:ext cx="572770" cy="521970"/>
+          </a:xfrm>
+          <a:prstGeom prst="rect">
+            <a:avLst/>
+          </a:prstGeom>
+          <a:noFill/>
+        </p:spPr>
+        <p:txBody>
+          <a:bodyPr wrap="square" rtlCol="0">
+            <a:spAutoFit/>
+          </a:bodyPr>
+          <a:p>
+            <a:r>
+              <a:rPr lang="en-US" sz="2800">
+                <a:solidFill>
+                  <a:srgbClr val="FF0000"/>
+                </a:solidFill>
+              </a:rPr>
+              <a:t>S2</a:t>
+            </a:r>
+            <a:endParaRPr lang="en-US" sz="2800">
+              <a:solidFill>
+                <a:srgbClr val="FF0000"/>
+              </a:solidFill>
+            </a:endParaRPr>
+          </a:p>
+        </p:txBody>
+      </p:sp>
+      <p:sp>
+        <p:nvSpPr>
+          <p:cNvPr id="12" name="Text Box 11"/>
+          <p:cNvSpPr txBox="1"/>
+          <p:nvPr/>
+        </p:nvSpPr>
+        <p:spPr>
+          <a:xfrm>
+            <a:off x="5289550" y="2435225"/>
+            <a:ext cx="767080" cy="521970"/>
+          </a:xfrm>
+          <a:prstGeom prst="rect">
+            <a:avLst/>
+          </a:prstGeom>
+          <a:noFill/>
+        </p:spPr>
+        <p:txBody>
+          <a:bodyPr wrap="square" rtlCol="0">
+            <a:spAutoFit/>
+          </a:bodyPr>
+          <a:p>
+            <a:r>
+              <a:rPr lang="en-US" sz="2800">
+                <a:solidFill>
+                  <a:schemeClr val="accent6">
+                    <a:lumMod val="60000"/>
+                    <a:lumOff val="40000"/>
+                  </a:schemeClr>
+                </a:solidFill>
+              </a:rPr>
+              <a:t>X1</a:t>
+            </a:r>
+            <a:endParaRPr lang="en-US" sz="2800">
+              <a:solidFill>
+                <a:schemeClr val="accent6">
+                  <a:lumMod val="60000"/>
+                  <a:lumOff val="40000"/>
+                </a:schemeClr>
+              </a:solidFill>
+            </a:endParaRPr>
+          </a:p>
+        </p:txBody>
+      </p:sp>
+      <p:cxnSp>
+        <p:nvCxnSpPr>
+          <p:cNvPr id="14" name="Straight Arrow Connector 13"/>
+          <p:cNvCxnSpPr/>
+          <p:nvPr/>
+        </p:nvCxnSpPr>
+        <p:spPr>
+          <a:xfrm>
+            <a:off x="6518275" y="2741295"/>
+            <a:ext cx="1228725" cy="2134870"/>
+          </a:xfrm>
+          <a:prstGeom prst="straightConnector1">
+            <a:avLst/>
+          </a:prstGeom>
+          <a:ln w="66675">
+            <a:solidFill>
+              <a:schemeClr val="accent6">
+                <a:lumMod val="60000"/>
+                <a:lumOff val="40000"/>
+              </a:schemeClr>
+            </a:solidFill>
+            <a:tailEnd type="arrow"/>
+          </a:ln>
+        </p:spPr>
+        <p:style>
+          <a:lnRef idx="1">
+            <a:schemeClr val="accent1"/>
+          </a:lnRef>
+          <a:fillRef idx="0">
+            <a:schemeClr val="accent1"/>
+          </a:fillRef>
+          <a:effectRef idx="0">
+            <a:schemeClr val="accent1"/>
+          </a:effectRef>
+          <a:fontRef idx="minor">
+            <a:schemeClr val="tx1"/>
+          </a:fontRef>
+        </p:style>
+      </p:cxnSp>
+      <p:sp>
+        <p:nvSpPr>
+          <p:cNvPr id="15" name="Text Box 14"/>
+          <p:cNvSpPr txBox="1"/>
+          <p:nvPr/>
+        </p:nvSpPr>
+        <p:spPr>
+          <a:xfrm>
+            <a:off x="7151370" y="3258185"/>
+            <a:ext cx="767080" cy="521970"/>
+          </a:xfrm>
+          <a:prstGeom prst="rect">
+            <a:avLst/>
+          </a:prstGeom>
+          <a:noFill/>
+        </p:spPr>
+        <p:txBody>
+          <a:bodyPr wrap="square" rtlCol="0">
+            <a:spAutoFit/>
+          </a:bodyPr>
+          <a:p>
+            <a:r>
+              <a:rPr lang="en-US" sz="2800">
+                <a:solidFill>
+                  <a:schemeClr val="accent6">
+                    <a:lumMod val="60000"/>
+                    <a:lumOff val="40000"/>
+                  </a:schemeClr>
+                </a:solidFill>
+              </a:rPr>
+              <a:t>X2</a:t>
+            </a:r>
+            <a:endParaRPr lang="en-US" sz="2800">
+              <a:solidFill>
+                <a:schemeClr val="accent6">
+                  <a:lumMod val="60000"/>
+                  <a:lumOff val="40000"/>
+                </a:schemeClr>
+              </a:solidFill>
+            </a:endParaRPr>
+          </a:p>
+        </p:txBody>
+      </p:sp>
+      <p:cxnSp>
+        <p:nvCxnSpPr>
+          <p:cNvPr id="3" name="Straight Arrow Connector 2"/>
+          <p:cNvCxnSpPr/>
+          <p:nvPr/>
+        </p:nvCxnSpPr>
+        <p:spPr>
+          <a:xfrm flipV="1">
+            <a:off x="7814310" y="3678555"/>
+            <a:ext cx="852170" cy="1197610"/>
+          </a:xfrm>
+          <a:prstGeom prst="straightConnector1">
+            <a:avLst/>
+          </a:prstGeom>
+          <a:ln w="73025">
+            <a:solidFill>
+              <a:srgbClr val="FF3300"/>
+            </a:solidFill>
+            <a:tailEnd type="arrow"/>
+          </a:ln>
+        </p:spPr>
+        <p:style>
+          <a:lnRef idx="1">
+            <a:schemeClr val="accent1"/>
+          </a:lnRef>
+          <a:fillRef idx="0">
+            <a:schemeClr val="accent1"/>
+          </a:fillRef>
+          <a:effectRef idx="0">
+            <a:schemeClr val="accent1"/>
+          </a:effectRef>
+          <a:fontRef idx="minor">
+            <a:schemeClr val="tx1"/>
+          </a:fontRef>
+        </p:style>
+      </p:cxnSp>
+      <p:cxnSp>
+        <p:nvCxnSpPr>
+          <p:cNvPr id="7" name="Straight Arrow Connector 6"/>
+          <p:cNvCxnSpPr/>
+          <p:nvPr/>
+        </p:nvCxnSpPr>
+        <p:spPr>
+          <a:xfrm>
+            <a:off x="8629015" y="3678555"/>
+            <a:ext cx="1228725" cy="2134870"/>
+          </a:xfrm>
+          <a:prstGeom prst="straightConnector1">
+            <a:avLst/>
+          </a:prstGeom>
+          <a:ln w="66675">
+            <a:solidFill>
+              <a:schemeClr val="accent6">
+                <a:lumMod val="60000"/>
+                <a:lumOff val="40000"/>
+              </a:schemeClr>
+            </a:solidFill>
+            <a:tailEnd type="arrow"/>
+          </a:ln>
+        </p:spPr>
+        <p:style>
+          <a:lnRef idx="1">
+            <a:schemeClr val="accent1"/>
+          </a:lnRef>
+          <a:fillRef idx="0">
+            <a:schemeClr val="accent1"/>
+          </a:fillRef>
+          <a:effectRef idx="0">
+            <a:schemeClr val="accent1"/>
+          </a:effectRef>
+          <a:fontRef idx="minor">
+            <a:schemeClr val="tx1"/>
+          </a:fontRef>
+        </p:style>
+      </p:cxnSp>
+      <p:sp>
+        <p:nvSpPr>
+          <p:cNvPr id="8" name="Text Box 7"/>
+          <p:cNvSpPr txBox="1"/>
+          <p:nvPr/>
+        </p:nvSpPr>
+        <p:spPr>
+          <a:xfrm>
+            <a:off x="7747000" y="3780155"/>
+            <a:ext cx="572770" cy="521970"/>
+          </a:xfrm>
+          <a:prstGeom prst="rect">
+            <a:avLst/>
+          </a:prstGeom>
+          <a:noFill/>
+        </p:spPr>
+        <p:txBody>
+          <a:bodyPr wrap="square" rtlCol="0">
+            <a:spAutoFit/>
+          </a:bodyPr>
+          <a:p>
+            <a:r>
+              <a:rPr lang="en-US" sz="2800">
+                <a:solidFill>
+                  <a:srgbClr val="FF0000"/>
+                </a:solidFill>
+              </a:rPr>
+              <a:t>S3</a:t>
+            </a:r>
+            <a:endParaRPr lang="en-US" sz="2800">
+              <a:solidFill>
+                <a:srgbClr val="FF0000"/>
+              </a:solidFill>
+            </a:endParaRPr>
+          </a:p>
+        </p:txBody>
+      </p:sp>
+      <p:sp>
+        <p:nvSpPr>
+          <p:cNvPr id="9" name="Text Box 8"/>
+          <p:cNvSpPr txBox="1"/>
+          <p:nvPr/>
+        </p:nvSpPr>
+        <p:spPr>
+          <a:xfrm>
+            <a:off x="9437370" y="4276090"/>
+            <a:ext cx="767080" cy="521970"/>
+          </a:xfrm>
+          <a:prstGeom prst="rect">
+            <a:avLst/>
+          </a:prstGeom>
+          <a:noFill/>
+        </p:spPr>
+        <p:txBody>
+          <a:bodyPr wrap="square" rtlCol="0">
+            <a:spAutoFit/>
+          </a:bodyPr>
+          <a:p>
+            <a:r>
+              <a:rPr lang="en-US" sz="2800">
+                <a:solidFill>
+                  <a:schemeClr val="accent6">
+                    <a:lumMod val="60000"/>
+                    <a:lumOff val="40000"/>
+                  </a:schemeClr>
+                </a:solidFill>
+              </a:rPr>
+              <a:t>X3</a:t>
+            </a:r>
+            <a:endParaRPr lang="en-US" sz="2800">
+              <a:solidFill>
+                <a:schemeClr val="accent6">
+                  <a:lumMod val="60000"/>
+                  <a:lumOff val="40000"/>
+                </a:schemeClr>
+              </a:solidFill>
+            </a:endParaRPr>
+          </a:p>
+        </p:txBody>
+      </p:sp>
+    </p:spTree>
+  </p:cSld>
+  <p:clrMapOvr>
+    <a:masterClrMapping/>
+  </p:clrMapOvr>
+</p:sld>
+</file>
+
+<file path=ppt/slides/slide8.xml><?xml version="1.0" encoding="utf-8"?>
+<p:sld xmlns:a="http://schemas.openxmlformats.org/drawingml/2006/main" xmlns:r="http://schemas.openxmlformats.org/officeDocument/2006/relationships" xmlns:p="http://schemas.openxmlformats.org/presentationml/2006/main">
+  <p:cSld>
+    <p:spTree>
+      <p:nvGrpSpPr>
+        <p:cNvPr id="1" name=""/>
+        <p:cNvGrpSpPr/>
+        <p:nvPr/>
+      </p:nvGrpSpPr>
+      <p:grpSpPr>
+        <a:xfrm>
+          <a:off x="0" y="0"/>
+          <a:ext cx="0" cy="0"/>
+          <a:chOff x="0" y="0"/>
+          <a:chExt cx="0" cy="0"/>
+        </a:xfrm>
+      </p:grpSpPr>
+      <p:cxnSp>
+        <p:nvCxnSpPr>
+          <p:cNvPr id="6" name="Straight Arrow Connector 5"/>
+          <p:cNvCxnSpPr/>
+          <p:nvPr/>
+        </p:nvCxnSpPr>
+        <p:spPr>
+          <a:xfrm flipV="1">
+            <a:off x="404495" y="1653540"/>
+            <a:ext cx="1141730" cy="1620520"/>
+          </a:xfrm>
+          <a:prstGeom prst="straightConnector1">
+            <a:avLst/>
+          </a:prstGeom>
+          <a:ln w="73025">
+            <a:solidFill>
+              <a:srgbClr val="FF3300"/>
+            </a:solidFill>
+            <a:tailEnd type="arrow"/>
+          </a:ln>
+        </p:spPr>
+        <p:style>
+          <a:lnRef idx="1">
+            <a:schemeClr val="accent1"/>
+          </a:lnRef>
+          <a:fillRef idx="0">
+            <a:schemeClr val="accent1"/>
+          </a:fillRef>
+          <a:effectRef idx="0">
+            <a:schemeClr val="accent1"/>
+          </a:effectRef>
+          <a:fontRef idx="minor">
+            <a:schemeClr val="tx1"/>
+          </a:fontRef>
+        </p:style>
+      </p:cxnSp>
+      <p:sp>
+        <p:nvSpPr>
+          <p:cNvPr id="11" name="Text Box 10"/>
+          <p:cNvSpPr txBox="1"/>
+          <p:nvPr/>
+        </p:nvSpPr>
+        <p:spPr>
+          <a:xfrm>
+            <a:off x="462280" y="2058670"/>
+            <a:ext cx="572770" cy="521970"/>
+          </a:xfrm>
+          <a:prstGeom prst="rect">
+            <a:avLst/>
+          </a:prstGeom>
+          <a:noFill/>
+        </p:spPr>
+        <p:txBody>
+          <a:bodyPr wrap="square" rtlCol="0">
+            <a:spAutoFit/>
+          </a:bodyPr>
+          <a:p>
+            <a:r>
+              <a:rPr lang="en-US" sz="2800">
+                <a:solidFill>
+                  <a:srgbClr val="FF0000"/>
+                </a:solidFill>
+              </a:rPr>
+              <a:t>S1</a:t>
+            </a:r>
+            <a:endParaRPr lang="en-US" sz="2800">
+              <a:solidFill>
+                <a:srgbClr val="FF0000"/>
+              </a:solidFill>
+            </a:endParaRPr>
+          </a:p>
+        </p:txBody>
+      </p:sp>
+      <p:cxnSp>
+        <p:nvCxnSpPr>
+          <p:cNvPr id="2" name="Straight Arrow Connector 1"/>
+          <p:cNvCxnSpPr/>
+          <p:nvPr/>
+        </p:nvCxnSpPr>
+        <p:spPr>
+          <a:xfrm flipV="1">
+            <a:off x="1951990" y="1247775"/>
+            <a:ext cx="814705" cy="1616075"/>
+          </a:xfrm>
+          <a:prstGeom prst="straightConnector1">
+            <a:avLst/>
+          </a:prstGeom>
+          <a:ln w="73025">
+            <a:solidFill>
+              <a:srgbClr val="FF3300"/>
+            </a:solidFill>
+            <a:tailEnd type="arrow"/>
+          </a:ln>
+        </p:spPr>
+        <p:style>
+          <a:lnRef idx="1">
+            <a:schemeClr val="accent1"/>
+          </a:lnRef>
+          <a:fillRef idx="0">
+            <a:schemeClr val="accent1"/>
+          </a:fillRef>
+          <a:effectRef idx="0">
+            <a:schemeClr val="accent1"/>
+          </a:effectRef>
+          <a:fontRef idx="minor">
+            <a:schemeClr val="tx1"/>
+          </a:fontRef>
+        </p:style>
+      </p:cxnSp>
+      <p:cxnSp>
+        <p:nvCxnSpPr>
+          <p:cNvPr id="4" name="Straight Arrow Connector 3"/>
+          <p:cNvCxnSpPr/>
+          <p:nvPr/>
+        </p:nvCxnSpPr>
+        <p:spPr>
+          <a:xfrm>
+            <a:off x="1530350" y="1718310"/>
+            <a:ext cx="421640" cy="1259205"/>
+          </a:xfrm>
+          <a:prstGeom prst="straightConnector1">
+            <a:avLst/>
+          </a:prstGeom>
+          <a:ln w="66675">
+            <a:solidFill>
+              <a:schemeClr val="accent6">
+                <a:lumMod val="60000"/>
+                <a:lumOff val="40000"/>
+              </a:schemeClr>
+            </a:solidFill>
+            <a:tailEnd type="arrow"/>
+          </a:ln>
+        </p:spPr>
+        <p:style>
+          <a:lnRef idx="1">
+            <a:schemeClr val="accent1"/>
+          </a:lnRef>
+          <a:fillRef idx="0">
+            <a:schemeClr val="accent1"/>
+          </a:fillRef>
+          <a:effectRef idx="0">
+            <a:schemeClr val="accent1"/>
+          </a:effectRef>
+          <a:fontRef idx="minor">
+            <a:schemeClr val="tx1"/>
+          </a:fontRef>
+        </p:style>
+      </p:cxnSp>
+      <p:sp>
+        <p:nvSpPr>
+          <p:cNvPr id="5" name="Text Box 4"/>
+          <p:cNvSpPr txBox="1"/>
+          <p:nvPr/>
+        </p:nvSpPr>
+        <p:spPr>
+          <a:xfrm>
+            <a:off x="2882265" y="1510665"/>
+            <a:ext cx="572770" cy="521970"/>
+          </a:xfrm>
+          <a:prstGeom prst="rect">
+            <a:avLst/>
+          </a:prstGeom>
+          <a:noFill/>
+        </p:spPr>
+        <p:txBody>
+          <a:bodyPr wrap="square" rtlCol="0">
+            <a:spAutoFit/>
+          </a:bodyPr>
+          <a:p>
+            <a:r>
+              <a:rPr lang="en-US" sz="2800">
+                <a:solidFill>
+                  <a:srgbClr val="FF0000"/>
+                </a:solidFill>
+              </a:rPr>
+              <a:t>S2</a:t>
+            </a:r>
+            <a:endParaRPr lang="en-US" sz="2800">
+              <a:solidFill>
+                <a:srgbClr val="FF0000"/>
+              </a:solidFill>
+            </a:endParaRPr>
+          </a:p>
+        </p:txBody>
+      </p:sp>
+      <p:sp>
+        <p:nvSpPr>
+          <p:cNvPr id="12" name="Text Box 11"/>
+          <p:cNvSpPr txBox="1"/>
+          <p:nvPr/>
+        </p:nvSpPr>
+        <p:spPr>
+          <a:xfrm>
+            <a:off x="1184910" y="2752090"/>
+            <a:ext cx="767080" cy="521970"/>
+          </a:xfrm>
+          <a:prstGeom prst="rect">
+            <a:avLst/>
+          </a:prstGeom>
+          <a:noFill/>
+        </p:spPr>
+        <p:txBody>
+          <a:bodyPr wrap="square" rtlCol="0">
+            <a:spAutoFit/>
+          </a:bodyPr>
+          <a:p>
+            <a:r>
+              <a:rPr lang="en-US" sz="2800">
+                <a:solidFill>
+                  <a:schemeClr val="accent6">
+                    <a:lumMod val="60000"/>
+                    <a:lumOff val="40000"/>
+                  </a:schemeClr>
+                </a:solidFill>
+              </a:rPr>
+              <a:t>X1</a:t>
+            </a:r>
+            <a:endParaRPr lang="en-US" sz="2800">
+              <a:solidFill>
+                <a:schemeClr val="accent6">
+                  <a:lumMod val="60000"/>
+                  <a:lumOff val="40000"/>
+                </a:schemeClr>
+              </a:solidFill>
+            </a:endParaRPr>
+          </a:p>
+        </p:txBody>
+      </p:sp>
+      <p:cxnSp>
+        <p:nvCxnSpPr>
+          <p:cNvPr id="10" name="Straight Arrow Connector 9"/>
+          <p:cNvCxnSpPr/>
+          <p:nvPr/>
+        </p:nvCxnSpPr>
+        <p:spPr>
+          <a:xfrm flipV="1">
+            <a:off x="3879215" y="2715895"/>
+            <a:ext cx="1141730" cy="1620520"/>
+          </a:xfrm>
+          <a:prstGeom prst="straightConnector1">
+            <a:avLst/>
+          </a:prstGeom>
+          <a:ln w="73025">
+            <a:solidFill>
+              <a:srgbClr val="FF3300"/>
+            </a:solidFill>
+            <a:tailEnd type="arrow"/>
+          </a:ln>
+        </p:spPr>
+        <p:style>
+          <a:lnRef idx="1">
+            <a:schemeClr val="accent1"/>
+          </a:lnRef>
+          <a:fillRef idx="0">
+            <a:schemeClr val="accent1"/>
+          </a:fillRef>
+          <a:effectRef idx="0">
+            <a:schemeClr val="accent1"/>
+          </a:effectRef>
+          <a:fontRef idx="minor">
+            <a:schemeClr val="tx1"/>
+          </a:fontRef>
+        </p:style>
+      </p:cxnSp>
+      <p:sp>
+        <p:nvSpPr>
+          <p:cNvPr id="13" name="Text Box 12"/>
+          <p:cNvSpPr txBox="1"/>
+          <p:nvPr/>
+        </p:nvSpPr>
+        <p:spPr>
+          <a:xfrm>
+            <a:off x="3937000" y="3121025"/>
+            <a:ext cx="572770" cy="521970"/>
+          </a:xfrm>
+          <a:prstGeom prst="rect">
+            <a:avLst/>
+          </a:prstGeom>
+          <a:noFill/>
+        </p:spPr>
+        <p:txBody>
+          <a:bodyPr wrap="square" rtlCol="0">
+            <a:spAutoFit/>
+          </a:bodyPr>
+          <a:p>
+            <a:r>
+              <a:rPr lang="en-US" sz="2800">
+                <a:solidFill>
+                  <a:srgbClr val="FF0000"/>
+                </a:solidFill>
+              </a:rPr>
+              <a:t>S1</a:t>
+            </a:r>
+            <a:endParaRPr lang="en-US" sz="2800">
+              <a:solidFill>
+                <a:srgbClr val="FF0000"/>
+              </a:solidFill>
+            </a:endParaRPr>
+          </a:p>
+        </p:txBody>
+      </p:sp>
+      <p:cxnSp>
+        <p:nvCxnSpPr>
+          <p:cNvPr id="16" name="Straight Arrow Connector 15"/>
+          <p:cNvCxnSpPr/>
+          <p:nvPr/>
+        </p:nvCxnSpPr>
+        <p:spPr>
+          <a:xfrm flipV="1">
+            <a:off x="5426710" y="2310130"/>
+            <a:ext cx="814705" cy="1616075"/>
+          </a:xfrm>
+          <a:prstGeom prst="straightConnector1">
+            <a:avLst/>
+          </a:prstGeom>
+          <a:ln w="73025">
+            <a:solidFill>
+              <a:srgbClr val="FF3300"/>
+            </a:solidFill>
+            <a:tailEnd type="arrow"/>
+          </a:ln>
+        </p:spPr>
+        <p:style>
+          <a:lnRef idx="1">
+            <a:schemeClr val="accent1"/>
+          </a:lnRef>
+          <a:fillRef idx="0">
+            <a:schemeClr val="accent1"/>
+          </a:fillRef>
+          <a:effectRef idx="0">
+            <a:schemeClr val="accent1"/>
+          </a:effectRef>
+          <a:fontRef idx="minor">
+            <a:schemeClr val="tx1"/>
+          </a:fontRef>
+        </p:style>
+      </p:cxnSp>
+      <p:cxnSp>
+        <p:nvCxnSpPr>
+          <p:cNvPr id="17" name="Straight Arrow Connector 16"/>
+          <p:cNvCxnSpPr/>
+          <p:nvPr/>
+        </p:nvCxnSpPr>
+        <p:spPr>
+          <a:xfrm>
+            <a:off x="5005070" y="2780665"/>
+            <a:ext cx="421640" cy="1259205"/>
+          </a:xfrm>
+          <a:prstGeom prst="straightConnector1">
+            <a:avLst/>
+          </a:prstGeom>
+          <a:ln w="66675">
+            <a:solidFill>
+              <a:schemeClr val="accent6">
+                <a:lumMod val="60000"/>
+                <a:lumOff val="40000"/>
+              </a:schemeClr>
+            </a:solidFill>
+            <a:tailEnd type="arrow"/>
+          </a:ln>
+        </p:spPr>
+        <p:style>
+          <a:lnRef idx="1">
+            <a:schemeClr val="accent1"/>
+          </a:lnRef>
+          <a:fillRef idx="0">
+            <a:schemeClr val="accent1"/>
+          </a:fillRef>
+          <a:effectRef idx="0">
+            <a:schemeClr val="accent1"/>
+          </a:effectRef>
+          <a:fontRef idx="minor">
+            <a:schemeClr val="tx1"/>
+          </a:fontRef>
+        </p:style>
+      </p:cxnSp>
+      <p:sp>
+        <p:nvSpPr>
+          <p:cNvPr id="18" name="Text Box 17"/>
+          <p:cNvSpPr txBox="1"/>
+          <p:nvPr/>
+        </p:nvSpPr>
+        <p:spPr>
+          <a:xfrm>
+            <a:off x="5344795" y="2230120"/>
+            <a:ext cx="572770" cy="521970"/>
+          </a:xfrm>
+          <a:prstGeom prst="rect">
+            <a:avLst/>
+          </a:prstGeom>
+          <a:noFill/>
+        </p:spPr>
+        <p:txBody>
+          <a:bodyPr wrap="square" rtlCol="0">
+            <a:spAutoFit/>
+          </a:bodyPr>
+          <a:p>
+            <a:r>
+              <a:rPr lang="en-US" sz="2800">
+                <a:solidFill>
+                  <a:srgbClr val="FF0000"/>
+                </a:solidFill>
+              </a:rPr>
+              <a:t>S2</a:t>
+            </a:r>
+            <a:endParaRPr lang="en-US" sz="2800">
+              <a:solidFill>
+                <a:srgbClr val="FF0000"/>
+              </a:solidFill>
+            </a:endParaRPr>
+          </a:p>
+        </p:txBody>
+      </p:sp>
+      <p:sp>
+        <p:nvSpPr>
+          <p:cNvPr id="19" name="Text Box 18"/>
+          <p:cNvSpPr txBox="1"/>
+          <p:nvPr/>
+        </p:nvSpPr>
+        <p:spPr>
+          <a:xfrm>
+            <a:off x="4659630" y="3814445"/>
+            <a:ext cx="767080" cy="521970"/>
+          </a:xfrm>
+          <a:prstGeom prst="rect">
+            <a:avLst/>
+          </a:prstGeom>
+          <a:noFill/>
+        </p:spPr>
+        <p:txBody>
+          <a:bodyPr wrap="square" rtlCol="0">
+            <a:spAutoFit/>
+          </a:bodyPr>
+          <a:p>
+            <a:r>
+              <a:rPr lang="en-US" sz="2800">
+                <a:solidFill>
+                  <a:schemeClr val="accent6">
+                    <a:lumMod val="60000"/>
+                    <a:lumOff val="40000"/>
+                  </a:schemeClr>
+                </a:solidFill>
+              </a:rPr>
+              <a:t>X1</a:t>
+            </a:r>
+            <a:endParaRPr lang="en-US" sz="2800">
+              <a:solidFill>
+                <a:schemeClr val="accent6">
+                  <a:lumMod val="60000"/>
+                  <a:lumOff val="40000"/>
+                </a:schemeClr>
+              </a:solidFill>
+            </a:endParaRPr>
+          </a:p>
+        </p:txBody>
+      </p:sp>
+      <p:cxnSp>
+        <p:nvCxnSpPr>
+          <p:cNvPr id="20" name="Straight Arrow Connector 19"/>
+          <p:cNvCxnSpPr/>
+          <p:nvPr/>
+        </p:nvCxnSpPr>
+        <p:spPr>
+          <a:xfrm>
+            <a:off x="6241415" y="2364105"/>
+            <a:ext cx="305435" cy="1039495"/>
+          </a:xfrm>
+          <a:prstGeom prst="straightConnector1">
+            <a:avLst/>
+          </a:prstGeom>
+          <a:ln w="66675">
+            <a:solidFill>
+              <a:schemeClr val="accent6">
+                <a:lumMod val="60000"/>
+                <a:lumOff val="40000"/>
+              </a:schemeClr>
+            </a:solidFill>
+            <a:tailEnd type="arrow"/>
+          </a:ln>
+        </p:spPr>
+        <p:style>
+          <a:lnRef idx="1">
+            <a:schemeClr val="accent1"/>
+          </a:lnRef>
+          <a:fillRef idx="0">
+            <a:schemeClr val="accent1"/>
+          </a:fillRef>
+          <a:effectRef idx="0">
+            <a:schemeClr val="accent1"/>
+          </a:effectRef>
+          <a:fontRef idx="minor">
+            <a:schemeClr val="tx1"/>
+          </a:fontRef>
+        </p:style>
+      </p:cxnSp>
+      <p:sp>
+        <p:nvSpPr>
+          <p:cNvPr id="21" name="Text Box 20"/>
+          <p:cNvSpPr txBox="1"/>
+          <p:nvPr/>
+        </p:nvSpPr>
+        <p:spPr>
+          <a:xfrm>
+            <a:off x="6546850" y="2580640"/>
+            <a:ext cx="767080" cy="521970"/>
+          </a:xfrm>
+          <a:prstGeom prst="rect">
+            <a:avLst/>
+          </a:prstGeom>
+          <a:noFill/>
+        </p:spPr>
+        <p:txBody>
+          <a:bodyPr wrap="square" rtlCol="0">
+            <a:spAutoFit/>
+          </a:bodyPr>
+          <a:p>
+            <a:r>
+              <a:rPr lang="en-US" sz="2800">
+                <a:solidFill>
+                  <a:schemeClr val="accent6">
+                    <a:lumMod val="60000"/>
+                    <a:lumOff val="40000"/>
+                  </a:schemeClr>
+                </a:solidFill>
+              </a:rPr>
+              <a:t>X2</a:t>
+            </a:r>
+            <a:endParaRPr lang="en-US" sz="2800">
+              <a:solidFill>
+                <a:schemeClr val="accent6">
+                  <a:lumMod val="60000"/>
+                  <a:lumOff val="40000"/>
+                </a:schemeClr>
+              </a:solidFill>
+            </a:endParaRPr>
+          </a:p>
+        </p:txBody>
+      </p:sp>
+      <p:cxnSp>
+        <p:nvCxnSpPr>
+          <p:cNvPr id="22" name="Straight Arrow Connector 21"/>
+          <p:cNvCxnSpPr/>
+          <p:nvPr/>
+        </p:nvCxnSpPr>
+        <p:spPr>
+          <a:xfrm flipV="1">
+            <a:off x="7529830" y="3699510"/>
+            <a:ext cx="771525" cy="1037590"/>
+          </a:xfrm>
+          <a:prstGeom prst="straightConnector1">
+            <a:avLst/>
+          </a:prstGeom>
+          <a:ln w="73025">
+            <a:solidFill>
+              <a:srgbClr val="FF3300"/>
+            </a:solidFill>
+            <a:tailEnd type="arrow"/>
+          </a:ln>
+        </p:spPr>
+        <p:style>
+          <a:lnRef idx="1">
+            <a:schemeClr val="accent1"/>
+          </a:lnRef>
+          <a:fillRef idx="0">
+            <a:schemeClr val="accent1"/>
+          </a:fillRef>
+          <a:effectRef idx="0">
+            <a:schemeClr val="accent1"/>
+          </a:effectRef>
+          <a:fontRef idx="minor">
+            <a:schemeClr val="tx1"/>
+          </a:fontRef>
+        </p:style>
+      </p:cxnSp>
+      <p:cxnSp>
+        <p:nvCxnSpPr>
+          <p:cNvPr id="23" name="Straight Arrow Connector 22"/>
+          <p:cNvCxnSpPr/>
+          <p:nvPr/>
+        </p:nvCxnSpPr>
+        <p:spPr>
+          <a:xfrm>
+            <a:off x="8295005" y="3814445"/>
+            <a:ext cx="764540" cy="2324735"/>
+          </a:xfrm>
+          <a:prstGeom prst="straightConnector1">
+            <a:avLst/>
+          </a:prstGeom>
+          <a:ln w="66675">
+            <a:solidFill>
+              <a:schemeClr val="accent6">
+                <a:lumMod val="60000"/>
+                <a:lumOff val="40000"/>
+              </a:schemeClr>
+            </a:solidFill>
+            <a:tailEnd type="arrow"/>
+          </a:ln>
+        </p:spPr>
+        <p:style>
+          <a:lnRef idx="1">
+            <a:schemeClr val="accent1"/>
+          </a:lnRef>
+          <a:fillRef idx="0">
+            <a:schemeClr val="accent1"/>
+          </a:fillRef>
+          <a:effectRef idx="0">
+            <a:schemeClr val="accent1"/>
+          </a:effectRef>
+          <a:fontRef idx="minor">
+            <a:schemeClr val="tx1"/>
+          </a:fontRef>
+        </p:style>
+      </p:cxnSp>
+      <p:sp>
+        <p:nvSpPr>
+          <p:cNvPr id="24" name="Text Box 23"/>
+          <p:cNvSpPr txBox="1"/>
+          <p:nvPr/>
+        </p:nvSpPr>
+        <p:spPr>
+          <a:xfrm>
+            <a:off x="8955405" y="5130800"/>
+            <a:ext cx="767080" cy="521970"/>
+          </a:xfrm>
+          <a:prstGeom prst="rect">
+            <a:avLst/>
+          </a:prstGeom>
+          <a:noFill/>
+        </p:spPr>
+        <p:txBody>
+          <a:bodyPr wrap="square" rtlCol="0">
+            <a:spAutoFit/>
+          </a:bodyPr>
+          <a:p>
+            <a:r>
+              <a:rPr lang="en-US" sz="2800">
+                <a:solidFill>
+                  <a:schemeClr val="accent6">
+                    <a:lumMod val="60000"/>
+                    <a:lumOff val="40000"/>
+                  </a:schemeClr>
+                </a:solidFill>
+              </a:rPr>
+              <a:t>X3</a:t>
+            </a:r>
+            <a:endParaRPr lang="en-US" sz="2800">
+              <a:solidFill>
+                <a:schemeClr val="accent6">
+                  <a:lumMod val="60000"/>
+                  <a:lumOff val="40000"/>
+                </a:schemeClr>
+              </a:solidFill>
+            </a:endParaRPr>
+          </a:p>
+        </p:txBody>
+      </p:sp>
+      <p:sp>
+        <p:nvSpPr>
+          <p:cNvPr id="25" name="Text Box 24"/>
+          <p:cNvSpPr txBox="1"/>
+          <p:nvPr/>
+        </p:nvSpPr>
+        <p:spPr>
+          <a:xfrm>
+            <a:off x="7853680" y="4336415"/>
+            <a:ext cx="572770" cy="521970"/>
+          </a:xfrm>
+          <a:prstGeom prst="rect">
+            <a:avLst/>
+          </a:prstGeom>
+          <a:noFill/>
+        </p:spPr>
+        <p:txBody>
+          <a:bodyPr wrap="square" rtlCol="0">
+            <a:spAutoFit/>
+          </a:bodyPr>
+          <a:p>
+            <a:r>
+              <a:rPr lang="en-US" sz="2800">
+                <a:solidFill>
+                  <a:srgbClr val="FF0000"/>
+                </a:solidFill>
+              </a:rPr>
+              <a:t>S3</a:t>
+            </a:r>
+            <a:endParaRPr lang="en-US" sz="2800">
+              <a:solidFill>
+                <a:srgbClr val="FF0000"/>
               </a:solidFill>
             </a:endParaRPr>
           </a:p>

--- a/finance/chanlun/charts.pptx
+++ b/finance/chanlun/charts.pptx
@@ -5,10 +5,10 @@
     <p:sldMasterId id="2147483648" r:id="rId1"/>
   </p:sldMasterIdLst>
   <p:notesMasterIdLst>
-    <p:notesMasterId r:id="rId11"/>
+    <p:notesMasterId r:id="rId12"/>
   </p:notesMasterIdLst>
   <p:handoutMasterIdLst>
-    <p:handoutMasterId r:id="rId12"/>
+    <p:handoutMasterId r:id="rId13"/>
   </p:handoutMasterIdLst>
   <p:sldIdLst>
     <p:sldId id="256" r:id="rId3"/>
@@ -19,6 +19,7 @@
     <p:sldId id="261" r:id="rId8"/>
     <p:sldId id="262" r:id="rId9"/>
     <p:sldId id="263" r:id="rId10"/>
+    <p:sldId id="264" r:id="rId11"/>
   </p:sldIdLst>
   <p:sldSz cx="12192000" cy="6858000"/>
   <p:notesSz cx="7103745" cy="10234295"/>
@@ -7476,6 +7477,31 @@
           </a:p>
         </p:txBody>
       </p:sp>
+    </p:spTree>
+  </p:cSld>
+  <p:clrMapOvr>
+    <a:masterClrMapping/>
+  </p:clrMapOvr>
+</p:sld>
+</file>
+
+<file path=ppt/slides/slide9.xml><?xml version="1.0" encoding="utf-8"?>
+<p:sld xmlns:a="http://schemas.openxmlformats.org/drawingml/2006/main" xmlns:r="http://schemas.openxmlformats.org/officeDocument/2006/relationships" xmlns:p="http://schemas.openxmlformats.org/presentationml/2006/main">
+  <p:cSld>
+    <p:spTree>
+      <p:nvGrpSpPr>
+        <p:cNvPr id="1" name=""/>
+        <p:cNvGrpSpPr/>
+        <p:nvPr/>
+      </p:nvGrpSpPr>
+      <p:grpSpPr>
+        <a:xfrm>
+          <a:off x="0" y="0"/>
+          <a:ext cx="0" cy="0"/>
+          <a:chOff x="0" y="0"/>
+          <a:chExt cx="0" cy="0"/>
+        </a:xfrm>
+      </p:grpSpPr>
     </p:spTree>
   </p:cSld>
   <p:clrMapOvr>

--- a/finance/chanlun/charts.pptx
+++ b/finance/chanlun/charts.pptx
@@ -5,10 +5,10 @@
     <p:sldMasterId id="2147483648" r:id="rId1"/>
   </p:sldMasterIdLst>
   <p:notesMasterIdLst>
-    <p:notesMasterId r:id="rId12"/>
+    <p:notesMasterId r:id="rId13"/>
   </p:notesMasterIdLst>
   <p:handoutMasterIdLst>
-    <p:handoutMasterId r:id="rId13"/>
+    <p:handoutMasterId r:id="rId14"/>
   </p:handoutMasterIdLst>
   <p:sldIdLst>
     <p:sldId id="256" r:id="rId3"/>
@@ -19,7 +19,8 @@
     <p:sldId id="261" r:id="rId8"/>
     <p:sldId id="262" r:id="rId9"/>
     <p:sldId id="263" r:id="rId10"/>
-    <p:sldId id="264" r:id="rId11"/>
+    <p:sldId id="265" r:id="rId11"/>
+    <p:sldId id="266" r:id="rId12"/>
   </p:sldIdLst>
   <p:sldSz cx="12192000" cy="6858000"/>
   <p:notesSz cx="7103745" cy="10234295"/>
@@ -3802,6 +3803,673 @@
 </p:sld>
 </file>
 
+<file path=ppt/slides/slide10.xml><?xml version="1.0" encoding="utf-8"?>
+<p:sld xmlns:a="http://schemas.openxmlformats.org/drawingml/2006/main" xmlns:r="http://schemas.openxmlformats.org/officeDocument/2006/relationships" xmlns:p="http://schemas.openxmlformats.org/presentationml/2006/main">
+  <p:cSld>
+    <p:spTree>
+      <p:nvGrpSpPr>
+        <p:cNvPr id="1" name=""/>
+        <p:cNvGrpSpPr/>
+        <p:nvPr/>
+      </p:nvGrpSpPr>
+      <p:grpSpPr>
+        <a:xfrm>
+          <a:off x="0" y="0"/>
+          <a:ext cx="0" cy="0"/>
+          <a:chOff x="0" y="0"/>
+          <a:chExt cx="0" cy="0"/>
+        </a:xfrm>
+      </p:grpSpPr>
+      <p:cxnSp>
+        <p:nvCxnSpPr>
+          <p:cNvPr id="3" name="Straight Arrow Connector 2"/>
+          <p:cNvCxnSpPr/>
+          <p:nvPr/>
+        </p:nvCxnSpPr>
+        <p:spPr>
+          <a:xfrm>
+            <a:off x="968375" y="1541145"/>
+            <a:ext cx="2429510" cy="2121535"/>
+          </a:xfrm>
+          <a:prstGeom prst="straightConnector1">
+            <a:avLst/>
+          </a:prstGeom>
+          <a:ln w="82550">
+            <a:solidFill>
+              <a:schemeClr val="accent2">
+                <a:lumMod val="60000"/>
+                <a:lumOff val="40000"/>
+              </a:schemeClr>
+            </a:solidFill>
+            <a:prstDash val="sysDash"/>
+            <a:tailEnd type="arrow"/>
+          </a:ln>
+        </p:spPr>
+        <p:style>
+          <a:lnRef idx="1">
+            <a:schemeClr val="accent1"/>
+          </a:lnRef>
+          <a:fillRef idx="0">
+            <a:schemeClr val="accent1"/>
+          </a:fillRef>
+          <a:effectRef idx="0">
+            <a:schemeClr val="accent1"/>
+          </a:effectRef>
+          <a:fontRef idx="minor">
+            <a:schemeClr val="tx1"/>
+          </a:fontRef>
+        </p:style>
+      </p:cxnSp>
+      <p:cxnSp>
+        <p:nvCxnSpPr>
+          <p:cNvPr id="6" name="Straight Arrow Connector 5"/>
+          <p:cNvCxnSpPr/>
+          <p:nvPr/>
+        </p:nvCxnSpPr>
+        <p:spPr>
+          <a:xfrm flipV="1">
+            <a:off x="3411220" y="2077720"/>
+            <a:ext cx="1794510" cy="1536700"/>
+          </a:xfrm>
+          <a:prstGeom prst="straightConnector1">
+            <a:avLst/>
+          </a:prstGeom>
+          <a:ln w="73025">
+            <a:solidFill>
+              <a:srgbClr val="FF3300"/>
+            </a:solidFill>
+            <a:tailEnd type="arrow"/>
+          </a:ln>
+        </p:spPr>
+        <p:style>
+          <a:lnRef idx="1">
+            <a:schemeClr val="accent1"/>
+          </a:lnRef>
+          <a:fillRef idx="0">
+            <a:schemeClr val="accent1"/>
+          </a:fillRef>
+          <a:effectRef idx="0">
+            <a:schemeClr val="accent1"/>
+          </a:effectRef>
+          <a:fontRef idx="minor">
+            <a:schemeClr val="tx1"/>
+          </a:fontRef>
+        </p:style>
+      </p:cxnSp>
+      <p:cxnSp>
+        <p:nvCxnSpPr>
+          <p:cNvPr id="7" name="Straight Connector 6"/>
+          <p:cNvCxnSpPr/>
+          <p:nvPr/>
+        </p:nvCxnSpPr>
+        <p:spPr>
+          <a:xfrm>
+            <a:off x="3409315" y="509270"/>
+            <a:ext cx="0" cy="5918200"/>
+          </a:xfrm>
+          <a:prstGeom prst="line">
+            <a:avLst/>
+          </a:prstGeom>
+          <a:ln w="63500">
+            <a:solidFill>
+              <a:schemeClr val="bg1">
+                <a:lumMod val="50000"/>
+              </a:schemeClr>
+            </a:solidFill>
+            <a:prstDash val="dash"/>
+          </a:ln>
+        </p:spPr>
+        <p:style>
+          <a:lnRef idx="1">
+            <a:schemeClr val="accent1"/>
+          </a:lnRef>
+          <a:fillRef idx="0">
+            <a:schemeClr val="accent1"/>
+          </a:fillRef>
+          <a:effectRef idx="0">
+            <a:schemeClr val="accent1"/>
+          </a:effectRef>
+          <a:fontRef idx="minor">
+            <a:schemeClr val="tx1"/>
+          </a:fontRef>
+        </p:style>
+      </p:cxnSp>
+      <p:sp>
+        <p:nvSpPr>
+          <p:cNvPr id="8" name="Text Box 7"/>
+          <p:cNvSpPr txBox="1"/>
+          <p:nvPr/>
+        </p:nvSpPr>
+        <p:spPr>
+          <a:xfrm>
+            <a:off x="429260" y="3258185"/>
+            <a:ext cx="2186305" cy="645160"/>
+          </a:xfrm>
+          <a:prstGeom prst="rect">
+            <a:avLst/>
+          </a:prstGeom>
+          <a:noFill/>
+        </p:spPr>
+        <p:txBody>
+          <a:bodyPr wrap="square" rtlCol="0">
+            <a:spAutoFit/>
+          </a:bodyPr>
+          <a:p>
+            <a:r>
+              <a:rPr lang="zh-CN" altLang="en-US"/>
+              <a:t>前面向下的线段，终结于</a:t>
+            </a:r>
+            <a:r>
+              <a:rPr lang="en-US" altLang="zh-CN"/>
+              <a:t>A</a:t>
+            </a:r>
+            <a:r>
+              <a:rPr lang="zh-CN" altLang="en-US"/>
+              <a:t>点</a:t>
+            </a:r>
+            <a:endParaRPr lang="zh-CN" altLang="en-US"/>
+          </a:p>
+        </p:txBody>
+      </p:sp>
+      <p:sp>
+        <p:nvSpPr>
+          <p:cNvPr id="9" name="Text Box 8"/>
+          <p:cNvSpPr txBox="1"/>
+          <p:nvPr/>
+        </p:nvSpPr>
+        <p:spPr>
+          <a:xfrm>
+            <a:off x="3171190" y="3662680"/>
+            <a:ext cx="476250" cy="583565"/>
+          </a:xfrm>
+          <a:prstGeom prst="rect">
+            <a:avLst/>
+          </a:prstGeom>
+          <a:noFill/>
+        </p:spPr>
+        <p:txBody>
+          <a:bodyPr wrap="none" rtlCol="0">
+            <a:spAutoFit/>
+          </a:bodyPr>
+          <a:p>
+            <a:r>
+              <a:rPr lang="en-US" sz="3200"/>
+              <a:t>A</a:t>
+            </a:r>
+            <a:endParaRPr lang="en-US" sz="3200"/>
+          </a:p>
+        </p:txBody>
+      </p:sp>
+      <p:sp>
+        <p:nvSpPr>
+          <p:cNvPr id="10" name="Text Box 9"/>
+          <p:cNvSpPr txBox="1"/>
+          <p:nvPr/>
+        </p:nvSpPr>
+        <p:spPr>
+          <a:xfrm>
+            <a:off x="3782060" y="3601085"/>
+            <a:ext cx="1830705" cy="645160"/>
+          </a:xfrm>
+          <a:prstGeom prst="rect">
+            <a:avLst/>
+          </a:prstGeom>
+          <a:noFill/>
+        </p:spPr>
+        <p:txBody>
+          <a:bodyPr wrap="square" rtlCol="0">
+            <a:spAutoFit/>
+          </a:bodyPr>
+          <a:p>
+            <a:r>
+              <a:rPr lang="zh-CN" altLang="en-US"/>
+              <a:t>新线段开始的第一笔</a:t>
+            </a:r>
+            <a:r>
+              <a:rPr lang="en-US" altLang="zh-CN"/>
+              <a:t> S1</a:t>
+            </a:r>
+            <a:endParaRPr lang="en-US" altLang="zh-CN"/>
+          </a:p>
+        </p:txBody>
+      </p:sp>
+      <p:sp>
+        <p:nvSpPr>
+          <p:cNvPr id="11" name="Text Box 10"/>
+          <p:cNvSpPr txBox="1"/>
+          <p:nvPr/>
+        </p:nvSpPr>
+        <p:spPr>
+          <a:xfrm>
+            <a:off x="3782060" y="2207895"/>
+            <a:ext cx="572770" cy="521970"/>
+          </a:xfrm>
+          <a:prstGeom prst="rect">
+            <a:avLst/>
+          </a:prstGeom>
+          <a:noFill/>
+        </p:spPr>
+        <p:txBody>
+          <a:bodyPr wrap="square" rtlCol="0">
+            <a:spAutoFit/>
+          </a:bodyPr>
+          <a:p>
+            <a:r>
+              <a:rPr lang="en-US" sz="2800">
+                <a:solidFill>
+                  <a:srgbClr val="FF0000"/>
+                </a:solidFill>
+              </a:rPr>
+              <a:t>S1</a:t>
+            </a:r>
+            <a:endParaRPr lang="en-US" sz="2800">
+              <a:solidFill>
+                <a:srgbClr val="FF0000"/>
+              </a:solidFill>
+            </a:endParaRPr>
+          </a:p>
+        </p:txBody>
+      </p:sp>
+      <p:cxnSp>
+        <p:nvCxnSpPr>
+          <p:cNvPr id="2" name="Straight Arrow Connector 1"/>
+          <p:cNvCxnSpPr/>
+          <p:nvPr/>
+        </p:nvCxnSpPr>
+        <p:spPr>
+          <a:xfrm flipV="1">
+            <a:off x="5671185" y="831215"/>
+            <a:ext cx="1070610" cy="1905000"/>
+          </a:xfrm>
+          <a:prstGeom prst="straightConnector1">
+            <a:avLst/>
+          </a:prstGeom>
+          <a:ln w="73025">
+            <a:solidFill>
+              <a:srgbClr val="FF3300"/>
+            </a:solidFill>
+            <a:tailEnd type="arrow"/>
+          </a:ln>
+        </p:spPr>
+        <p:style>
+          <a:lnRef idx="1">
+            <a:schemeClr val="accent1"/>
+          </a:lnRef>
+          <a:fillRef idx="0">
+            <a:schemeClr val="accent1"/>
+          </a:fillRef>
+          <a:effectRef idx="0">
+            <a:schemeClr val="accent1"/>
+          </a:effectRef>
+          <a:fontRef idx="minor">
+            <a:schemeClr val="tx1"/>
+          </a:fontRef>
+        </p:style>
+      </p:cxnSp>
+      <p:cxnSp>
+        <p:nvCxnSpPr>
+          <p:cNvPr id="4" name="Straight Arrow Connector 3"/>
+          <p:cNvCxnSpPr/>
+          <p:nvPr/>
+        </p:nvCxnSpPr>
+        <p:spPr>
+          <a:xfrm>
+            <a:off x="5189855" y="2142490"/>
+            <a:ext cx="470535" cy="588645"/>
+          </a:xfrm>
+          <a:prstGeom prst="straightConnector1">
+            <a:avLst/>
+          </a:prstGeom>
+          <a:ln w="66675">
+            <a:solidFill>
+              <a:schemeClr val="accent6">
+                <a:lumMod val="60000"/>
+                <a:lumOff val="40000"/>
+              </a:schemeClr>
+            </a:solidFill>
+            <a:tailEnd type="arrow"/>
+          </a:ln>
+        </p:spPr>
+        <p:style>
+          <a:lnRef idx="1">
+            <a:schemeClr val="accent1"/>
+          </a:lnRef>
+          <a:fillRef idx="0">
+            <a:schemeClr val="accent1"/>
+          </a:fillRef>
+          <a:effectRef idx="0">
+            <a:schemeClr val="accent1"/>
+          </a:effectRef>
+          <a:fontRef idx="minor">
+            <a:schemeClr val="tx1"/>
+          </a:fontRef>
+        </p:style>
+      </p:cxnSp>
+      <p:sp>
+        <p:nvSpPr>
+          <p:cNvPr id="5" name="Text Box 4"/>
+          <p:cNvSpPr txBox="1"/>
+          <p:nvPr/>
+        </p:nvSpPr>
+        <p:spPr>
+          <a:xfrm>
+            <a:off x="5447030" y="750570"/>
+            <a:ext cx="572770" cy="521970"/>
+          </a:xfrm>
+          <a:prstGeom prst="rect">
+            <a:avLst/>
+          </a:prstGeom>
+          <a:noFill/>
+        </p:spPr>
+        <p:txBody>
+          <a:bodyPr wrap="square" rtlCol="0">
+            <a:spAutoFit/>
+          </a:bodyPr>
+          <a:p>
+            <a:r>
+              <a:rPr lang="en-US" sz="2800">
+                <a:solidFill>
+                  <a:srgbClr val="FF0000"/>
+                </a:solidFill>
+              </a:rPr>
+              <a:t>S2</a:t>
+            </a:r>
+            <a:endParaRPr lang="en-US" sz="2800">
+              <a:solidFill>
+                <a:srgbClr val="FF0000"/>
+              </a:solidFill>
+            </a:endParaRPr>
+          </a:p>
+        </p:txBody>
+      </p:sp>
+      <p:sp>
+        <p:nvSpPr>
+          <p:cNvPr id="12" name="Text Box 11"/>
+          <p:cNvSpPr txBox="1"/>
+          <p:nvPr/>
+        </p:nvSpPr>
+        <p:spPr>
+          <a:xfrm>
+            <a:off x="4794885" y="2585085"/>
+            <a:ext cx="767080" cy="521970"/>
+          </a:xfrm>
+          <a:prstGeom prst="rect">
+            <a:avLst/>
+          </a:prstGeom>
+          <a:noFill/>
+        </p:spPr>
+        <p:txBody>
+          <a:bodyPr wrap="square" rtlCol="0">
+            <a:spAutoFit/>
+          </a:bodyPr>
+          <a:p>
+            <a:r>
+              <a:rPr lang="en-US" sz="2800">
+                <a:solidFill>
+                  <a:schemeClr val="accent6">
+                    <a:lumMod val="60000"/>
+                    <a:lumOff val="40000"/>
+                  </a:schemeClr>
+                </a:solidFill>
+              </a:rPr>
+              <a:t>X1</a:t>
+            </a:r>
+            <a:endParaRPr lang="en-US" sz="2800">
+              <a:solidFill>
+                <a:schemeClr val="accent6">
+                  <a:lumMod val="60000"/>
+                  <a:lumOff val="40000"/>
+                </a:schemeClr>
+              </a:solidFill>
+            </a:endParaRPr>
+          </a:p>
+        </p:txBody>
+      </p:sp>
+      <p:cxnSp>
+        <p:nvCxnSpPr>
+          <p:cNvPr id="24" name="Straight Arrow Connector 23"/>
+          <p:cNvCxnSpPr/>
+          <p:nvPr/>
+        </p:nvCxnSpPr>
+        <p:spPr>
+          <a:xfrm>
+            <a:off x="6701155" y="831215"/>
+            <a:ext cx="518160" cy="899160"/>
+          </a:xfrm>
+          <a:prstGeom prst="straightConnector1">
+            <a:avLst/>
+          </a:prstGeom>
+          <a:ln w="66675">
+            <a:solidFill>
+              <a:schemeClr val="accent6">
+                <a:lumMod val="60000"/>
+                <a:lumOff val="40000"/>
+              </a:schemeClr>
+            </a:solidFill>
+            <a:tailEnd type="arrow"/>
+          </a:ln>
+        </p:spPr>
+        <p:style>
+          <a:lnRef idx="1">
+            <a:schemeClr val="accent1"/>
+          </a:lnRef>
+          <a:fillRef idx="0">
+            <a:schemeClr val="accent1"/>
+          </a:fillRef>
+          <a:effectRef idx="0">
+            <a:schemeClr val="accent1"/>
+          </a:effectRef>
+          <a:fontRef idx="minor">
+            <a:schemeClr val="tx1"/>
+          </a:fontRef>
+        </p:style>
+      </p:cxnSp>
+      <p:cxnSp>
+        <p:nvCxnSpPr>
+          <p:cNvPr id="25" name="Straight Arrow Connector 24"/>
+          <p:cNvCxnSpPr/>
+          <p:nvPr/>
+        </p:nvCxnSpPr>
+        <p:spPr>
+          <a:xfrm flipV="1">
+            <a:off x="7207250" y="958850"/>
+            <a:ext cx="602615" cy="771525"/>
+          </a:xfrm>
+          <a:prstGeom prst="straightConnector1">
+            <a:avLst/>
+          </a:prstGeom>
+          <a:ln w="73025">
+            <a:solidFill>
+              <a:srgbClr val="FF3300"/>
+            </a:solidFill>
+            <a:tailEnd type="arrow"/>
+          </a:ln>
+        </p:spPr>
+        <p:style>
+          <a:lnRef idx="1">
+            <a:schemeClr val="accent1"/>
+          </a:lnRef>
+          <a:fillRef idx="0">
+            <a:schemeClr val="accent1"/>
+          </a:fillRef>
+          <a:effectRef idx="0">
+            <a:schemeClr val="accent1"/>
+          </a:effectRef>
+          <a:fontRef idx="minor">
+            <a:schemeClr val="tx1"/>
+          </a:fontRef>
+        </p:style>
+      </p:cxnSp>
+      <p:cxnSp>
+        <p:nvCxnSpPr>
+          <p:cNvPr id="26" name="Straight Arrow Connector 25"/>
+          <p:cNvCxnSpPr/>
+          <p:nvPr/>
+        </p:nvCxnSpPr>
+        <p:spPr>
+          <a:xfrm>
+            <a:off x="7858760" y="1031240"/>
+            <a:ext cx="1115695" cy="1887220"/>
+          </a:xfrm>
+          <a:prstGeom prst="straightConnector1">
+            <a:avLst/>
+          </a:prstGeom>
+          <a:ln w="66675">
+            <a:solidFill>
+              <a:schemeClr val="accent6">
+                <a:lumMod val="60000"/>
+                <a:lumOff val="40000"/>
+              </a:schemeClr>
+            </a:solidFill>
+            <a:tailEnd type="arrow"/>
+          </a:ln>
+        </p:spPr>
+        <p:style>
+          <a:lnRef idx="1">
+            <a:schemeClr val="accent1"/>
+          </a:lnRef>
+          <a:fillRef idx="0">
+            <a:schemeClr val="accent1"/>
+          </a:fillRef>
+          <a:effectRef idx="0">
+            <a:schemeClr val="accent1"/>
+          </a:effectRef>
+          <a:fontRef idx="minor">
+            <a:schemeClr val="tx1"/>
+          </a:fontRef>
+        </p:style>
+      </p:cxnSp>
+      <p:sp>
+        <p:nvSpPr>
+          <p:cNvPr id="27" name="Text Box 26"/>
+          <p:cNvSpPr txBox="1"/>
+          <p:nvPr/>
+        </p:nvSpPr>
+        <p:spPr>
+          <a:xfrm>
+            <a:off x="6752590" y="509270"/>
+            <a:ext cx="767080" cy="521970"/>
+          </a:xfrm>
+          <a:prstGeom prst="rect">
+            <a:avLst/>
+          </a:prstGeom>
+          <a:noFill/>
+        </p:spPr>
+        <p:txBody>
+          <a:bodyPr wrap="square" rtlCol="0">
+            <a:spAutoFit/>
+          </a:bodyPr>
+          <a:p>
+            <a:r>
+              <a:rPr lang="en-US" sz="2800">
+                <a:solidFill>
+                  <a:schemeClr val="accent6">
+                    <a:lumMod val="60000"/>
+                    <a:lumOff val="40000"/>
+                  </a:schemeClr>
+                </a:solidFill>
+              </a:rPr>
+              <a:t>X2</a:t>
+            </a:r>
+            <a:endParaRPr lang="en-US" sz="2800">
+              <a:solidFill>
+                <a:schemeClr val="accent6">
+                  <a:lumMod val="60000"/>
+                  <a:lumOff val="40000"/>
+                </a:schemeClr>
+              </a:solidFill>
+            </a:endParaRPr>
+          </a:p>
+        </p:txBody>
+      </p:sp>
+      <p:sp>
+        <p:nvSpPr>
+          <p:cNvPr id="28" name="Text Box 27"/>
+          <p:cNvSpPr txBox="1"/>
+          <p:nvPr/>
+        </p:nvSpPr>
+        <p:spPr>
+          <a:xfrm>
+            <a:off x="8632825" y="1620520"/>
+            <a:ext cx="767080" cy="521970"/>
+          </a:xfrm>
+          <a:prstGeom prst="rect">
+            <a:avLst/>
+          </a:prstGeom>
+          <a:noFill/>
+        </p:spPr>
+        <p:txBody>
+          <a:bodyPr wrap="square" rtlCol="0">
+            <a:spAutoFit/>
+          </a:bodyPr>
+          <a:p>
+            <a:r>
+              <a:rPr lang="en-US" sz="2800">
+                <a:solidFill>
+                  <a:schemeClr val="accent6">
+                    <a:lumMod val="60000"/>
+                    <a:lumOff val="40000"/>
+                  </a:schemeClr>
+                </a:solidFill>
+              </a:rPr>
+              <a:t>X3</a:t>
+            </a:r>
+            <a:endParaRPr lang="en-US" sz="2800">
+              <a:solidFill>
+                <a:schemeClr val="accent6">
+                  <a:lumMod val="60000"/>
+                  <a:lumOff val="40000"/>
+                </a:schemeClr>
+              </a:solidFill>
+            </a:endParaRPr>
+          </a:p>
+        </p:txBody>
+      </p:sp>
+      <p:sp>
+        <p:nvSpPr>
+          <p:cNvPr id="29" name="Text Box 28"/>
+          <p:cNvSpPr txBox="1"/>
+          <p:nvPr/>
+        </p:nvSpPr>
+        <p:spPr>
+          <a:xfrm>
+            <a:off x="7400925" y="1370965"/>
+            <a:ext cx="572770" cy="521970"/>
+          </a:xfrm>
+          <a:prstGeom prst="rect">
+            <a:avLst/>
+          </a:prstGeom>
+          <a:noFill/>
+        </p:spPr>
+        <p:txBody>
+          <a:bodyPr wrap="square" rtlCol="0">
+            <a:spAutoFit/>
+          </a:bodyPr>
+          <a:p>
+            <a:r>
+              <a:rPr lang="en-US" sz="2800">
+                <a:solidFill>
+                  <a:srgbClr val="FF0000"/>
+                </a:solidFill>
+              </a:rPr>
+              <a:t>S3</a:t>
+            </a:r>
+            <a:endParaRPr lang="en-US" sz="2800">
+              <a:solidFill>
+                <a:srgbClr val="FF0000"/>
+              </a:solidFill>
+            </a:endParaRPr>
+          </a:p>
+        </p:txBody>
+      </p:sp>
+    </p:spTree>
+  </p:cSld>
+  <p:clrMapOvr>
+    <a:masterClrMapping/>
+  </p:clrMapOvr>
+</p:sld>
+</file>
+
 <file path=ppt/slides/slide2.xml><?xml version="1.0" encoding="utf-8"?>
 <p:sld xmlns:a="http://schemas.openxmlformats.org/drawingml/2006/main" xmlns:r="http://schemas.openxmlformats.org/officeDocument/2006/relationships" xmlns:p="http://schemas.openxmlformats.org/presentationml/2006/main">
   <p:cSld>
@@ -7502,6 +8170,648 @@
           <a:chExt cx="0" cy="0"/>
         </a:xfrm>
       </p:grpSpPr>
+      <p:cxnSp>
+        <p:nvCxnSpPr>
+          <p:cNvPr id="3" name="Straight Arrow Connector 2"/>
+          <p:cNvCxnSpPr/>
+          <p:nvPr/>
+        </p:nvCxnSpPr>
+        <p:spPr>
+          <a:xfrm>
+            <a:off x="968375" y="1541145"/>
+            <a:ext cx="2429510" cy="2121535"/>
+          </a:xfrm>
+          <a:prstGeom prst="straightConnector1">
+            <a:avLst/>
+          </a:prstGeom>
+          <a:ln w="82550">
+            <a:solidFill>
+              <a:schemeClr val="accent2">
+                <a:lumMod val="60000"/>
+                <a:lumOff val="40000"/>
+              </a:schemeClr>
+            </a:solidFill>
+            <a:prstDash val="sysDash"/>
+            <a:tailEnd type="arrow"/>
+          </a:ln>
+        </p:spPr>
+        <p:style>
+          <a:lnRef idx="1">
+            <a:schemeClr val="accent1"/>
+          </a:lnRef>
+          <a:fillRef idx="0">
+            <a:schemeClr val="accent1"/>
+          </a:fillRef>
+          <a:effectRef idx="0">
+            <a:schemeClr val="accent1"/>
+          </a:effectRef>
+          <a:fontRef idx="minor">
+            <a:schemeClr val="tx1"/>
+          </a:fontRef>
+        </p:style>
+      </p:cxnSp>
+      <p:cxnSp>
+        <p:nvCxnSpPr>
+          <p:cNvPr id="6" name="Straight Arrow Connector 5"/>
+          <p:cNvCxnSpPr/>
+          <p:nvPr/>
+        </p:nvCxnSpPr>
+        <p:spPr>
+          <a:xfrm flipV="1">
+            <a:off x="3411220" y="2077720"/>
+            <a:ext cx="1794510" cy="1536700"/>
+          </a:xfrm>
+          <a:prstGeom prst="straightConnector1">
+            <a:avLst/>
+          </a:prstGeom>
+          <a:ln w="73025">
+            <a:solidFill>
+              <a:srgbClr val="FF3300"/>
+            </a:solidFill>
+            <a:tailEnd type="arrow"/>
+          </a:ln>
+        </p:spPr>
+        <p:style>
+          <a:lnRef idx="1">
+            <a:schemeClr val="accent1"/>
+          </a:lnRef>
+          <a:fillRef idx="0">
+            <a:schemeClr val="accent1"/>
+          </a:fillRef>
+          <a:effectRef idx="0">
+            <a:schemeClr val="accent1"/>
+          </a:effectRef>
+          <a:fontRef idx="minor">
+            <a:schemeClr val="tx1"/>
+          </a:fontRef>
+        </p:style>
+      </p:cxnSp>
+      <p:cxnSp>
+        <p:nvCxnSpPr>
+          <p:cNvPr id="7" name="Straight Connector 6"/>
+          <p:cNvCxnSpPr/>
+          <p:nvPr/>
+        </p:nvCxnSpPr>
+        <p:spPr>
+          <a:xfrm>
+            <a:off x="3409315" y="509270"/>
+            <a:ext cx="0" cy="5918200"/>
+          </a:xfrm>
+          <a:prstGeom prst="line">
+            <a:avLst/>
+          </a:prstGeom>
+          <a:ln w="63500">
+            <a:solidFill>
+              <a:schemeClr val="bg1">
+                <a:lumMod val="50000"/>
+              </a:schemeClr>
+            </a:solidFill>
+            <a:prstDash val="dash"/>
+          </a:ln>
+        </p:spPr>
+        <p:style>
+          <a:lnRef idx="1">
+            <a:schemeClr val="accent1"/>
+          </a:lnRef>
+          <a:fillRef idx="0">
+            <a:schemeClr val="accent1"/>
+          </a:fillRef>
+          <a:effectRef idx="0">
+            <a:schemeClr val="accent1"/>
+          </a:effectRef>
+          <a:fontRef idx="minor">
+            <a:schemeClr val="tx1"/>
+          </a:fontRef>
+        </p:style>
+      </p:cxnSp>
+      <p:sp>
+        <p:nvSpPr>
+          <p:cNvPr id="8" name="Text Box 7"/>
+          <p:cNvSpPr txBox="1"/>
+          <p:nvPr/>
+        </p:nvSpPr>
+        <p:spPr>
+          <a:xfrm>
+            <a:off x="429260" y="3258185"/>
+            <a:ext cx="2186305" cy="645160"/>
+          </a:xfrm>
+          <a:prstGeom prst="rect">
+            <a:avLst/>
+          </a:prstGeom>
+          <a:noFill/>
+        </p:spPr>
+        <p:txBody>
+          <a:bodyPr wrap="square" rtlCol="0">
+            <a:spAutoFit/>
+          </a:bodyPr>
+          <a:p>
+            <a:r>
+              <a:rPr lang="zh-CN" altLang="en-US"/>
+              <a:t>前面向下的线段，终结于</a:t>
+            </a:r>
+            <a:r>
+              <a:rPr lang="en-US" altLang="zh-CN"/>
+              <a:t>A</a:t>
+            </a:r>
+            <a:r>
+              <a:rPr lang="zh-CN" altLang="en-US"/>
+              <a:t>点</a:t>
+            </a:r>
+            <a:endParaRPr lang="zh-CN" altLang="en-US"/>
+          </a:p>
+        </p:txBody>
+      </p:sp>
+      <p:sp>
+        <p:nvSpPr>
+          <p:cNvPr id="9" name="Text Box 8"/>
+          <p:cNvSpPr txBox="1"/>
+          <p:nvPr/>
+        </p:nvSpPr>
+        <p:spPr>
+          <a:xfrm>
+            <a:off x="3171190" y="3662680"/>
+            <a:ext cx="476250" cy="583565"/>
+          </a:xfrm>
+          <a:prstGeom prst="rect">
+            <a:avLst/>
+          </a:prstGeom>
+          <a:noFill/>
+        </p:spPr>
+        <p:txBody>
+          <a:bodyPr wrap="none" rtlCol="0">
+            <a:spAutoFit/>
+          </a:bodyPr>
+          <a:p>
+            <a:r>
+              <a:rPr lang="en-US" sz="3200"/>
+              <a:t>A</a:t>
+            </a:r>
+            <a:endParaRPr lang="en-US" sz="3200"/>
+          </a:p>
+        </p:txBody>
+      </p:sp>
+      <p:sp>
+        <p:nvSpPr>
+          <p:cNvPr id="10" name="Text Box 9"/>
+          <p:cNvSpPr txBox="1"/>
+          <p:nvPr/>
+        </p:nvSpPr>
+        <p:spPr>
+          <a:xfrm>
+            <a:off x="3782060" y="3601085"/>
+            <a:ext cx="1830705" cy="645160"/>
+          </a:xfrm>
+          <a:prstGeom prst="rect">
+            <a:avLst/>
+          </a:prstGeom>
+          <a:noFill/>
+        </p:spPr>
+        <p:txBody>
+          <a:bodyPr wrap="square" rtlCol="0">
+            <a:spAutoFit/>
+          </a:bodyPr>
+          <a:p>
+            <a:r>
+              <a:rPr lang="zh-CN" altLang="en-US"/>
+              <a:t>新线段开始的第一笔</a:t>
+            </a:r>
+            <a:r>
+              <a:rPr lang="en-US" altLang="zh-CN"/>
+              <a:t> S1</a:t>
+            </a:r>
+            <a:endParaRPr lang="en-US" altLang="zh-CN"/>
+          </a:p>
+        </p:txBody>
+      </p:sp>
+      <p:sp>
+        <p:nvSpPr>
+          <p:cNvPr id="11" name="Text Box 10"/>
+          <p:cNvSpPr txBox="1"/>
+          <p:nvPr/>
+        </p:nvSpPr>
+        <p:spPr>
+          <a:xfrm>
+            <a:off x="3782060" y="2207895"/>
+            <a:ext cx="572770" cy="521970"/>
+          </a:xfrm>
+          <a:prstGeom prst="rect">
+            <a:avLst/>
+          </a:prstGeom>
+          <a:noFill/>
+        </p:spPr>
+        <p:txBody>
+          <a:bodyPr wrap="square" rtlCol="0">
+            <a:spAutoFit/>
+          </a:bodyPr>
+          <a:p>
+            <a:r>
+              <a:rPr lang="en-US" sz="2800">
+                <a:solidFill>
+                  <a:srgbClr val="FF0000"/>
+                </a:solidFill>
+              </a:rPr>
+              <a:t>S1</a:t>
+            </a:r>
+            <a:endParaRPr lang="en-US" sz="2800">
+              <a:solidFill>
+                <a:srgbClr val="FF0000"/>
+              </a:solidFill>
+            </a:endParaRPr>
+          </a:p>
+        </p:txBody>
+      </p:sp>
+      <p:cxnSp>
+        <p:nvCxnSpPr>
+          <p:cNvPr id="2" name="Straight Arrow Connector 1"/>
+          <p:cNvCxnSpPr/>
+          <p:nvPr/>
+        </p:nvCxnSpPr>
+        <p:spPr>
+          <a:xfrm flipV="1">
+            <a:off x="6001385" y="975360"/>
+            <a:ext cx="955675" cy="2461260"/>
+          </a:xfrm>
+          <a:prstGeom prst="straightConnector1">
+            <a:avLst/>
+          </a:prstGeom>
+          <a:ln w="73025">
+            <a:solidFill>
+              <a:srgbClr val="FF3300"/>
+            </a:solidFill>
+            <a:tailEnd type="arrow"/>
+          </a:ln>
+        </p:spPr>
+        <p:style>
+          <a:lnRef idx="1">
+            <a:schemeClr val="accent1"/>
+          </a:lnRef>
+          <a:fillRef idx="0">
+            <a:schemeClr val="accent1"/>
+          </a:fillRef>
+          <a:effectRef idx="0">
+            <a:schemeClr val="accent1"/>
+          </a:effectRef>
+          <a:fontRef idx="minor">
+            <a:schemeClr val="tx1"/>
+          </a:fontRef>
+        </p:style>
+      </p:cxnSp>
+      <p:cxnSp>
+        <p:nvCxnSpPr>
+          <p:cNvPr id="4" name="Straight Arrow Connector 3"/>
+          <p:cNvCxnSpPr/>
+          <p:nvPr/>
+        </p:nvCxnSpPr>
+        <p:spPr>
+          <a:xfrm>
+            <a:off x="5189855" y="2142490"/>
+            <a:ext cx="831850" cy="1294130"/>
+          </a:xfrm>
+          <a:prstGeom prst="straightConnector1">
+            <a:avLst/>
+          </a:prstGeom>
+          <a:ln w="66675">
+            <a:solidFill>
+              <a:schemeClr val="accent6">
+                <a:lumMod val="60000"/>
+                <a:lumOff val="40000"/>
+              </a:schemeClr>
+            </a:solidFill>
+            <a:tailEnd type="arrow"/>
+          </a:ln>
+        </p:spPr>
+        <p:style>
+          <a:lnRef idx="1">
+            <a:schemeClr val="accent1"/>
+          </a:lnRef>
+          <a:fillRef idx="0">
+            <a:schemeClr val="accent1"/>
+          </a:fillRef>
+          <a:effectRef idx="0">
+            <a:schemeClr val="accent1"/>
+          </a:effectRef>
+          <a:fontRef idx="minor">
+            <a:schemeClr val="tx1"/>
+          </a:fontRef>
+        </p:style>
+      </p:cxnSp>
+      <p:sp>
+        <p:nvSpPr>
+          <p:cNvPr id="5" name="Text Box 4"/>
+          <p:cNvSpPr txBox="1"/>
+          <p:nvPr/>
+        </p:nvSpPr>
+        <p:spPr>
+          <a:xfrm>
+            <a:off x="5887720" y="1715770"/>
+            <a:ext cx="572770" cy="521970"/>
+          </a:xfrm>
+          <a:prstGeom prst="rect">
+            <a:avLst/>
+          </a:prstGeom>
+          <a:noFill/>
+        </p:spPr>
+        <p:txBody>
+          <a:bodyPr wrap="square" rtlCol="0">
+            <a:spAutoFit/>
+          </a:bodyPr>
+          <a:p>
+            <a:r>
+              <a:rPr lang="en-US" sz="2800">
+                <a:solidFill>
+                  <a:srgbClr val="FF0000"/>
+                </a:solidFill>
+              </a:rPr>
+              <a:t>S2</a:t>
+            </a:r>
+            <a:endParaRPr lang="en-US" sz="2800">
+              <a:solidFill>
+                <a:srgbClr val="FF0000"/>
+              </a:solidFill>
+            </a:endParaRPr>
+          </a:p>
+        </p:txBody>
+      </p:sp>
+      <p:sp>
+        <p:nvSpPr>
+          <p:cNvPr id="12" name="Text Box 11"/>
+          <p:cNvSpPr txBox="1"/>
+          <p:nvPr/>
+        </p:nvSpPr>
+        <p:spPr>
+          <a:xfrm>
+            <a:off x="5035550" y="2736215"/>
+            <a:ext cx="767080" cy="521970"/>
+          </a:xfrm>
+          <a:prstGeom prst="rect">
+            <a:avLst/>
+          </a:prstGeom>
+          <a:noFill/>
+        </p:spPr>
+        <p:txBody>
+          <a:bodyPr wrap="square" rtlCol="0">
+            <a:spAutoFit/>
+          </a:bodyPr>
+          <a:p>
+            <a:r>
+              <a:rPr lang="en-US" sz="2800">
+                <a:solidFill>
+                  <a:schemeClr val="accent6">
+                    <a:lumMod val="60000"/>
+                    <a:lumOff val="40000"/>
+                  </a:schemeClr>
+                </a:solidFill>
+              </a:rPr>
+              <a:t>X1</a:t>
+            </a:r>
+            <a:endParaRPr lang="en-US" sz="2800">
+              <a:solidFill>
+                <a:schemeClr val="accent6">
+                  <a:lumMod val="60000"/>
+                  <a:lumOff val="40000"/>
+                </a:schemeClr>
+              </a:solidFill>
+            </a:endParaRPr>
+          </a:p>
+        </p:txBody>
+      </p:sp>
+      <p:cxnSp>
+        <p:nvCxnSpPr>
+          <p:cNvPr id="24" name="Straight Arrow Connector 23"/>
+          <p:cNvCxnSpPr/>
+          <p:nvPr/>
+        </p:nvCxnSpPr>
+        <p:spPr>
+          <a:xfrm>
+            <a:off x="6957060" y="975360"/>
+            <a:ext cx="1115695" cy="1887220"/>
+          </a:xfrm>
+          <a:prstGeom prst="straightConnector1">
+            <a:avLst/>
+          </a:prstGeom>
+          <a:ln w="66675">
+            <a:solidFill>
+              <a:schemeClr val="accent6">
+                <a:lumMod val="60000"/>
+                <a:lumOff val="40000"/>
+              </a:schemeClr>
+            </a:solidFill>
+            <a:tailEnd type="arrow"/>
+          </a:ln>
+        </p:spPr>
+        <p:style>
+          <a:lnRef idx="1">
+            <a:schemeClr val="accent1"/>
+          </a:lnRef>
+          <a:fillRef idx="0">
+            <a:schemeClr val="accent1"/>
+          </a:fillRef>
+          <a:effectRef idx="0">
+            <a:schemeClr val="accent1"/>
+          </a:effectRef>
+          <a:fontRef idx="minor">
+            <a:schemeClr val="tx1"/>
+          </a:fontRef>
+        </p:style>
+      </p:cxnSp>
+      <p:cxnSp>
+        <p:nvCxnSpPr>
+          <p:cNvPr id="25" name="Straight Arrow Connector 24"/>
+          <p:cNvCxnSpPr/>
+          <p:nvPr/>
+        </p:nvCxnSpPr>
+        <p:spPr>
+          <a:xfrm flipV="1">
+            <a:off x="8058150" y="1237615"/>
+            <a:ext cx="539115" cy="1498600"/>
+          </a:xfrm>
+          <a:prstGeom prst="straightConnector1">
+            <a:avLst/>
+          </a:prstGeom>
+          <a:ln w="73025">
+            <a:solidFill>
+              <a:srgbClr val="FF3300"/>
+            </a:solidFill>
+            <a:tailEnd type="arrow"/>
+          </a:ln>
+        </p:spPr>
+        <p:style>
+          <a:lnRef idx="1">
+            <a:schemeClr val="accent1"/>
+          </a:lnRef>
+          <a:fillRef idx="0">
+            <a:schemeClr val="accent1"/>
+          </a:fillRef>
+          <a:effectRef idx="0">
+            <a:schemeClr val="accent1"/>
+          </a:effectRef>
+          <a:fontRef idx="minor">
+            <a:schemeClr val="tx1"/>
+          </a:fontRef>
+        </p:style>
+      </p:cxnSp>
+      <p:cxnSp>
+        <p:nvCxnSpPr>
+          <p:cNvPr id="26" name="Straight Arrow Connector 25"/>
+          <p:cNvCxnSpPr/>
+          <p:nvPr/>
+        </p:nvCxnSpPr>
+        <p:spPr>
+          <a:xfrm>
+            <a:off x="8603615" y="1370965"/>
+            <a:ext cx="1115695" cy="1887220"/>
+          </a:xfrm>
+          <a:prstGeom prst="straightConnector1">
+            <a:avLst/>
+          </a:prstGeom>
+          <a:ln w="66675">
+            <a:solidFill>
+              <a:schemeClr val="accent6">
+                <a:lumMod val="60000"/>
+                <a:lumOff val="40000"/>
+              </a:schemeClr>
+            </a:solidFill>
+            <a:tailEnd type="arrow"/>
+          </a:ln>
+        </p:spPr>
+        <p:style>
+          <a:lnRef idx="1">
+            <a:schemeClr val="accent1"/>
+          </a:lnRef>
+          <a:fillRef idx="0">
+            <a:schemeClr val="accent1"/>
+          </a:fillRef>
+          <a:effectRef idx="0">
+            <a:schemeClr val="accent1"/>
+          </a:effectRef>
+          <a:fontRef idx="minor">
+            <a:schemeClr val="tx1"/>
+          </a:fontRef>
+        </p:style>
+      </p:cxnSp>
+      <p:sp>
+        <p:nvSpPr>
+          <p:cNvPr id="27" name="Text Box 26"/>
+          <p:cNvSpPr txBox="1"/>
+          <p:nvPr/>
+        </p:nvSpPr>
+        <p:spPr>
+          <a:xfrm>
+            <a:off x="6875780" y="1945005"/>
+            <a:ext cx="767080" cy="521970"/>
+          </a:xfrm>
+          <a:prstGeom prst="rect">
+            <a:avLst/>
+          </a:prstGeom>
+          <a:noFill/>
+        </p:spPr>
+        <p:txBody>
+          <a:bodyPr wrap="square" rtlCol="0">
+            <a:spAutoFit/>
+          </a:bodyPr>
+          <a:p>
+            <a:r>
+              <a:rPr lang="en-US" sz="2800">
+                <a:solidFill>
+                  <a:schemeClr val="accent6">
+                    <a:lumMod val="60000"/>
+                    <a:lumOff val="40000"/>
+                  </a:schemeClr>
+                </a:solidFill>
+              </a:rPr>
+              <a:t>X2</a:t>
+            </a:r>
+            <a:endParaRPr lang="en-US" sz="2800">
+              <a:solidFill>
+                <a:schemeClr val="accent6">
+                  <a:lumMod val="60000"/>
+                  <a:lumOff val="40000"/>
+                </a:schemeClr>
+              </a:solidFill>
+            </a:endParaRPr>
+          </a:p>
+        </p:txBody>
+      </p:sp>
+      <p:sp>
+        <p:nvSpPr>
+          <p:cNvPr id="28" name="Text Box 27"/>
+          <p:cNvSpPr txBox="1"/>
+          <p:nvPr/>
+        </p:nvSpPr>
+        <p:spPr>
+          <a:xfrm>
+            <a:off x="9312910" y="1945005"/>
+            <a:ext cx="767080" cy="521970"/>
+          </a:xfrm>
+          <a:prstGeom prst="rect">
+            <a:avLst/>
+          </a:prstGeom>
+          <a:noFill/>
+        </p:spPr>
+        <p:txBody>
+          <a:bodyPr wrap="square" rtlCol="0">
+            <a:spAutoFit/>
+          </a:bodyPr>
+          <a:p>
+            <a:r>
+              <a:rPr lang="en-US" sz="2800">
+                <a:solidFill>
+                  <a:schemeClr val="accent6">
+                    <a:lumMod val="60000"/>
+                    <a:lumOff val="40000"/>
+                  </a:schemeClr>
+                </a:solidFill>
+              </a:rPr>
+              <a:t>X3</a:t>
+            </a:r>
+            <a:endParaRPr lang="en-US" sz="2800">
+              <a:solidFill>
+                <a:schemeClr val="accent6">
+                  <a:lumMod val="60000"/>
+                  <a:lumOff val="40000"/>
+                </a:schemeClr>
+              </a:solidFill>
+            </a:endParaRPr>
+          </a:p>
+        </p:txBody>
+      </p:sp>
+      <p:sp>
+        <p:nvSpPr>
+          <p:cNvPr id="29" name="Text Box 28"/>
+          <p:cNvSpPr txBox="1"/>
+          <p:nvPr/>
+        </p:nvSpPr>
+        <p:spPr>
+          <a:xfrm>
+            <a:off x="8024495" y="1019175"/>
+            <a:ext cx="572770" cy="521970"/>
+          </a:xfrm>
+          <a:prstGeom prst="rect">
+            <a:avLst/>
+          </a:prstGeom>
+          <a:noFill/>
+        </p:spPr>
+        <p:txBody>
+          <a:bodyPr wrap="square" rtlCol="0">
+            <a:spAutoFit/>
+          </a:bodyPr>
+          <a:p>
+            <a:r>
+              <a:rPr lang="en-US" sz="2800">
+                <a:solidFill>
+                  <a:srgbClr val="FF0000"/>
+                </a:solidFill>
+              </a:rPr>
+              <a:t>S3</a:t>
+            </a:r>
+            <a:endParaRPr lang="en-US" sz="2800">
+              <a:solidFill>
+                <a:srgbClr val="FF0000"/>
+              </a:solidFill>
+            </a:endParaRPr>
+          </a:p>
+        </p:txBody>
+      </p:sp>
     </p:spTree>
   </p:cSld>
   <p:clrMapOvr>

--- a/finance/chanlun/charts.pptx
+++ b/finance/chanlun/charts.pptx
@@ -5,22 +5,26 @@
     <p:sldMasterId id="2147483648" r:id="rId1"/>
   </p:sldMasterIdLst>
   <p:notesMasterIdLst>
-    <p:notesMasterId r:id="rId13"/>
+    <p:notesMasterId r:id="rId17"/>
   </p:notesMasterIdLst>
   <p:handoutMasterIdLst>
-    <p:handoutMasterId r:id="rId14"/>
+    <p:handoutMasterId r:id="rId18"/>
   </p:handoutMasterIdLst>
   <p:sldIdLst>
     <p:sldId id="256" r:id="rId3"/>
     <p:sldId id="257" r:id="rId4"/>
-    <p:sldId id="258" r:id="rId5"/>
-    <p:sldId id="259" r:id="rId6"/>
-    <p:sldId id="260" r:id="rId7"/>
-    <p:sldId id="261" r:id="rId8"/>
-    <p:sldId id="262" r:id="rId9"/>
-    <p:sldId id="263" r:id="rId10"/>
-    <p:sldId id="265" r:id="rId11"/>
-    <p:sldId id="266" r:id="rId12"/>
+    <p:sldId id="267" r:id="rId5"/>
+    <p:sldId id="258" r:id="rId6"/>
+    <p:sldId id="259" r:id="rId7"/>
+    <p:sldId id="260" r:id="rId8"/>
+    <p:sldId id="261" r:id="rId9"/>
+    <p:sldId id="268" r:id="rId10"/>
+    <p:sldId id="270" r:id="rId11"/>
+    <p:sldId id="262" r:id="rId12"/>
+    <p:sldId id="263" r:id="rId13"/>
+    <p:sldId id="269" r:id="rId14"/>
+    <p:sldId id="265" r:id="rId15"/>
+    <p:sldId id="266" r:id="rId16"/>
   </p:sldIdLst>
   <p:sldSz cx="12192000" cy="6858000"/>
   <p:notesSz cx="7103745" cy="10234295"/>
@@ -3822,6 +3826,2599 @@
       </p:grpSpPr>
       <p:cxnSp>
         <p:nvCxnSpPr>
+          <p:cNvPr id="6" name="Straight Arrow Connector 5"/>
+          <p:cNvCxnSpPr/>
+          <p:nvPr/>
+        </p:nvCxnSpPr>
+        <p:spPr>
+          <a:xfrm flipV="1">
+            <a:off x="3686175" y="1637665"/>
+            <a:ext cx="1141730" cy="1620520"/>
+          </a:xfrm>
+          <a:prstGeom prst="straightConnector1">
+            <a:avLst/>
+          </a:prstGeom>
+          <a:ln w="73025">
+            <a:solidFill>
+              <a:srgbClr val="FF3300"/>
+            </a:solidFill>
+            <a:tailEnd type="arrow"/>
+          </a:ln>
+        </p:spPr>
+        <p:style>
+          <a:lnRef idx="1">
+            <a:schemeClr val="accent1"/>
+          </a:lnRef>
+          <a:fillRef idx="0">
+            <a:schemeClr val="accent1"/>
+          </a:fillRef>
+          <a:effectRef idx="0">
+            <a:schemeClr val="accent1"/>
+          </a:effectRef>
+          <a:fontRef idx="minor">
+            <a:schemeClr val="tx1"/>
+          </a:fontRef>
+        </p:style>
+      </p:cxnSp>
+      <p:sp>
+        <p:nvSpPr>
+          <p:cNvPr id="11" name="Text Box 10"/>
+          <p:cNvSpPr txBox="1"/>
+          <p:nvPr/>
+        </p:nvSpPr>
+        <p:spPr>
+          <a:xfrm>
+            <a:off x="3743960" y="2042795"/>
+            <a:ext cx="572770" cy="521970"/>
+          </a:xfrm>
+          <a:prstGeom prst="rect">
+            <a:avLst/>
+          </a:prstGeom>
+          <a:noFill/>
+        </p:spPr>
+        <p:txBody>
+          <a:bodyPr wrap="square" rtlCol="0">
+            <a:spAutoFit/>
+          </a:bodyPr>
+          <a:p>
+            <a:r>
+              <a:rPr lang="en-US" sz="2800">
+                <a:solidFill>
+                  <a:srgbClr val="FF0000"/>
+                </a:solidFill>
+              </a:rPr>
+              <a:t>S1</a:t>
+            </a:r>
+            <a:endParaRPr lang="en-US" sz="2800">
+              <a:solidFill>
+                <a:srgbClr val="FF0000"/>
+              </a:solidFill>
+            </a:endParaRPr>
+          </a:p>
+        </p:txBody>
+      </p:sp>
+      <p:cxnSp>
+        <p:nvCxnSpPr>
+          <p:cNvPr id="2" name="Straight Arrow Connector 1"/>
+          <p:cNvCxnSpPr/>
+          <p:nvPr/>
+        </p:nvCxnSpPr>
+        <p:spPr>
+          <a:xfrm flipV="1">
+            <a:off x="5636260" y="2660015"/>
+            <a:ext cx="814705" cy="1616075"/>
+          </a:xfrm>
+          <a:prstGeom prst="straightConnector1">
+            <a:avLst/>
+          </a:prstGeom>
+          <a:ln w="73025">
+            <a:solidFill>
+              <a:srgbClr val="FF3300"/>
+            </a:solidFill>
+            <a:tailEnd type="arrow"/>
+          </a:ln>
+        </p:spPr>
+        <p:style>
+          <a:lnRef idx="1">
+            <a:schemeClr val="accent1"/>
+          </a:lnRef>
+          <a:fillRef idx="0">
+            <a:schemeClr val="accent1"/>
+          </a:fillRef>
+          <a:effectRef idx="0">
+            <a:schemeClr val="accent1"/>
+          </a:effectRef>
+          <a:fontRef idx="minor">
+            <a:schemeClr val="tx1"/>
+          </a:fontRef>
+        </p:style>
+      </p:cxnSp>
+      <p:cxnSp>
+        <p:nvCxnSpPr>
+          <p:cNvPr id="4" name="Straight Arrow Connector 3"/>
+          <p:cNvCxnSpPr/>
+          <p:nvPr/>
+        </p:nvCxnSpPr>
+        <p:spPr>
+          <a:xfrm>
+            <a:off x="4812030" y="1702435"/>
+            <a:ext cx="824230" cy="2573655"/>
+          </a:xfrm>
+          <a:prstGeom prst="straightConnector1">
+            <a:avLst/>
+          </a:prstGeom>
+          <a:ln w="66675">
+            <a:solidFill>
+              <a:schemeClr val="accent6">
+                <a:lumMod val="60000"/>
+                <a:lumOff val="40000"/>
+              </a:schemeClr>
+            </a:solidFill>
+            <a:tailEnd type="arrow"/>
+          </a:ln>
+        </p:spPr>
+        <p:style>
+          <a:lnRef idx="1">
+            <a:schemeClr val="accent1"/>
+          </a:lnRef>
+          <a:fillRef idx="0">
+            <a:schemeClr val="accent1"/>
+          </a:fillRef>
+          <a:effectRef idx="0">
+            <a:schemeClr val="accent1"/>
+          </a:effectRef>
+          <a:fontRef idx="minor">
+            <a:schemeClr val="tx1"/>
+          </a:fontRef>
+        </p:style>
+      </p:cxnSp>
+      <p:sp>
+        <p:nvSpPr>
+          <p:cNvPr id="5" name="Text Box 4"/>
+          <p:cNvSpPr txBox="1"/>
+          <p:nvPr/>
+        </p:nvSpPr>
+        <p:spPr>
+          <a:xfrm>
+            <a:off x="5967095" y="3452495"/>
+            <a:ext cx="572770" cy="521970"/>
+          </a:xfrm>
+          <a:prstGeom prst="rect">
+            <a:avLst/>
+          </a:prstGeom>
+          <a:noFill/>
+        </p:spPr>
+        <p:txBody>
+          <a:bodyPr wrap="square" rtlCol="0">
+            <a:spAutoFit/>
+          </a:bodyPr>
+          <a:p>
+            <a:r>
+              <a:rPr lang="en-US" sz="2800">
+                <a:solidFill>
+                  <a:srgbClr val="FF0000"/>
+                </a:solidFill>
+              </a:rPr>
+              <a:t>S2</a:t>
+            </a:r>
+            <a:endParaRPr lang="en-US" sz="2800">
+              <a:solidFill>
+                <a:srgbClr val="FF0000"/>
+              </a:solidFill>
+            </a:endParaRPr>
+          </a:p>
+        </p:txBody>
+      </p:sp>
+      <p:sp>
+        <p:nvSpPr>
+          <p:cNvPr id="12" name="Text Box 11"/>
+          <p:cNvSpPr txBox="1"/>
+          <p:nvPr/>
+        </p:nvSpPr>
+        <p:spPr>
+          <a:xfrm>
+            <a:off x="5289550" y="2435225"/>
+            <a:ext cx="767080" cy="521970"/>
+          </a:xfrm>
+          <a:prstGeom prst="rect">
+            <a:avLst/>
+          </a:prstGeom>
+          <a:noFill/>
+        </p:spPr>
+        <p:txBody>
+          <a:bodyPr wrap="square" rtlCol="0">
+            <a:spAutoFit/>
+          </a:bodyPr>
+          <a:p>
+            <a:r>
+              <a:rPr lang="en-US" sz="2800">
+                <a:solidFill>
+                  <a:schemeClr val="accent6">
+                    <a:lumMod val="60000"/>
+                    <a:lumOff val="40000"/>
+                  </a:schemeClr>
+                </a:solidFill>
+              </a:rPr>
+              <a:t>X1</a:t>
+            </a:r>
+            <a:endParaRPr lang="en-US" sz="2800">
+              <a:solidFill>
+                <a:schemeClr val="accent6">
+                  <a:lumMod val="60000"/>
+                  <a:lumOff val="40000"/>
+                </a:schemeClr>
+              </a:solidFill>
+            </a:endParaRPr>
+          </a:p>
+        </p:txBody>
+      </p:sp>
+      <p:cxnSp>
+        <p:nvCxnSpPr>
+          <p:cNvPr id="14" name="Straight Arrow Connector 13"/>
+          <p:cNvCxnSpPr/>
+          <p:nvPr/>
+        </p:nvCxnSpPr>
+        <p:spPr>
+          <a:xfrm>
+            <a:off x="6518275" y="2741295"/>
+            <a:ext cx="1228725" cy="2134870"/>
+          </a:xfrm>
+          <a:prstGeom prst="straightConnector1">
+            <a:avLst/>
+          </a:prstGeom>
+          <a:ln w="66675">
+            <a:solidFill>
+              <a:schemeClr val="accent6">
+                <a:lumMod val="60000"/>
+                <a:lumOff val="40000"/>
+              </a:schemeClr>
+            </a:solidFill>
+            <a:tailEnd type="arrow"/>
+          </a:ln>
+        </p:spPr>
+        <p:style>
+          <a:lnRef idx="1">
+            <a:schemeClr val="accent1"/>
+          </a:lnRef>
+          <a:fillRef idx="0">
+            <a:schemeClr val="accent1"/>
+          </a:fillRef>
+          <a:effectRef idx="0">
+            <a:schemeClr val="accent1"/>
+          </a:effectRef>
+          <a:fontRef idx="minor">
+            <a:schemeClr val="tx1"/>
+          </a:fontRef>
+        </p:style>
+      </p:cxnSp>
+      <p:sp>
+        <p:nvSpPr>
+          <p:cNvPr id="15" name="Text Box 14"/>
+          <p:cNvSpPr txBox="1"/>
+          <p:nvPr/>
+        </p:nvSpPr>
+        <p:spPr>
+          <a:xfrm>
+            <a:off x="7151370" y="3258185"/>
+            <a:ext cx="767080" cy="521970"/>
+          </a:xfrm>
+          <a:prstGeom prst="rect">
+            <a:avLst/>
+          </a:prstGeom>
+          <a:noFill/>
+        </p:spPr>
+        <p:txBody>
+          <a:bodyPr wrap="square" rtlCol="0">
+            <a:spAutoFit/>
+          </a:bodyPr>
+          <a:p>
+            <a:r>
+              <a:rPr lang="en-US" sz="2800">
+                <a:solidFill>
+                  <a:schemeClr val="accent6">
+                    <a:lumMod val="60000"/>
+                    <a:lumOff val="40000"/>
+                  </a:schemeClr>
+                </a:solidFill>
+              </a:rPr>
+              <a:t>X2</a:t>
+            </a:r>
+            <a:endParaRPr lang="en-US" sz="2800">
+              <a:solidFill>
+                <a:schemeClr val="accent6">
+                  <a:lumMod val="60000"/>
+                  <a:lumOff val="40000"/>
+                </a:schemeClr>
+              </a:solidFill>
+            </a:endParaRPr>
+          </a:p>
+        </p:txBody>
+      </p:sp>
+      <p:cxnSp>
+        <p:nvCxnSpPr>
+          <p:cNvPr id="3" name="Straight Arrow Connector 2"/>
+          <p:cNvCxnSpPr/>
+          <p:nvPr/>
+        </p:nvCxnSpPr>
+        <p:spPr>
+          <a:xfrm flipV="1">
+            <a:off x="7814310" y="3678555"/>
+            <a:ext cx="852170" cy="1197610"/>
+          </a:xfrm>
+          <a:prstGeom prst="straightConnector1">
+            <a:avLst/>
+          </a:prstGeom>
+          <a:ln w="73025">
+            <a:solidFill>
+              <a:srgbClr val="FF3300"/>
+            </a:solidFill>
+            <a:tailEnd type="arrow"/>
+          </a:ln>
+        </p:spPr>
+        <p:style>
+          <a:lnRef idx="1">
+            <a:schemeClr val="accent1"/>
+          </a:lnRef>
+          <a:fillRef idx="0">
+            <a:schemeClr val="accent1"/>
+          </a:fillRef>
+          <a:effectRef idx="0">
+            <a:schemeClr val="accent1"/>
+          </a:effectRef>
+          <a:fontRef idx="minor">
+            <a:schemeClr val="tx1"/>
+          </a:fontRef>
+        </p:style>
+      </p:cxnSp>
+      <p:cxnSp>
+        <p:nvCxnSpPr>
+          <p:cNvPr id="7" name="Straight Arrow Connector 6"/>
+          <p:cNvCxnSpPr/>
+          <p:nvPr/>
+        </p:nvCxnSpPr>
+        <p:spPr>
+          <a:xfrm>
+            <a:off x="8629015" y="3678555"/>
+            <a:ext cx="1228725" cy="2134870"/>
+          </a:xfrm>
+          <a:prstGeom prst="straightConnector1">
+            <a:avLst/>
+          </a:prstGeom>
+          <a:ln w="66675">
+            <a:solidFill>
+              <a:schemeClr val="accent6">
+                <a:lumMod val="60000"/>
+                <a:lumOff val="40000"/>
+              </a:schemeClr>
+            </a:solidFill>
+            <a:tailEnd type="arrow"/>
+          </a:ln>
+        </p:spPr>
+        <p:style>
+          <a:lnRef idx="1">
+            <a:schemeClr val="accent1"/>
+          </a:lnRef>
+          <a:fillRef idx="0">
+            <a:schemeClr val="accent1"/>
+          </a:fillRef>
+          <a:effectRef idx="0">
+            <a:schemeClr val="accent1"/>
+          </a:effectRef>
+          <a:fontRef idx="minor">
+            <a:schemeClr val="tx1"/>
+          </a:fontRef>
+        </p:style>
+      </p:cxnSp>
+      <p:sp>
+        <p:nvSpPr>
+          <p:cNvPr id="8" name="Text Box 7"/>
+          <p:cNvSpPr txBox="1"/>
+          <p:nvPr/>
+        </p:nvSpPr>
+        <p:spPr>
+          <a:xfrm>
+            <a:off x="7747000" y="3780155"/>
+            <a:ext cx="572770" cy="521970"/>
+          </a:xfrm>
+          <a:prstGeom prst="rect">
+            <a:avLst/>
+          </a:prstGeom>
+          <a:noFill/>
+        </p:spPr>
+        <p:txBody>
+          <a:bodyPr wrap="square" rtlCol="0">
+            <a:spAutoFit/>
+          </a:bodyPr>
+          <a:p>
+            <a:r>
+              <a:rPr lang="en-US" sz="2800">
+                <a:solidFill>
+                  <a:srgbClr val="FF0000"/>
+                </a:solidFill>
+              </a:rPr>
+              <a:t>S3</a:t>
+            </a:r>
+            <a:endParaRPr lang="en-US" sz="2800">
+              <a:solidFill>
+                <a:srgbClr val="FF0000"/>
+              </a:solidFill>
+            </a:endParaRPr>
+          </a:p>
+        </p:txBody>
+      </p:sp>
+      <p:sp>
+        <p:nvSpPr>
+          <p:cNvPr id="9" name="Text Box 8"/>
+          <p:cNvSpPr txBox="1"/>
+          <p:nvPr/>
+        </p:nvSpPr>
+        <p:spPr>
+          <a:xfrm>
+            <a:off x="9437370" y="4276090"/>
+            <a:ext cx="767080" cy="521970"/>
+          </a:xfrm>
+          <a:prstGeom prst="rect">
+            <a:avLst/>
+          </a:prstGeom>
+          <a:noFill/>
+        </p:spPr>
+        <p:txBody>
+          <a:bodyPr wrap="square" rtlCol="0">
+            <a:spAutoFit/>
+          </a:bodyPr>
+          <a:p>
+            <a:r>
+              <a:rPr lang="en-US" sz="2800">
+                <a:solidFill>
+                  <a:schemeClr val="accent6">
+                    <a:lumMod val="60000"/>
+                    <a:lumOff val="40000"/>
+                  </a:schemeClr>
+                </a:solidFill>
+              </a:rPr>
+              <a:t>X3</a:t>
+            </a:r>
+            <a:endParaRPr lang="en-US" sz="2800">
+              <a:solidFill>
+                <a:schemeClr val="accent6">
+                  <a:lumMod val="60000"/>
+                  <a:lumOff val="40000"/>
+                </a:schemeClr>
+              </a:solidFill>
+            </a:endParaRPr>
+          </a:p>
+        </p:txBody>
+      </p:sp>
+    </p:spTree>
+  </p:cSld>
+  <p:clrMapOvr>
+    <a:masterClrMapping/>
+  </p:clrMapOvr>
+</p:sld>
+</file>
+
+<file path=ppt/slides/slide11.xml><?xml version="1.0" encoding="utf-8"?>
+<p:sld xmlns:a="http://schemas.openxmlformats.org/drawingml/2006/main" xmlns:r="http://schemas.openxmlformats.org/officeDocument/2006/relationships" xmlns:p="http://schemas.openxmlformats.org/presentationml/2006/main">
+  <p:cSld>
+    <p:spTree>
+      <p:nvGrpSpPr>
+        <p:cNvPr id="1" name=""/>
+        <p:cNvGrpSpPr/>
+        <p:nvPr/>
+      </p:nvGrpSpPr>
+      <p:grpSpPr>
+        <a:xfrm>
+          <a:off x="0" y="0"/>
+          <a:ext cx="0" cy="0"/>
+          <a:chOff x="0" y="0"/>
+          <a:chExt cx="0" cy="0"/>
+        </a:xfrm>
+      </p:grpSpPr>
+      <p:cxnSp>
+        <p:nvCxnSpPr>
+          <p:cNvPr id="6" name="Straight Arrow Connector 5"/>
+          <p:cNvCxnSpPr/>
+          <p:nvPr/>
+        </p:nvCxnSpPr>
+        <p:spPr>
+          <a:xfrm flipV="1">
+            <a:off x="404495" y="1653540"/>
+            <a:ext cx="1141730" cy="1620520"/>
+          </a:xfrm>
+          <a:prstGeom prst="straightConnector1">
+            <a:avLst/>
+          </a:prstGeom>
+          <a:ln w="73025">
+            <a:solidFill>
+              <a:srgbClr val="FF3300"/>
+            </a:solidFill>
+            <a:tailEnd type="arrow"/>
+          </a:ln>
+        </p:spPr>
+        <p:style>
+          <a:lnRef idx="1">
+            <a:schemeClr val="accent1"/>
+          </a:lnRef>
+          <a:fillRef idx="0">
+            <a:schemeClr val="accent1"/>
+          </a:fillRef>
+          <a:effectRef idx="0">
+            <a:schemeClr val="accent1"/>
+          </a:effectRef>
+          <a:fontRef idx="minor">
+            <a:schemeClr val="tx1"/>
+          </a:fontRef>
+        </p:style>
+      </p:cxnSp>
+      <p:sp>
+        <p:nvSpPr>
+          <p:cNvPr id="11" name="Text Box 10"/>
+          <p:cNvSpPr txBox="1"/>
+          <p:nvPr/>
+        </p:nvSpPr>
+        <p:spPr>
+          <a:xfrm>
+            <a:off x="462280" y="2058670"/>
+            <a:ext cx="572770" cy="521970"/>
+          </a:xfrm>
+          <a:prstGeom prst="rect">
+            <a:avLst/>
+          </a:prstGeom>
+          <a:noFill/>
+        </p:spPr>
+        <p:txBody>
+          <a:bodyPr wrap="square" rtlCol="0">
+            <a:spAutoFit/>
+          </a:bodyPr>
+          <a:p>
+            <a:r>
+              <a:rPr lang="en-US" sz="2800">
+                <a:solidFill>
+                  <a:srgbClr val="FF0000"/>
+                </a:solidFill>
+              </a:rPr>
+              <a:t>S1</a:t>
+            </a:r>
+            <a:endParaRPr lang="en-US" sz="2800">
+              <a:solidFill>
+                <a:srgbClr val="FF0000"/>
+              </a:solidFill>
+            </a:endParaRPr>
+          </a:p>
+        </p:txBody>
+      </p:sp>
+      <p:cxnSp>
+        <p:nvCxnSpPr>
+          <p:cNvPr id="2" name="Straight Arrow Connector 1"/>
+          <p:cNvCxnSpPr/>
+          <p:nvPr/>
+        </p:nvCxnSpPr>
+        <p:spPr>
+          <a:xfrm flipV="1">
+            <a:off x="1951990" y="1247775"/>
+            <a:ext cx="814705" cy="1616075"/>
+          </a:xfrm>
+          <a:prstGeom prst="straightConnector1">
+            <a:avLst/>
+          </a:prstGeom>
+          <a:ln w="73025">
+            <a:solidFill>
+              <a:srgbClr val="FF3300"/>
+            </a:solidFill>
+            <a:tailEnd type="arrow"/>
+          </a:ln>
+        </p:spPr>
+        <p:style>
+          <a:lnRef idx="1">
+            <a:schemeClr val="accent1"/>
+          </a:lnRef>
+          <a:fillRef idx="0">
+            <a:schemeClr val="accent1"/>
+          </a:fillRef>
+          <a:effectRef idx="0">
+            <a:schemeClr val="accent1"/>
+          </a:effectRef>
+          <a:fontRef idx="minor">
+            <a:schemeClr val="tx1"/>
+          </a:fontRef>
+        </p:style>
+      </p:cxnSp>
+      <p:cxnSp>
+        <p:nvCxnSpPr>
+          <p:cNvPr id="4" name="Straight Arrow Connector 3"/>
+          <p:cNvCxnSpPr/>
+          <p:nvPr/>
+        </p:nvCxnSpPr>
+        <p:spPr>
+          <a:xfrm>
+            <a:off x="1530350" y="1718310"/>
+            <a:ext cx="421640" cy="1259205"/>
+          </a:xfrm>
+          <a:prstGeom prst="straightConnector1">
+            <a:avLst/>
+          </a:prstGeom>
+          <a:ln w="66675">
+            <a:solidFill>
+              <a:schemeClr val="accent6">
+                <a:lumMod val="60000"/>
+                <a:lumOff val="40000"/>
+              </a:schemeClr>
+            </a:solidFill>
+            <a:tailEnd type="arrow"/>
+          </a:ln>
+        </p:spPr>
+        <p:style>
+          <a:lnRef idx="1">
+            <a:schemeClr val="accent1"/>
+          </a:lnRef>
+          <a:fillRef idx="0">
+            <a:schemeClr val="accent1"/>
+          </a:fillRef>
+          <a:effectRef idx="0">
+            <a:schemeClr val="accent1"/>
+          </a:effectRef>
+          <a:fontRef idx="minor">
+            <a:schemeClr val="tx1"/>
+          </a:fontRef>
+        </p:style>
+      </p:cxnSp>
+      <p:sp>
+        <p:nvSpPr>
+          <p:cNvPr id="5" name="Text Box 4"/>
+          <p:cNvSpPr txBox="1"/>
+          <p:nvPr/>
+        </p:nvSpPr>
+        <p:spPr>
+          <a:xfrm>
+            <a:off x="2882265" y="1510665"/>
+            <a:ext cx="572770" cy="521970"/>
+          </a:xfrm>
+          <a:prstGeom prst="rect">
+            <a:avLst/>
+          </a:prstGeom>
+          <a:noFill/>
+        </p:spPr>
+        <p:txBody>
+          <a:bodyPr wrap="square" rtlCol="0">
+            <a:spAutoFit/>
+          </a:bodyPr>
+          <a:p>
+            <a:r>
+              <a:rPr lang="en-US" sz="2800">
+                <a:solidFill>
+                  <a:srgbClr val="FF0000"/>
+                </a:solidFill>
+              </a:rPr>
+              <a:t>S2</a:t>
+            </a:r>
+            <a:endParaRPr lang="en-US" sz="2800">
+              <a:solidFill>
+                <a:srgbClr val="FF0000"/>
+              </a:solidFill>
+            </a:endParaRPr>
+          </a:p>
+        </p:txBody>
+      </p:sp>
+      <p:sp>
+        <p:nvSpPr>
+          <p:cNvPr id="12" name="Text Box 11"/>
+          <p:cNvSpPr txBox="1"/>
+          <p:nvPr/>
+        </p:nvSpPr>
+        <p:spPr>
+          <a:xfrm>
+            <a:off x="1184910" y="2752090"/>
+            <a:ext cx="767080" cy="521970"/>
+          </a:xfrm>
+          <a:prstGeom prst="rect">
+            <a:avLst/>
+          </a:prstGeom>
+          <a:noFill/>
+        </p:spPr>
+        <p:txBody>
+          <a:bodyPr wrap="square" rtlCol="0">
+            <a:spAutoFit/>
+          </a:bodyPr>
+          <a:p>
+            <a:r>
+              <a:rPr lang="en-US" sz="2800">
+                <a:solidFill>
+                  <a:schemeClr val="accent6">
+                    <a:lumMod val="60000"/>
+                    <a:lumOff val="40000"/>
+                  </a:schemeClr>
+                </a:solidFill>
+              </a:rPr>
+              <a:t>X1</a:t>
+            </a:r>
+            <a:endParaRPr lang="en-US" sz="2800">
+              <a:solidFill>
+                <a:schemeClr val="accent6">
+                  <a:lumMod val="60000"/>
+                  <a:lumOff val="40000"/>
+                </a:schemeClr>
+              </a:solidFill>
+            </a:endParaRPr>
+          </a:p>
+        </p:txBody>
+      </p:sp>
+      <p:cxnSp>
+        <p:nvCxnSpPr>
+          <p:cNvPr id="10" name="Straight Arrow Connector 9"/>
+          <p:cNvCxnSpPr/>
+          <p:nvPr/>
+        </p:nvCxnSpPr>
+        <p:spPr>
+          <a:xfrm flipV="1">
+            <a:off x="3879215" y="2715895"/>
+            <a:ext cx="1141730" cy="1620520"/>
+          </a:xfrm>
+          <a:prstGeom prst="straightConnector1">
+            <a:avLst/>
+          </a:prstGeom>
+          <a:ln w="73025">
+            <a:solidFill>
+              <a:srgbClr val="FF3300"/>
+            </a:solidFill>
+            <a:tailEnd type="arrow"/>
+          </a:ln>
+        </p:spPr>
+        <p:style>
+          <a:lnRef idx="1">
+            <a:schemeClr val="accent1"/>
+          </a:lnRef>
+          <a:fillRef idx="0">
+            <a:schemeClr val="accent1"/>
+          </a:fillRef>
+          <a:effectRef idx="0">
+            <a:schemeClr val="accent1"/>
+          </a:effectRef>
+          <a:fontRef idx="minor">
+            <a:schemeClr val="tx1"/>
+          </a:fontRef>
+        </p:style>
+      </p:cxnSp>
+      <p:sp>
+        <p:nvSpPr>
+          <p:cNvPr id="13" name="Text Box 12"/>
+          <p:cNvSpPr txBox="1"/>
+          <p:nvPr/>
+        </p:nvSpPr>
+        <p:spPr>
+          <a:xfrm>
+            <a:off x="3937000" y="3121025"/>
+            <a:ext cx="572770" cy="521970"/>
+          </a:xfrm>
+          <a:prstGeom prst="rect">
+            <a:avLst/>
+          </a:prstGeom>
+          <a:noFill/>
+        </p:spPr>
+        <p:txBody>
+          <a:bodyPr wrap="square" rtlCol="0">
+            <a:spAutoFit/>
+          </a:bodyPr>
+          <a:p>
+            <a:r>
+              <a:rPr lang="en-US" sz="2800">
+                <a:solidFill>
+                  <a:srgbClr val="FF0000"/>
+                </a:solidFill>
+              </a:rPr>
+              <a:t>S1</a:t>
+            </a:r>
+            <a:endParaRPr lang="en-US" sz="2800">
+              <a:solidFill>
+                <a:srgbClr val="FF0000"/>
+              </a:solidFill>
+            </a:endParaRPr>
+          </a:p>
+        </p:txBody>
+      </p:sp>
+      <p:cxnSp>
+        <p:nvCxnSpPr>
+          <p:cNvPr id="16" name="Straight Arrow Connector 15"/>
+          <p:cNvCxnSpPr/>
+          <p:nvPr/>
+        </p:nvCxnSpPr>
+        <p:spPr>
+          <a:xfrm flipV="1">
+            <a:off x="5426710" y="2310130"/>
+            <a:ext cx="814705" cy="1616075"/>
+          </a:xfrm>
+          <a:prstGeom prst="straightConnector1">
+            <a:avLst/>
+          </a:prstGeom>
+          <a:ln w="73025">
+            <a:solidFill>
+              <a:srgbClr val="FF3300"/>
+            </a:solidFill>
+            <a:tailEnd type="arrow"/>
+          </a:ln>
+        </p:spPr>
+        <p:style>
+          <a:lnRef idx="1">
+            <a:schemeClr val="accent1"/>
+          </a:lnRef>
+          <a:fillRef idx="0">
+            <a:schemeClr val="accent1"/>
+          </a:fillRef>
+          <a:effectRef idx="0">
+            <a:schemeClr val="accent1"/>
+          </a:effectRef>
+          <a:fontRef idx="minor">
+            <a:schemeClr val="tx1"/>
+          </a:fontRef>
+        </p:style>
+      </p:cxnSp>
+      <p:cxnSp>
+        <p:nvCxnSpPr>
+          <p:cNvPr id="17" name="Straight Arrow Connector 16"/>
+          <p:cNvCxnSpPr/>
+          <p:nvPr/>
+        </p:nvCxnSpPr>
+        <p:spPr>
+          <a:xfrm>
+            <a:off x="5005070" y="2780665"/>
+            <a:ext cx="421640" cy="1259205"/>
+          </a:xfrm>
+          <a:prstGeom prst="straightConnector1">
+            <a:avLst/>
+          </a:prstGeom>
+          <a:ln w="66675">
+            <a:solidFill>
+              <a:schemeClr val="accent6">
+                <a:lumMod val="60000"/>
+                <a:lumOff val="40000"/>
+              </a:schemeClr>
+            </a:solidFill>
+            <a:tailEnd type="arrow"/>
+          </a:ln>
+        </p:spPr>
+        <p:style>
+          <a:lnRef idx="1">
+            <a:schemeClr val="accent1"/>
+          </a:lnRef>
+          <a:fillRef idx="0">
+            <a:schemeClr val="accent1"/>
+          </a:fillRef>
+          <a:effectRef idx="0">
+            <a:schemeClr val="accent1"/>
+          </a:effectRef>
+          <a:fontRef idx="minor">
+            <a:schemeClr val="tx1"/>
+          </a:fontRef>
+        </p:style>
+      </p:cxnSp>
+      <p:sp>
+        <p:nvSpPr>
+          <p:cNvPr id="18" name="Text Box 17"/>
+          <p:cNvSpPr txBox="1"/>
+          <p:nvPr/>
+        </p:nvSpPr>
+        <p:spPr>
+          <a:xfrm>
+            <a:off x="5344795" y="2230120"/>
+            <a:ext cx="572770" cy="521970"/>
+          </a:xfrm>
+          <a:prstGeom prst="rect">
+            <a:avLst/>
+          </a:prstGeom>
+          <a:noFill/>
+        </p:spPr>
+        <p:txBody>
+          <a:bodyPr wrap="square" rtlCol="0">
+            <a:spAutoFit/>
+          </a:bodyPr>
+          <a:p>
+            <a:r>
+              <a:rPr lang="en-US" sz="2800">
+                <a:solidFill>
+                  <a:srgbClr val="FF0000"/>
+                </a:solidFill>
+              </a:rPr>
+              <a:t>S2</a:t>
+            </a:r>
+            <a:endParaRPr lang="en-US" sz="2800">
+              <a:solidFill>
+                <a:srgbClr val="FF0000"/>
+              </a:solidFill>
+            </a:endParaRPr>
+          </a:p>
+        </p:txBody>
+      </p:sp>
+      <p:sp>
+        <p:nvSpPr>
+          <p:cNvPr id="19" name="Text Box 18"/>
+          <p:cNvSpPr txBox="1"/>
+          <p:nvPr/>
+        </p:nvSpPr>
+        <p:spPr>
+          <a:xfrm>
+            <a:off x="4659630" y="3814445"/>
+            <a:ext cx="767080" cy="521970"/>
+          </a:xfrm>
+          <a:prstGeom prst="rect">
+            <a:avLst/>
+          </a:prstGeom>
+          <a:noFill/>
+        </p:spPr>
+        <p:txBody>
+          <a:bodyPr wrap="square" rtlCol="0">
+            <a:spAutoFit/>
+          </a:bodyPr>
+          <a:p>
+            <a:r>
+              <a:rPr lang="en-US" sz="2800">
+                <a:solidFill>
+                  <a:schemeClr val="accent6">
+                    <a:lumMod val="60000"/>
+                    <a:lumOff val="40000"/>
+                  </a:schemeClr>
+                </a:solidFill>
+              </a:rPr>
+              <a:t>X1</a:t>
+            </a:r>
+            <a:endParaRPr lang="en-US" sz="2800">
+              <a:solidFill>
+                <a:schemeClr val="accent6">
+                  <a:lumMod val="60000"/>
+                  <a:lumOff val="40000"/>
+                </a:schemeClr>
+              </a:solidFill>
+            </a:endParaRPr>
+          </a:p>
+        </p:txBody>
+      </p:sp>
+      <p:cxnSp>
+        <p:nvCxnSpPr>
+          <p:cNvPr id="20" name="Straight Arrow Connector 19"/>
+          <p:cNvCxnSpPr/>
+          <p:nvPr/>
+        </p:nvCxnSpPr>
+        <p:spPr>
+          <a:xfrm>
+            <a:off x="6241415" y="2364105"/>
+            <a:ext cx="305435" cy="1039495"/>
+          </a:xfrm>
+          <a:prstGeom prst="straightConnector1">
+            <a:avLst/>
+          </a:prstGeom>
+          <a:ln w="66675">
+            <a:solidFill>
+              <a:schemeClr val="accent6">
+                <a:lumMod val="60000"/>
+                <a:lumOff val="40000"/>
+              </a:schemeClr>
+            </a:solidFill>
+            <a:tailEnd type="arrow"/>
+          </a:ln>
+        </p:spPr>
+        <p:style>
+          <a:lnRef idx="1">
+            <a:schemeClr val="accent1"/>
+          </a:lnRef>
+          <a:fillRef idx="0">
+            <a:schemeClr val="accent1"/>
+          </a:fillRef>
+          <a:effectRef idx="0">
+            <a:schemeClr val="accent1"/>
+          </a:effectRef>
+          <a:fontRef idx="minor">
+            <a:schemeClr val="tx1"/>
+          </a:fontRef>
+        </p:style>
+      </p:cxnSp>
+      <p:sp>
+        <p:nvSpPr>
+          <p:cNvPr id="21" name="Text Box 20"/>
+          <p:cNvSpPr txBox="1"/>
+          <p:nvPr/>
+        </p:nvSpPr>
+        <p:spPr>
+          <a:xfrm>
+            <a:off x="6546850" y="2580640"/>
+            <a:ext cx="767080" cy="521970"/>
+          </a:xfrm>
+          <a:prstGeom prst="rect">
+            <a:avLst/>
+          </a:prstGeom>
+          <a:noFill/>
+        </p:spPr>
+        <p:txBody>
+          <a:bodyPr wrap="square" rtlCol="0">
+            <a:spAutoFit/>
+          </a:bodyPr>
+          <a:p>
+            <a:r>
+              <a:rPr lang="en-US" sz="2800">
+                <a:solidFill>
+                  <a:schemeClr val="accent6">
+                    <a:lumMod val="60000"/>
+                    <a:lumOff val="40000"/>
+                  </a:schemeClr>
+                </a:solidFill>
+              </a:rPr>
+              <a:t>X2</a:t>
+            </a:r>
+            <a:endParaRPr lang="en-US" sz="2800">
+              <a:solidFill>
+                <a:schemeClr val="accent6">
+                  <a:lumMod val="60000"/>
+                  <a:lumOff val="40000"/>
+                </a:schemeClr>
+              </a:solidFill>
+            </a:endParaRPr>
+          </a:p>
+        </p:txBody>
+      </p:sp>
+      <p:cxnSp>
+        <p:nvCxnSpPr>
+          <p:cNvPr id="22" name="Straight Arrow Connector 21"/>
+          <p:cNvCxnSpPr/>
+          <p:nvPr/>
+        </p:nvCxnSpPr>
+        <p:spPr>
+          <a:xfrm flipV="1">
+            <a:off x="7529830" y="3699510"/>
+            <a:ext cx="771525" cy="1037590"/>
+          </a:xfrm>
+          <a:prstGeom prst="straightConnector1">
+            <a:avLst/>
+          </a:prstGeom>
+          <a:ln w="73025">
+            <a:solidFill>
+              <a:srgbClr val="FF3300"/>
+            </a:solidFill>
+            <a:tailEnd type="arrow"/>
+          </a:ln>
+        </p:spPr>
+        <p:style>
+          <a:lnRef idx="1">
+            <a:schemeClr val="accent1"/>
+          </a:lnRef>
+          <a:fillRef idx="0">
+            <a:schemeClr val="accent1"/>
+          </a:fillRef>
+          <a:effectRef idx="0">
+            <a:schemeClr val="accent1"/>
+          </a:effectRef>
+          <a:fontRef idx="minor">
+            <a:schemeClr val="tx1"/>
+          </a:fontRef>
+        </p:style>
+      </p:cxnSp>
+      <p:cxnSp>
+        <p:nvCxnSpPr>
+          <p:cNvPr id="23" name="Straight Arrow Connector 22"/>
+          <p:cNvCxnSpPr/>
+          <p:nvPr/>
+        </p:nvCxnSpPr>
+        <p:spPr>
+          <a:xfrm>
+            <a:off x="8295005" y="3814445"/>
+            <a:ext cx="764540" cy="2324735"/>
+          </a:xfrm>
+          <a:prstGeom prst="straightConnector1">
+            <a:avLst/>
+          </a:prstGeom>
+          <a:ln w="66675">
+            <a:solidFill>
+              <a:schemeClr val="accent6">
+                <a:lumMod val="60000"/>
+                <a:lumOff val="40000"/>
+              </a:schemeClr>
+            </a:solidFill>
+            <a:tailEnd type="arrow"/>
+          </a:ln>
+        </p:spPr>
+        <p:style>
+          <a:lnRef idx="1">
+            <a:schemeClr val="accent1"/>
+          </a:lnRef>
+          <a:fillRef idx="0">
+            <a:schemeClr val="accent1"/>
+          </a:fillRef>
+          <a:effectRef idx="0">
+            <a:schemeClr val="accent1"/>
+          </a:effectRef>
+          <a:fontRef idx="minor">
+            <a:schemeClr val="tx1"/>
+          </a:fontRef>
+        </p:style>
+      </p:cxnSp>
+      <p:sp>
+        <p:nvSpPr>
+          <p:cNvPr id="24" name="Text Box 23"/>
+          <p:cNvSpPr txBox="1"/>
+          <p:nvPr/>
+        </p:nvSpPr>
+        <p:spPr>
+          <a:xfrm>
+            <a:off x="8955405" y="5130800"/>
+            <a:ext cx="767080" cy="521970"/>
+          </a:xfrm>
+          <a:prstGeom prst="rect">
+            <a:avLst/>
+          </a:prstGeom>
+          <a:noFill/>
+        </p:spPr>
+        <p:txBody>
+          <a:bodyPr wrap="square" rtlCol="0">
+            <a:spAutoFit/>
+          </a:bodyPr>
+          <a:p>
+            <a:r>
+              <a:rPr lang="en-US" sz="2800">
+                <a:solidFill>
+                  <a:schemeClr val="accent6">
+                    <a:lumMod val="60000"/>
+                    <a:lumOff val="40000"/>
+                  </a:schemeClr>
+                </a:solidFill>
+              </a:rPr>
+              <a:t>X3</a:t>
+            </a:r>
+            <a:endParaRPr lang="en-US" sz="2800">
+              <a:solidFill>
+                <a:schemeClr val="accent6">
+                  <a:lumMod val="60000"/>
+                  <a:lumOff val="40000"/>
+                </a:schemeClr>
+              </a:solidFill>
+            </a:endParaRPr>
+          </a:p>
+        </p:txBody>
+      </p:sp>
+      <p:sp>
+        <p:nvSpPr>
+          <p:cNvPr id="25" name="Text Box 24"/>
+          <p:cNvSpPr txBox="1"/>
+          <p:nvPr/>
+        </p:nvSpPr>
+        <p:spPr>
+          <a:xfrm>
+            <a:off x="7853680" y="4336415"/>
+            <a:ext cx="572770" cy="521970"/>
+          </a:xfrm>
+          <a:prstGeom prst="rect">
+            <a:avLst/>
+          </a:prstGeom>
+          <a:noFill/>
+        </p:spPr>
+        <p:txBody>
+          <a:bodyPr wrap="square" rtlCol="0">
+            <a:spAutoFit/>
+          </a:bodyPr>
+          <a:p>
+            <a:r>
+              <a:rPr lang="en-US" sz="2800">
+                <a:solidFill>
+                  <a:srgbClr val="FF0000"/>
+                </a:solidFill>
+              </a:rPr>
+              <a:t>S3</a:t>
+            </a:r>
+            <a:endParaRPr lang="en-US" sz="2800">
+              <a:solidFill>
+                <a:srgbClr val="FF0000"/>
+              </a:solidFill>
+            </a:endParaRPr>
+          </a:p>
+        </p:txBody>
+      </p:sp>
+    </p:spTree>
+  </p:cSld>
+  <p:clrMapOvr>
+    <a:masterClrMapping/>
+  </p:clrMapOvr>
+</p:sld>
+</file>
+
+<file path=ppt/slides/slide12.xml><?xml version="1.0" encoding="utf-8"?>
+<p:sld xmlns:a="http://schemas.openxmlformats.org/drawingml/2006/main" xmlns:r="http://schemas.openxmlformats.org/officeDocument/2006/relationships" xmlns:p="http://schemas.openxmlformats.org/presentationml/2006/main">
+  <p:cSld>
+    <p:spTree>
+      <p:nvGrpSpPr>
+        <p:cNvPr id="1" name=""/>
+        <p:cNvGrpSpPr/>
+        <p:nvPr/>
+      </p:nvGrpSpPr>
+      <p:grpSpPr>
+        <a:xfrm>
+          <a:off x="0" y="0"/>
+          <a:ext cx="0" cy="0"/>
+          <a:chOff x="0" y="0"/>
+          <a:chExt cx="0" cy="0"/>
+        </a:xfrm>
+      </p:grpSpPr>
+      <p:cxnSp>
+        <p:nvCxnSpPr>
+          <p:cNvPr id="6" name="Straight Arrow Connector 5"/>
+          <p:cNvCxnSpPr/>
+          <p:nvPr/>
+        </p:nvCxnSpPr>
+        <p:spPr>
+          <a:xfrm flipV="1">
+            <a:off x="404495" y="1653540"/>
+            <a:ext cx="1141730" cy="1620520"/>
+          </a:xfrm>
+          <a:prstGeom prst="straightConnector1">
+            <a:avLst/>
+          </a:prstGeom>
+          <a:ln w="73025">
+            <a:solidFill>
+              <a:srgbClr val="FF3300"/>
+            </a:solidFill>
+            <a:tailEnd type="arrow"/>
+          </a:ln>
+        </p:spPr>
+        <p:style>
+          <a:lnRef idx="1">
+            <a:schemeClr val="accent1"/>
+          </a:lnRef>
+          <a:fillRef idx="0">
+            <a:schemeClr val="accent1"/>
+          </a:fillRef>
+          <a:effectRef idx="0">
+            <a:schemeClr val="accent1"/>
+          </a:effectRef>
+          <a:fontRef idx="minor">
+            <a:schemeClr val="tx1"/>
+          </a:fontRef>
+        </p:style>
+      </p:cxnSp>
+      <p:sp>
+        <p:nvSpPr>
+          <p:cNvPr id="11" name="Text Box 10"/>
+          <p:cNvSpPr txBox="1"/>
+          <p:nvPr/>
+        </p:nvSpPr>
+        <p:spPr>
+          <a:xfrm>
+            <a:off x="462280" y="2058670"/>
+            <a:ext cx="572770" cy="521970"/>
+          </a:xfrm>
+          <a:prstGeom prst="rect">
+            <a:avLst/>
+          </a:prstGeom>
+          <a:noFill/>
+        </p:spPr>
+        <p:txBody>
+          <a:bodyPr wrap="square" rtlCol="0">
+            <a:spAutoFit/>
+          </a:bodyPr>
+          <a:p>
+            <a:r>
+              <a:rPr lang="en-US" sz="2800">
+                <a:solidFill>
+                  <a:srgbClr val="FF0000"/>
+                </a:solidFill>
+              </a:rPr>
+              <a:t>S1</a:t>
+            </a:r>
+            <a:endParaRPr lang="en-US" sz="2800">
+              <a:solidFill>
+                <a:srgbClr val="FF0000"/>
+              </a:solidFill>
+            </a:endParaRPr>
+          </a:p>
+        </p:txBody>
+      </p:sp>
+      <p:cxnSp>
+        <p:nvCxnSpPr>
+          <p:cNvPr id="2" name="Straight Arrow Connector 1"/>
+          <p:cNvCxnSpPr/>
+          <p:nvPr/>
+        </p:nvCxnSpPr>
+        <p:spPr>
+          <a:xfrm flipV="1">
+            <a:off x="1951990" y="1247775"/>
+            <a:ext cx="814705" cy="1616075"/>
+          </a:xfrm>
+          <a:prstGeom prst="straightConnector1">
+            <a:avLst/>
+          </a:prstGeom>
+          <a:ln w="73025">
+            <a:solidFill>
+              <a:srgbClr val="FF3300"/>
+            </a:solidFill>
+            <a:tailEnd type="arrow"/>
+          </a:ln>
+        </p:spPr>
+        <p:style>
+          <a:lnRef idx="1">
+            <a:schemeClr val="accent1"/>
+          </a:lnRef>
+          <a:fillRef idx="0">
+            <a:schemeClr val="accent1"/>
+          </a:fillRef>
+          <a:effectRef idx="0">
+            <a:schemeClr val="accent1"/>
+          </a:effectRef>
+          <a:fontRef idx="minor">
+            <a:schemeClr val="tx1"/>
+          </a:fontRef>
+        </p:style>
+      </p:cxnSp>
+      <p:cxnSp>
+        <p:nvCxnSpPr>
+          <p:cNvPr id="4" name="Straight Arrow Connector 3"/>
+          <p:cNvCxnSpPr/>
+          <p:nvPr/>
+        </p:nvCxnSpPr>
+        <p:spPr>
+          <a:xfrm>
+            <a:off x="1530350" y="1718310"/>
+            <a:ext cx="421640" cy="1259205"/>
+          </a:xfrm>
+          <a:prstGeom prst="straightConnector1">
+            <a:avLst/>
+          </a:prstGeom>
+          <a:ln w="66675">
+            <a:solidFill>
+              <a:schemeClr val="accent6">
+                <a:lumMod val="60000"/>
+                <a:lumOff val="40000"/>
+              </a:schemeClr>
+            </a:solidFill>
+            <a:tailEnd type="arrow"/>
+          </a:ln>
+        </p:spPr>
+        <p:style>
+          <a:lnRef idx="1">
+            <a:schemeClr val="accent1"/>
+          </a:lnRef>
+          <a:fillRef idx="0">
+            <a:schemeClr val="accent1"/>
+          </a:fillRef>
+          <a:effectRef idx="0">
+            <a:schemeClr val="accent1"/>
+          </a:effectRef>
+          <a:fontRef idx="minor">
+            <a:schemeClr val="tx1"/>
+          </a:fontRef>
+        </p:style>
+      </p:cxnSp>
+      <p:sp>
+        <p:nvSpPr>
+          <p:cNvPr id="5" name="Text Box 4"/>
+          <p:cNvSpPr txBox="1"/>
+          <p:nvPr/>
+        </p:nvSpPr>
+        <p:spPr>
+          <a:xfrm>
+            <a:off x="2882265" y="1510665"/>
+            <a:ext cx="572770" cy="521970"/>
+          </a:xfrm>
+          <a:prstGeom prst="rect">
+            <a:avLst/>
+          </a:prstGeom>
+          <a:noFill/>
+        </p:spPr>
+        <p:txBody>
+          <a:bodyPr wrap="square" rtlCol="0">
+            <a:spAutoFit/>
+          </a:bodyPr>
+          <a:p>
+            <a:r>
+              <a:rPr lang="en-US" sz="2800">
+                <a:solidFill>
+                  <a:srgbClr val="FF0000"/>
+                </a:solidFill>
+              </a:rPr>
+              <a:t>S2</a:t>
+            </a:r>
+            <a:endParaRPr lang="en-US" sz="2800">
+              <a:solidFill>
+                <a:srgbClr val="FF0000"/>
+              </a:solidFill>
+            </a:endParaRPr>
+          </a:p>
+        </p:txBody>
+      </p:sp>
+      <p:sp>
+        <p:nvSpPr>
+          <p:cNvPr id="12" name="Text Box 11"/>
+          <p:cNvSpPr txBox="1"/>
+          <p:nvPr/>
+        </p:nvSpPr>
+        <p:spPr>
+          <a:xfrm>
+            <a:off x="1184910" y="2752090"/>
+            <a:ext cx="767080" cy="521970"/>
+          </a:xfrm>
+          <a:prstGeom prst="rect">
+            <a:avLst/>
+          </a:prstGeom>
+          <a:noFill/>
+        </p:spPr>
+        <p:txBody>
+          <a:bodyPr wrap="square" rtlCol="0">
+            <a:spAutoFit/>
+          </a:bodyPr>
+          <a:p>
+            <a:r>
+              <a:rPr lang="en-US" sz="2800">
+                <a:solidFill>
+                  <a:schemeClr val="accent6">
+                    <a:lumMod val="60000"/>
+                    <a:lumOff val="40000"/>
+                  </a:schemeClr>
+                </a:solidFill>
+              </a:rPr>
+              <a:t>X1</a:t>
+            </a:r>
+            <a:endParaRPr lang="en-US" sz="2800">
+              <a:solidFill>
+                <a:schemeClr val="accent6">
+                  <a:lumMod val="60000"/>
+                  <a:lumOff val="40000"/>
+                </a:schemeClr>
+              </a:solidFill>
+            </a:endParaRPr>
+          </a:p>
+        </p:txBody>
+      </p:sp>
+      <p:cxnSp>
+        <p:nvCxnSpPr>
+          <p:cNvPr id="10" name="Straight Arrow Connector 9"/>
+          <p:cNvCxnSpPr/>
+          <p:nvPr/>
+        </p:nvCxnSpPr>
+        <p:spPr>
+          <a:xfrm flipV="1">
+            <a:off x="3879215" y="2715895"/>
+            <a:ext cx="1141730" cy="1620520"/>
+          </a:xfrm>
+          <a:prstGeom prst="straightConnector1">
+            <a:avLst/>
+          </a:prstGeom>
+          <a:ln w="73025">
+            <a:solidFill>
+              <a:srgbClr val="FF3300"/>
+            </a:solidFill>
+            <a:tailEnd type="arrow"/>
+          </a:ln>
+        </p:spPr>
+        <p:style>
+          <a:lnRef idx="1">
+            <a:schemeClr val="accent1"/>
+          </a:lnRef>
+          <a:fillRef idx="0">
+            <a:schemeClr val="accent1"/>
+          </a:fillRef>
+          <a:effectRef idx="0">
+            <a:schemeClr val="accent1"/>
+          </a:effectRef>
+          <a:fontRef idx="minor">
+            <a:schemeClr val="tx1"/>
+          </a:fontRef>
+        </p:style>
+      </p:cxnSp>
+      <p:sp>
+        <p:nvSpPr>
+          <p:cNvPr id="13" name="Text Box 12"/>
+          <p:cNvSpPr txBox="1"/>
+          <p:nvPr/>
+        </p:nvSpPr>
+        <p:spPr>
+          <a:xfrm>
+            <a:off x="3937000" y="3121025"/>
+            <a:ext cx="572770" cy="521970"/>
+          </a:xfrm>
+          <a:prstGeom prst="rect">
+            <a:avLst/>
+          </a:prstGeom>
+          <a:noFill/>
+        </p:spPr>
+        <p:txBody>
+          <a:bodyPr wrap="square" rtlCol="0">
+            <a:spAutoFit/>
+          </a:bodyPr>
+          <a:p>
+            <a:r>
+              <a:rPr lang="en-US" sz="2800">
+                <a:solidFill>
+                  <a:srgbClr val="FF0000"/>
+                </a:solidFill>
+              </a:rPr>
+              <a:t>S1</a:t>
+            </a:r>
+            <a:endParaRPr lang="en-US" sz="2800">
+              <a:solidFill>
+                <a:srgbClr val="FF0000"/>
+              </a:solidFill>
+            </a:endParaRPr>
+          </a:p>
+        </p:txBody>
+      </p:sp>
+      <p:cxnSp>
+        <p:nvCxnSpPr>
+          <p:cNvPr id="16" name="Straight Arrow Connector 15"/>
+          <p:cNvCxnSpPr/>
+          <p:nvPr/>
+        </p:nvCxnSpPr>
+        <p:spPr>
+          <a:xfrm flipV="1">
+            <a:off x="5426710" y="2310130"/>
+            <a:ext cx="814705" cy="1616075"/>
+          </a:xfrm>
+          <a:prstGeom prst="straightConnector1">
+            <a:avLst/>
+          </a:prstGeom>
+          <a:ln w="73025">
+            <a:solidFill>
+              <a:srgbClr val="FF3300"/>
+            </a:solidFill>
+            <a:tailEnd type="arrow"/>
+          </a:ln>
+        </p:spPr>
+        <p:style>
+          <a:lnRef idx="1">
+            <a:schemeClr val="accent1"/>
+          </a:lnRef>
+          <a:fillRef idx="0">
+            <a:schemeClr val="accent1"/>
+          </a:fillRef>
+          <a:effectRef idx="0">
+            <a:schemeClr val="accent1"/>
+          </a:effectRef>
+          <a:fontRef idx="minor">
+            <a:schemeClr val="tx1"/>
+          </a:fontRef>
+        </p:style>
+      </p:cxnSp>
+      <p:cxnSp>
+        <p:nvCxnSpPr>
+          <p:cNvPr id="17" name="Straight Arrow Connector 16"/>
+          <p:cNvCxnSpPr/>
+          <p:nvPr/>
+        </p:nvCxnSpPr>
+        <p:spPr>
+          <a:xfrm>
+            <a:off x="5005070" y="2780665"/>
+            <a:ext cx="421640" cy="1259205"/>
+          </a:xfrm>
+          <a:prstGeom prst="straightConnector1">
+            <a:avLst/>
+          </a:prstGeom>
+          <a:ln w="66675">
+            <a:solidFill>
+              <a:schemeClr val="accent6">
+                <a:lumMod val="60000"/>
+                <a:lumOff val="40000"/>
+              </a:schemeClr>
+            </a:solidFill>
+            <a:tailEnd type="arrow"/>
+          </a:ln>
+        </p:spPr>
+        <p:style>
+          <a:lnRef idx="1">
+            <a:schemeClr val="accent1"/>
+          </a:lnRef>
+          <a:fillRef idx="0">
+            <a:schemeClr val="accent1"/>
+          </a:fillRef>
+          <a:effectRef idx="0">
+            <a:schemeClr val="accent1"/>
+          </a:effectRef>
+          <a:fontRef idx="minor">
+            <a:schemeClr val="tx1"/>
+          </a:fontRef>
+        </p:style>
+      </p:cxnSp>
+      <p:sp>
+        <p:nvSpPr>
+          <p:cNvPr id="18" name="Text Box 17"/>
+          <p:cNvSpPr txBox="1"/>
+          <p:nvPr/>
+        </p:nvSpPr>
+        <p:spPr>
+          <a:xfrm>
+            <a:off x="5344795" y="2230120"/>
+            <a:ext cx="572770" cy="521970"/>
+          </a:xfrm>
+          <a:prstGeom prst="rect">
+            <a:avLst/>
+          </a:prstGeom>
+          <a:noFill/>
+        </p:spPr>
+        <p:txBody>
+          <a:bodyPr wrap="square" rtlCol="0">
+            <a:spAutoFit/>
+          </a:bodyPr>
+          <a:p>
+            <a:r>
+              <a:rPr lang="en-US" sz="2800">
+                <a:solidFill>
+                  <a:srgbClr val="FF0000"/>
+                </a:solidFill>
+              </a:rPr>
+              <a:t>S2</a:t>
+            </a:r>
+            <a:endParaRPr lang="en-US" sz="2800">
+              <a:solidFill>
+                <a:srgbClr val="FF0000"/>
+              </a:solidFill>
+            </a:endParaRPr>
+          </a:p>
+        </p:txBody>
+      </p:sp>
+      <p:sp>
+        <p:nvSpPr>
+          <p:cNvPr id="19" name="Text Box 18"/>
+          <p:cNvSpPr txBox="1"/>
+          <p:nvPr/>
+        </p:nvSpPr>
+        <p:spPr>
+          <a:xfrm>
+            <a:off x="4659630" y="3814445"/>
+            <a:ext cx="767080" cy="521970"/>
+          </a:xfrm>
+          <a:prstGeom prst="rect">
+            <a:avLst/>
+          </a:prstGeom>
+          <a:noFill/>
+        </p:spPr>
+        <p:txBody>
+          <a:bodyPr wrap="square" rtlCol="0">
+            <a:spAutoFit/>
+          </a:bodyPr>
+          <a:p>
+            <a:r>
+              <a:rPr lang="en-US" sz="2800">
+                <a:solidFill>
+                  <a:schemeClr val="accent6">
+                    <a:lumMod val="60000"/>
+                    <a:lumOff val="40000"/>
+                  </a:schemeClr>
+                </a:solidFill>
+              </a:rPr>
+              <a:t>X1</a:t>
+            </a:r>
+            <a:endParaRPr lang="en-US" sz="2800">
+              <a:solidFill>
+                <a:schemeClr val="accent6">
+                  <a:lumMod val="60000"/>
+                  <a:lumOff val="40000"/>
+                </a:schemeClr>
+              </a:solidFill>
+            </a:endParaRPr>
+          </a:p>
+        </p:txBody>
+      </p:sp>
+      <p:cxnSp>
+        <p:nvCxnSpPr>
+          <p:cNvPr id="20" name="Straight Arrow Connector 19"/>
+          <p:cNvCxnSpPr/>
+          <p:nvPr/>
+        </p:nvCxnSpPr>
+        <p:spPr>
+          <a:xfrm>
+            <a:off x="6241415" y="2364105"/>
+            <a:ext cx="305435" cy="1039495"/>
+          </a:xfrm>
+          <a:prstGeom prst="straightConnector1">
+            <a:avLst/>
+          </a:prstGeom>
+          <a:ln w="66675">
+            <a:solidFill>
+              <a:schemeClr val="accent6">
+                <a:lumMod val="60000"/>
+                <a:lumOff val="40000"/>
+              </a:schemeClr>
+            </a:solidFill>
+            <a:tailEnd type="arrow"/>
+          </a:ln>
+        </p:spPr>
+        <p:style>
+          <a:lnRef idx="1">
+            <a:schemeClr val="accent1"/>
+          </a:lnRef>
+          <a:fillRef idx="0">
+            <a:schemeClr val="accent1"/>
+          </a:fillRef>
+          <a:effectRef idx="0">
+            <a:schemeClr val="accent1"/>
+          </a:effectRef>
+          <a:fontRef idx="minor">
+            <a:schemeClr val="tx1"/>
+          </a:fontRef>
+        </p:style>
+      </p:cxnSp>
+      <p:sp>
+        <p:nvSpPr>
+          <p:cNvPr id="21" name="Text Box 20"/>
+          <p:cNvSpPr txBox="1"/>
+          <p:nvPr/>
+        </p:nvSpPr>
+        <p:spPr>
+          <a:xfrm>
+            <a:off x="6546850" y="2580640"/>
+            <a:ext cx="767080" cy="521970"/>
+          </a:xfrm>
+          <a:prstGeom prst="rect">
+            <a:avLst/>
+          </a:prstGeom>
+          <a:noFill/>
+        </p:spPr>
+        <p:txBody>
+          <a:bodyPr wrap="square" rtlCol="0">
+            <a:spAutoFit/>
+          </a:bodyPr>
+          <a:p>
+            <a:r>
+              <a:rPr lang="en-US" sz="2800">
+                <a:solidFill>
+                  <a:schemeClr val="accent6">
+                    <a:lumMod val="60000"/>
+                    <a:lumOff val="40000"/>
+                  </a:schemeClr>
+                </a:solidFill>
+              </a:rPr>
+              <a:t>X2</a:t>
+            </a:r>
+            <a:endParaRPr lang="en-US" sz="2800">
+              <a:solidFill>
+                <a:schemeClr val="accent6">
+                  <a:lumMod val="60000"/>
+                  <a:lumOff val="40000"/>
+                </a:schemeClr>
+              </a:solidFill>
+            </a:endParaRPr>
+          </a:p>
+        </p:txBody>
+      </p:sp>
+      <p:cxnSp>
+        <p:nvCxnSpPr>
+          <p:cNvPr id="22" name="Straight Arrow Connector 21"/>
+          <p:cNvCxnSpPr/>
+          <p:nvPr/>
+        </p:nvCxnSpPr>
+        <p:spPr>
+          <a:xfrm flipV="1">
+            <a:off x="7529830" y="3699510"/>
+            <a:ext cx="771525" cy="1037590"/>
+          </a:xfrm>
+          <a:prstGeom prst="straightConnector1">
+            <a:avLst/>
+          </a:prstGeom>
+          <a:ln w="73025">
+            <a:solidFill>
+              <a:srgbClr val="FF3300"/>
+            </a:solidFill>
+            <a:tailEnd type="arrow"/>
+          </a:ln>
+        </p:spPr>
+        <p:style>
+          <a:lnRef idx="1">
+            <a:schemeClr val="accent1"/>
+          </a:lnRef>
+          <a:fillRef idx="0">
+            <a:schemeClr val="accent1"/>
+          </a:fillRef>
+          <a:effectRef idx="0">
+            <a:schemeClr val="accent1"/>
+          </a:effectRef>
+          <a:fontRef idx="minor">
+            <a:schemeClr val="tx1"/>
+          </a:fontRef>
+        </p:style>
+      </p:cxnSp>
+      <p:cxnSp>
+        <p:nvCxnSpPr>
+          <p:cNvPr id="23" name="Straight Arrow Connector 22"/>
+          <p:cNvCxnSpPr/>
+          <p:nvPr/>
+        </p:nvCxnSpPr>
+        <p:spPr>
+          <a:xfrm>
+            <a:off x="8295005" y="3814445"/>
+            <a:ext cx="764540" cy="2324735"/>
+          </a:xfrm>
+          <a:prstGeom prst="straightConnector1">
+            <a:avLst/>
+          </a:prstGeom>
+          <a:ln w="66675">
+            <a:solidFill>
+              <a:schemeClr val="accent6">
+                <a:lumMod val="60000"/>
+                <a:lumOff val="40000"/>
+              </a:schemeClr>
+            </a:solidFill>
+            <a:tailEnd type="arrow"/>
+          </a:ln>
+        </p:spPr>
+        <p:style>
+          <a:lnRef idx="1">
+            <a:schemeClr val="accent1"/>
+          </a:lnRef>
+          <a:fillRef idx="0">
+            <a:schemeClr val="accent1"/>
+          </a:fillRef>
+          <a:effectRef idx="0">
+            <a:schemeClr val="accent1"/>
+          </a:effectRef>
+          <a:fontRef idx="minor">
+            <a:schemeClr val="tx1"/>
+          </a:fontRef>
+        </p:style>
+      </p:cxnSp>
+      <p:sp>
+        <p:nvSpPr>
+          <p:cNvPr id="24" name="Text Box 23"/>
+          <p:cNvSpPr txBox="1"/>
+          <p:nvPr/>
+        </p:nvSpPr>
+        <p:spPr>
+          <a:xfrm>
+            <a:off x="8955405" y="5130800"/>
+            <a:ext cx="767080" cy="521970"/>
+          </a:xfrm>
+          <a:prstGeom prst="rect">
+            <a:avLst/>
+          </a:prstGeom>
+          <a:noFill/>
+        </p:spPr>
+        <p:txBody>
+          <a:bodyPr wrap="square" rtlCol="0">
+            <a:spAutoFit/>
+          </a:bodyPr>
+          <a:p>
+            <a:r>
+              <a:rPr lang="en-US" sz="2800">
+                <a:solidFill>
+                  <a:schemeClr val="accent6">
+                    <a:lumMod val="60000"/>
+                    <a:lumOff val="40000"/>
+                  </a:schemeClr>
+                </a:solidFill>
+              </a:rPr>
+              <a:t>X3</a:t>
+            </a:r>
+            <a:endParaRPr lang="en-US" sz="2800">
+              <a:solidFill>
+                <a:schemeClr val="accent6">
+                  <a:lumMod val="60000"/>
+                  <a:lumOff val="40000"/>
+                </a:schemeClr>
+              </a:solidFill>
+            </a:endParaRPr>
+          </a:p>
+        </p:txBody>
+      </p:sp>
+      <p:sp>
+        <p:nvSpPr>
+          <p:cNvPr id="25" name="Text Box 24"/>
+          <p:cNvSpPr txBox="1"/>
+          <p:nvPr/>
+        </p:nvSpPr>
+        <p:spPr>
+          <a:xfrm>
+            <a:off x="7853680" y="4336415"/>
+            <a:ext cx="572770" cy="521970"/>
+          </a:xfrm>
+          <a:prstGeom prst="rect">
+            <a:avLst/>
+          </a:prstGeom>
+          <a:noFill/>
+        </p:spPr>
+        <p:txBody>
+          <a:bodyPr wrap="square" rtlCol="0">
+            <a:spAutoFit/>
+          </a:bodyPr>
+          <a:p>
+            <a:r>
+              <a:rPr lang="en-US" sz="2800">
+                <a:solidFill>
+                  <a:srgbClr val="FF0000"/>
+                </a:solidFill>
+              </a:rPr>
+              <a:t>S3</a:t>
+            </a:r>
+            <a:endParaRPr lang="en-US" sz="2800">
+              <a:solidFill>
+                <a:srgbClr val="FF0000"/>
+              </a:solidFill>
+            </a:endParaRPr>
+          </a:p>
+        </p:txBody>
+      </p:sp>
+    </p:spTree>
+  </p:cSld>
+  <p:clrMapOvr>
+    <a:masterClrMapping/>
+  </p:clrMapOvr>
+</p:sld>
+</file>
+
+<file path=ppt/slides/slide13.xml><?xml version="1.0" encoding="utf-8"?>
+<p:sld xmlns:a="http://schemas.openxmlformats.org/drawingml/2006/main" xmlns:r="http://schemas.openxmlformats.org/officeDocument/2006/relationships" xmlns:p="http://schemas.openxmlformats.org/presentationml/2006/main">
+  <p:cSld>
+    <p:spTree>
+      <p:nvGrpSpPr>
+        <p:cNvPr id="1" name=""/>
+        <p:cNvGrpSpPr/>
+        <p:nvPr/>
+      </p:nvGrpSpPr>
+      <p:grpSpPr>
+        <a:xfrm>
+          <a:off x="0" y="0"/>
+          <a:ext cx="0" cy="0"/>
+          <a:chOff x="0" y="0"/>
+          <a:chExt cx="0" cy="0"/>
+        </a:xfrm>
+      </p:grpSpPr>
+      <p:cxnSp>
+        <p:nvCxnSpPr>
+          <p:cNvPr id="3" name="Straight Arrow Connector 2"/>
+          <p:cNvCxnSpPr/>
+          <p:nvPr/>
+        </p:nvCxnSpPr>
+        <p:spPr>
+          <a:xfrm>
+            <a:off x="968375" y="1541145"/>
+            <a:ext cx="2429510" cy="2121535"/>
+          </a:xfrm>
+          <a:prstGeom prst="straightConnector1">
+            <a:avLst/>
+          </a:prstGeom>
+          <a:ln w="82550">
+            <a:solidFill>
+              <a:schemeClr val="accent2">
+                <a:lumMod val="60000"/>
+                <a:lumOff val="40000"/>
+              </a:schemeClr>
+            </a:solidFill>
+            <a:prstDash val="sysDash"/>
+            <a:tailEnd type="arrow"/>
+          </a:ln>
+        </p:spPr>
+        <p:style>
+          <a:lnRef idx="1">
+            <a:schemeClr val="accent1"/>
+          </a:lnRef>
+          <a:fillRef idx="0">
+            <a:schemeClr val="accent1"/>
+          </a:fillRef>
+          <a:effectRef idx="0">
+            <a:schemeClr val="accent1"/>
+          </a:effectRef>
+          <a:fontRef idx="minor">
+            <a:schemeClr val="tx1"/>
+          </a:fontRef>
+        </p:style>
+      </p:cxnSp>
+      <p:cxnSp>
+        <p:nvCxnSpPr>
+          <p:cNvPr id="6" name="Straight Arrow Connector 5"/>
+          <p:cNvCxnSpPr/>
+          <p:nvPr/>
+        </p:nvCxnSpPr>
+        <p:spPr>
+          <a:xfrm flipV="1">
+            <a:off x="3411220" y="2077720"/>
+            <a:ext cx="1794510" cy="1536700"/>
+          </a:xfrm>
+          <a:prstGeom prst="straightConnector1">
+            <a:avLst/>
+          </a:prstGeom>
+          <a:ln w="73025">
+            <a:solidFill>
+              <a:srgbClr val="FF3300"/>
+            </a:solidFill>
+            <a:tailEnd type="arrow"/>
+          </a:ln>
+        </p:spPr>
+        <p:style>
+          <a:lnRef idx="1">
+            <a:schemeClr val="accent1"/>
+          </a:lnRef>
+          <a:fillRef idx="0">
+            <a:schemeClr val="accent1"/>
+          </a:fillRef>
+          <a:effectRef idx="0">
+            <a:schemeClr val="accent1"/>
+          </a:effectRef>
+          <a:fontRef idx="minor">
+            <a:schemeClr val="tx1"/>
+          </a:fontRef>
+        </p:style>
+      </p:cxnSp>
+      <p:cxnSp>
+        <p:nvCxnSpPr>
+          <p:cNvPr id="7" name="Straight Connector 6"/>
+          <p:cNvCxnSpPr/>
+          <p:nvPr/>
+        </p:nvCxnSpPr>
+        <p:spPr>
+          <a:xfrm>
+            <a:off x="3409315" y="509270"/>
+            <a:ext cx="0" cy="5918200"/>
+          </a:xfrm>
+          <a:prstGeom prst="line">
+            <a:avLst/>
+          </a:prstGeom>
+          <a:ln w="63500">
+            <a:solidFill>
+              <a:schemeClr val="bg1">
+                <a:lumMod val="50000"/>
+              </a:schemeClr>
+            </a:solidFill>
+            <a:prstDash val="dash"/>
+          </a:ln>
+        </p:spPr>
+        <p:style>
+          <a:lnRef idx="1">
+            <a:schemeClr val="accent1"/>
+          </a:lnRef>
+          <a:fillRef idx="0">
+            <a:schemeClr val="accent1"/>
+          </a:fillRef>
+          <a:effectRef idx="0">
+            <a:schemeClr val="accent1"/>
+          </a:effectRef>
+          <a:fontRef idx="minor">
+            <a:schemeClr val="tx1"/>
+          </a:fontRef>
+        </p:style>
+      </p:cxnSp>
+      <p:sp>
+        <p:nvSpPr>
+          <p:cNvPr id="8" name="Text Box 7"/>
+          <p:cNvSpPr txBox="1"/>
+          <p:nvPr/>
+        </p:nvSpPr>
+        <p:spPr>
+          <a:xfrm>
+            <a:off x="429260" y="3258185"/>
+            <a:ext cx="2186305" cy="645160"/>
+          </a:xfrm>
+          <a:prstGeom prst="rect">
+            <a:avLst/>
+          </a:prstGeom>
+          <a:noFill/>
+        </p:spPr>
+        <p:txBody>
+          <a:bodyPr wrap="square" rtlCol="0">
+            <a:spAutoFit/>
+          </a:bodyPr>
+          <a:p>
+            <a:r>
+              <a:rPr lang="zh-CN" altLang="en-US"/>
+              <a:t>前面向下的线段，终结于</a:t>
+            </a:r>
+            <a:r>
+              <a:rPr lang="en-US" altLang="zh-CN"/>
+              <a:t>A</a:t>
+            </a:r>
+            <a:r>
+              <a:rPr lang="zh-CN" altLang="en-US"/>
+              <a:t>点</a:t>
+            </a:r>
+            <a:endParaRPr lang="zh-CN" altLang="en-US"/>
+          </a:p>
+        </p:txBody>
+      </p:sp>
+      <p:sp>
+        <p:nvSpPr>
+          <p:cNvPr id="9" name="Text Box 8"/>
+          <p:cNvSpPr txBox="1"/>
+          <p:nvPr/>
+        </p:nvSpPr>
+        <p:spPr>
+          <a:xfrm>
+            <a:off x="3171190" y="3662680"/>
+            <a:ext cx="476250" cy="583565"/>
+          </a:xfrm>
+          <a:prstGeom prst="rect">
+            <a:avLst/>
+          </a:prstGeom>
+          <a:noFill/>
+        </p:spPr>
+        <p:txBody>
+          <a:bodyPr wrap="none" rtlCol="0">
+            <a:spAutoFit/>
+          </a:bodyPr>
+          <a:p>
+            <a:r>
+              <a:rPr lang="en-US" sz="3200"/>
+              <a:t>A</a:t>
+            </a:r>
+            <a:endParaRPr lang="en-US" sz="3200"/>
+          </a:p>
+        </p:txBody>
+      </p:sp>
+      <p:sp>
+        <p:nvSpPr>
+          <p:cNvPr id="10" name="Text Box 9"/>
+          <p:cNvSpPr txBox="1"/>
+          <p:nvPr/>
+        </p:nvSpPr>
+        <p:spPr>
+          <a:xfrm>
+            <a:off x="3782060" y="3601085"/>
+            <a:ext cx="1830705" cy="645160"/>
+          </a:xfrm>
+          <a:prstGeom prst="rect">
+            <a:avLst/>
+          </a:prstGeom>
+          <a:noFill/>
+        </p:spPr>
+        <p:txBody>
+          <a:bodyPr wrap="square" rtlCol="0">
+            <a:spAutoFit/>
+          </a:bodyPr>
+          <a:p>
+            <a:r>
+              <a:rPr lang="zh-CN" altLang="en-US"/>
+              <a:t>新线段开始的第一笔</a:t>
+            </a:r>
+            <a:r>
+              <a:rPr lang="en-US" altLang="zh-CN"/>
+              <a:t> S1</a:t>
+            </a:r>
+            <a:endParaRPr lang="en-US" altLang="zh-CN"/>
+          </a:p>
+        </p:txBody>
+      </p:sp>
+      <p:sp>
+        <p:nvSpPr>
+          <p:cNvPr id="11" name="Text Box 10"/>
+          <p:cNvSpPr txBox="1"/>
+          <p:nvPr/>
+        </p:nvSpPr>
+        <p:spPr>
+          <a:xfrm>
+            <a:off x="3782060" y="2207895"/>
+            <a:ext cx="572770" cy="521970"/>
+          </a:xfrm>
+          <a:prstGeom prst="rect">
+            <a:avLst/>
+          </a:prstGeom>
+          <a:noFill/>
+        </p:spPr>
+        <p:txBody>
+          <a:bodyPr wrap="square" rtlCol="0">
+            <a:spAutoFit/>
+          </a:bodyPr>
+          <a:p>
+            <a:r>
+              <a:rPr lang="en-US" sz="2800">
+                <a:solidFill>
+                  <a:srgbClr val="FF0000"/>
+                </a:solidFill>
+              </a:rPr>
+              <a:t>S1</a:t>
+            </a:r>
+            <a:endParaRPr lang="en-US" sz="2800">
+              <a:solidFill>
+                <a:srgbClr val="FF0000"/>
+              </a:solidFill>
+            </a:endParaRPr>
+          </a:p>
+        </p:txBody>
+      </p:sp>
+      <p:cxnSp>
+        <p:nvCxnSpPr>
+          <p:cNvPr id="2" name="Straight Arrow Connector 1"/>
+          <p:cNvCxnSpPr/>
+          <p:nvPr/>
+        </p:nvCxnSpPr>
+        <p:spPr>
+          <a:xfrm flipV="1">
+            <a:off x="6001385" y="975360"/>
+            <a:ext cx="955675" cy="2461260"/>
+          </a:xfrm>
+          <a:prstGeom prst="straightConnector1">
+            <a:avLst/>
+          </a:prstGeom>
+          <a:ln w="73025">
+            <a:solidFill>
+              <a:srgbClr val="FF3300"/>
+            </a:solidFill>
+            <a:tailEnd type="arrow"/>
+          </a:ln>
+        </p:spPr>
+        <p:style>
+          <a:lnRef idx="1">
+            <a:schemeClr val="accent1"/>
+          </a:lnRef>
+          <a:fillRef idx="0">
+            <a:schemeClr val="accent1"/>
+          </a:fillRef>
+          <a:effectRef idx="0">
+            <a:schemeClr val="accent1"/>
+          </a:effectRef>
+          <a:fontRef idx="minor">
+            <a:schemeClr val="tx1"/>
+          </a:fontRef>
+        </p:style>
+      </p:cxnSp>
+      <p:cxnSp>
+        <p:nvCxnSpPr>
+          <p:cNvPr id="4" name="Straight Arrow Connector 3"/>
+          <p:cNvCxnSpPr/>
+          <p:nvPr/>
+        </p:nvCxnSpPr>
+        <p:spPr>
+          <a:xfrm>
+            <a:off x="5189855" y="2142490"/>
+            <a:ext cx="831850" cy="1294130"/>
+          </a:xfrm>
+          <a:prstGeom prst="straightConnector1">
+            <a:avLst/>
+          </a:prstGeom>
+          <a:ln w="66675">
+            <a:solidFill>
+              <a:schemeClr val="accent6">
+                <a:lumMod val="60000"/>
+                <a:lumOff val="40000"/>
+              </a:schemeClr>
+            </a:solidFill>
+            <a:tailEnd type="arrow"/>
+          </a:ln>
+        </p:spPr>
+        <p:style>
+          <a:lnRef idx="1">
+            <a:schemeClr val="accent1"/>
+          </a:lnRef>
+          <a:fillRef idx="0">
+            <a:schemeClr val="accent1"/>
+          </a:fillRef>
+          <a:effectRef idx="0">
+            <a:schemeClr val="accent1"/>
+          </a:effectRef>
+          <a:fontRef idx="minor">
+            <a:schemeClr val="tx1"/>
+          </a:fontRef>
+        </p:style>
+      </p:cxnSp>
+      <p:sp>
+        <p:nvSpPr>
+          <p:cNvPr id="5" name="Text Box 4"/>
+          <p:cNvSpPr txBox="1"/>
+          <p:nvPr/>
+        </p:nvSpPr>
+        <p:spPr>
+          <a:xfrm>
+            <a:off x="5887720" y="1715770"/>
+            <a:ext cx="572770" cy="521970"/>
+          </a:xfrm>
+          <a:prstGeom prst="rect">
+            <a:avLst/>
+          </a:prstGeom>
+          <a:noFill/>
+        </p:spPr>
+        <p:txBody>
+          <a:bodyPr wrap="square" rtlCol="0">
+            <a:spAutoFit/>
+          </a:bodyPr>
+          <a:p>
+            <a:r>
+              <a:rPr lang="en-US" sz="2800">
+                <a:solidFill>
+                  <a:srgbClr val="FF0000"/>
+                </a:solidFill>
+              </a:rPr>
+              <a:t>S2</a:t>
+            </a:r>
+            <a:endParaRPr lang="en-US" sz="2800">
+              <a:solidFill>
+                <a:srgbClr val="FF0000"/>
+              </a:solidFill>
+            </a:endParaRPr>
+          </a:p>
+        </p:txBody>
+      </p:sp>
+      <p:sp>
+        <p:nvSpPr>
+          <p:cNvPr id="12" name="Text Box 11"/>
+          <p:cNvSpPr txBox="1"/>
+          <p:nvPr/>
+        </p:nvSpPr>
+        <p:spPr>
+          <a:xfrm>
+            <a:off x="5035550" y="2736215"/>
+            <a:ext cx="767080" cy="521970"/>
+          </a:xfrm>
+          <a:prstGeom prst="rect">
+            <a:avLst/>
+          </a:prstGeom>
+          <a:noFill/>
+        </p:spPr>
+        <p:txBody>
+          <a:bodyPr wrap="square" rtlCol="0">
+            <a:spAutoFit/>
+          </a:bodyPr>
+          <a:p>
+            <a:r>
+              <a:rPr lang="en-US" sz="2800">
+                <a:solidFill>
+                  <a:schemeClr val="accent6">
+                    <a:lumMod val="60000"/>
+                    <a:lumOff val="40000"/>
+                  </a:schemeClr>
+                </a:solidFill>
+              </a:rPr>
+              <a:t>X1</a:t>
+            </a:r>
+            <a:endParaRPr lang="en-US" sz="2800">
+              <a:solidFill>
+                <a:schemeClr val="accent6">
+                  <a:lumMod val="60000"/>
+                  <a:lumOff val="40000"/>
+                </a:schemeClr>
+              </a:solidFill>
+            </a:endParaRPr>
+          </a:p>
+        </p:txBody>
+      </p:sp>
+      <p:cxnSp>
+        <p:nvCxnSpPr>
+          <p:cNvPr id="24" name="Straight Arrow Connector 23"/>
+          <p:cNvCxnSpPr/>
+          <p:nvPr/>
+        </p:nvCxnSpPr>
+        <p:spPr>
+          <a:xfrm>
+            <a:off x="6957060" y="975360"/>
+            <a:ext cx="1115695" cy="1887220"/>
+          </a:xfrm>
+          <a:prstGeom prst="straightConnector1">
+            <a:avLst/>
+          </a:prstGeom>
+          <a:ln w="66675">
+            <a:solidFill>
+              <a:schemeClr val="accent6">
+                <a:lumMod val="60000"/>
+                <a:lumOff val="40000"/>
+              </a:schemeClr>
+            </a:solidFill>
+            <a:tailEnd type="arrow"/>
+          </a:ln>
+        </p:spPr>
+        <p:style>
+          <a:lnRef idx="1">
+            <a:schemeClr val="accent1"/>
+          </a:lnRef>
+          <a:fillRef idx="0">
+            <a:schemeClr val="accent1"/>
+          </a:fillRef>
+          <a:effectRef idx="0">
+            <a:schemeClr val="accent1"/>
+          </a:effectRef>
+          <a:fontRef idx="minor">
+            <a:schemeClr val="tx1"/>
+          </a:fontRef>
+        </p:style>
+      </p:cxnSp>
+      <p:cxnSp>
+        <p:nvCxnSpPr>
+          <p:cNvPr id="25" name="Straight Arrow Connector 24"/>
+          <p:cNvCxnSpPr/>
+          <p:nvPr/>
+        </p:nvCxnSpPr>
+        <p:spPr>
+          <a:xfrm flipV="1">
+            <a:off x="8058150" y="1237615"/>
+            <a:ext cx="539115" cy="1498600"/>
+          </a:xfrm>
+          <a:prstGeom prst="straightConnector1">
+            <a:avLst/>
+          </a:prstGeom>
+          <a:ln w="73025">
+            <a:solidFill>
+              <a:srgbClr val="FF3300"/>
+            </a:solidFill>
+            <a:tailEnd type="arrow"/>
+          </a:ln>
+        </p:spPr>
+        <p:style>
+          <a:lnRef idx="1">
+            <a:schemeClr val="accent1"/>
+          </a:lnRef>
+          <a:fillRef idx="0">
+            <a:schemeClr val="accent1"/>
+          </a:fillRef>
+          <a:effectRef idx="0">
+            <a:schemeClr val="accent1"/>
+          </a:effectRef>
+          <a:fontRef idx="minor">
+            <a:schemeClr val="tx1"/>
+          </a:fontRef>
+        </p:style>
+      </p:cxnSp>
+      <p:cxnSp>
+        <p:nvCxnSpPr>
+          <p:cNvPr id="26" name="Straight Arrow Connector 25"/>
+          <p:cNvCxnSpPr/>
+          <p:nvPr/>
+        </p:nvCxnSpPr>
+        <p:spPr>
+          <a:xfrm>
+            <a:off x="8603615" y="1370965"/>
+            <a:ext cx="1115695" cy="1887220"/>
+          </a:xfrm>
+          <a:prstGeom prst="straightConnector1">
+            <a:avLst/>
+          </a:prstGeom>
+          <a:ln w="66675">
+            <a:solidFill>
+              <a:schemeClr val="accent6">
+                <a:lumMod val="60000"/>
+                <a:lumOff val="40000"/>
+              </a:schemeClr>
+            </a:solidFill>
+            <a:tailEnd type="arrow"/>
+          </a:ln>
+        </p:spPr>
+        <p:style>
+          <a:lnRef idx="1">
+            <a:schemeClr val="accent1"/>
+          </a:lnRef>
+          <a:fillRef idx="0">
+            <a:schemeClr val="accent1"/>
+          </a:fillRef>
+          <a:effectRef idx="0">
+            <a:schemeClr val="accent1"/>
+          </a:effectRef>
+          <a:fontRef idx="minor">
+            <a:schemeClr val="tx1"/>
+          </a:fontRef>
+        </p:style>
+      </p:cxnSp>
+      <p:sp>
+        <p:nvSpPr>
+          <p:cNvPr id="27" name="Text Box 26"/>
+          <p:cNvSpPr txBox="1"/>
+          <p:nvPr/>
+        </p:nvSpPr>
+        <p:spPr>
+          <a:xfrm>
+            <a:off x="6875780" y="1945005"/>
+            <a:ext cx="767080" cy="521970"/>
+          </a:xfrm>
+          <a:prstGeom prst="rect">
+            <a:avLst/>
+          </a:prstGeom>
+          <a:noFill/>
+        </p:spPr>
+        <p:txBody>
+          <a:bodyPr wrap="square" rtlCol="0">
+            <a:spAutoFit/>
+          </a:bodyPr>
+          <a:p>
+            <a:r>
+              <a:rPr lang="en-US" sz="2800">
+                <a:solidFill>
+                  <a:schemeClr val="accent6">
+                    <a:lumMod val="60000"/>
+                    <a:lumOff val="40000"/>
+                  </a:schemeClr>
+                </a:solidFill>
+              </a:rPr>
+              <a:t>X2</a:t>
+            </a:r>
+            <a:endParaRPr lang="en-US" sz="2800">
+              <a:solidFill>
+                <a:schemeClr val="accent6">
+                  <a:lumMod val="60000"/>
+                  <a:lumOff val="40000"/>
+                </a:schemeClr>
+              </a:solidFill>
+            </a:endParaRPr>
+          </a:p>
+        </p:txBody>
+      </p:sp>
+      <p:sp>
+        <p:nvSpPr>
+          <p:cNvPr id="28" name="Text Box 27"/>
+          <p:cNvSpPr txBox="1"/>
+          <p:nvPr/>
+        </p:nvSpPr>
+        <p:spPr>
+          <a:xfrm>
+            <a:off x="9312910" y="1945005"/>
+            <a:ext cx="767080" cy="521970"/>
+          </a:xfrm>
+          <a:prstGeom prst="rect">
+            <a:avLst/>
+          </a:prstGeom>
+          <a:noFill/>
+        </p:spPr>
+        <p:txBody>
+          <a:bodyPr wrap="square" rtlCol="0">
+            <a:spAutoFit/>
+          </a:bodyPr>
+          <a:p>
+            <a:r>
+              <a:rPr lang="en-US" sz="2800">
+                <a:solidFill>
+                  <a:schemeClr val="accent6">
+                    <a:lumMod val="60000"/>
+                    <a:lumOff val="40000"/>
+                  </a:schemeClr>
+                </a:solidFill>
+              </a:rPr>
+              <a:t>X3</a:t>
+            </a:r>
+            <a:endParaRPr lang="en-US" sz="2800">
+              <a:solidFill>
+                <a:schemeClr val="accent6">
+                  <a:lumMod val="60000"/>
+                  <a:lumOff val="40000"/>
+                </a:schemeClr>
+              </a:solidFill>
+            </a:endParaRPr>
+          </a:p>
+        </p:txBody>
+      </p:sp>
+      <p:sp>
+        <p:nvSpPr>
+          <p:cNvPr id="29" name="Text Box 28"/>
+          <p:cNvSpPr txBox="1"/>
+          <p:nvPr/>
+        </p:nvSpPr>
+        <p:spPr>
+          <a:xfrm>
+            <a:off x="8024495" y="1019175"/>
+            <a:ext cx="572770" cy="521970"/>
+          </a:xfrm>
+          <a:prstGeom prst="rect">
+            <a:avLst/>
+          </a:prstGeom>
+          <a:noFill/>
+        </p:spPr>
+        <p:txBody>
+          <a:bodyPr wrap="square" rtlCol="0">
+            <a:spAutoFit/>
+          </a:bodyPr>
+          <a:p>
+            <a:r>
+              <a:rPr lang="en-US" sz="2800">
+                <a:solidFill>
+                  <a:srgbClr val="FF0000"/>
+                </a:solidFill>
+              </a:rPr>
+              <a:t>S3</a:t>
+            </a:r>
+            <a:endParaRPr lang="en-US" sz="2800">
+              <a:solidFill>
+                <a:srgbClr val="FF0000"/>
+              </a:solidFill>
+            </a:endParaRPr>
+          </a:p>
+        </p:txBody>
+      </p:sp>
+    </p:spTree>
+  </p:cSld>
+  <p:clrMapOvr>
+    <a:masterClrMapping/>
+  </p:clrMapOvr>
+</p:sld>
+</file>
+
+<file path=ppt/slides/slide14.xml><?xml version="1.0" encoding="utf-8"?>
+<p:sld xmlns:a="http://schemas.openxmlformats.org/drawingml/2006/main" xmlns:r="http://schemas.openxmlformats.org/officeDocument/2006/relationships" xmlns:p="http://schemas.openxmlformats.org/presentationml/2006/main">
+  <p:cSld>
+    <p:spTree>
+      <p:nvGrpSpPr>
+        <p:cNvPr id="1" name=""/>
+        <p:cNvGrpSpPr/>
+        <p:nvPr/>
+      </p:nvGrpSpPr>
+      <p:grpSpPr>
+        <a:xfrm>
+          <a:off x="0" y="0"/>
+          <a:ext cx="0" cy="0"/>
+          <a:chOff x="0" y="0"/>
+          <a:chExt cx="0" cy="0"/>
+        </a:xfrm>
+      </p:grpSpPr>
+      <p:cxnSp>
+        <p:nvCxnSpPr>
           <p:cNvPr id="3" name="Straight Arrow Connector 2"/>
           <p:cNvCxnSpPr/>
           <p:nvPr/>
@@ -5344,9 +7941,9 @@
           <p:nvPr/>
         </p:nvCxnSpPr>
         <p:spPr>
-          <a:xfrm>
-            <a:off x="968375" y="1541145"/>
-            <a:ext cx="2429510" cy="2121535"/>
+          <a:xfrm flipV="1">
+            <a:off x="1080135" y="2729865"/>
+            <a:ext cx="2327275" cy="2154555"/>
           </a:xfrm>
           <a:prstGeom prst="straightConnector1">
             <a:avLst/>
@@ -5384,16 +7981,19 @@
           <p:nvPr/>
         </p:nvCxnSpPr>
         <p:spPr>
-          <a:xfrm flipV="1">
-            <a:off x="3411220" y="2077720"/>
-            <a:ext cx="1794510" cy="1536700"/>
+          <a:xfrm>
+            <a:off x="3411220" y="2776855"/>
+            <a:ext cx="1086485" cy="1310640"/>
           </a:xfrm>
           <a:prstGeom prst="straightConnector1">
             <a:avLst/>
           </a:prstGeom>
           <a:ln w="73025">
             <a:solidFill>
-              <a:srgbClr val="FF3300"/>
+              <a:schemeClr val="accent6">
+                <a:lumMod val="60000"/>
+                <a:lumOff val="40000"/>
+              </a:schemeClr>
             </a:solidFill>
             <a:tailEnd type="arrow"/>
           </a:ln>
@@ -5474,7 +8074,7 @@
           <a:p>
             <a:r>
               <a:rPr lang="zh-CN" altLang="en-US"/>
-              <a:t>前面向下的线段，终结于</a:t>
+              <a:t>前面向上的线段，终结于</a:t>
             </a:r>
             <a:r>
               <a:rPr lang="en-US" altLang="zh-CN"/>
@@ -5496,37 +8096,8 @@
         </p:nvSpPr>
         <p:spPr>
           <a:xfrm>
-            <a:off x="3171190" y="3662680"/>
-            <a:ext cx="476250" cy="583565"/>
-          </a:xfrm>
-          <a:prstGeom prst="rect">
-            <a:avLst/>
-          </a:prstGeom>
-          <a:noFill/>
-        </p:spPr>
-        <p:txBody>
-          <a:bodyPr wrap="none" rtlCol="0">
-            <a:spAutoFit/>
-          </a:bodyPr>
-          <a:p>
-            <a:r>
-              <a:rPr lang="en-US" sz="3200"/>
-              <a:t>A</a:t>
-            </a:r>
-            <a:endParaRPr lang="en-US" sz="3200"/>
-          </a:p>
-        </p:txBody>
-      </p:sp>
-      <p:sp>
-        <p:nvSpPr>
-          <p:cNvPr id="10" name="Text Box 9"/>
-          <p:cNvSpPr txBox="1"/>
-          <p:nvPr/>
-        </p:nvSpPr>
-        <p:spPr>
-          <a:xfrm>
-            <a:off x="3782060" y="3601085"/>
-            <a:ext cx="1830705" cy="645160"/>
+            <a:off x="2834005" y="2068830"/>
+            <a:ext cx="1151255" cy="583565"/>
           </a:xfrm>
           <a:prstGeom prst="rect">
             <a:avLst/>
@@ -5539,27 +8110,23 @@
           </a:bodyPr>
           <a:p>
             <a:r>
-              <a:rPr lang="zh-CN" altLang="en-US"/>
-              <a:t>新线段开始的第一笔</a:t>
-            </a:r>
-            <a:r>
-              <a:rPr lang="en-US" altLang="zh-CN"/>
-              <a:t> S1</a:t>
-            </a:r>
-            <a:endParaRPr lang="en-US" altLang="zh-CN"/>
-          </a:p>
-        </p:txBody>
-      </p:sp>
-      <p:sp>
-        <p:nvSpPr>
-          <p:cNvPr id="11" name="Text Box 10"/>
+              <a:rPr lang="en-US" sz="3200"/>
+              <a:t>A</a:t>
+            </a:r>
+            <a:endParaRPr lang="en-US" sz="3200"/>
+          </a:p>
+        </p:txBody>
+      </p:sp>
+      <p:sp>
+        <p:nvSpPr>
+          <p:cNvPr id="10" name="Text Box 9"/>
           <p:cNvSpPr txBox="1"/>
           <p:nvPr/>
         </p:nvSpPr>
         <p:spPr>
           <a:xfrm>
-            <a:off x="3782060" y="2207895"/>
-            <a:ext cx="572770" cy="521970"/>
+            <a:off x="3608070" y="2077085"/>
+            <a:ext cx="1830705" cy="645160"/>
           </a:xfrm>
           <a:prstGeom prst="rect">
             <a:avLst/>
@@ -5572,16 +8139,55 @@
           </a:bodyPr>
           <a:p>
             <a:r>
+              <a:rPr lang="zh-CN" altLang="en-US"/>
+              <a:t>新线段开始的第一笔</a:t>
+            </a:r>
+            <a:r>
+              <a:rPr lang="en-US" altLang="zh-CN"/>
+              <a:t> X1</a:t>
+            </a:r>
+            <a:endParaRPr lang="en-US" altLang="zh-CN"/>
+          </a:p>
+        </p:txBody>
+      </p:sp>
+      <p:sp>
+        <p:nvSpPr>
+          <p:cNvPr id="11" name="Text Box 10"/>
+          <p:cNvSpPr txBox="1"/>
+          <p:nvPr/>
+        </p:nvSpPr>
+        <p:spPr>
+          <a:xfrm>
+            <a:off x="3765550" y="2960370"/>
+            <a:ext cx="868680" cy="521970"/>
+          </a:xfrm>
+          <a:prstGeom prst="rect">
+            <a:avLst/>
+          </a:prstGeom>
+          <a:noFill/>
+        </p:spPr>
+        <p:txBody>
+          <a:bodyPr wrap="square" rtlCol="0">
+            <a:spAutoFit/>
+          </a:bodyPr>
+          <a:p>
+            <a:r>
               <a:rPr lang="en-US" sz="2800">
                 <a:solidFill>
-                  <a:srgbClr val="FF0000"/>
+                  <a:schemeClr val="accent6">
+                    <a:lumMod val="60000"/>
+                    <a:lumOff val="40000"/>
+                  </a:schemeClr>
                 </a:solidFill>
               </a:rPr>
-              <a:t>S1</a:t>
+              <a:t>X1</a:t>
             </a:r>
             <a:endParaRPr lang="en-US" sz="2800">
               <a:solidFill>
-                <a:srgbClr val="FF0000"/>
+                <a:schemeClr val="accent6">
+                  <a:lumMod val="60000"/>
+                  <a:lumOff val="40000"/>
+                </a:schemeClr>
               </a:solidFill>
             </a:endParaRPr>
           </a:p>
@@ -5594,16 +8200,19 @@
           <p:nvPr/>
         </p:nvCxnSpPr>
         <p:spPr>
-          <a:xfrm flipV="1">
-            <a:off x="6095365" y="2821940"/>
-            <a:ext cx="355600" cy="662940"/>
+          <a:xfrm>
+            <a:off x="5555615" y="3161030"/>
+            <a:ext cx="1989455" cy="2260600"/>
           </a:xfrm>
           <a:prstGeom prst="straightConnector1">
             <a:avLst/>
           </a:prstGeom>
           <a:ln w="73025">
             <a:solidFill>
-              <a:srgbClr val="FF3300"/>
+              <a:schemeClr val="accent6">
+                <a:lumMod val="60000"/>
+                <a:lumOff val="40000"/>
+              </a:schemeClr>
             </a:solidFill>
             <a:tailEnd type="arrow"/>
           </a:ln>
@@ -5630,19 +8239,16 @@
           <p:nvPr/>
         </p:nvCxnSpPr>
         <p:spPr>
-          <a:xfrm>
-            <a:off x="5189855" y="2142490"/>
-            <a:ext cx="905510" cy="1342390"/>
+          <a:xfrm flipV="1">
+            <a:off x="4497705" y="3164840"/>
+            <a:ext cx="1054100" cy="913765"/>
           </a:xfrm>
           <a:prstGeom prst="straightConnector1">
             <a:avLst/>
           </a:prstGeom>
           <a:ln w="66675">
             <a:solidFill>
-              <a:schemeClr val="accent6">
-                <a:lumMod val="60000"/>
-                <a:lumOff val="40000"/>
-              </a:schemeClr>
+              <a:srgbClr val="FF3300"/>
             </a:solidFill>
             <a:tailEnd type="arrow"/>
           </a:ln>
@@ -5670,45 +8276,8 @@
         </p:nvSpPr>
         <p:spPr>
           <a:xfrm>
-            <a:off x="6464935" y="2969895"/>
-            <a:ext cx="572770" cy="521970"/>
-          </a:xfrm>
-          <a:prstGeom prst="rect">
-            <a:avLst/>
-          </a:prstGeom>
-          <a:noFill/>
-        </p:spPr>
-        <p:txBody>
-          <a:bodyPr wrap="square" rtlCol="0">
-            <a:spAutoFit/>
-          </a:bodyPr>
-          <a:p>
-            <a:r>
-              <a:rPr lang="en-US" sz="2800">
-                <a:solidFill>
-                  <a:srgbClr val="FF0000"/>
-                </a:solidFill>
-              </a:rPr>
-              <a:t>S2</a:t>
-            </a:r>
-            <a:endParaRPr lang="en-US" sz="2800">
-              <a:solidFill>
-                <a:srgbClr val="FF0000"/>
-              </a:solidFill>
-            </a:endParaRPr>
-          </a:p>
-        </p:txBody>
-      </p:sp>
-      <p:sp>
-        <p:nvSpPr>
-          <p:cNvPr id="12" name="Text Box 11"/>
-          <p:cNvSpPr txBox="1"/>
-          <p:nvPr/>
-        </p:nvSpPr>
-        <p:spPr>
-          <a:xfrm>
-            <a:off x="5067935" y="2729865"/>
-            <a:ext cx="767080" cy="521970"/>
+            <a:off x="6328410" y="4704715"/>
+            <a:ext cx="786765" cy="521970"/>
           </a:xfrm>
           <a:prstGeom prst="rect">
             <a:avLst/>
@@ -5729,7 +8298,7 @@
                   </a:schemeClr>
                 </a:solidFill>
               </a:rPr>
-              <a:t>X1</a:t>
+              <a:t>X2</a:t>
             </a:r>
             <a:endParaRPr lang="en-US" sz="2800">
               <a:solidFill>
@@ -5739,6 +8308,475 @@
                 </a:schemeClr>
               </a:solidFill>
             </a:endParaRPr>
+          </a:p>
+        </p:txBody>
+      </p:sp>
+      <p:sp>
+        <p:nvSpPr>
+          <p:cNvPr id="12" name="Text Box 11"/>
+          <p:cNvSpPr txBox="1"/>
+          <p:nvPr/>
+        </p:nvSpPr>
+        <p:spPr>
+          <a:xfrm>
+            <a:off x="4788535" y="3615690"/>
+            <a:ext cx="767080" cy="521970"/>
+          </a:xfrm>
+          <a:prstGeom prst="rect">
+            <a:avLst/>
+          </a:prstGeom>
+          <a:noFill/>
+        </p:spPr>
+        <p:txBody>
+          <a:bodyPr wrap="square" rtlCol="0">
+            <a:spAutoFit/>
+          </a:bodyPr>
+          <a:p>
+            <a:r>
+              <a:rPr lang="en-US" sz="2800">
+                <a:solidFill>
+                  <a:srgbClr val="FF0000"/>
+                </a:solidFill>
+              </a:rPr>
+              <a:t>S1</a:t>
+            </a:r>
+            <a:endParaRPr lang="en-US" sz="2800">
+              <a:solidFill>
+                <a:srgbClr val="FF0000"/>
+              </a:solidFill>
+            </a:endParaRPr>
+          </a:p>
+        </p:txBody>
+      </p:sp>
+      <p:cxnSp>
+        <p:nvCxnSpPr>
+          <p:cNvPr id="13" name="Straight Connector 12"/>
+          <p:cNvCxnSpPr/>
+          <p:nvPr/>
+        </p:nvCxnSpPr>
+        <p:spPr>
+          <a:xfrm>
+            <a:off x="4497705" y="4072890"/>
+            <a:ext cx="4777740" cy="63500"/>
+          </a:xfrm>
+          <a:prstGeom prst="line">
+            <a:avLst/>
+          </a:prstGeom>
+          <a:ln w="28575">
+            <a:solidFill>
+              <a:schemeClr val="tx1">
+                <a:lumMod val="95000"/>
+                <a:lumOff val="5000"/>
+              </a:schemeClr>
+            </a:solidFill>
+            <a:prstDash val="sysDash"/>
+          </a:ln>
+        </p:spPr>
+        <p:style>
+          <a:lnRef idx="1">
+            <a:schemeClr val="accent1"/>
+          </a:lnRef>
+          <a:fillRef idx="0">
+            <a:schemeClr val="accent1"/>
+          </a:fillRef>
+          <a:effectRef idx="0">
+            <a:schemeClr val="accent1"/>
+          </a:effectRef>
+          <a:fontRef idx="minor">
+            <a:schemeClr val="tx1"/>
+          </a:fontRef>
+        </p:style>
+      </p:cxnSp>
+      <p:cxnSp>
+        <p:nvCxnSpPr>
+          <p:cNvPr id="14" name="Straight Connector 13"/>
+          <p:cNvCxnSpPr/>
+          <p:nvPr/>
+        </p:nvCxnSpPr>
+        <p:spPr>
+          <a:xfrm flipV="1">
+            <a:off x="3469640" y="2769235"/>
+            <a:ext cx="5888355" cy="635"/>
+          </a:xfrm>
+          <a:prstGeom prst="line">
+            <a:avLst/>
+          </a:prstGeom>
+          <a:ln w="28575">
+            <a:solidFill>
+              <a:schemeClr val="tx1">
+                <a:lumMod val="95000"/>
+                <a:lumOff val="5000"/>
+              </a:schemeClr>
+            </a:solidFill>
+            <a:prstDash val="sysDash"/>
+          </a:ln>
+        </p:spPr>
+        <p:style>
+          <a:lnRef idx="1">
+            <a:schemeClr val="accent1"/>
+          </a:lnRef>
+          <a:fillRef idx="0">
+            <a:schemeClr val="accent1"/>
+          </a:fillRef>
+          <a:effectRef idx="0">
+            <a:schemeClr val="accent1"/>
+          </a:effectRef>
+          <a:fontRef idx="minor">
+            <a:schemeClr val="tx1"/>
+          </a:fontRef>
+        </p:style>
+      </p:cxnSp>
+      <p:cxnSp>
+        <p:nvCxnSpPr>
+          <p:cNvPr id="15" name="Straight Connector 14"/>
+          <p:cNvCxnSpPr/>
+          <p:nvPr/>
+        </p:nvCxnSpPr>
+        <p:spPr>
+          <a:xfrm>
+            <a:off x="9297035" y="2729865"/>
+            <a:ext cx="27940" cy="1472565"/>
+          </a:xfrm>
+          <a:prstGeom prst="line">
+            <a:avLst/>
+          </a:prstGeom>
+          <a:ln w="63500">
+            <a:solidFill>
+              <a:srgbClr val="FF3300"/>
+            </a:solidFill>
+          </a:ln>
+        </p:spPr>
+        <p:style>
+          <a:lnRef idx="1">
+            <a:schemeClr val="accent1"/>
+          </a:lnRef>
+          <a:fillRef idx="0">
+            <a:schemeClr val="accent1"/>
+          </a:fillRef>
+          <a:effectRef idx="0">
+            <a:schemeClr val="accent1"/>
+          </a:effectRef>
+          <a:fontRef idx="minor">
+            <a:schemeClr val="tx1"/>
+          </a:fontRef>
+        </p:style>
+      </p:cxnSp>
+      <p:cxnSp>
+        <p:nvCxnSpPr>
+          <p:cNvPr id="16" name="Straight Connector 15"/>
+          <p:cNvCxnSpPr/>
+          <p:nvPr/>
+        </p:nvCxnSpPr>
+        <p:spPr>
+          <a:xfrm>
+            <a:off x="7545070" y="5436870"/>
+            <a:ext cx="2752090" cy="17780"/>
+          </a:xfrm>
+          <a:prstGeom prst="line">
+            <a:avLst/>
+          </a:prstGeom>
+          <a:ln w="28575">
+            <a:solidFill>
+              <a:schemeClr val="tx1">
+                <a:lumMod val="95000"/>
+                <a:lumOff val="5000"/>
+              </a:schemeClr>
+            </a:solidFill>
+            <a:prstDash val="sysDash"/>
+          </a:ln>
+        </p:spPr>
+        <p:style>
+          <a:lnRef idx="1">
+            <a:schemeClr val="accent1"/>
+          </a:lnRef>
+          <a:fillRef idx="0">
+            <a:schemeClr val="accent1"/>
+          </a:fillRef>
+          <a:effectRef idx="0">
+            <a:schemeClr val="accent1"/>
+          </a:effectRef>
+          <a:fontRef idx="minor">
+            <a:schemeClr val="tx1"/>
+          </a:fontRef>
+        </p:style>
+      </p:cxnSp>
+      <p:cxnSp>
+        <p:nvCxnSpPr>
+          <p:cNvPr id="17" name="Straight Connector 16"/>
+          <p:cNvCxnSpPr/>
+          <p:nvPr/>
+        </p:nvCxnSpPr>
+        <p:spPr>
+          <a:xfrm>
+            <a:off x="5551805" y="3175000"/>
+            <a:ext cx="4777740" cy="22225"/>
+          </a:xfrm>
+          <a:prstGeom prst="line">
+            <a:avLst/>
+          </a:prstGeom>
+          <a:ln w="28575">
+            <a:solidFill>
+              <a:schemeClr val="tx1">
+                <a:lumMod val="95000"/>
+                <a:lumOff val="5000"/>
+              </a:schemeClr>
+            </a:solidFill>
+            <a:prstDash val="sysDash"/>
+          </a:ln>
+        </p:spPr>
+        <p:style>
+          <a:lnRef idx="1">
+            <a:schemeClr val="accent1"/>
+          </a:lnRef>
+          <a:fillRef idx="0">
+            <a:schemeClr val="accent1"/>
+          </a:fillRef>
+          <a:effectRef idx="0">
+            <a:schemeClr val="accent1"/>
+          </a:effectRef>
+          <a:fontRef idx="minor">
+            <a:schemeClr val="tx1"/>
+          </a:fontRef>
+        </p:style>
+      </p:cxnSp>
+      <p:cxnSp>
+        <p:nvCxnSpPr>
+          <p:cNvPr id="18" name="Straight Connector 17"/>
+          <p:cNvCxnSpPr/>
+          <p:nvPr/>
+        </p:nvCxnSpPr>
+        <p:spPr>
+          <a:xfrm>
+            <a:off x="10287000" y="3175000"/>
+            <a:ext cx="10160" cy="2329180"/>
+          </a:xfrm>
+          <a:prstGeom prst="line">
+            <a:avLst/>
+          </a:prstGeom>
+          <a:ln w="63500">
+            <a:solidFill>
+              <a:srgbClr val="FF3300"/>
+            </a:solidFill>
+          </a:ln>
+        </p:spPr>
+        <p:style>
+          <a:lnRef idx="1">
+            <a:schemeClr val="accent1"/>
+          </a:lnRef>
+          <a:fillRef idx="0">
+            <a:schemeClr val="accent1"/>
+          </a:fillRef>
+          <a:effectRef idx="0">
+            <a:schemeClr val="accent1"/>
+          </a:effectRef>
+          <a:fontRef idx="minor">
+            <a:schemeClr val="tx1"/>
+          </a:fontRef>
+        </p:style>
+      </p:cxnSp>
+      <p:cxnSp>
+        <p:nvCxnSpPr>
+          <p:cNvPr id="19" name="Straight Connector 18"/>
+          <p:cNvCxnSpPr/>
+          <p:nvPr/>
+        </p:nvCxnSpPr>
+        <p:spPr>
+          <a:xfrm>
+            <a:off x="8466455" y="3602355"/>
+            <a:ext cx="3175" cy="2344420"/>
+          </a:xfrm>
+          <a:prstGeom prst="line">
+            <a:avLst/>
+          </a:prstGeom>
+          <a:ln w="57150">
+            <a:solidFill>
+              <a:srgbClr val="FF3300"/>
+            </a:solidFill>
+            <a:prstDash val="sysDash"/>
+          </a:ln>
+        </p:spPr>
+        <p:style>
+          <a:lnRef idx="1">
+            <a:schemeClr val="accent1"/>
+          </a:lnRef>
+          <a:fillRef idx="0">
+            <a:schemeClr val="accent1"/>
+          </a:fillRef>
+          <a:effectRef idx="0">
+            <a:schemeClr val="accent1"/>
+          </a:effectRef>
+          <a:fontRef idx="minor">
+            <a:schemeClr val="tx1"/>
+          </a:fontRef>
+        </p:style>
+      </p:cxnSp>
+      <p:sp>
+        <p:nvSpPr>
+          <p:cNvPr id="20" name="Text Box 19"/>
+          <p:cNvSpPr txBox="1"/>
+          <p:nvPr/>
+        </p:nvSpPr>
+        <p:spPr>
+          <a:xfrm>
+            <a:off x="9001125" y="2089785"/>
+            <a:ext cx="954405" cy="521970"/>
+          </a:xfrm>
+          <a:prstGeom prst="rect">
+            <a:avLst/>
+          </a:prstGeom>
+          <a:noFill/>
+        </p:spPr>
+        <p:txBody>
+          <a:bodyPr wrap="square" rtlCol="0">
+            <a:spAutoFit/>
+          </a:bodyPr>
+          <a:p>
+            <a:r>
+              <a:rPr lang="en-US" sz="2800">
+                <a:solidFill>
+                  <a:schemeClr val="accent6">
+                    <a:lumMod val="50000"/>
+                  </a:schemeClr>
+                </a:solidFill>
+                <a:highlight>
+                  <a:srgbClr val="FFFF00"/>
+                </a:highlight>
+              </a:rPr>
+              <a:t>X1</a:t>
+            </a:r>
+            <a:endParaRPr lang="en-US" sz="2800">
+              <a:solidFill>
+                <a:schemeClr val="accent6">
+                  <a:lumMod val="50000"/>
+                </a:schemeClr>
+              </a:solidFill>
+              <a:highlight>
+                <a:srgbClr val="FFFF00"/>
+              </a:highlight>
+            </a:endParaRPr>
+          </a:p>
+        </p:txBody>
+      </p:sp>
+      <p:sp>
+        <p:nvSpPr>
+          <p:cNvPr id="21" name="Text Box 20"/>
+          <p:cNvSpPr txBox="1"/>
+          <p:nvPr/>
+        </p:nvSpPr>
+        <p:spPr>
+          <a:xfrm>
+            <a:off x="8188960" y="6165850"/>
+            <a:ext cx="617220" cy="521970"/>
+          </a:xfrm>
+          <a:prstGeom prst="rect">
+            <a:avLst/>
+          </a:prstGeom>
+          <a:noFill/>
+        </p:spPr>
+        <p:txBody>
+          <a:bodyPr wrap="none" rtlCol="0">
+            <a:spAutoFit/>
+          </a:bodyPr>
+          <a:p>
+            <a:r>
+              <a:rPr lang="en-US" sz="2800">
+                <a:solidFill>
+                  <a:schemeClr val="accent6">
+                    <a:lumMod val="50000"/>
+                  </a:schemeClr>
+                </a:solidFill>
+                <a:highlight>
+                  <a:srgbClr val="FFFF00"/>
+                </a:highlight>
+              </a:rPr>
+              <a:t>X0</a:t>
+            </a:r>
+            <a:endParaRPr lang="en-US" sz="2800">
+              <a:solidFill>
+                <a:schemeClr val="accent6">
+                  <a:lumMod val="50000"/>
+                </a:schemeClr>
+              </a:solidFill>
+              <a:highlight>
+                <a:srgbClr val="FFFF00"/>
+              </a:highlight>
+            </a:endParaRPr>
+          </a:p>
+        </p:txBody>
+      </p:sp>
+      <p:sp>
+        <p:nvSpPr>
+          <p:cNvPr id="22" name="Text Box 21"/>
+          <p:cNvSpPr txBox="1"/>
+          <p:nvPr/>
+        </p:nvSpPr>
+        <p:spPr>
+          <a:xfrm>
+            <a:off x="9955530" y="5742940"/>
+            <a:ext cx="1332865" cy="521970"/>
+          </a:xfrm>
+          <a:prstGeom prst="rect">
+            <a:avLst/>
+          </a:prstGeom>
+          <a:noFill/>
+        </p:spPr>
+        <p:txBody>
+          <a:bodyPr wrap="square" rtlCol="0">
+            <a:spAutoFit/>
+          </a:bodyPr>
+          <a:p>
+            <a:r>
+              <a:rPr lang="en-US" sz="2800">
+                <a:solidFill>
+                  <a:schemeClr val="accent6">
+                    <a:lumMod val="50000"/>
+                  </a:schemeClr>
+                </a:solidFill>
+                <a:highlight>
+                  <a:srgbClr val="FFFF00"/>
+                </a:highlight>
+              </a:rPr>
+              <a:t>X2</a:t>
+            </a:r>
+            <a:endParaRPr lang="en-US" sz="2800">
+              <a:solidFill>
+                <a:schemeClr val="accent6">
+                  <a:lumMod val="50000"/>
+                </a:schemeClr>
+              </a:solidFill>
+              <a:highlight>
+                <a:srgbClr val="FFFF00"/>
+              </a:highlight>
+            </a:endParaRPr>
+          </a:p>
+        </p:txBody>
+      </p:sp>
+      <p:sp>
+        <p:nvSpPr>
+          <p:cNvPr id="23" name="Text Box 22"/>
+          <p:cNvSpPr txBox="1"/>
+          <p:nvPr/>
+        </p:nvSpPr>
+        <p:spPr>
+          <a:xfrm>
+            <a:off x="8677275" y="4389755"/>
+            <a:ext cx="1402080" cy="583565"/>
+          </a:xfrm>
+          <a:prstGeom prst="rect">
+            <a:avLst/>
+          </a:prstGeom>
+          <a:noFill/>
+        </p:spPr>
+        <p:txBody>
+          <a:bodyPr wrap="none" rtlCol="0">
+            <a:spAutoFit/>
+          </a:bodyPr>
+          <a:p>
+            <a:r>
+              <a:rPr lang="zh-CN" altLang="en-US" sz="3200"/>
+              <a:t>顶分型</a:t>
+            </a:r>
+            <a:endParaRPr lang="zh-CN" altLang="en-US" sz="3200"/>
           </a:p>
         </p:txBody>
       </p:sp>
@@ -6025,8 +9063,8 @@
         </p:nvCxnSpPr>
         <p:spPr>
           <a:xfrm flipV="1">
-            <a:off x="6208395" y="833120"/>
-            <a:ext cx="2926715" cy="4252595"/>
+            <a:off x="6095365" y="2821940"/>
+            <a:ext cx="355600" cy="662940"/>
           </a:xfrm>
           <a:prstGeom prst="straightConnector1">
             <a:avLst/>
@@ -6062,7 +9100,7 @@
         <p:spPr>
           <a:xfrm>
             <a:off x="5189855" y="2142490"/>
-            <a:ext cx="1018540" cy="2943225"/>
+            <a:ext cx="905510" cy="1342390"/>
           </a:xfrm>
           <a:prstGeom prst="straightConnector1">
             <a:avLst/>
@@ -6100,7 +9138,7 @@
         </p:nvSpPr>
         <p:spPr>
           <a:xfrm>
-            <a:off x="6925310" y="2160270"/>
+            <a:off x="6464935" y="2969895"/>
             <a:ext cx="572770" cy="521970"/>
           </a:xfrm>
           <a:prstGeom prst="rect">
@@ -6137,7 +9175,7 @@
         </p:nvSpPr>
         <p:spPr>
           <a:xfrm>
-            <a:off x="5448935" y="2729865"/>
+            <a:off x="5067935" y="2729865"/>
             <a:ext cx="767080" cy="521970"/>
           </a:xfrm>
           <a:prstGeom prst="rect">
@@ -6455,8 +9493,8 @@
         </p:nvCxnSpPr>
         <p:spPr>
           <a:xfrm flipV="1">
-            <a:off x="6208395" y="3840480"/>
-            <a:ext cx="614680" cy="1245235"/>
+            <a:off x="6208395" y="833120"/>
+            <a:ext cx="2926715" cy="4252595"/>
           </a:xfrm>
           <a:prstGeom prst="straightConnector1">
             <a:avLst/>
@@ -6530,7 +9568,7 @@
         </p:nvSpPr>
         <p:spPr>
           <a:xfrm>
-            <a:off x="6699250" y="4424045"/>
+            <a:off x="6925310" y="2160270"/>
             <a:ext cx="572770" cy="521970"/>
           </a:xfrm>
           <a:prstGeom prst="rect">
@@ -6629,14 +9667,54 @@
       </p:grpSpPr>
       <p:cxnSp>
         <p:nvCxnSpPr>
+          <p:cNvPr id="3" name="Straight Arrow Connector 2"/>
+          <p:cNvCxnSpPr/>
+          <p:nvPr/>
+        </p:nvCxnSpPr>
+        <p:spPr>
+          <a:xfrm>
+            <a:off x="968375" y="1541145"/>
+            <a:ext cx="2429510" cy="2121535"/>
+          </a:xfrm>
+          <a:prstGeom prst="straightConnector1">
+            <a:avLst/>
+          </a:prstGeom>
+          <a:ln w="82550">
+            <a:solidFill>
+              <a:schemeClr val="accent2">
+                <a:lumMod val="60000"/>
+                <a:lumOff val="40000"/>
+              </a:schemeClr>
+            </a:solidFill>
+            <a:prstDash val="sysDash"/>
+            <a:tailEnd type="arrow"/>
+          </a:ln>
+        </p:spPr>
+        <p:style>
+          <a:lnRef idx="1">
+            <a:schemeClr val="accent1"/>
+          </a:lnRef>
+          <a:fillRef idx="0">
+            <a:schemeClr val="accent1"/>
+          </a:fillRef>
+          <a:effectRef idx="0">
+            <a:schemeClr val="accent1"/>
+          </a:effectRef>
+          <a:fontRef idx="minor">
+            <a:schemeClr val="tx1"/>
+          </a:fontRef>
+        </p:style>
+      </p:cxnSp>
+      <p:cxnSp>
+        <p:nvCxnSpPr>
           <p:cNvPr id="6" name="Straight Arrow Connector 5"/>
           <p:cNvCxnSpPr/>
           <p:nvPr/>
         </p:nvCxnSpPr>
         <p:spPr>
           <a:xfrm flipV="1">
-            <a:off x="3421380" y="1637665"/>
-            <a:ext cx="1406525" cy="1471930"/>
+            <a:off x="3411220" y="2077720"/>
+            <a:ext cx="1794510" cy="1536700"/>
           </a:xfrm>
           <a:prstGeom prst="straightConnector1">
             <a:avLst/>
@@ -6663,6 +9741,143 @@
           </a:fontRef>
         </p:style>
       </p:cxnSp>
+      <p:cxnSp>
+        <p:nvCxnSpPr>
+          <p:cNvPr id="7" name="Straight Connector 6"/>
+          <p:cNvCxnSpPr/>
+          <p:nvPr/>
+        </p:nvCxnSpPr>
+        <p:spPr>
+          <a:xfrm>
+            <a:off x="3409315" y="509270"/>
+            <a:ext cx="0" cy="5918200"/>
+          </a:xfrm>
+          <a:prstGeom prst="line">
+            <a:avLst/>
+          </a:prstGeom>
+          <a:ln w="63500">
+            <a:solidFill>
+              <a:schemeClr val="bg1">
+                <a:lumMod val="50000"/>
+              </a:schemeClr>
+            </a:solidFill>
+            <a:prstDash val="dash"/>
+          </a:ln>
+        </p:spPr>
+        <p:style>
+          <a:lnRef idx="1">
+            <a:schemeClr val="accent1"/>
+          </a:lnRef>
+          <a:fillRef idx="0">
+            <a:schemeClr val="accent1"/>
+          </a:fillRef>
+          <a:effectRef idx="0">
+            <a:schemeClr val="accent1"/>
+          </a:effectRef>
+          <a:fontRef idx="minor">
+            <a:schemeClr val="tx1"/>
+          </a:fontRef>
+        </p:style>
+      </p:cxnSp>
+      <p:sp>
+        <p:nvSpPr>
+          <p:cNvPr id="8" name="Text Box 7"/>
+          <p:cNvSpPr txBox="1"/>
+          <p:nvPr/>
+        </p:nvSpPr>
+        <p:spPr>
+          <a:xfrm>
+            <a:off x="429260" y="3258185"/>
+            <a:ext cx="2186305" cy="645160"/>
+          </a:xfrm>
+          <a:prstGeom prst="rect">
+            <a:avLst/>
+          </a:prstGeom>
+          <a:noFill/>
+        </p:spPr>
+        <p:txBody>
+          <a:bodyPr wrap="square" rtlCol="0">
+            <a:spAutoFit/>
+          </a:bodyPr>
+          <a:p>
+            <a:r>
+              <a:rPr lang="zh-CN" altLang="en-US"/>
+              <a:t>前面向下的线段，终结于</a:t>
+            </a:r>
+            <a:r>
+              <a:rPr lang="en-US" altLang="zh-CN"/>
+              <a:t>A</a:t>
+            </a:r>
+            <a:r>
+              <a:rPr lang="zh-CN" altLang="en-US"/>
+              <a:t>点</a:t>
+            </a:r>
+            <a:endParaRPr lang="zh-CN" altLang="en-US"/>
+          </a:p>
+        </p:txBody>
+      </p:sp>
+      <p:sp>
+        <p:nvSpPr>
+          <p:cNvPr id="9" name="Text Box 8"/>
+          <p:cNvSpPr txBox="1"/>
+          <p:nvPr/>
+        </p:nvSpPr>
+        <p:spPr>
+          <a:xfrm>
+            <a:off x="3171190" y="3662680"/>
+            <a:ext cx="476250" cy="583565"/>
+          </a:xfrm>
+          <a:prstGeom prst="rect">
+            <a:avLst/>
+          </a:prstGeom>
+          <a:noFill/>
+        </p:spPr>
+        <p:txBody>
+          <a:bodyPr wrap="none" rtlCol="0">
+            <a:spAutoFit/>
+          </a:bodyPr>
+          <a:p>
+            <a:r>
+              <a:rPr lang="en-US" sz="3200"/>
+              <a:t>A</a:t>
+            </a:r>
+            <a:endParaRPr lang="en-US" sz="3200"/>
+          </a:p>
+        </p:txBody>
+      </p:sp>
+      <p:sp>
+        <p:nvSpPr>
+          <p:cNvPr id="10" name="Text Box 9"/>
+          <p:cNvSpPr txBox="1"/>
+          <p:nvPr/>
+        </p:nvSpPr>
+        <p:spPr>
+          <a:xfrm>
+            <a:off x="3782060" y="3601085"/>
+            <a:ext cx="1830705" cy="645160"/>
+          </a:xfrm>
+          <a:prstGeom prst="rect">
+            <a:avLst/>
+          </a:prstGeom>
+          <a:noFill/>
+        </p:spPr>
+        <p:txBody>
+          <a:bodyPr wrap="square" rtlCol="0">
+            <a:spAutoFit/>
+          </a:bodyPr>
+          <a:p>
+            <a:r>
+              <a:rPr lang="zh-CN" altLang="en-US"/>
+              <a:t>新线段开始的第一笔</a:t>
+            </a:r>
+            <a:r>
+              <a:rPr lang="en-US" altLang="zh-CN"/>
+              <a:t> S1</a:t>
+            </a:r>
+            <a:endParaRPr lang="en-US" altLang="zh-CN"/>
+          </a:p>
+        </p:txBody>
+      </p:sp>
       <p:sp>
         <p:nvSpPr>
           <p:cNvPr id="11" name="Text Box 10"/>
@@ -6671,7 +9886,7 @@
         </p:nvSpPr>
         <p:spPr>
           <a:xfrm>
-            <a:off x="3404235" y="1767840"/>
+            <a:off x="3782060" y="2207895"/>
             <a:ext cx="572770" cy="521970"/>
           </a:xfrm>
           <a:prstGeom prst="rect">
@@ -6708,8 +9923,8 @@
         </p:nvCxnSpPr>
         <p:spPr>
           <a:xfrm flipV="1">
-            <a:off x="5636260" y="3515995"/>
-            <a:ext cx="420370" cy="760095"/>
+            <a:off x="6208395" y="3840480"/>
+            <a:ext cx="614680" cy="1245235"/>
           </a:xfrm>
           <a:prstGeom prst="straightConnector1">
             <a:avLst/>
@@ -6744,8 +9959,8 @@
         </p:nvCxnSpPr>
         <p:spPr>
           <a:xfrm>
-            <a:off x="4812030" y="1702435"/>
-            <a:ext cx="824230" cy="2573655"/>
+            <a:off x="5189855" y="2142490"/>
+            <a:ext cx="1018540" cy="2943225"/>
           </a:xfrm>
           <a:prstGeom prst="straightConnector1">
             <a:avLst/>
@@ -6783,7 +9998,7 @@
         </p:nvSpPr>
         <p:spPr>
           <a:xfrm>
-            <a:off x="5734685" y="4026535"/>
+            <a:off x="6699250" y="4424045"/>
             <a:ext cx="572770" cy="521970"/>
           </a:xfrm>
           <a:prstGeom prst="rect">
@@ -6820,7 +10035,7 @@
         </p:nvSpPr>
         <p:spPr>
           <a:xfrm>
-            <a:off x="5289550" y="2435225"/>
+            <a:off x="5448935" y="2729865"/>
             <a:ext cx="767080" cy="521970"/>
           </a:xfrm>
           <a:prstGeom prst="rect">
@@ -6843,88 +10058,6 @@
                 </a:solidFill>
               </a:rPr>
               <a:t>X1</a:t>
-            </a:r>
-            <a:endParaRPr lang="en-US" sz="2800">
-              <a:solidFill>
-                <a:schemeClr val="accent6">
-                  <a:lumMod val="60000"/>
-                  <a:lumOff val="40000"/>
-                </a:schemeClr>
-              </a:solidFill>
-            </a:endParaRPr>
-          </a:p>
-        </p:txBody>
-      </p:sp>
-      <p:cxnSp>
-        <p:nvCxnSpPr>
-          <p:cNvPr id="14" name="Straight Arrow Connector 13"/>
-          <p:cNvCxnSpPr/>
-          <p:nvPr/>
-        </p:nvCxnSpPr>
-        <p:spPr>
-          <a:xfrm>
-            <a:off x="8747125" y="4156075"/>
-            <a:ext cx="1228725" cy="2134870"/>
-          </a:xfrm>
-          <a:prstGeom prst="straightConnector1">
-            <a:avLst/>
-          </a:prstGeom>
-          <a:ln w="66675">
-            <a:solidFill>
-              <a:schemeClr val="accent6">
-                <a:lumMod val="60000"/>
-                <a:lumOff val="40000"/>
-              </a:schemeClr>
-            </a:solidFill>
-            <a:tailEnd type="arrow"/>
-          </a:ln>
-        </p:spPr>
-        <p:style>
-          <a:lnRef idx="1">
-            <a:schemeClr val="accent1"/>
-          </a:lnRef>
-          <a:fillRef idx="0">
-            <a:schemeClr val="accent1"/>
-          </a:fillRef>
-          <a:effectRef idx="0">
-            <a:schemeClr val="accent1"/>
-          </a:effectRef>
-          <a:fontRef idx="minor">
-            <a:schemeClr val="tx1"/>
-          </a:fontRef>
-        </p:style>
-      </p:cxnSp>
-      <p:sp>
-        <p:nvSpPr>
-          <p:cNvPr id="15" name="Text Box 14"/>
-          <p:cNvSpPr txBox="1"/>
-          <p:nvPr/>
-        </p:nvSpPr>
-        <p:spPr>
-          <a:xfrm>
-            <a:off x="9975850" y="4026535"/>
-            <a:ext cx="767080" cy="521970"/>
-          </a:xfrm>
-          <a:prstGeom prst="rect">
-            <a:avLst/>
-          </a:prstGeom>
-          <a:noFill/>
-        </p:spPr>
-        <p:txBody>
-          <a:bodyPr wrap="square" rtlCol="0">
-            <a:spAutoFit/>
-          </a:bodyPr>
-          <a:p>
-            <a:r>
-              <a:rPr lang="en-US" sz="2800">
-                <a:solidFill>
-                  <a:schemeClr val="accent6">
-                    <a:lumMod val="60000"/>
-                    <a:lumOff val="40000"/>
-                  </a:schemeClr>
-                </a:solidFill>
-              </a:rPr>
-              <a:t>X2</a:t>
             </a:r>
             <a:endParaRPr lang="en-US" sz="2800">
               <a:solidFill>
@@ -6970,8 +10103,8 @@
         </p:nvCxnSpPr>
         <p:spPr>
           <a:xfrm flipV="1">
-            <a:off x="3686175" y="1637665"/>
-            <a:ext cx="1141730" cy="1620520"/>
+            <a:off x="3421380" y="1637665"/>
+            <a:ext cx="1406525" cy="1471930"/>
           </a:xfrm>
           <a:prstGeom prst="straightConnector1">
             <a:avLst/>
@@ -7006,7 +10139,7 @@
         </p:nvSpPr>
         <p:spPr>
           <a:xfrm>
-            <a:off x="3743960" y="2042795"/>
+            <a:off x="3404235" y="1767840"/>
             <a:ext cx="572770" cy="521970"/>
           </a:xfrm>
           <a:prstGeom prst="rect">
@@ -7043,8 +10176,8 @@
         </p:nvCxnSpPr>
         <p:spPr>
           <a:xfrm flipV="1">
-            <a:off x="5636260" y="2660015"/>
-            <a:ext cx="814705" cy="1616075"/>
+            <a:off x="5636260" y="3515995"/>
+            <a:ext cx="420370" cy="760095"/>
           </a:xfrm>
           <a:prstGeom prst="straightConnector1">
             <a:avLst/>
@@ -7118,7 +10251,7 @@
         </p:nvSpPr>
         <p:spPr>
           <a:xfrm>
-            <a:off x="5967095" y="3452495"/>
+            <a:off x="5734685" y="4026535"/>
             <a:ext cx="572770" cy="521970"/>
           </a:xfrm>
           <a:prstGeom prst="rect">
@@ -7198,7 +10331,7 @@
         </p:nvCxnSpPr>
         <p:spPr>
           <a:xfrm>
-            <a:off x="6518275" y="2741295"/>
+            <a:off x="8747125" y="4156075"/>
             <a:ext cx="1228725" cy="2134870"/>
           </a:xfrm>
           <a:prstGeom prst="straightConnector1">
@@ -7237,7 +10370,7 @@
         </p:nvSpPr>
         <p:spPr>
           <a:xfrm>
-            <a:off x="7151370" y="3258185"/>
+            <a:off x="9975850" y="4026535"/>
             <a:ext cx="767080" cy="521970"/>
           </a:xfrm>
           <a:prstGeom prst="rect">
@@ -7260,161 +10393,6 @@
                 </a:solidFill>
               </a:rPr>
               <a:t>X2</a:t>
-            </a:r>
-            <a:endParaRPr lang="en-US" sz="2800">
-              <a:solidFill>
-                <a:schemeClr val="accent6">
-                  <a:lumMod val="60000"/>
-                  <a:lumOff val="40000"/>
-                </a:schemeClr>
-              </a:solidFill>
-            </a:endParaRPr>
-          </a:p>
-        </p:txBody>
-      </p:sp>
-      <p:cxnSp>
-        <p:nvCxnSpPr>
-          <p:cNvPr id="3" name="Straight Arrow Connector 2"/>
-          <p:cNvCxnSpPr/>
-          <p:nvPr/>
-        </p:nvCxnSpPr>
-        <p:spPr>
-          <a:xfrm flipV="1">
-            <a:off x="7814310" y="3678555"/>
-            <a:ext cx="852170" cy="1197610"/>
-          </a:xfrm>
-          <a:prstGeom prst="straightConnector1">
-            <a:avLst/>
-          </a:prstGeom>
-          <a:ln w="73025">
-            <a:solidFill>
-              <a:srgbClr val="FF3300"/>
-            </a:solidFill>
-            <a:tailEnd type="arrow"/>
-          </a:ln>
-        </p:spPr>
-        <p:style>
-          <a:lnRef idx="1">
-            <a:schemeClr val="accent1"/>
-          </a:lnRef>
-          <a:fillRef idx="0">
-            <a:schemeClr val="accent1"/>
-          </a:fillRef>
-          <a:effectRef idx="0">
-            <a:schemeClr val="accent1"/>
-          </a:effectRef>
-          <a:fontRef idx="minor">
-            <a:schemeClr val="tx1"/>
-          </a:fontRef>
-        </p:style>
-      </p:cxnSp>
-      <p:cxnSp>
-        <p:nvCxnSpPr>
-          <p:cNvPr id="7" name="Straight Arrow Connector 6"/>
-          <p:cNvCxnSpPr/>
-          <p:nvPr/>
-        </p:nvCxnSpPr>
-        <p:spPr>
-          <a:xfrm>
-            <a:off x="8629015" y="3678555"/>
-            <a:ext cx="1228725" cy="2134870"/>
-          </a:xfrm>
-          <a:prstGeom prst="straightConnector1">
-            <a:avLst/>
-          </a:prstGeom>
-          <a:ln w="66675">
-            <a:solidFill>
-              <a:schemeClr val="accent6">
-                <a:lumMod val="60000"/>
-                <a:lumOff val="40000"/>
-              </a:schemeClr>
-            </a:solidFill>
-            <a:tailEnd type="arrow"/>
-          </a:ln>
-        </p:spPr>
-        <p:style>
-          <a:lnRef idx="1">
-            <a:schemeClr val="accent1"/>
-          </a:lnRef>
-          <a:fillRef idx="0">
-            <a:schemeClr val="accent1"/>
-          </a:fillRef>
-          <a:effectRef idx="0">
-            <a:schemeClr val="accent1"/>
-          </a:effectRef>
-          <a:fontRef idx="minor">
-            <a:schemeClr val="tx1"/>
-          </a:fontRef>
-        </p:style>
-      </p:cxnSp>
-      <p:sp>
-        <p:nvSpPr>
-          <p:cNvPr id="8" name="Text Box 7"/>
-          <p:cNvSpPr txBox="1"/>
-          <p:nvPr/>
-        </p:nvSpPr>
-        <p:spPr>
-          <a:xfrm>
-            <a:off x="7747000" y="3780155"/>
-            <a:ext cx="572770" cy="521970"/>
-          </a:xfrm>
-          <a:prstGeom prst="rect">
-            <a:avLst/>
-          </a:prstGeom>
-          <a:noFill/>
-        </p:spPr>
-        <p:txBody>
-          <a:bodyPr wrap="square" rtlCol="0">
-            <a:spAutoFit/>
-          </a:bodyPr>
-          <a:p>
-            <a:r>
-              <a:rPr lang="en-US" sz="2800">
-                <a:solidFill>
-                  <a:srgbClr val="FF0000"/>
-                </a:solidFill>
-              </a:rPr>
-              <a:t>S3</a:t>
-            </a:r>
-            <a:endParaRPr lang="en-US" sz="2800">
-              <a:solidFill>
-                <a:srgbClr val="FF0000"/>
-              </a:solidFill>
-            </a:endParaRPr>
-          </a:p>
-        </p:txBody>
-      </p:sp>
-      <p:sp>
-        <p:nvSpPr>
-          <p:cNvPr id="9" name="Text Box 8"/>
-          <p:cNvSpPr txBox="1"/>
-          <p:nvPr/>
-        </p:nvSpPr>
-        <p:spPr>
-          <a:xfrm>
-            <a:off x="9437370" y="4276090"/>
-            <a:ext cx="767080" cy="521970"/>
-          </a:xfrm>
-          <a:prstGeom prst="rect">
-            <a:avLst/>
-          </a:prstGeom>
-          <a:noFill/>
-        </p:spPr>
-        <p:txBody>
-          <a:bodyPr wrap="square" rtlCol="0">
-            <a:spAutoFit/>
-          </a:bodyPr>
-          <a:p>
-            <a:r>
-              <a:rPr lang="en-US" sz="2800">
-                <a:solidFill>
-                  <a:schemeClr val="accent6">
-                    <a:lumMod val="60000"/>
-                    <a:lumOff val="40000"/>
-                  </a:schemeClr>
-                </a:solidFill>
-              </a:rPr>
-              <a:t>X3</a:t>
             </a:r>
             <a:endParaRPr lang="en-US" sz="2800">
               <a:solidFill>
@@ -7452,42 +10430,6 @@
           <a:chExt cx="0" cy="0"/>
         </a:xfrm>
       </p:grpSpPr>
-      <p:cxnSp>
-        <p:nvCxnSpPr>
-          <p:cNvPr id="6" name="Straight Arrow Connector 5"/>
-          <p:cNvCxnSpPr/>
-          <p:nvPr/>
-        </p:nvCxnSpPr>
-        <p:spPr>
-          <a:xfrm flipV="1">
-            <a:off x="404495" y="1653540"/>
-            <a:ext cx="1141730" cy="1620520"/>
-          </a:xfrm>
-          <a:prstGeom prst="straightConnector1">
-            <a:avLst/>
-          </a:prstGeom>
-          <a:ln w="73025">
-            <a:solidFill>
-              <a:srgbClr val="FF3300"/>
-            </a:solidFill>
-            <a:tailEnd type="arrow"/>
-          </a:ln>
-        </p:spPr>
-        <p:style>
-          <a:lnRef idx="1">
-            <a:schemeClr val="accent1"/>
-          </a:lnRef>
-          <a:fillRef idx="0">
-            <a:schemeClr val="accent1"/>
-          </a:fillRef>
-          <a:effectRef idx="0">
-            <a:schemeClr val="accent1"/>
-          </a:effectRef>
-          <a:fontRef idx="minor">
-            <a:schemeClr val="tx1"/>
-          </a:fontRef>
-        </p:style>
-      </p:cxnSp>
       <p:sp>
         <p:nvSpPr>
           <p:cNvPr id="11" name="Text Box 10"/>
@@ -7496,7 +10438,7 @@
         </p:nvSpPr>
         <p:spPr>
           <a:xfrm>
-            <a:off x="462280" y="2058670"/>
+            <a:off x="2368550" y="3550920"/>
             <a:ext cx="572770" cy="521970"/>
           </a:xfrm>
           <a:prstGeom prst="rect">
@@ -7533,8 +10475,8 @@
         </p:nvCxnSpPr>
         <p:spPr>
           <a:xfrm flipV="1">
-            <a:off x="1951990" y="1247775"/>
-            <a:ext cx="814705" cy="1616075"/>
+            <a:off x="2223770" y="3592830"/>
+            <a:ext cx="1120140" cy="1120775"/>
           </a:xfrm>
           <a:prstGeom prst="straightConnector1">
             <a:avLst/>
@@ -7569,8 +10511,8 @@
         </p:nvCxnSpPr>
         <p:spPr>
           <a:xfrm>
-            <a:off x="1530350" y="1718310"/>
-            <a:ext cx="421640" cy="1259205"/>
+            <a:off x="1235075" y="2868295"/>
+            <a:ext cx="988695" cy="1845310"/>
           </a:xfrm>
           <a:prstGeom prst="straightConnector1">
             <a:avLst/>
@@ -7602,50 +10544,13 @@
       </p:cxnSp>
       <p:sp>
         <p:nvSpPr>
-          <p:cNvPr id="5" name="Text Box 4"/>
-          <p:cNvSpPr txBox="1"/>
-          <p:nvPr/>
-        </p:nvSpPr>
-        <p:spPr>
-          <a:xfrm>
-            <a:off x="2882265" y="1510665"/>
-            <a:ext cx="572770" cy="521970"/>
-          </a:xfrm>
-          <a:prstGeom prst="rect">
-            <a:avLst/>
-          </a:prstGeom>
-          <a:noFill/>
-        </p:spPr>
-        <p:txBody>
-          <a:bodyPr wrap="square" rtlCol="0">
-            <a:spAutoFit/>
-          </a:bodyPr>
-          <a:p>
-            <a:r>
-              <a:rPr lang="en-US" sz="2800">
-                <a:solidFill>
-                  <a:srgbClr val="FF0000"/>
-                </a:solidFill>
-              </a:rPr>
-              <a:t>S2</a:t>
-            </a:r>
-            <a:endParaRPr lang="en-US" sz="2800">
-              <a:solidFill>
-                <a:srgbClr val="FF0000"/>
-              </a:solidFill>
-            </a:endParaRPr>
-          </a:p>
-        </p:txBody>
-      </p:sp>
-      <p:sp>
-        <p:nvSpPr>
           <p:cNvPr id="12" name="Text Box 11"/>
           <p:cNvSpPr txBox="1"/>
           <p:nvPr/>
         </p:nvSpPr>
         <p:spPr>
           <a:xfrm>
-            <a:off x="1184910" y="2752090"/>
+            <a:off x="1664970" y="3107690"/>
             <a:ext cx="767080" cy="521970"/>
           </a:xfrm>
           <a:prstGeom prst="rect">
@@ -7682,123 +10587,14 @@
       </p:sp>
       <p:cxnSp>
         <p:nvCxnSpPr>
-          <p:cNvPr id="10" name="Straight Arrow Connector 9"/>
+          <p:cNvPr id="14" name="Straight Arrow Connector 13"/>
           <p:cNvCxnSpPr/>
           <p:nvPr/>
         </p:nvCxnSpPr>
         <p:spPr>
-          <a:xfrm flipV="1">
-            <a:off x="3879215" y="2715895"/>
-            <a:ext cx="1141730" cy="1620520"/>
-          </a:xfrm>
-          <a:prstGeom prst="straightConnector1">
-            <a:avLst/>
-          </a:prstGeom>
-          <a:ln w="73025">
-            <a:solidFill>
-              <a:srgbClr val="FF3300"/>
-            </a:solidFill>
-            <a:tailEnd type="arrow"/>
-          </a:ln>
-        </p:spPr>
-        <p:style>
-          <a:lnRef idx="1">
-            <a:schemeClr val="accent1"/>
-          </a:lnRef>
-          <a:fillRef idx="0">
-            <a:schemeClr val="accent1"/>
-          </a:fillRef>
-          <a:effectRef idx="0">
-            <a:schemeClr val="accent1"/>
-          </a:effectRef>
-          <a:fontRef idx="minor">
-            <a:schemeClr val="tx1"/>
-          </a:fontRef>
-        </p:style>
-      </p:cxnSp>
-      <p:sp>
-        <p:nvSpPr>
-          <p:cNvPr id="13" name="Text Box 12"/>
-          <p:cNvSpPr txBox="1"/>
-          <p:nvPr/>
-        </p:nvSpPr>
-        <p:spPr>
-          <a:xfrm>
-            <a:off x="3937000" y="3121025"/>
-            <a:ext cx="572770" cy="521970"/>
-          </a:xfrm>
-          <a:prstGeom prst="rect">
-            <a:avLst/>
-          </a:prstGeom>
-          <a:noFill/>
-        </p:spPr>
-        <p:txBody>
-          <a:bodyPr wrap="square" rtlCol="0">
-            <a:spAutoFit/>
-          </a:bodyPr>
-          <a:p>
-            <a:r>
-              <a:rPr lang="en-US" sz="2800">
-                <a:solidFill>
-                  <a:srgbClr val="FF0000"/>
-                </a:solidFill>
-              </a:rPr>
-              <a:t>S1</a:t>
-            </a:r>
-            <a:endParaRPr lang="en-US" sz="2800">
-              <a:solidFill>
-                <a:srgbClr val="FF0000"/>
-              </a:solidFill>
-            </a:endParaRPr>
-          </a:p>
-        </p:txBody>
-      </p:sp>
-      <p:cxnSp>
-        <p:nvCxnSpPr>
-          <p:cNvPr id="16" name="Straight Arrow Connector 15"/>
-          <p:cNvCxnSpPr/>
-          <p:nvPr/>
-        </p:nvCxnSpPr>
-        <p:spPr>
-          <a:xfrm flipV="1">
-            <a:off x="5426710" y="2310130"/>
-            <a:ext cx="814705" cy="1616075"/>
-          </a:xfrm>
-          <a:prstGeom prst="straightConnector1">
-            <a:avLst/>
-          </a:prstGeom>
-          <a:ln w="73025">
-            <a:solidFill>
-              <a:srgbClr val="FF3300"/>
-            </a:solidFill>
-            <a:tailEnd type="arrow"/>
-          </a:ln>
-        </p:spPr>
-        <p:style>
-          <a:lnRef idx="1">
-            <a:schemeClr val="accent1"/>
-          </a:lnRef>
-          <a:fillRef idx="0">
-            <a:schemeClr val="accent1"/>
-          </a:fillRef>
-          <a:effectRef idx="0">
-            <a:schemeClr val="accent1"/>
-          </a:effectRef>
-          <a:fontRef idx="minor">
-            <a:schemeClr val="tx1"/>
-          </a:fontRef>
-        </p:style>
-      </p:cxnSp>
-      <p:cxnSp>
-        <p:nvCxnSpPr>
-          <p:cNvPr id="17" name="Straight Arrow Connector 16"/>
-          <p:cNvCxnSpPr/>
-          <p:nvPr/>
-        </p:nvCxnSpPr>
-        <p:spPr>
-          <a:xfrm>
-            <a:off x="5005070" y="2780665"/>
-            <a:ext cx="421640" cy="1259205"/>
+          <a:xfrm>
+            <a:off x="3343910" y="3629660"/>
+            <a:ext cx="906145" cy="1858010"/>
           </a:xfrm>
           <a:prstGeom prst="straightConnector1">
             <a:avLst/>
@@ -7830,132 +10626,13 @@
       </p:cxnSp>
       <p:sp>
         <p:nvSpPr>
-          <p:cNvPr id="18" name="Text Box 17"/>
+          <p:cNvPr id="15" name="Text Box 14"/>
           <p:cNvSpPr txBox="1"/>
           <p:nvPr/>
         </p:nvSpPr>
         <p:spPr>
           <a:xfrm>
-            <a:off x="5344795" y="2230120"/>
-            <a:ext cx="572770" cy="521970"/>
-          </a:xfrm>
-          <a:prstGeom prst="rect">
-            <a:avLst/>
-          </a:prstGeom>
-          <a:noFill/>
-        </p:spPr>
-        <p:txBody>
-          <a:bodyPr wrap="square" rtlCol="0">
-            <a:spAutoFit/>
-          </a:bodyPr>
-          <a:p>
-            <a:r>
-              <a:rPr lang="en-US" sz="2800">
-                <a:solidFill>
-                  <a:srgbClr val="FF0000"/>
-                </a:solidFill>
-              </a:rPr>
-              <a:t>S2</a:t>
-            </a:r>
-            <a:endParaRPr lang="en-US" sz="2800">
-              <a:solidFill>
-                <a:srgbClr val="FF0000"/>
-              </a:solidFill>
-            </a:endParaRPr>
-          </a:p>
-        </p:txBody>
-      </p:sp>
-      <p:sp>
-        <p:nvSpPr>
-          <p:cNvPr id="19" name="Text Box 18"/>
-          <p:cNvSpPr txBox="1"/>
-          <p:nvPr/>
-        </p:nvSpPr>
-        <p:spPr>
-          <a:xfrm>
-            <a:off x="4659630" y="3814445"/>
-            <a:ext cx="767080" cy="521970"/>
-          </a:xfrm>
-          <a:prstGeom prst="rect">
-            <a:avLst/>
-          </a:prstGeom>
-          <a:noFill/>
-        </p:spPr>
-        <p:txBody>
-          <a:bodyPr wrap="square" rtlCol="0">
-            <a:spAutoFit/>
-          </a:bodyPr>
-          <a:p>
-            <a:r>
-              <a:rPr lang="en-US" sz="2800">
-                <a:solidFill>
-                  <a:schemeClr val="accent6">
-                    <a:lumMod val="60000"/>
-                    <a:lumOff val="40000"/>
-                  </a:schemeClr>
-                </a:solidFill>
-              </a:rPr>
-              <a:t>X1</a:t>
-            </a:r>
-            <a:endParaRPr lang="en-US" sz="2800">
-              <a:solidFill>
-                <a:schemeClr val="accent6">
-                  <a:lumMod val="60000"/>
-                  <a:lumOff val="40000"/>
-                </a:schemeClr>
-              </a:solidFill>
-            </a:endParaRPr>
-          </a:p>
-        </p:txBody>
-      </p:sp>
-      <p:cxnSp>
-        <p:nvCxnSpPr>
-          <p:cNvPr id="20" name="Straight Arrow Connector 19"/>
-          <p:cNvCxnSpPr/>
-          <p:nvPr/>
-        </p:nvCxnSpPr>
-        <p:spPr>
-          <a:xfrm>
-            <a:off x="6241415" y="2364105"/>
-            <a:ext cx="305435" cy="1039495"/>
-          </a:xfrm>
-          <a:prstGeom prst="straightConnector1">
-            <a:avLst/>
-          </a:prstGeom>
-          <a:ln w="66675">
-            <a:solidFill>
-              <a:schemeClr val="accent6">
-                <a:lumMod val="60000"/>
-                <a:lumOff val="40000"/>
-              </a:schemeClr>
-            </a:solidFill>
-            <a:tailEnd type="arrow"/>
-          </a:ln>
-        </p:spPr>
-        <p:style>
-          <a:lnRef idx="1">
-            <a:schemeClr val="accent1"/>
-          </a:lnRef>
-          <a:fillRef idx="0">
-            <a:schemeClr val="accent1"/>
-          </a:fillRef>
-          <a:effectRef idx="0">
-            <a:schemeClr val="accent1"/>
-          </a:effectRef>
-          <a:fontRef idx="minor">
-            <a:schemeClr val="tx1"/>
-          </a:fontRef>
-        </p:style>
-      </p:cxnSp>
-      <p:sp>
-        <p:nvSpPr>
-          <p:cNvPr id="21" name="Text Box 20"/>
-          <p:cNvSpPr txBox="1"/>
-          <p:nvPr/>
-        </p:nvSpPr>
-        <p:spPr>
-          <a:xfrm>
-            <a:off x="6546850" y="2580640"/>
+            <a:off x="3698875" y="3892550"/>
             <a:ext cx="767080" cy="521970"/>
           </a:xfrm>
           <a:prstGeom prst="rect">
@@ -7992,14 +10669,14 @@
       </p:sp>
       <p:cxnSp>
         <p:nvCxnSpPr>
-          <p:cNvPr id="22" name="Straight Arrow Connector 21"/>
+          <p:cNvPr id="3" name="Straight Arrow Connector 2"/>
           <p:cNvCxnSpPr/>
           <p:nvPr/>
         </p:nvCxnSpPr>
         <p:spPr>
           <a:xfrm flipV="1">
-            <a:off x="7529830" y="3699510"/>
-            <a:ext cx="771525" cy="1037590"/>
+            <a:off x="4250055" y="3049270"/>
+            <a:ext cx="1614805" cy="2301875"/>
           </a:xfrm>
           <a:prstGeom prst="straightConnector1">
             <a:avLst/>
@@ -8026,97 +10703,15 @@
           </a:fontRef>
         </p:style>
       </p:cxnSp>
-      <p:cxnSp>
-        <p:nvCxnSpPr>
-          <p:cNvPr id="23" name="Straight Arrow Connector 22"/>
-          <p:cNvCxnSpPr/>
-          <p:nvPr/>
-        </p:nvCxnSpPr>
-        <p:spPr>
-          <a:xfrm>
-            <a:off x="8295005" y="3814445"/>
-            <a:ext cx="764540" cy="2324735"/>
-          </a:xfrm>
-          <a:prstGeom prst="straightConnector1">
-            <a:avLst/>
-          </a:prstGeom>
-          <a:ln w="66675">
-            <a:solidFill>
-              <a:schemeClr val="accent6">
-                <a:lumMod val="60000"/>
-                <a:lumOff val="40000"/>
-              </a:schemeClr>
-            </a:solidFill>
-            <a:tailEnd type="arrow"/>
-          </a:ln>
-        </p:spPr>
-        <p:style>
-          <a:lnRef idx="1">
-            <a:schemeClr val="accent1"/>
-          </a:lnRef>
-          <a:fillRef idx="0">
-            <a:schemeClr val="accent1"/>
-          </a:fillRef>
-          <a:effectRef idx="0">
-            <a:schemeClr val="accent1"/>
-          </a:effectRef>
-          <a:fontRef idx="minor">
-            <a:schemeClr val="tx1"/>
-          </a:fontRef>
-        </p:style>
-      </p:cxnSp>
-      <p:sp>
-        <p:nvSpPr>
-          <p:cNvPr id="24" name="Text Box 23"/>
+      <p:sp>
+        <p:nvSpPr>
+          <p:cNvPr id="7" name="Text Box 6"/>
           <p:cNvSpPr txBox="1"/>
           <p:nvPr/>
         </p:nvSpPr>
         <p:spPr>
           <a:xfrm>
-            <a:off x="8955405" y="5130800"/>
-            <a:ext cx="767080" cy="521970"/>
-          </a:xfrm>
-          <a:prstGeom prst="rect">
-            <a:avLst/>
-          </a:prstGeom>
-          <a:noFill/>
-        </p:spPr>
-        <p:txBody>
-          <a:bodyPr wrap="square" rtlCol="0">
-            <a:spAutoFit/>
-          </a:bodyPr>
-          <a:p>
-            <a:r>
-              <a:rPr lang="en-US" sz="2800">
-                <a:solidFill>
-                  <a:schemeClr val="accent6">
-                    <a:lumMod val="60000"/>
-                    <a:lumOff val="40000"/>
-                  </a:schemeClr>
-                </a:solidFill>
-              </a:rPr>
-              <a:t>X3</a:t>
-            </a:r>
-            <a:endParaRPr lang="en-US" sz="2800">
-              <a:solidFill>
-                <a:schemeClr val="accent6">
-                  <a:lumMod val="60000"/>
-                  <a:lumOff val="40000"/>
-                </a:schemeClr>
-              </a:solidFill>
-            </a:endParaRPr>
-          </a:p>
-        </p:txBody>
-      </p:sp>
-      <p:sp>
-        <p:nvSpPr>
-          <p:cNvPr id="25" name="Text Box 24"/>
-          <p:cNvSpPr txBox="1"/>
-          <p:nvPr/>
-        </p:nvSpPr>
-        <p:spPr>
-          <a:xfrm>
-            <a:off x="7853680" y="4336415"/>
+            <a:off x="4652645" y="3370580"/>
             <a:ext cx="572770" cy="521970"/>
           </a:xfrm>
           <a:prstGeom prst="rect">
@@ -8135,7 +10730,7 @@
                   <a:srgbClr val="FF0000"/>
                 </a:solidFill>
               </a:rPr>
-              <a:t>S3</a:t>
+              <a:t>S2</a:t>
             </a:r>
             <a:endParaRPr lang="en-US" sz="2800">
               <a:solidFill>
@@ -8170,219 +10765,6 @@
           <a:chExt cx="0" cy="0"/>
         </a:xfrm>
       </p:grpSpPr>
-      <p:cxnSp>
-        <p:nvCxnSpPr>
-          <p:cNvPr id="3" name="Straight Arrow Connector 2"/>
-          <p:cNvCxnSpPr/>
-          <p:nvPr/>
-        </p:nvCxnSpPr>
-        <p:spPr>
-          <a:xfrm>
-            <a:off x="968375" y="1541145"/>
-            <a:ext cx="2429510" cy="2121535"/>
-          </a:xfrm>
-          <a:prstGeom prst="straightConnector1">
-            <a:avLst/>
-          </a:prstGeom>
-          <a:ln w="82550">
-            <a:solidFill>
-              <a:schemeClr val="accent2">
-                <a:lumMod val="60000"/>
-                <a:lumOff val="40000"/>
-              </a:schemeClr>
-            </a:solidFill>
-            <a:prstDash val="sysDash"/>
-            <a:tailEnd type="arrow"/>
-          </a:ln>
-        </p:spPr>
-        <p:style>
-          <a:lnRef idx="1">
-            <a:schemeClr val="accent1"/>
-          </a:lnRef>
-          <a:fillRef idx="0">
-            <a:schemeClr val="accent1"/>
-          </a:fillRef>
-          <a:effectRef idx="0">
-            <a:schemeClr val="accent1"/>
-          </a:effectRef>
-          <a:fontRef idx="minor">
-            <a:schemeClr val="tx1"/>
-          </a:fontRef>
-        </p:style>
-      </p:cxnSp>
-      <p:cxnSp>
-        <p:nvCxnSpPr>
-          <p:cNvPr id="6" name="Straight Arrow Connector 5"/>
-          <p:cNvCxnSpPr/>
-          <p:nvPr/>
-        </p:nvCxnSpPr>
-        <p:spPr>
-          <a:xfrm flipV="1">
-            <a:off x="3411220" y="2077720"/>
-            <a:ext cx="1794510" cy="1536700"/>
-          </a:xfrm>
-          <a:prstGeom prst="straightConnector1">
-            <a:avLst/>
-          </a:prstGeom>
-          <a:ln w="73025">
-            <a:solidFill>
-              <a:srgbClr val="FF3300"/>
-            </a:solidFill>
-            <a:tailEnd type="arrow"/>
-          </a:ln>
-        </p:spPr>
-        <p:style>
-          <a:lnRef idx="1">
-            <a:schemeClr val="accent1"/>
-          </a:lnRef>
-          <a:fillRef idx="0">
-            <a:schemeClr val="accent1"/>
-          </a:fillRef>
-          <a:effectRef idx="0">
-            <a:schemeClr val="accent1"/>
-          </a:effectRef>
-          <a:fontRef idx="minor">
-            <a:schemeClr val="tx1"/>
-          </a:fontRef>
-        </p:style>
-      </p:cxnSp>
-      <p:cxnSp>
-        <p:nvCxnSpPr>
-          <p:cNvPr id="7" name="Straight Connector 6"/>
-          <p:cNvCxnSpPr/>
-          <p:nvPr/>
-        </p:nvCxnSpPr>
-        <p:spPr>
-          <a:xfrm>
-            <a:off x="3409315" y="509270"/>
-            <a:ext cx="0" cy="5918200"/>
-          </a:xfrm>
-          <a:prstGeom prst="line">
-            <a:avLst/>
-          </a:prstGeom>
-          <a:ln w="63500">
-            <a:solidFill>
-              <a:schemeClr val="bg1">
-                <a:lumMod val="50000"/>
-              </a:schemeClr>
-            </a:solidFill>
-            <a:prstDash val="dash"/>
-          </a:ln>
-        </p:spPr>
-        <p:style>
-          <a:lnRef idx="1">
-            <a:schemeClr val="accent1"/>
-          </a:lnRef>
-          <a:fillRef idx="0">
-            <a:schemeClr val="accent1"/>
-          </a:fillRef>
-          <a:effectRef idx="0">
-            <a:schemeClr val="accent1"/>
-          </a:effectRef>
-          <a:fontRef idx="minor">
-            <a:schemeClr val="tx1"/>
-          </a:fontRef>
-        </p:style>
-      </p:cxnSp>
-      <p:sp>
-        <p:nvSpPr>
-          <p:cNvPr id="8" name="Text Box 7"/>
-          <p:cNvSpPr txBox="1"/>
-          <p:nvPr/>
-        </p:nvSpPr>
-        <p:spPr>
-          <a:xfrm>
-            <a:off x="429260" y="3258185"/>
-            <a:ext cx="2186305" cy="645160"/>
-          </a:xfrm>
-          <a:prstGeom prst="rect">
-            <a:avLst/>
-          </a:prstGeom>
-          <a:noFill/>
-        </p:spPr>
-        <p:txBody>
-          <a:bodyPr wrap="square" rtlCol="0">
-            <a:spAutoFit/>
-          </a:bodyPr>
-          <a:p>
-            <a:r>
-              <a:rPr lang="zh-CN" altLang="en-US"/>
-              <a:t>前面向下的线段，终结于</a:t>
-            </a:r>
-            <a:r>
-              <a:rPr lang="en-US" altLang="zh-CN"/>
-              <a:t>A</a:t>
-            </a:r>
-            <a:r>
-              <a:rPr lang="zh-CN" altLang="en-US"/>
-              <a:t>点</a:t>
-            </a:r>
-            <a:endParaRPr lang="zh-CN" altLang="en-US"/>
-          </a:p>
-        </p:txBody>
-      </p:sp>
-      <p:sp>
-        <p:nvSpPr>
-          <p:cNvPr id="9" name="Text Box 8"/>
-          <p:cNvSpPr txBox="1"/>
-          <p:nvPr/>
-        </p:nvSpPr>
-        <p:spPr>
-          <a:xfrm>
-            <a:off x="3171190" y="3662680"/>
-            <a:ext cx="476250" cy="583565"/>
-          </a:xfrm>
-          <a:prstGeom prst="rect">
-            <a:avLst/>
-          </a:prstGeom>
-          <a:noFill/>
-        </p:spPr>
-        <p:txBody>
-          <a:bodyPr wrap="none" rtlCol="0">
-            <a:spAutoFit/>
-          </a:bodyPr>
-          <a:p>
-            <a:r>
-              <a:rPr lang="en-US" sz="3200"/>
-              <a:t>A</a:t>
-            </a:r>
-            <a:endParaRPr lang="en-US" sz="3200"/>
-          </a:p>
-        </p:txBody>
-      </p:sp>
-      <p:sp>
-        <p:nvSpPr>
-          <p:cNvPr id="10" name="Text Box 9"/>
-          <p:cNvSpPr txBox="1"/>
-          <p:nvPr/>
-        </p:nvSpPr>
-        <p:spPr>
-          <a:xfrm>
-            <a:off x="3782060" y="3601085"/>
-            <a:ext cx="1830705" cy="645160"/>
-          </a:xfrm>
-          <a:prstGeom prst="rect">
-            <a:avLst/>
-          </a:prstGeom>
-          <a:noFill/>
-        </p:spPr>
-        <p:txBody>
-          <a:bodyPr wrap="square" rtlCol="0">
-            <a:spAutoFit/>
-          </a:bodyPr>
-          <a:p>
-            <a:r>
-              <a:rPr lang="zh-CN" altLang="en-US"/>
-              <a:t>新线段开始的第一笔</a:t>
-            </a:r>
-            <a:r>
-              <a:rPr lang="en-US" altLang="zh-CN"/>
-              <a:t> S1</a:t>
-            </a:r>
-            <a:endParaRPr lang="en-US" altLang="zh-CN"/>
-          </a:p>
-        </p:txBody>
-      </p:sp>
       <p:sp>
         <p:nvSpPr>
           <p:cNvPr id="11" name="Text Box 10"/>
@@ -8391,7 +10773,7 @@
         </p:nvSpPr>
         <p:spPr>
           <a:xfrm>
-            <a:off x="3782060" y="2207895"/>
+            <a:off x="2368550" y="3550920"/>
             <a:ext cx="572770" cy="521970"/>
           </a:xfrm>
           <a:prstGeom prst="rect">
@@ -8428,8 +10810,8 @@
         </p:nvCxnSpPr>
         <p:spPr>
           <a:xfrm flipV="1">
-            <a:off x="6001385" y="975360"/>
-            <a:ext cx="955675" cy="2461260"/>
+            <a:off x="2223770" y="3592830"/>
+            <a:ext cx="1120140" cy="1120775"/>
           </a:xfrm>
           <a:prstGeom prst="straightConnector1">
             <a:avLst/>
@@ -8464,8 +10846,8 @@
         </p:nvCxnSpPr>
         <p:spPr>
           <a:xfrm>
-            <a:off x="5189855" y="2142490"/>
-            <a:ext cx="831850" cy="1294130"/>
+            <a:off x="1235075" y="2868295"/>
+            <a:ext cx="988695" cy="1845310"/>
           </a:xfrm>
           <a:prstGeom prst="straightConnector1">
             <a:avLst/>
@@ -8497,50 +10879,13 @@
       </p:cxnSp>
       <p:sp>
         <p:nvSpPr>
-          <p:cNvPr id="5" name="Text Box 4"/>
-          <p:cNvSpPr txBox="1"/>
-          <p:nvPr/>
-        </p:nvSpPr>
-        <p:spPr>
-          <a:xfrm>
-            <a:off x="5887720" y="1715770"/>
-            <a:ext cx="572770" cy="521970"/>
-          </a:xfrm>
-          <a:prstGeom prst="rect">
-            <a:avLst/>
-          </a:prstGeom>
-          <a:noFill/>
-        </p:spPr>
-        <p:txBody>
-          <a:bodyPr wrap="square" rtlCol="0">
-            <a:spAutoFit/>
-          </a:bodyPr>
-          <a:p>
-            <a:r>
-              <a:rPr lang="en-US" sz="2800">
-                <a:solidFill>
-                  <a:srgbClr val="FF0000"/>
-                </a:solidFill>
-              </a:rPr>
-              <a:t>S2</a:t>
-            </a:r>
-            <a:endParaRPr lang="en-US" sz="2800">
-              <a:solidFill>
-                <a:srgbClr val="FF0000"/>
-              </a:solidFill>
-            </a:endParaRPr>
-          </a:p>
-        </p:txBody>
-      </p:sp>
-      <p:sp>
-        <p:nvSpPr>
           <p:cNvPr id="12" name="Text Box 11"/>
           <p:cNvSpPr txBox="1"/>
           <p:nvPr/>
         </p:nvSpPr>
         <p:spPr>
           <a:xfrm>
-            <a:off x="5035550" y="2736215"/>
+            <a:off x="1664970" y="3107690"/>
             <a:ext cx="767080" cy="521970"/>
           </a:xfrm>
           <a:prstGeom prst="rect">
@@ -8577,14 +10922,14 @@
       </p:sp>
       <p:cxnSp>
         <p:nvCxnSpPr>
-          <p:cNvPr id="24" name="Straight Arrow Connector 23"/>
+          <p:cNvPr id="14" name="Straight Arrow Connector 13"/>
           <p:cNvCxnSpPr/>
           <p:nvPr/>
         </p:nvCxnSpPr>
         <p:spPr>
           <a:xfrm>
-            <a:off x="6957060" y="975360"/>
-            <a:ext cx="1115695" cy="1887220"/>
+            <a:off x="3343910" y="3629660"/>
+            <a:ext cx="906145" cy="1858010"/>
           </a:xfrm>
           <a:prstGeom prst="straightConnector1">
             <a:avLst/>
@@ -8614,90 +10959,15 @@
           </a:fontRef>
         </p:style>
       </p:cxnSp>
-      <p:cxnSp>
-        <p:nvCxnSpPr>
-          <p:cNvPr id="25" name="Straight Arrow Connector 24"/>
-          <p:cNvCxnSpPr/>
-          <p:nvPr/>
-        </p:nvCxnSpPr>
-        <p:spPr>
-          <a:xfrm flipV="1">
-            <a:off x="8058150" y="1237615"/>
-            <a:ext cx="539115" cy="1498600"/>
-          </a:xfrm>
-          <a:prstGeom prst="straightConnector1">
-            <a:avLst/>
-          </a:prstGeom>
-          <a:ln w="73025">
-            <a:solidFill>
-              <a:srgbClr val="FF3300"/>
-            </a:solidFill>
-            <a:tailEnd type="arrow"/>
-          </a:ln>
-        </p:spPr>
-        <p:style>
-          <a:lnRef idx="1">
-            <a:schemeClr val="accent1"/>
-          </a:lnRef>
-          <a:fillRef idx="0">
-            <a:schemeClr val="accent1"/>
-          </a:fillRef>
-          <a:effectRef idx="0">
-            <a:schemeClr val="accent1"/>
-          </a:effectRef>
-          <a:fontRef idx="minor">
-            <a:schemeClr val="tx1"/>
-          </a:fontRef>
-        </p:style>
-      </p:cxnSp>
-      <p:cxnSp>
-        <p:nvCxnSpPr>
-          <p:cNvPr id="26" name="Straight Arrow Connector 25"/>
-          <p:cNvCxnSpPr/>
-          <p:nvPr/>
-        </p:nvCxnSpPr>
-        <p:spPr>
-          <a:xfrm>
-            <a:off x="8603615" y="1370965"/>
-            <a:ext cx="1115695" cy="1887220"/>
-          </a:xfrm>
-          <a:prstGeom prst="straightConnector1">
-            <a:avLst/>
-          </a:prstGeom>
-          <a:ln w="66675">
-            <a:solidFill>
-              <a:schemeClr val="accent6">
-                <a:lumMod val="60000"/>
-                <a:lumOff val="40000"/>
-              </a:schemeClr>
-            </a:solidFill>
-            <a:tailEnd type="arrow"/>
-          </a:ln>
-        </p:spPr>
-        <p:style>
-          <a:lnRef idx="1">
-            <a:schemeClr val="accent1"/>
-          </a:lnRef>
-          <a:fillRef idx="0">
-            <a:schemeClr val="accent1"/>
-          </a:fillRef>
-          <a:effectRef idx="0">
-            <a:schemeClr val="accent1"/>
-          </a:effectRef>
-          <a:fontRef idx="minor">
-            <a:schemeClr val="tx1"/>
-          </a:fontRef>
-        </p:style>
-      </p:cxnSp>
-      <p:sp>
-        <p:nvSpPr>
-          <p:cNvPr id="27" name="Text Box 26"/>
+      <p:sp>
+        <p:nvSpPr>
+          <p:cNvPr id="15" name="Text Box 14"/>
           <p:cNvSpPr txBox="1"/>
           <p:nvPr/>
         </p:nvSpPr>
         <p:spPr>
           <a:xfrm>
-            <a:off x="6875780" y="1945005"/>
+            <a:off x="3698875" y="3892550"/>
             <a:ext cx="767080" cy="521970"/>
           </a:xfrm>
           <a:prstGeom prst="rect">
@@ -8732,58 +11002,51 @@
           </a:p>
         </p:txBody>
       </p:sp>
-      <p:sp>
-        <p:nvSpPr>
-          <p:cNvPr id="28" name="Text Box 27"/>
+      <p:cxnSp>
+        <p:nvCxnSpPr>
+          <p:cNvPr id="3" name="Straight Arrow Connector 2"/>
+          <p:cNvCxnSpPr/>
+          <p:nvPr/>
+        </p:nvCxnSpPr>
+        <p:spPr>
+          <a:xfrm flipV="1">
+            <a:off x="4250055" y="4351020"/>
+            <a:ext cx="708660" cy="1000125"/>
+          </a:xfrm>
+          <a:prstGeom prst="straightConnector1">
+            <a:avLst/>
+          </a:prstGeom>
+          <a:ln w="73025">
+            <a:solidFill>
+              <a:srgbClr val="FF3300"/>
+            </a:solidFill>
+            <a:tailEnd type="arrow"/>
+          </a:ln>
+        </p:spPr>
+        <p:style>
+          <a:lnRef idx="1">
+            <a:schemeClr val="accent1"/>
+          </a:lnRef>
+          <a:fillRef idx="0">
+            <a:schemeClr val="accent1"/>
+          </a:fillRef>
+          <a:effectRef idx="0">
+            <a:schemeClr val="accent1"/>
+          </a:effectRef>
+          <a:fontRef idx="minor">
+            <a:schemeClr val="tx1"/>
+          </a:fontRef>
+        </p:style>
+      </p:cxnSp>
+      <p:sp>
+        <p:nvSpPr>
+          <p:cNvPr id="7" name="Text Box 6"/>
           <p:cNvSpPr txBox="1"/>
           <p:nvPr/>
         </p:nvSpPr>
         <p:spPr>
           <a:xfrm>
-            <a:off x="9312910" y="1945005"/>
-            <a:ext cx="767080" cy="521970"/>
-          </a:xfrm>
-          <a:prstGeom prst="rect">
-            <a:avLst/>
-          </a:prstGeom>
-          <a:noFill/>
-        </p:spPr>
-        <p:txBody>
-          <a:bodyPr wrap="square" rtlCol="0">
-            <a:spAutoFit/>
-          </a:bodyPr>
-          <a:p>
-            <a:r>
-              <a:rPr lang="en-US" sz="2800">
-                <a:solidFill>
-                  <a:schemeClr val="accent6">
-                    <a:lumMod val="60000"/>
-                    <a:lumOff val="40000"/>
-                  </a:schemeClr>
-                </a:solidFill>
-              </a:rPr>
-              <a:t>X3</a:t>
-            </a:r>
-            <a:endParaRPr lang="en-US" sz="2800">
-              <a:solidFill>
-                <a:schemeClr val="accent6">
-                  <a:lumMod val="60000"/>
-                  <a:lumOff val="40000"/>
-                </a:schemeClr>
-              </a:solidFill>
-            </a:endParaRPr>
-          </a:p>
-        </p:txBody>
-      </p:sp>
-      <p:sp>
-        <p:nvSpPr>
-          <p:cNvPr id="29" name="Text Box 28"/>
-          <p:cNvSpPr txBox="1"/>
-          <p:nvPr/>
-        </p:nvSpPr>
-        <p:spPr>
-          <a:xfrm>
-            <a:off x="8024495" y="1019175"/>
+            <a:off x="4465955" y="4829175"/>
             <a:ext cx="572770" cy="521970"/>
           </a:xfrm>
           <a:prstGeom prst="rect">
@@ -8802,7 +11065,7 @@
                   <a:srgbClr val="FF0000"/>
                 </a:solidFill>
               </a:rPr>
-              <a:t>S3</a:t>
+              <a:t>S2</a:t>
             </a:r>
             <a:endParaRPr lang="en-US" sz="2800">
               <a:solidFill>

--- a/finance/chanlun/charts.pptx
+++ b/finance/chanlun/charts.pptx
@@ -5,26 +5,29 @@
     <p:sldMasterId id="2147483648" r:id="rId1"/>
   </p:sldMasterIdLst>
   <p:notesMasterIdLst>
-    <p:notesMasterId r:id="rId17"/>
+    <p:notesMasterId r:id="rId20"/>
   </p:notesMasterIdLst>
   <p:handoutMasterIdLst>
-    <p:handoutMasterId r:id="rId18"/>
+    <p:handoutMasterId r:id="rId21"/>
   </p:handoutMasterIdLst>
   <p:sldIdLst>
     <p:sldId id="256" r:id="rId3"/>
     <p:sldId id="257" r:id="rId4"/>
     <p:sldId id="267" r:id="rId5"/>
     <p:sldId id="258" r:id="rId6"/>
-    <p:sldId id="259" r:id="rId7"/>
-    <p:sldId id="260" r:id="rId8"/>
-    <p:sldId id="261" r:id="rId9"/>
-    <p:sldId id="268" r:id="rId10"/>
-    <p:sldId id="270" r:id="rId11"/>
-    <p:sldId id="262" r:id="rId12"/>
-    <p:sldId id="263" r:id="rId13"/>
-    <p:sldId id="269" r:id="rId14"/>
-    <p:sldId id="265" r:id="rId15"/>
-    <p:sldId id="266" r:id="rId16"/>
+    <p:sldId id="272" r:id="rId7"/>
+    <p:sldId id="273" r:id="rId8"/>
+    <p:sldId id="259" r:id="rId9"/>
+    <p:sldId id="260" r:id="rId10"/>
+    <p:sldId id="261" r:id="rId11"/>
+    <p:sldId id="268" r:id="rId12"/>
+    <p:sldId id="270" r:id="rId13"/>
+    <p:sldId id="262" r:id="rId14"/>
+    <p:sldId id="271" r:id="rId15"/>
+    <p:sldId id="263" r:id="rId16"/>
+    <p:sldId id="269" r:id="rId17"/>
+    <p:sldId id="265" r:id="rId18"/>
+    <p:sldId id="266" r:id="rId19"/>
   </p:sldIdLst>
   <p:sldSz cx="12192000" cy="6858000"/>
   <p:notesSz cx="7103745" cy="10234295"/>
@@ -3824,42 +3827,6 @@
           <a:chExt cx="0" cy="0"/>
         </a:xfrm>
       </p:grpSpPr>
-      <p:cxnSp>
-        <p:nvCxnSpPr>
-          <p:cNvPr id="6" name="Straight Arrow Connector 5"/>
-          <p:cNvCxnSpPr/>
-          <p:nvPr/>
-        </p:nvCxnSpPr>
-        <p:spPr>
-          <a:xfrm flipV="1">
-            <a:off x="3686175" y="1637665"/>
-            <a:ext cx="1141730" cy="1620520"/>
-          </a:xfrm>
-          <a:prstGeom prst="straightConnector1">
-            <a:avLst/>
-          </a:prstGeom>
-          <a:ln w="73025">
-            <a:solidFill>
-              <a:srgbClr val="FF3300"/>
-            </a:solidFill>
-            <a:tailEnd type="arrow"/>
-          </a:ln>
-        </p:spPr>
-        <p:style>
-          <a:lnRef idx="1">
-            <a:schemeClr val="accent1"/>
-          </a:lnRef>
-          <a:fillRef idx="0">
-            <a:schemeClr val="accent1"/>
-          </a:fillRef>
-          <a:effectRef idx="0">
-            <a:schemeClr val="accent1"/>
-          </a:effectRef>
-          <a:fontRef idx="minor">
-            <a:schemeClr val="tx1"/>
-          </a:fontRef>
-        </p:style>
-      </p:cxnSp>
       <p:sp>
         <p:nvSpPr>
           <p:cNvPr id="11" name="Text Box 10"/>
@@ -3868,7 +3835,7 @@
         </p:nvSpPr>
         <p:spPr>
           <a:xfrm>
-            <a:off x="3743960" y="2042795"/>
+            <a:off x="2368550" y="3550920"/>
             <a:ext cx="572770" cy="521970"/>
           </a:xfrm>
           <a:prstGeom prst="rect">
@@ -3905,8 +3872,8 @@
         </p:nvCxnSpPr>
         <p:spPr>
           <a:xfrm flipV="1">
-            <a:off x="5636260" y="2660015"/>
-            <a:ext cx="814705" cy="1616075"/>
+            <a:off x="2223770" y="3592830"/>
+            <a:ext cx="1120140" cy="1120775"/>
           </a:xfrm>
           <a:prstGeom prst="straightConnector1">
             <a:avLst/>
@@ -3941,8 +3908,8 @@
         </p:nvCxnSpPr>
         <p:spPr>
           <a:xfrm>
-            <a:off x="4812030" y="1702435"/>
-            <a:ext cx="824230" cy="2573655"/>
+            <a:off x="1235075" y="2868295"/>
+            <a:ext cx="988695" cy="1845310"/>
           </a:xfrm>
           <a:prstGeom prst="straightConnector1">
             <a:avLst/>
@@ -3974,50 +3941,13 @@
       </p:cxnSp>
       <p:sp>
         <p:nvSpPr>
-          <p:cNvPr id="5" name="Text Box 4"/>
-          <p:cNvSpPr txBox="1"/>
-          <p:nvPr/>
-        </p:nvSpPr>
-        <p:spPr>
-          <a:xfrm>
-            <a:off x="5967095" y="3452495"/>
-            <a:ext cx="572770" cy="521970"/>
-          </a:xfrm>
-          <a:prstGeom prst="rect">
-            <a:avLst/>
-          </a:prstGeom>
-          <a:noFill/>
-        </p:spPr>
-        <p:txBody>
-          <a:bodyPr wrap="square" rtlCol="0">
-            <a:spAutoFit/>
-          </a:bodyPr>
-          <a:p>
-            <a:r>
-              <a:rPr lang="en-US" sz="2800">
-                <a:solidFill>
-                  <a:srgbClr val="FF0000"/>
-                </a:solidFill>
-              </a:rPr>
-              <a:t>S2</a:t>
-            </a:r>
-            <a:endParaRPr lang="en-US" sz="2800">
-              <a:solidFill>
-                <a:srgbClr val="FF0000"/>
-              </a:solidFill>
-            </a:endParaRPr>
-          </a:p>
-        </p:txBody>
-      </p:sp>
-      <p:sp>
-        <p:nvSpPr>
           <p:cNvPr id="12" name="Text Box 11"/>
           <p:cNvSpPr txBox="1"/>
           <p:nvPr/>
         </p:nvSpPr>
         <p:spPr>
           <a:xfrm>
-            <a:off x="5289550" y="2435225"/>
+            <a:off x="1664970" y="3107690"/>
             <a:ext cx="767080" cy="521970"/>
           </a:xfrm>
           <a:prstGeom prst="rect">
@@ -4060,8 +3990,8 @@
         </p:nvCxnSpPr>
         <p:spPr>
           <a:xfrm>
-            <a:off x="6518275" y="2741295"/>
-            <a:ext cx="1228725" cy="2134870"/>
+            <a:off x="3343910" y="3629660"/>
+            <a:ext cx="906145" cy="1858010"/>
           </a:xfrm>
           <a:prstGeom prst="straightConnector1">
             <a:avLst/>
@@ -4099,7 +4029,7 @@
         </p:nvSpPr>
         <p:spPr>
           <a:xfrm>
-            <a:off x="7151370" y="3258185"/>
+            <a:off x="3698875" y="3892550"/>
             <a:ext cx="767080" cy="521970"/>
           </a:xfrm>
           <a:prstGeom prst="rect">
@@ -4142,8 +4072,8 @@
         </p:nvCxnSpPr>
         <p:spPr>
           <a:xfrm flipV="1">
-            <a:off x="7814310" y="3678555"/>
-            <a:ext cx="852170" cy="1197610"/>
+            <a:off x="4250055" y="3049270"/>
+            <a:ext cx="1614805" cy="2301875"/>
           </a:xfrm>
           <a:prstGeom prst="straightConnector1">
             <a:avLst/>
@@ -4170,54 +4100,15 @@
           </a:fontRef>
         </p:style>
       </p:cxnSp>
-      <p:cxnSp>
-        <p:nvCxnSpPr>
-          <p:cNvPr id="7" name="Straight Arrow Connector 6"/>
-          <p:cNvCxnSpPr/>
-          <p:nvPr/>
-        </p:nvCxnSpPr>
-        <p:spPr>
-          <a:xfrm>
-            <a:off x="8629015" y="3678555"/>
-            <a:ext cx="1228725" cy="2134870"/>
-          </a:xfrm>
-          <a:prstGeom prst="straightConnector1">
-            <a:avLst/>
-          </a:prstGeom>
-          <a:ln w="66675">
-            <a:solidFill>
-              <a:schemeClr val="accent6">
-                <a:lumMod val="60000"/>
-                <a:lumOff val="40000"/>
-              </a:schemeClr>
-            </a:solidFill>
-            <a:tailEnd type="arrow"/>
-          </a:ln>
-        </p:spPr>
-        <p:style>
-          <a:lnRef idx="1">
-            <a:schemeClr val="accent1"/>
-          </a:lnRef>
-          <a:fillRef idx="0">
-            <a:schemeClr val="accent1"/>
-          </a:fillRef>
-          <a:effectRef idx="0">
-            <a:schemeClr val="accent1"/>
-          </a:effectRef>
-          <a:fontRef idx="minor">
-            <a:schemeClr val="tx1"/>
-          </a:fontRef>
-        </p:style>
-      </p:cxnSp>
-      <p:sp>
-        <p:nvSpPr>
-          <p:cNvPr id="8" name="Text Box 7"/>
+      <p:sp>
+        <p:nvSpPr>
+          <p:cNvPr id="7" name="Text Box 6"/>
           <p:cNvSpPr txBox="1"/>
           <p:nvPr/>
         </p:nvSpPr>
         <p:spPr>
           <a:xfrm>
-            <a:off x="7747000" y="3780155"/>
+            <a:off x="4652645" y="3370580"/>
             <a:ext cx="572770" cy="521970"/>
           </a:xfrm>
           <a:prstGeom prst="rect">
@@ -4236,54 +4127,11 @@
                   <a:srgbClr val="FF0000"/>
                 </a:solidFill>
               </a:rPr>
-              <a:t>S3</a:t>
+              <a:t>S2</a:t>
             </a:r>
             <a:endParaRPr lang="en-US" sz="2800">
               <a:solidFill>
                 <a:srgbClr val="FF0000"/>
-              </a:solidFill>
-            </a:endParaRPr>
-          </a:p>
-        </p:txBody>
-      </p:sp>
-      <p:sp>
-        <p:nvSpPr>
-          <p:cNvPr id="9" name="Text Box 8"/>
-          <p:cNvSpPr txBox="1"/>
-          <p:nvPr/>
-        </p:nvSpPr>
-        <p:spPr>
-          <a:xfrm>
-            <a:off x="9437370" y="4276090"/>
-            <a:ext cx="767080" cy="521970"/>
-          </a:xfrm>
-          <a:prstGeom prst="rect">
-            <a:avLst/>
-          </a:prstGeom>
-          <a:noFill/>
-        </p:spPr>
-        <p:txBody>
-          <a:bodyPr wrap="square" rtlCol="0">
-            <a:spAutoFit/>
-          </a:bodyPr>
-          <a:p>
-            <a:r>
-              <a:rPr lang="en-US" sz="2800">
-                <a:solidFill>
-                  <a:schemeClr val="accent6">
-                    <a:lumMod val="60000"/>
-                    <a:lumOff val="40000"/>
-                  </a:schemeClr>
-                </a:solidFill>
-              </a:rPr>
-              <a:t>X3</a:t>
-            </a:r>
-            <a:endParaRPr lang="en-US" sz="2800">
-              <a:solidFill>
-                <a:schemeClr val="accent6">
-                  <a:lumMod val="60000"/>
-                  <a:lumOff val="40000"/>
-                </a:schemeClr>
               </a:solidFill>
             </a:endParaRPr>
           </a:p>
@@ -4314,42 +4162,6 @@
           <a:chExt cx="0" cy="0"/>
         </a:xfrm>
       </p:grpSpPr>
-      <p:cxnSp>
-        <p:nvCxnSpPr>
-          <p:cNvPr id="6" name="Straight Arrow Connector 5"/>
-          <p:cNvCxnSpPr/>
-          <p:nvPr/>
-        </p:nvCxnSpPr>
-        <p:spPr>
-          <a:xfrm flipV="1">
-            <a:off x="404495" y="1653540"/>
-            <a:ext cx="1141730" cy="1620520"/>
-          </a:xfrm>
-          <a:prstGeom prst="straightConnector1">
-            <a:avLst/>
-          </a:prstGeom>
-          <a:ln w="73025">
-            <a:solidFill>
-              <a:srgbClr val="FF3300"/>
-            </a:solidFill>
-            <a:tailEnd type="arrow"/>
-          </a:ln>
-        </p:spPr>
-        <p:style>
-          <a:lnRef idx="1">
-            <a:schemeClr val="accent1"/>
-          </a:lnRef>
-          <a:fillRef idx="0">
-            <a:schemeClr val="accent1"/>
-          </a:fillRef>
-          <a:effectRef idx="0">
-            <a:schemeClr val="accent1"/>
-          </a:effectRef>
-          <a:fontRef idx="minor">
-            <a:schemeClr val="tx1"/>
-          </a:fontRef>
-        </p:style>
-      </p:cxnSp>
       <p:sp>
         <p:nvSpPr>
           <p:cNvPr id="11" name="Text Box 10"/>
@@ -4358,7 +4170,7 @@
         </p:nvSpPr>
         <p:spPr>
           <a:xfrm>
-            <a:off x="462280" y="2058670"/>
+            <a:off x="2368550" y="3550920"/>
             <a:ext cx="572770" cy="521970"/>
           </a:xfrm>
           <a:prstGeom prst="rect">
@@ -4395,8 +4207,8 @@
         </p:nvCxnSpPr>
         <p:spPr>
           <a:xfrm flipV="1">
-            <a:off x="1951990" y="1247775"/>
-            <a:ext cx="814705" cy="1616075"/>
+            <a:off x="2223770" y="3592830"/>
+            <a:ext cx="1120140" cy="1120775"/>
           </a:xfrm>
           <a:prstGeom prst="straightConnector1">
             <a:avLst/>
@@ -4431,8 +4243,8 @@
         </p:nvCxnSpPr>
         <p:spPr>
           <a:xfrm>
-            <a:off x="1530350" y="1718310"/>
-            <a:ext cx="421640" cy="1259205"/>
+            <a:off x="1235075" y="2868295"/>
+            <a:ext cx="988695" cy="1845310"/>
           </a:xfrm>
           <a:prstGeom prst="straightConnector1">
             <a:avLst/>
@@ -4464,50 +4276,13 @@
       </p:cxnSp>
       <p:sp>
         <p:nvSpPr>
-          <p:cNvPr id="5" name="Text Box 4"/>
-          <p:cNvSpPr txBox="1"/>
-          <p:nvPr/>
-        </p:nvSpPr>
-        <p:spPr>
-          <a:xfrm>
-            <a:off x="2882265" y="1510665"/>
-            <a:ext cx="572770" cy="521970"/>
-          </a:xfrm>
-          <a:prstGeom prst="rect">
-            <a:avLst/>
-          </a:prstGeom>
-          <a:noFill/>
-        </p:spPr>
-        <p:txBody>
-          <a:bodyPr wrap="square" rtlCol="0">
-            <a:spAutoFit/>
-          </a:bodyPr>
-          <a:p>
-            <a:r>
-              <a:rPr lang="en-US" sz="2800">
-                <a:solidFill>
-                  <a:srgbClr val="FF0000"/>
-                </a:solidFill>
-              </a:rPr>
-              <a:t>S2</a:t>
-            </a:r>
-            <a:endParaRPr lang="en-US" sz="2800">
-              <a:solidFill>
-                <a:srgbClr val="FF0000"/>
-              </a:solidFill>
-            </a:endParaRPr>
-          </a:p>
-        </p:txBody>
-      </p:sp>
-      <p:sp>
-        <p:nvSpPr>
           <p:cNvPr id="12" name="Text Box 11"/>
           <p:cNvSpPr txBox="1"/>
           <p:nvPr/>
         </p:nvSpPr>
         <p:spPr>
           <a:xfrm>
-            <a:off x="1184910" y="2752090"/>
+            <a:off x="1664970" y="3107690"/>
             <a:ext cx="767080" cy="521970"/>
           </a:xfrm>
           <a:prstGeom prst="rect">
@@ -4544,123 +4319,14 @@
       </p:sp>
       <p:cxnSp>
         <p:nvCxnSpPr>
-          <p:cNvPr id="10" name="Straight Arrow Connector 9"/>
+          <p:cNvPr id="14" name="Straight Arrow Connector 13"/>
           <p:cNvCxnSpPr/>
           <p:nvPr/>
         </p:nvCxnSpPr>
         <p:spPr>
-          <a:xfrm flipV="1">
-            <a:off x="3879215" y="2715895"/>
-            <a:ext cx="1141730" cy="1620520"/>
-          </a:xfrm>
-          <a:prstGeom prst="straightConnector1">
-            <a:avLst/>
-          </a:prstGeom>
-          <a:ln w="73025">
-            <a:solidFill>
-              <a:srgbClr val="FF3300"/>
-            </a:solidFill>
-            <a:tailEnd type="arrow"/>
-          </a:ln>
-        </p:spPr>
-        <p:style>
-          <a:lnRef idx="1">
-            <a:schemeClr val="accent1"/>
-          </a:lnRef>
-          <a:fillRef idx="0">
-            <a:schemeClr val="accent1"/>
-          </a:fillRef>
-          <a:effectRef idx="0">
-            <a:schemeClr val="accent1"/>
-          </a:effectRef>
-          <a:fontRef idx="minor">
-            <a:schemeClr val="tx1"/>
-          </a:fontRef>
-        </p:style>
-      </p:cxnSp>
-      <p:sp>
-        <p:nvSpPr>
-          <p:cNvPr id="13" name="Text Box 12"/>
-          <p:cNvSpPr txBox="1"/>
-          <p:nvPr/>
-        </p:nvSpPr>
-        <p:spPr>
-          <a:xfrm>
-            <a:off x="3937000" y="3121025"/>
-            <a:ext cx="572770" cy="521970"/>
-          </a:xfrm>
-          <a:prstGeom prst="rect">
-            <a:avLst/>
-          </a:prstGeom>
-          <a:noFill/>
-        </p:spPr>
-        <p:txBody>
-          <a:bodyPr wrap="square" rtlCol="0">
-            <a:spAutoFit/>
-          </a:bodyPr>
-          <a:p>
-            <a:r>
-              <a:rPr lang="en-US" sz="2800">
-                <a:solidFill>
-                  <a:srgbClr val="FF0000"/>
-                </a:solidFill>
-              </a:rPr>
-              <a:t>S1</a:t>
-            </a:r>
-            <a:endParaRPr lang="en-US" sz="2800">
-              <a:solidFill>
-                <a:srgbClr val="FF0000"/>
-              </a:solidFill>
-            </a:endParaRPr>
-          </a:p>
-        </p:txBody>
-      </p:sp>
-      <p:cxnSp>
-        <p:nvCxnSpPr>
-          <p:cNvPr id="16" name="Straight Arrow Connector 15"/>
-          <p:cNvCxnSpPr/>
-          <p:nvPr/>
-        </p:nvCxnSpPr>
-        <p:spPr>
-          <a:xfrm flipV="1">
-            <a:off x="5426710" y="2310130"/>
-            <a:ext cx="814705" cy="1616075"/>
-          </a:xfrm>
-          <a:prstGeom prst="straightConnector1">
-            <a:avLst/>
-          </a:prstGeom>
-          <a:ln w="73025">
-            <a:solidFill>
-              <a:srgbClr val="FF3300"/>
-            </a:solidFill>
-            <a:tailEnd type="arrow"/>
-          </a:ln>
-        </p:spPr>
-        <p:style>
-          <a:lnRef idx="1">
-            <a:schemeClr val="accent1"/>
-          </a:lnRef>
-          <a:fillRef idx="0">
-            <a:schemeClr val="accent1"/>
-          </a:fillRef>
-          <a:effectRef idx="0">
-            <a:schemeClr val="accent1"/>
-          </a:effectRef>
-          <a:fontRef idx="minor">
-            <a:schemeClr val="tx1"/>
-          </a:fontRef>
-        </p:style>
-      </p:cxnSp>
-      <p:cxnSp>
-        <p:nvCxnSpPr>
-          <p:cNvPr id="17" name="Straight Arrow Connector 16"/>
-          <p:cNvCxnSpPr/>
-          <p:nvPr/>
-        </p:nvCxnSpPr>
-        <p:spPr>
-          <a:xfrm>
-            <a:off x="5005070" y="2780665"/>
-            <a:ext cx="421640" cy="1259205"/>
+          <a:xfrm>
+            <a:off x="3343910" y="3629660"/>
+            <a:ext cx="906145" cy="1858010"/>
           </a:xfrm>
           <a:prstGeom prst="straightConnector1">
             <a:avLst/>
@@ -4692,132 +4358,13 @@
       </p:cxnSp>
       <p:sp>
         <p:nvSpPr>
-          <p:cNvPr id="18" name="Text Box 17"/>
+          <p:cNvPr id="15" name="Text Box 14"/>
           <p:cNvSpPr txBox="1"/>
           <p:nvPr/>
         </p:nvSpPr>
         <p:spPr>
           <a:xfrm>
-            <a:off x="5344795" y="2230120"/>
-            <a:ext cx="572770" cy="521970"/>
-          </a:xfrm>
-          <a:prstGeom prst="rect">
-            <a:avLst/>
-          </a:prstGeom>
-          <a:noFill/>
-        </p:spPr>
-        <p:txBody>
-          <a:bodyPr wrap="square" rtlCol="0">
-            <a:spAutoFit/>
-          </a:bodyPr>
-          <a:p>
-            <a:r>
-              <a:rPr lang="en-US" sz="2800">
-                <a:solidFill>
-                  <a:srgbClr val="FF0000"/>
-                </a:solidFill>
-              </a:rPr>
-              <a:t>S2</a:t>
-            </a:r>
-            <a:endParaRPr lang="en-US" sz="2800">
-              <a:solidFill>
-                <a:srgbClr val="FF0000"/>
-              </a:solidFill>
-            </a:endParaRPr>
-          </a:p>
-        </p:txBody>
-      </p:sp>
-      <p:sp>
-        <p:nvSpPr>
-          <p:cNvPr id="19" name="Text Box 18"/>
-          <p:cNvSpPr txBox="1"/>
-          <p:nvPr/>
-        </p:nvSpPr>
-        <p:spPr>
-          <a:xfrm>
-            <a:off x="4659630" y="3814445"/>
-            <a:ext cx="767080" cy="521970"/>
-          </a:xfrm>
-          <a:prstGeom prst="rect">
-            <a:avLst/>
-          </a:prstGeom>
-          <a:noFill/>
-        </p:spPr>
-        <p:txBody>
-          <a:bodyPr wrap="square" rtlCol="0">
-            <a:spAutoFit/>
-          </a:bodyPr>
-          <a:p>
-            <a:r>
-              <a:rPr lang="en-US" sz="2800">
-                <a:solidFill>
-                  <a:schemeClr val="accent6">
-                    <a:lumMod val="60000"/>
-                    <a:lumOff val="40000"/>
-                  </a:schemeClr>
-                </a:solidFill>
-              </a:rPr>
-              <a:t>X1</a:t>
-            </a:r>
-            <a:endParaRPr lang="en-US" sz="2800">
-              <a:solidFill>
-                <a:schemeClr val="accent6">
-                  <a:lumMod val="60000"/>
-                  <a:lumOff val="40000"/>
-                </a:schemeClr>
-              </a:solidFill>
-            </a:endParaRPr>
-          </a:p>
-        </p:txBody>
-      </p:sp>
-      <p:cxnSp>
-        <p:nvCxnSpPr>
-          <p:cNvPr id="20" name="Straight Arrow Connector 19"/>
-          <p:cNvCxnSpPr/>
-          <p:nvPr/>
-        </p:nvCxnSpPr>
-        <p:spPr>
-          <a:xfrm>
-            <a:off x="6241415" y="2364105"/>
-            <a:ext cx="305435" cy="1039495"/>
-          </a:xfrm>
-          <a:prstGeom prst="straightConnector1">
-            <a:avLst/>
-          </a:prstGeom>
-          <a:ln w="66675">
-            <a:solidFill>
-              <a:schemeClr val="accent6">
-                <a:lumMod val="60000"/>
-                <a:lumOff val="40000"/>
-              </a:schemeClr>
-            </a:solidFill>
-            <a:tailEnd type="arrow"/>
-          </a:ln>
-        </p:spPr>
-        <p:style>
-          <a:lnRef idx="1">
-            <a:schemeClr val="accent1"/>
-          </a:lnRef>
-          <a:fillRef idx="0">
-            <a:schemeClr val="accent1"/>
-          </a:fillRef>
-          <a:effectRef idx="0">
-            <a:schemeClr val="accent1"/>
-          </a:effectRef>
-          <a:fontRef idx="minor">
-            <a:schemeClr val="tx1"/>
-          </a:fontRef>
-        </p:style>
-      </p:cxnSp>
-      <p:sp>
-        <p:nvSpPr>
-          <p:cNvPr id="21" name="Text Box 20"/>
-          <p:cNvSpPr txBox="1"/>
-          <p:nvPr/>
-        </p:nvSpPr>
-        <p:spPr>
-          <a:xfrm>
-            <a:off x="6546850" y="2580640"/>
+            <a:off x="3698875" y="3892550"/>
             <a:ext cx="767080" cy="521970"/>
           </a:xfrm>
           <a:prstGeom prst="rect">
@@ -4854,14 +4401,14 @@
       </p:sp>
       <p:cxnSp>
         <p:nvCxnSpPr>
-          <p:cNvPr id="22" name="Straight Arrow Connector 21"/>
+          <p:cNvPr id="3" name="Straight Arrow Connector 2"/>
           <p:cNvCxnSpPr/>
           <p:nvPr/>
         </p:nvCxnSpPr>
         <p:spPr>
           <a:xfrm flipV="1">
-            <a:off x="7529830" y="3699510"/>
-            <a:ext cx="771525" cy="1037590"/>
+            <a:off x="4250055" y="4351020"/>
+            <a:ext cx="708660" cy="1000125"/>
           </a:xfrm>
           <a:prstGeom prst="straightConnector1">
             <a:avLst/>
@@ -4888,97 +4435,15 @@
           </a:fontRef>
         </p:style>
       </p:cxnSp>
-      <p:cxnSp>
-        <p:nvCxnSpPr>
-          <p:cNvPr id="23" name="Straight Arrow Connector 22"/>
-          <p:cNvCxnSpPr/>
-          <p:nvPr/>
-        </p:nvCxnSpPr>
-        <p:spPr>
-          <a:xfrm>
-            <a:off x="8295005" y="3814445"/>
-            <a:ext cx="764540" cy="2324735"/>
-          </a:xfrm>
-          <a:prstGeom prst="straightConnector1">
-            <a:avLst/>
-          </a:prstGeom>
-          <a:ln w="66675">
-            <a:solidFill>
-              <a:schemeClr val="accent6">
-                <a:lumMod val="60000"/>
-                <a:lumOff val="40000"/>
-              </a:schemeClr>
-            </a:solidFill>
-            <a:tailEnd type="arrow"/>
-          </a:ln>
-        </p:spPr>
-        <p:style>
-          <a:lnRef idx="1">
-            <a:schemeClr val="accent1"/>
-          </a:lnRef>
-          <a:fillRef idx="0">
-            <a:schemeClr val="accent1"/>
-          </a:fillRef>
-          <a:effectRef idx="0">
-            <a:schemeClr val="accent1"/>
-          </a:effectRef>
-          <a:fontRef idx="minor">
-            <a:schemeClr val="tx1"/>
-          </a:fontRef>
-        </p:style>
-      </p:cxnSp>
-      <p:sp>
-        <p:nvSpPr>
-          <p:cNvPr id="24" name="Text Box 23"/>
+      <p:sp>
+        <p:nvSpPr>
+          <p:cNvPr id="7" name="Text Box 6"/>
           <p:cNvSpPr txBox="1"/>
           <p:nvPr/>
         </p:nvSpPr>
         <p:spPr>
           <a:xfrm>
-            <a:off x="8955405" y="5130800"/>
-            <a:ext cx="767080" cy="521970"/>
-          </a:xfrm>
-          <a:prstGeom prst="rect">
-            <a:avLst/>
-          </a:prstGeom>
-          <a:noFill/>
-        </p:spPr>
-        <p:txBody>
-          <a:bodyPr wrap="square" rtlCol="0">
-            <a:spAutoFit/>
-          </a:bodyPr>
-          <a:p>
-            <a:r>
-              <a:rPr lang="en-US" sz="2800">
-                <a:solidFill>
-                  <a:schemeClr val="accent6">
-                    <a:lumMod val="60000"/>
-                    <a:lumOff val="40000"/>
-                  </a:schemeClr>
-                </a:solidFill>
-              </a:rPr>
-              <a:t>X3</a:t>
-            </a:r>
-            <a:endParaRPr lang="en-US" sz="2800">
-              <a:solidFill>
-                <a:schemeClr val="accent6">
-                  <a:lumMod val="60000"/>
-                  <a:lumOff val="40000"/>
-                </a:schemeClr>
-              </a:solidFill>
-            </a:endParaRPr>
-          </a:p>
-        </p:txBody>
-      </p:sp>
-      <p:sp>
-        <p:nvSpPr>
-          <p:cNvPr id="25" name="Text Box 24"/>
-          <p:cNvSpPr txBox="1"/>
-          <p:nvPr/>
-        </p:nvSpPr>
-        <p:spPr>
-          <a:xfrm>
-            <a:off x="7853680" y="4336415"/>
+            <a:off x="4465955" y="4829175"/>
             <a:ext cx="572770" cy="521970"/>
           </a:xfrm>
           <a:prstGeom prst="rect">
@@ -4997,7 +4462,7 @@
                   <a:srgbClr val="FF0000"/>
                 </a:solidFill>
               </a:rPr>
-              <a:t>S3</a:t>
+              <a:t>S2</a:t>
             </a:r>
             <a:endParaRPr lang="en-US" sz="2800">
               <a:solidFill>
@@ -5040,7 +4505,7 @@
         </p:nvCxnSpPr>
         <p:spPr>
           <a:xfrm flipV="1">
-            <a:off x="404495" y="1653540"/>
+            <a:off x="3686175" y="1637665"/>
             <a:ext cx="1141730" cy="1620520"/>
           </a:xfrm>
           <a:prstGeom prst="straightConnector1">
@@ -5076,7 +4541,7 @@
         </p:nvSpPr>
         <p:spPr>
           <a:xfrm>
-            <a:off x="462280" y="2058670"/>
+            <a:off x="3743960" y="2042795"/>
             <a:ext cx="572770" cy="521970"/>
           </a:xfrm>
           <a:prstGeom prst="rect">
@@ -5113,7 +4578,7 @@
         </p:nvCxnSpPr>
         <p:spPr>
           <a:xfrm flipV="1">
-            <a:off x="1951990" y="1247775"/>
+            <a:off x="5636260" y="2660015"/>
             <a:ext cx="814705" cy="1616075"/>
           </a:xfrm>
           <a:prstGeom prst="straightConnector1">
@@ -5149,8 +4614,8 @@
         </p:nvCxnSpPr>
         <p:spPr>
           <a:xfrm>
-            <a:off x="1530350" y="1718310"/>
-            <a:ext cx="421640" cy="1259205"/>
+            <a:off x="4812030" y="1702435"/>
+            <a:ext cx="824230" cy="2573655"/>
           </a:xfrm>
           <a:prstGeom prst="straightConnector1">
             <a:avLst/>
@@ -5188,7 +4653,7 @@
         </p:nvSpPr>
         <p:spPr>
           <a:xfrm>
-            <a:off x="2882265" y="1510665"/>
+            <a:off x="5967095" y="3452495"/>
             <a:ext cx="572770" cy="521970"/>
           </a:xfrm>
           <a:prstGeom prst="rect">
@@ -5225,7 +4690,7 @@
         </p:nvSpPr>
         <p:spPr>
           <a:xfrm>
-            <a:off x="1184910" y="2752090"/>
+            <a:off x="5289550" y="2435225"/>
             <a:ext cx="767080" cy="521970"/>
           </a:xfrm>
           <a:prstGeom prst="rect">
@@ -5262,123 +4727,14 @@
       </p:sp>
       <p:cxnSp>
         <p:nvCxnSpPr>
-          <p:cNvPr id="10" name="Straight Arrow Connector 9"/>
+          <p:cNvPr id="14" name="Straight Arrow Connector 13"/>
           <p:cNvCxnSpPr/>
           <p:nvPr/>
         </p:nvCxnSpPr>
         <p:spPr>
-          <a:xfrm flipV="1">
-            <a:off x="3879215" y="2715895"/>
-            <a:ext cx="1141730" cy="1620520"/>
-          </a:xfrm>
-          <a:prstGeom prst="straightConnector1">
-            <a:avLst/>
-          </a:prstGeom>
-          <a:ln w="73025">
-            <a:solidFill>
-              <a:srgbClr val="FF3300"/>
-            </a:solidFill>
-            <a:tailEnd type="arrow"/>
-          </a:ln>
-        </p:spPr>
-        <p:style>
-          <a:lnRef idx="1">
-            <a:schemeClr val="accent1"/>
-          </a:lnRef>
-          <a:fillRef idx="0">
-            <a:schemeClr val="accent1"/>
-          </a:fillRef>
-          <a:effectRef idx="0">
-            <a:schemeClr val="accent1"/>
-          </a:effectRef>
-          <a:fontRef idx="minor">
-            <a:schemeClr val="tx1"/>
-          </a:fontRef>
-        </p:style>
-      </p:cxnSp>
-      <p:sp>
-        <p:nvSpPr>
-          <p:cNvPr id="13" name="Text Box 12"/>
-          <p:cNvSpPr txBox="1"/>
-          <p:nvPr/>
-        </p:nvSpPr>
-        <p:spPr>
-          <a:xfrm>
-            <a:off x="3937000" y="3121025"/>
-            <a:ext cx="572770" cy="521970"/>
-          </a:xfrm>
-          <a:prstGeom prst="rect">
-            <a:avLst/>
-          </a:prstGeom>
-          <a:noFill/>
-        </p:spPr>
-        <p:txBody>
-          <a:bodyPr wrap="square" rtlCol="0">
-            <a:spAutoFit/>
-          </a:bodyPr>
-          <a:p>
-            <a:r>
-              <a:rPr lang="en-US" sz="2800">
-                <a:solidFill>
-                  <a:srgbClr val="FF0000"/>
-                </a:solidFill>
-              </a:rPr>
-              <a:t>S1</a:t>
-            </a:r>
-            <a:endParaRPr lang="en-US" sz="2800">
-              <a:solidFill>
-                <a:srgbClr val="FF0000"/>
-              </a:solidFill>
-            </a:endParaRPr>
-          </a:p>
-        </p:txBody>
-      </p:sp>
-      <p:cxnSp>
-        <p:nvCxnSpPr>
-          <p:cNvPr id="16" name="Straight Arrow Connector 15"/>
-          <p:cNvCxnSpPr/>
-          <p:nvPr/>
-        </p:nvCxnSpPr>
-        <p:spPr>
-          <a:xfrm flipV="1">
-            <a:off x="5426710" y="2310130"/>
-            <a:ext cx="814705" cy="1616075"/>
-          </a:xfrm>
-          <a:prstGeom prst="straightConnector1">
-            <a:avLst/>
-          </a:prstGeom>
-          <a:ln w="73025">
-            <a:solidFill>
-              <a:srgbClr val="FF3300"/>
-            </a:solidFill>
-            <a:tailEnd type="arrow"/>
-          </a:ln>
-        </p:spPr>
-        <p:style>
-          <a:lnRef idx="1">
-            <a:schemeClr val="accent1"/>
-          </a:lnRef>
-          <a:fillRef idx="0">
-            <a:schemeClr val="accent1"/>
-          </a:fillRef>
-          <a:effectRef idx="0">
-            <a:schemeClr val="accent1"/>
-          </a:effectRef>
-          <a:fontRef idx="minor">
-            <a:schemeClr val="tx1"/>
-          </a:fontRef>
-        </p:style>
-      </p:cxnSp>
-      <p:cxnSp>
-        <p:nvCxnSpPr>
-          <p:cNvPr id="17" name="Straight Arrow Connector 16"/>
-          <p:cNvCxnSpPr/>
-          <p:nvPr/>
-        </p:nvCxnSpPr>
-        <p:spPr>
-          <a:xfrm>
-            <a:off x="5005070" y="2780665"/>
-            <a:ext cx="421640" cy="1259205"/>
+          <a:xfrm>
+            <a:off x="6518275" y="2741295"/>
+            <a:ext cx="1228725" cy="2134870"/>
           </a:xfrm>
           <a:prstGeom prst="straightConnector1">
             <a:avLst/>
@@ -5410,50 +4766,13 @@
       </p:cxnSp>
       <p:sp>
         <p:nvSpPr>
-          <p:cNvPr id="18" name="Text Box 17"/>
+          <p:cNvPr id="15" name="Text Box 14"/>
           <p:cNvSpPr txBox="1"/>
           <p:nvPr/>
         </p:nvSpPr>
         <p:spPr>
           <a:xfrm>
-            <a:off x="5344795" y="2230120"/>
-            <a:ext cx="572770" cy="521970"/>
-          </a:xfrm>
-          <a:prstGeom prst="rect">
-            <a:avLst/>
-          </a:prstGeom>
-          <a:noFill/>
-        </p:spPr>
-        <p:txBody>
-          <a:bodyPr wrap="square" rtlCol="0">
-            <a:spAutoFit/>
-          </a:bodyPr>
-          <a:p>
-            <a:r>
-              <a:rPr lang="en-US" sz="2800">
-                <a:solidFill>
-                  <a:srgbClr val="FF0000"/>
-                </a:solidFill>
-              </a:rPr>
-              <a:t>S2</a:t>
-            </a:r>
-            <a:endParaRPr lang="en-US" sz="2800">
-              <a:solidFill>
-                <a:srgbClr val="FF0000"/>
-              </a:solidFill>
-            </a:endParaRPr>
-          </a:p>
-        </p:txBody>
-      </p:sp>
-      <p:sp>
-        <p:nvSpPr>
-          <p:cNvPr id="19" name="Text Box 18"/>
-          <p:cNvSpPr txBox="1"/>
-          <p:nvPr/>
-        </p:nvSpPr>
-        <p:spPr>
-          <a:xfrm>
-            <a:off x="4659630" y="3814445"/>
+            <a:off x="7151370" y="3258185"/>
             <a:ext cx="767080" cy="521970"/>
           </a:xfrm>
           <a:prstGeom prst="rect">
@@ -5475,7 +4794,7 @@
                   </a:schemeClr>
                 </a:solidFill>
               </a:rPr>
-              <a:t>X1</a:t>
+              <a:t>X2</a:t>
             </a:r>
             <a:endParaRPr lang="en-US" sz="2800">
               <a:solidFill>
@@ -5490,14 +4809,50 @@
       </p:sp>
       <p:cxnSp>
         <p:nvCxnSpPr>
-          <p:cNvPr id="20" name="Straight Arrow Connector 19"/>
+          <p:cNvPr id="3" name="Straight Arrow Connector 2"/>
           <p:cNvCxnSpPr/>
           <p:nvPr/>
         </p:nvCxnSpPr>
         <p:spPr>
-          <a:xfrm>
-            <a:off x="6241415" y="2364105"/>
-            <a:ext cx="305435" cy="1039495"/>
+          <a:xfrm flipV="1">
+            <a:off x="7814310" y="3678555"/>
+            <a:ext cx="852170" cy="1197610"/>
+          </a:xfrm>
+          <a:prstGeom prst="straightConnector1">
+            <a:avLst/>
+          </a:prstGeom>
+          <a:ln w="73025">
+            <a:solidFill>
+              <a:srgbClr val="FF3300"/>
+            </a:solidFill>
+            <a:tailEnd type="arrow"/>
+          </a:ln>
+        </p:spPr>
+        <p:style>
+          <a:lnRef idx="1">
+            <a:schemeClr val="accent1"/>
+          </a:lnRef>
+          <a:fillRef idx="0">
+            <a:schemeClr val="accent1"/>
+          </a:fillRef>
+          <a:effectRef idx="0">
+            <a:schemeClr val="accent1"/>
+          </a:effectRef>
+          <a:fontRef idx="minor">
+            <a:schemeClr val="tx1"/>
+          </a:fontRef>
+        </p:style>
+      </p:cxnSp>
+      <p:cxnSp>
+        <p:nvCxnSpPr>
+          <p:cNvPr id="7" name="Straight Arrow Connector 6"/>
+          <p:cNvCxnSpPr/>
+          <p:nvPr/>
+        </p:nvCxnSpPr>
+        <p:spPr>
+          <a:xfrm>
+            <a:off x="8629015" y="3678555"/>
+            <a:ext cx="1228725" cy="2134870"/>
           </a:xfrm>
           <a:prstGeom prst="straightConnector1">
             <a:avLst/>
@@ -5529,14 +4884,14 @@
       </p:cxnSp>
       <p:sp>
         <p:nvSpPr>
-          <p:cNvPr id="21" name="Text Box 20"/>
+          <p:cNvPr id="8" name="Text Box 7"/>
           <p:cNvSpPr txBox="1"/>
           <p:nvPr/>
         </p:nvSpPr>
         <p:spPr>
           <a:xfrm>
-            <a:off x="6546850" y="2580640"/>
-            <a:ext cx="767080" cy="521970"/>
+            <a:off x="7747000" y="3780155"/>
+            <a:ext cx="572770" cy="521970"/>
           </a:xfrm>
           <a:prstGeom prst="rect">
             <a:avLst/>
@@ -5551,109 +4906,28 @@
             <a:r>
               <a:rPr lang="en-US" sz="2800">
                 <a:solidFill>
-                  <a:schemeClr val="accent6">
-                    <a:lumMod val="60000"/>
-                    <a:lumOff val="40000"/>
-                  </a:schemeClr>
+                  <a:srgbClr val="FF0000"/>
                 </a:solidFill>
               </a:rPr>
-              <a:t>X2</a:t>
+              <a:t>S3</a:t>
             </a:r>
             <a:endParaRPr lang="en-US" sz="2800">
               <a:solidFill>
-                <a:schemeClr val="accent6">
-                  <a:lumMod val="60000"/>
-                  <a:lumOff val="40000"/>
-                </a:schemeClr>
+                <a:srgbClr val="FF0000"/>
               </a:solidFill>
             </a:endParaRPr>
           </a:p>
         </p:txBody>
       </p:sp>
-      <p:cxnSp>
-        <p:nvCxnSpPr>
-          <p:cNvPr id="22" name="Straight Arrow Connector 21"/>
-          <p:cNvCxnSpPr/>
-          <p:nvPr/>
-        </p:nvCxnSpPr>
-        <p:spPr>
-          <a:xfrm flipV="1">
-            <a:off x="7529830" y="3699510"/>
-            <a:ext cx="771525" cy="1037590"/>
-          </a:xfrm>
-          <a:prstGeom prst="straightConnector1">
-            <a:avLst/>
-          </a:prstGeom>
-          <a:ln w="73025">
-            <a:solidFill>
-              <a:srgbClr val="FF3300"/>
-            </a:solidFill>
-            <a:tailEnd type="arrow"/>
-          </a:ln>
-        </p:spPr>
-        <p:style>
-          <a:lnRef idx="1">
-            <a:schemeClr val="accent1"/>
-          </a:lnRef>
-          <a:fillRef idx="0">
-            <a:schemeClr val="accent1"/>
-          </a:fillRef>
-          <a:effectRef idx="0">
-            <a:schemeClr val="accent1"/>
-          </a:effectRef>
-          <a:fontRef idx="minor">
-            <a:schemeClr val="tx1"/>
-          </a:fontRef>
-        </p:style>
-      </p:cxnSp>
-      <p:cxnSp>
-        <p:nvCxnSpPr>
-          <p:cNvPr id="23" name="Straight Arrow Connector 22"/>
-          <p:cNvCxnSpPr/>
-          <p:nvPr/>
-        </p:nvCxnSpPr>
-        <p:spPr>
-          <a:xfrm>
-            <a:off x="8295005" y="3814445"/>
-            <a:ext cx="764540" cy="2324735"/>
-          </a:xfrm>
-          <a:prstGeom prst="straightConnector1">
-            <a:avLst/>
-          </a:prstGeom>
-          <a:ln w="66675">
-            <a:solidFill>
-              <a:schemeClr val="accent6">
-                <a:lumMod val="60000"/>
-                <a:lumOff val="40000"/>
-              </a:schemeClr>
-            </a:solidFill>
-            <a:tailEnd type="arrow"/>
-          </a:ln>
-        </p:spPr>
-        <p:style>
-          <a:lnRef idx="1">
-            <a:schemeClr val="accent1"/>
-          </a:lnRef>
-          <a:fillRef idx="0">
-            <a:schemeClr val="accent1"/>
-          </a:fillRef>
-          <a:effectRef idx="0">
-            <a:schemeClr val="accent1"/>
-          </a:effectRef>
-          <a:fontRef idx="minor">
-            <a:schemeClr val="tx1"/>
-          </a:fontRef>
-        </p:style>
-      </p:cxnSp>
-      <p:sp>
-        <p:nvSpPr>
-          <p:cNvPr id="24" name="Text Box 23"/>
+      <p:sp>
+        <p:nvSpPr>
+          <p:cNvPr id="9" name="Text Box 8"/>
           <p:cNvSpPr txBox="1"/>
           <p:nvPr/>
         </p:nvSpPr>
         <p:spPr>
           <a:xfrm>
-            <a:off x="8955405" y="5130800"/>
+            <a:off x="9437370" y="4276090"/>
             <a:ext cx="767080" cy="521970"/>
           </a:xfrm>
           <a:prstGeom prst="rect">
@@ -5683,43 +4957,6 @@
                   <a:lumMod val="60000"/>
                   <a:lumOff val="40000"/>
                 </a:schemeClr>
-              </a:solidFill>
-            </a:endParaRPr>
-          </a:p>
-        </p:txBody>
-      </p:sp>
-      <p:sp>
-        <p:nvSpPr>
-          <p:cNvPr id="25" name="Text Box 24"/>
-          <p:cNvSpPr txBox="1"/>
-          <p:nvPr/>
-        </p:nvSpPr>
-        <p:spPr>
-          <a:xfrm>
-            <a:off x="7853680" y="4336415"/>
-            <a:ext cx="572770" cy="521970"/>
-          </a:xfrm>
-          <a:prstGeom prst="rect">
-            <a:avLst/>
-          </a:prstGeom>
-          <a:noFill/>
-        </p:spPr>
-        <p:txBody>
-          <a:bodyPr wrap="square" rtlCol="0">
-            <a:spAutoFit/>
-          </a:bodyPr>
-          <a:p>
-            <a:r>
-              <a:rPr lang="en-US" sz="2800">
-                <a:solidFill>
-                  <a:srgbClr val="FF0000"/>
-                </a:solidFill>
-              </a:rPr>
-              <a:t>S3</a:t>
-            </a:r>
-            <a:endParaRPr lang="en-US" sz="2800">
-              <a:solidFill>
-                <a:srgbClr val="FF0000"/>
               </a:solidFill>
             </a:endParaRPr>
           </a:p>
@@ -5752,13 +4989,553 @@
       </p:grpSpPr>
       <p:cxnSp>
         <p:nvCxnSpPr>
+          <p:cNvPr id="6" name="Straight Arrow Connector 5"/>
+          <p:cNvCxnSpPr/>
+          <p:nvPr/>
+        </p:nvCxnSpPr>
+        <p:spPr>
+          <a:xfrm flipV="1">
+            <a:off x="2619375" y="1637665"/>
+            <a:ext cx="2208530" cy="3586480"/>
+          </a:xfrm>
+          <a:prstGeom prst="straightConnector1">
+            <a:avLst/>
+          </a:prstGeom>
+          <a:ln w="73025">
+            <a:solidFill>
+              <a:srgbClr val="FF3300"/>
+            </a:solidFill>
+            <a:tailEnd type="arrow"/>
+          </a:ln>
+        </p:spPr>
+        <p:style>
+          <a:lnRef idx="1">
+            <a:schemeClr val="accent1"/>
+          </a:lnRef>
+          <a:fillRef idx="0">
+            <a:schemeClr val="accent1"/>
+          </a:fillRef>
+          <a:effectRef idx="0">
+            <a:schemeClr val="accent1"/>
+          </a:effectRef>
+          <a:fontRef idx="minor">
+            <a:schemeClr val="tx1"/>
+          </a:fontRef>
+        </p:style>
+      </p:cxnSp>
+      <p:sp>
+        <p:nvSpPr>
+          <p:cNvPr id="11" name="Text Box 10"/>
+          <p:cNvSpPr txBox="1"/>
+          <p:nvPr/>
+        </p:nvSpPr>
+        <p:spPr>
+          <a:xfrm>
+            <a:off x="2885440" y="2930525"/>
+            <a:ext cx="572770" cy="521970"/>
+          </a:xfrm>
+          <a:prstGeom prst="rect">
+            <a:avLst/>
+          </a:prstGeom>
+          <a:noFill/>
+        </p:spPr>
+        <p:txBody>
+          <a:bodyPr wrap="square" rtlCol="0">
+            <a:spAutoFit/>
+          </a:bodyPr>
+          <a:p>
+            <a:r>
+              <a:rPr lang="en-US" sz="2800">
+                <a:solidFill>
+                  <a:srgbClr val="FF0000"/>
+                </a:solidFill>
+              </a:rPr>
+              <a:t>S1</a:t>
+            </a:r>
+            <a:endParaRPr lang="en-US" sz="2800">
+              <a:solidFill>
+                <a:srgbClr val="FF0000"/>
+              </a:solidFill>
+            </a:endParaRPr>
+          </a:p>
+        </p:txBody>
+      </p:sp>
+      <p:cxnSp>
+        <p:nvCxnSpPr>
+          <p:cNvPr id="2" name="Straight Arrow Connector 1"/>
+          <p:cNvCxnSpPr/>
+          <p:nvPr/>
+        </p:nvCxnSpPr>
+        <p:spPr>
+          <a:xfrm flipV="1">
+            <a:off x="5636260" y="2660015"/>
+            <a:ext cx="814705" cy="1616075"/>
+          </a:xfrm>
+          <a:prstGeom prst="straightConnector1">
+            <a:avLst/>
+          </a:prstGeom>
+          <a:ln w="73025">
+            <a:solidFill>
+              <a:srgbClr val="FF3300"/>
+            </a:solidFill>
+            <a:tailEnd type="arrow"/>
+          </a:ln>
+        </p:spPr>
+        <p:style>
+          <a:lnRef idx="1">
+            <a:schemeClr val="accent1"/>
+          </a:lnRef>
+          <a:fillRef idx="0">
+            <a:schemeClr val="accent1"/>
+          </a:fillRef>
+          <a:effectRef idx="0">
+            <a:schemeClr val="accent1"/>
+          </a:effectRef>
+          <a:fontRef idx="minor">
+            <a:schemeClr val="tx1"/>
+          </a:fontRef>
+        </p:style>
+      </p:cxnSp>
+      <p:cxnSp>
+        <p:nvCxnSpPr>
+          <p:cNvPr id="4" name="Straight Arrow Connector 3"/>
+          <p:cNvCxnSpPr/>
+          <p:nvPr/>
+        </p:nvCxnSpPr>
+        <p:spPr>
+          <a:xfrm>
+            <a:off x="4812030" y="1702435"/>
+            <a:ext cx="824230" cy="2573655"/>
+          </a:xfrm>
+          <a:prstGeom prst="straightConnector1">
+            <a:avLst/>
+          </a:prstGeom>
+          <a:ln w="66675">
+            <a:solidFill>
+              <a:schemeClr val="accent6">
+                <a:lumMod val="60000"/>
+                <a:lumOff val="40000"/>
+              </a:schemeClr>
+            </a:solidFill>
+            <a:tailEnd type="arrow"/>
+          </a:ln>
+        </p:spPr>
+        <p:style>
+          <a:lnRef idx="1">
+            <a:schemeClr val="accent1"/>
+          </a:lnRef>
+          <a:fillRef idx="0">
+            <a:schemeClr val="accent1"/>
+          </a:fillRef>
+          <a:effectRef idx="0">
+            <a:schemeClr val="accent1"/>
+          </a:effectRef>
+          <a:fontRef idx="minor">
+            <a:schemeClr val="tx1"/>
+          </a:fontRef>
+        </p:style>
+      </p:cxnSp>
+      <p:sp>
+        <p:nvSpPr>
+          <p:cNvPr id="5" name="Text Box 4"/>
+          <p:cNvSpPr txBox="1"/>
+          <p:nvPr/>
+        </p:nvSpPr>
+        <p:spPr>
+          <a:xfrm>
+            <a:off x="5967095" y="3452495"/>
+            <a:ext cx="572770" cy="521970"/>
+          </a:xfrm>
+          <a:prstGeom prst="rect">
+            <a:avLst/>
+          </a:prstGeom>
+          <a:noFill/>
+        </p:spPr>
+        <p:txBody>
+          <a:bodyPr wrap="square" rtlCol="0">
+            <a:spAutoFit/>
+          </a:bodyPr>
+          <a:p>
+            <a:r>
+              <a:rPr lang="en-US" sz="2800">
+                <a:solidFill>
+                  <a:srgbClr val="FF0000"/>
+                </a:solidFill>
+              </a:rPr>
+              <a:t>S2</a:t>
+            </a:r>
+            <a:endParaRPr lang="en-US" sz="2800">
+              <a:solidFill>
+                <a:srgbClr val="FF0000"/>
+              </a:solidFill>
+            </a:endParaRPr>
+          </a:p>
+        </p:txBody>
+      </p:sp>
+      <p:sp>
+        <p:nvSpPr>
+          <p:cNvPr id="12" name="Text Box 11"/>
+          <p:cNvSpPr txBox="1"/>
+          <p:nvPr/>
+        </p:nvSpPr>
+        <p:spPr>
+          <a:xfrm>
+            <a:off x="5289550" y="2435225"/>
+            <a:ext cx="767080" cy="521970"/>
+          </a:xfrm>
+          <a:prstGeom prst="rect">
+            <a:avLst/>
+          </a:prstGeom>
+          <a:noFill/>
+        </p:spPr>
+        <p:txBody>
+          <a:bodyPr wrap="square" rtlCol="0">
+            <a:spAutoFit/>
+          </a:bodyPr>
+          <a:p>
+            <a:r>
+              <a:rPr lang="en-US" sz="2800">
+                <a:solidFill>
+                  <a:schemeClr val="accent6">
+                    <a:lumMod val="60000"/>
+                    <a:lumOff val="40000"/>
+                  </a:schemeClr>
+                </a:solidFill>
+              </a:rPr>
+              <a:t>X1</a:t>
+            </a:r>
+            <a:endParaRPr lang="en-US" sz="2800">
+              <a:solidFill>
+                <a:schemeClr val="accent6">
+                  <a:lumMod val="60000"/>
+                  <a:lumOff val="40000"/>
+                </a:schemeClr>
+              </a:solidFill>
+            </a:endParaRPr>
+          </a:p>
+        </p:txBody>
+      </p:sp>
+      <p:cxnSp>
+        <p:nvCxnSpPr>
+          <p:cNvPr id="14" name="Straight Arrow Connector 13"/>
+          <p:cNvCxnSpPr/>
+          <p:nvPr/>
+        </p:nvCxnSpPr>
+        <p:spPr>
+          <a:xfrm>
+            <a:off x="6518275" y="2741295"/>
+            <a:ext cx="895350" cy="2400300"/>
+          </a:xfrm>
+          <a:prstGeom prst="straightConnector1">
+            <a:avLst/>
+          </a:prstGeom>
+          <a:ln w="66675">
+            <a:solidFill>
+              <a:schemeClr val="accent6">
+                <a:lumMod val="60000"/>
+                <a:lumOff val="40000"/>
+              </a:schemeClr>
+            </a:solidFill>
+            <a:tailEnd type="arrow"/>
+          </a:ln>
+        </p:spPr>
+        <p:style>
+          <a:lnRef idx="1">
+            <a:schemeClr val="accent1"/>
+          </a:lnRef>
+          <a:fillRef idx="0">
+            <a:schemeClr val="accent1"/>
+          </a:fillRef>
+          <a:effectRef idx="0">
+            <a:schemeClr val="accent1"/>
+          </a:effectRef>
+          <a:fontRef idx="minor">
+            <a:schemeClr val="tx1"/>
+          </a:fontRef>
+        </p:style>
+      </p:cxnSp>
+      <p:sp>
+        <p:nvSpPr>
+          <p:cNvPr id="15" name="Text Box 14"/>
+          <p:cNvSpPr txBox="1"/>
+          <p:nvPr/>
+        </p:nvSpPr>
+        <p:spPr>
+          <a:xfrm>
+            <a:off x="7151370" y="3258185"/>
+            <a:ext cx="767080" cy="521970"/>
+          </a:xfrm>
+          <a:prstGeom prst="rect">
+            <a:avLst/>
+          </a:prstGeom>
+          <a:noFill/>
+        </p:spPr>
+        <p:txBody>
+          <a:bodyPr wrap="square" rtlCol="0">
+            <a:spAutoFit/>
+          </a:bodyPr>
+          <a:p>
+            <a:r>
+              <a:rPr lang="en-US" sz="2800">
+                <a:solidFill>
+                  <a:schemeClr val="accent6">
+                    <a:lumMod val="60000"/>
+                    <a:lumOff val="40000"/>
+                  </a:schemeClr>
+                </a:solidFill>
+              </a:rPr>
+              <a:t>X2</a:t>
+            </a:r>
+            <a:endParaRPr lang="en-US" sz="2800">
+              <a:solidFill>
+                <a:schemeClr val="accent6">
+                  <a:lumMod val="60000"/>
+                  <a:lumOff val="40000"/>
+                </a:schemeClr>
+              </a:solidFill>
+            </a:endParaRPr>
+          </a:p>
+        </p:txBody>
+      </p:sp>
+      <p:cxnSp>
+        <p:nvCxnSpPr>
           <p:cNvPr id="3" name="Straight Arrow Connector 2"/>
           <p:cNvCxnSpPr/>
           <p:nvPr/>
         </p:nvCxnSpPr>
         <p:spPr>
-          <a:xfrm>
-            <a:off x="968375" y="1541145"/>
+          <a:xfrm flipV="1">
+            <a:off x="7480935" y="3780155"/>
+            <a:ext cx="852170" cy="1197610"/>
+          </a:xfrm>
+          <a:prstGeom prst="straightConnector1">
+            <a:avLst/>
+          </a:prstGeom>
+          <a:ln w="73025">
+            <a:solidFill>
+              <a:srgbClr val="FF3300"/>
+            </a:solidFill>
+            <a:tailEnd type="arrow"/>
+          </a:ln>
+        </p:spPr>
+        <p:style>
+          <a:lnRef idx="1">
+            <a:schemeClr val="accent1"/>
+          </a:lnRef>
+          <a:fillRef idx="0">
+            <a:schemeClr val="accent1"/>
+          </a:fillRef>
+          <a:effectRef idx="0">
+            <a:schemeClr val="accent1"/>
+          </a:effectRef>
+          <a:fontRef idx="minor">
+            <a:schemeClr val="tx1"/>
+          </a:fontRef>
+        </p:style>
+      </p:cxnSp>
+      <p:cxnSp>
+        <p:nvCxnSpPr>
+          <p:cNvPr id="7" name="Straight Arrow Connector 6"/>
+          <p:cNvCxnSpPr/>
+          <p:nvPr/>
+        </p:nvCxnSpPr>
+        <p:spPr>
+          <a:xfrm>
+            <a:off x="8295640" y="3780155"/>
+            <a:ext cx="1228725" cy="2134870"/>
+          </a:xfrm>
+          <a:prstGeom prst="straightConnector1">
+            <a:avLst/>
+          </a:prstGeom>
+          <a:ln w="66675">
+            <a:solidFill>
+              <a:schemeClr val="accent6">
+                <a:lumMod val="60000"/>
+                <a:lumOff val="40000"/>
+              </a:schemeClr>
+            </a:solidFill>
+            <a:tailEnd type="arrow"/>
+          </a:ln>
+        </p:spPr>
+        <p:style>
+          <a:lnRef idx="1">
+            <a:schemeClr val="accent1"/>
+          </a:lnRef>
+          <a:fillRef idx="0">
+            <a:schemeClr val="accent1"/>
+          </a:fillRef>
+          <a:effectRef idx="0">
+            <a:schemeClr val="accent1"/>
+          </a:effectRef>
+          <a:fontRef idx="minor">
+            <a:schemeClr val="tx1"/>
+          </a:fontRef>
+        </p:style>
+      </p:cxnSp>
+      <p:sp>
+        <p:nvSpPr>
+          <p:cNvPr id="8" name="Text Box 7"/>
+          <p:cNvSpPr txBox="1"/>
+          <p:nvPr/>
+        </p:nvSpPr>
+        <p:spPr>
+          <a:xfrm>
+            <a:off x="7345680" y="3974465"/>
+            <a:ext cx="572770" cy="521970"/>
+          </a:xfrm>
+          <a:prstGeom prst="rect">
+            <a:avLst/>
+          </a:prstGeom>
+          <a:noFill/>
+        </p:spPr>
+        <p:txBody>
+          <a:bodyPr wrap="square" rtlCol="0">
+            <a:spAutoFit/>
+          </a:bodyPr>
+          <a:p>
+            <a:r>
+              <a:rPr lang="en-US" sz="2800">
+                <a:solidFill>
+                  <a:srgbClr val="FF0000"/>
+                </a:solidFill>
+              </a:rPr>
+              <a:t>S3</a:t>
+            </a:r>
+            <a:endParaRPr lang="en-US" sz="2800">
+              <a:solidFill>
+                <a:srgbClr val="FF0000"/>
+              </a:solidFill>
+            </a:endParaRPr>
+          </a:p>
+        </p:txBody>
+      </p:sp>
+      <p:sp>
+        <p:nvSpPr>
+          <p:cNvPr id="9" name="Text Box 8"/>
+          <p:cNvSpPr txBox="1"/>
+          <p:nvPr/>
+        </p:nvSpPr>
+        <p:spPr>
+          <a:xfrm>
+            <a:off x="8813165" y="4276090"/>
+            <a:ext cx="767080" cy="521970"/>
+          </a:xfrm>
+          <a:prstGeom prst="rect">
+            <a:avLst/>
+          </a:prstGeom>
+          <a:noFill/>
+        </p:spPr>
+        <p:txBody>
+          <a:bodyPr wrap="square" rtlCol="0">
+            <a:spAutoFit/>
+          </a:bodyPr>
+          <a:p>
+            <a:r>
+              <a:rPr lang="en-US" sz="2800">
+                <a:solidFill>
+                  <a:schemeClr val="accent6">
+                    <a:lumMod val="60000"/>
+                    <a:lumOff val="40000"/>
+                  </a:schemeClr>
+                </a:solidFill>
+              </a:rPr>
+              <a:t>X3</a:t>
+            </a:r>
+            <a:endParaRPr lang="en-US" sz="2800">
+              <a:solidFill>
+                <a:schemeClr val="accent6">
+                  <a:lumMod val="60000"/>
+                  <a:lumOff val="40000"/>
+                </a:schemeClr>
+              </a:solidFill>
+            </a:endParaRPr>
+          </a:p>
+        </p:txBody>
+      </p:sp>
+      <p:cxnSp>
+        <p:nvCxnSpPr>
+          <p:cNvPr id="10" name="Straight Arrow Connector 9"/>
+          <p:cNvCxnSpPr/>
+          <p:nvPr/>
+        </p:nvCxnSpPr>
+        <p:spPr>
+          <a:xfrm flipV="1">
+            <a:off x="9524365" y="2044065"/>
+            <a:ext cx="1134745" cy="3870960"/>
+          </a:xfrm>
+          <a:prstGeom prst="straightConnector1">
+            <a:avLst/>
+          </a:prstGeom>
+          <a:ln w="73025">
+            <a:solidFill>
+              <a:srgbClr val="FF3300"/>
+            </a:solidFill>
+            <a:tailEnd type="arrow"/>
+          </a:ln>
+        </p:spPr>
+        <p:style>
+          <a:lnRef idx="1">
+            <a:schemeClr val="accent1"/>
+          </a:lnRef>
+          <a:fillRef idx="0">
+            <a:schemeClr val="accent1"/>
+          </a:fillRef>
+          <a:effectRef idx="0">
+            <a:schemeClr val="accent1"/>
+          </a:effectRef>
+          <a:fontRef idx="minor">
+            <a:schemeClr val="tx1"/>
+          </a:fontRef>
+        </p:style>
+      </p:cxnSp>
+      <p:cxnSp>
+        <p:nvCxnSpPr>
+          <p:cNvPr id="13" name="Straight Arrow Connector 12"/>
+          <p:cNvCxnSpPr/>
+          <p:nvPr/>
+        </p:nvCxnSpPr>
+        <p:spPr>
+          <a:xfrm>
+            <a:off x="10659110" y="2044065"/>
+            <a:ext cx="955675" cy="2438400"/>
+          </a:xfrm>
+          <a:prstGeom prst="straightConnector1">
+            <a:avLst/>
+          </a:prstGeom>
+          <a:ln w="66675">
+            <a:solidFill>
+              <a:schemeClr val="accent6">
+                <a:lumMod val="60000"/>
+                <a:lumOff val="40000"/>
+              </a:schemeClr>
+            </a:solidFill>
+            <a:tailEnd type="arrow"/>
+          </a:ln>
+        </p:spPr>
+        <p:style>
+          <a:lnRef idx="1">
+            <a:schemeClr val="accent1"/>
+          </a:lnRef>
+          <a:fillRef idx="0">
+            <a:schemeClr val="accent1"/>
+          </a:fillRef>
+          <a:effectRef idx="0">
+            <a:schemeClr val="accent1"/>
+          </a:effectRef>
+          <a:fontRef idx="minor">
+            <a:schemeClr val="tx1"/>
+          </a:fontRef>
+        </p:style>
+      </p:cxnSp>
+      <p:cxnSp>
+        <p:nvCxnSpPr>
+          <p:cNvPr id="16" name="Straight Arrow Connector 15"/>
+          <p:cNvCxnSpPr/>
+          <p:nvPr/>
+        </p:nvCxnSpPr>
+        <p:spPr>
+          <a:xfrm>
+            <a:off x="189865" y="3102610"/>
             <a:ext cx="2429510" cy="2121535"/>
           </a:xfrm>
           <a:prstGeom prst="straightConnector1">
@@ -5792,6 +5569,1654 @@
       </p:cxnSp>
       <p:cxnSp>
         <p:nvCxnSpPr>
+          <p:cNvPr id="17" name="Straight Connector 16"/>
+          <p:cNvCxnSpPr/>
+          <p:nvPr/>
+        </p:nvCxnSpPr>
+        <p:spPr>
+          <a:xfrm>
+            <a:off x="2635250" y="754380"/>
+            <a:ext cx="0" cy="5918200"/>
+          </a:xfrm>
+          <a:prstGeom prst="line">
+            <a:avLst/>
+          </a:prstGeom>
+          <a:ln w="63500">
+            <a:solidFill>
+              <a:schemeClr val="bg1">
+                <a:lumMod val="50000"/>
+              </a:schemeClr>
+            </a:solidFill>
+            <a:prstDash val="dash"/>
+          </a:ln>
+        </p:spPr>
+        <p:style>
+          <a:lnRef idx="1">
+            <a:schemeClr val="accent1"/>
+          </a:lnRef>
+          <a:fillRef idx="0">
+            <a:schemeClr val="accent1"/>
+          </a:fillRef>
+          <a:effectRef idx="0">
+            <a:schemeClr val="accent1"/>
+          </a:effectRef>
+          <a:fontRef idx="minor">
+            <a:schemeClr val="tx1"/>
+          </a:fontRef>
+        </p:style>
+      </p:cxnSp>
+      <p:sp>
+        <p:nvSpPr>
+          <p:cNvPr id="18" name="Text Box 17"/>
+          <p:cNvSpPr txBox="1"/>
+          <p:nvPr/>
+        </p:nvSpPr>
+        <p:spPr>
+          <a:xfrm>
+            <a:off x="2759710" y="5224145"/>
+            <a:ext cx="476250" cy="583565"/>
+          </a:xfrm>
+          <a:prstGeom prst="rect">
+            <a:avLst/>
+          </a:prstGeom>
+          <a:noFill/>
+        </p:spPr>
+        <p:txBody>
+          <a:bodyPr wrap="none" rtlCol="0">
+            <a:spAutoFit/>
+          </a:bodyPr>
+          <a:p>
+            <a:r>
+              <a:rPr lang="en-US" sz="3200"/>
+              <a:t>A</a:t>
+            </a:r>
+            <a:endParaRPr lang="en-US" sz="3200"/>
+          </a:p>
+        </p:txBody>
+      </p:sp>
+      <p:sp>
+        <p:nvSpPr>
+          <p:cNvPr id="19" name="Text Box 18"/>
+          <p:cNvSpPr txBox="1"/>
+          <p:nvPr/>
+        </p:nvSpPr>
+        <p:spPr>
+          <a:xfrm>
+            <a:off x="11296650" y="2741295"/>
+            <a:ext cx="767080" cy="521970"/>
+          </a:xfrm>
+          <a:prstGeom prst="rect">
+            <a:avLst/>
+          </a:prstGeom>
+          <a:noFill/>
+        </p:spPr>
+        <p:txBody>
+          <a:bodyPr wrap="square" rtlCol="0">
+            <a:spAutoFit/>
+          </a:bodyPr>
+          <a:p>
+            <a:r>
+              <a:rPr lang="en-US" sz="2800">
+                <a:solidFill>
+                  <a:schemeClr val="accent6">
+                    <a:lumMod val="60000"/>
+                    <a:lumOff val="40000"/>
+                  </a:schemeClr>
+                </a:solidFill>
+              </a:rPr>
+              <a:t>X4</a:t>
+            </a:r>
+            <a:endParaRPr lang="en-US" sz="2800">
+              <a:solidFill>
+                <a:schemeClr val="accent6">
+                  <a:lumMod val="60000"/>
+                  <a:lumOff val="40000"/>
+                </a:schemeClr>
+              </a:solidFill>
+            </a:endParaRPr>
+          </a:p>
+        </p:txBody>
+      </p:sp>
+      <p:sp>
+        <p:nvSpPr>
+          <p:cNvPr id="20" name="Text Box 19"/>
+          <p:cNvSpPr txBox="1"/>
+          <p:nvPr/>
+        </p:nvSpPr>
+        <p:spPr>
+          <a:xfrm>
+            <a:off x="9433560" y="3002280"/>
+            <a:ext cx="572770" cy="521970"/>
+          </a:xfrm>
+          <a:prstGeom prst="rect">
+            <a:avLst/>
+          </a:prstGeom>
+          <a:noFill/>
+        </p:spPr>
+        <p:txBody>
+          <a:bodyPr wrap="square" rtlCol="0">
+            <a:spAutoFit/>
+          </a:bodyPr>
+          <a:p>
+            <a:r>
+              <a:rPr lang="en-US" sz="2800">
+                <a:solidFill>
+                  <a:srgbClr val="FF0000"/>
+                </a:solidFill>
+              </a:rPr>
+              <a:t>S4</a:t>
+            </a:r>
+            <a:endParaRPr lang="en-US" sz="2800">
+              <a:solidFill>
+                <a:srgbClr val="FF0000"/>
+              </a:solidFill>
+            </a:endParaRPr>
+          </a:p>
+        </p:txBody>
+      </p:sp>
+    </p:spTree>
+  </p:cSld>
+  <p:clrMapOvr>
+    <a:masterClrMapping/>
+  </p:clrMapOvr>
+</p:sld>
+</file>
+
+<file path=ppt/slides/slide14.xml><?xml version="1.0" encoding="utf-8"?>
+<p:sld xmlns:a="http://schemas.openxmlformats.org/drawingml/2006/main" xmlns:r="http://schemas.openxmlformats.org/officeDocument/2006/relationships" xmlns:p="http://schemas.openxmlformats.org/presentationml/2006/main">
+  <p:cSld>
+    <p:spTree>
+      <p:nvGrpSpPr>
+        <p:cNvPr id="1" name=""/>
+        <p:cNvGrpSpPr/>
+        <p:nvPr/>
+      </p:nvGrpSpPr>
+      <p:grpSpPr>
+        <a:xfrm>
+          <a:off x="0" y="0"/>
+          <a:ext cx="0" cy="0"/>
+          <a:chOff x="0" y="0"/>
+          <a:chExt cx="0" cy="0"/>
+        </a:xfrm>
+      </p:grpSpPr>
+      <p:cxnSp>
+        <p:nvCxnSpPr>
+          <p:cNvPr id="6" name="Straight Arrow Connector 5"/>
+          <p:cNvCxnSpPr/>
+          <p:nvPr/>
+        </p:nvCxnSpPr>
+        <p:spPr>
+          <a:xfrm flipV="1">
+            <a:off x="404495" y="1653540"/>
+            <a:ext cx="1141730" cy="1620520"/>
+          </a:xfrm>
+          <a:prstGeom prst="straightConnector1">
+            <a:avLst/>
+          </a:prstGeom>
+          <a:ln w="73025">
+            <a:solidFill>
+              <a:srgbClr val="FF3300"/>
+            </a:solidFill>
+            <a:tailEnd type="arrow"/>
+          </a:ln>
+        </p:spPr>
+        <p:style>
+          <a:lnRef idx="1">
+            <a:schemeClr val="accent1"/>
+          </a:lnRef>
+          <a:fillRef idx="0">
+            <a:schemeClr val="accent1"/>
+          </a:fillRef>
+          <a:effectRef idx="0">
+            <a:schemeClr val="accent1"/>
+          </a:effectRef>
+          <a:fontRef idx="minor">
+            <a:schemeClr val="tx1"/>
+          </a:fontRef>
+        </p:style>
+      </p:cxnSp>
+      <p:sp>
+        <p:nvSpPr>
+          <p:cNvPr id="11" name="Text Box 10"/>
+          <p:cNvSpPr txBox="1"/>
+          <p:nvPr/>
+        </p:nvSpPr>
+        <p:spPr>
+          <a:xfrm>
+            <a:off x="462280" y="2058670"/>
+            <a:ext cx="572770" cy="521970"/>
+          </a:xfrm>
+          <a:prstGeom prst="rect">
+            <a:avLst/>
+          </a:prstGeom>
+          <a:noFill/>
+        </p:spPr>
+        <p:txBody>
+          <a:bodyPr wrap="square" rtlCol="0">
+            <a:spAutoFit/>
+          </a:bodyPr>
+          <a:p>
+            <a:r>
+              <a:rPr lang="en-US" sz="2800">
+                <a:solidFill>
+                  <a:srgbClr val="FF0000"/>
+                </a:solidFill>
+              </a:rPr>
+              <a:t>S1</a:t>
+            </a:r>
+            <a:endParaRPr lang="en-US" sz="2800">
+              <a:solidFill>
+                <a:srgbClr val="FF0000"/>
+              </a:solidFill>
+            </a:endParaRPr>
+          </a:p>
+        </p:txBody>
+      </p:sp>
+      <p:cxnSp>
+        <p:nvCxnSpPr>
+          <p:cNvPr id="2" name="Straight Arrow Connector 1"/>
+          <p:cNvCxnSpPr/>
+          <p:nvPr/>
+        </p:nvCxnSpPr>
+        <p:spPr>
+          <a:xfrm flipV="1">
+            <a:off x="1951990" y="1247775"/>
+            <a:ext cx="814705" cy="1616075"/>
+          </a:xfrm>
+          <a:prstGeom prst="straightConnector1">
+            <a:avLst/>
+          </a:prstGeom>
+          <a:ln w="73025">
+            <a:solidFill>
+              <a:srgbClr val="FF3300"/>
+            </a:solidFill>
+            <a:tailEnd type="arrow"/>
+          </a:ln>
+        </p:spPr>
+        <p:style>
+          <a:lnRef idx="1">
+            <a:schemeClr val="accent1"/>
+          </a:lnRef>
+          <a:fillRef idx="0">
+            <a:schemeClr val="accent1"/>
+          </a:fillRef>
+          <a:effectRef idx="0">
+            <a:schemeClr val="accent1"/>
+          </a:effectRef>
+          <a:fontRef idx="minor">
+            <a:schemeClr val="tx1"/>
+          </a:fontRef>
+        </p:style>
+      </p:cxnSp>
+      <p:cxnSp>
+        <p:nvCxnSpPr>
+          <p:cNvPr id="4" name="Straight Arrow Connector 3"/>
+          <p:cNvCxnSpPr/>
+          <p:nvPr/>
+        </p:nvCxnSpPr>
+        <p:spPr>
+          <a:xfrm>
+            <a:off x="1530350" y="1718310"/>
+            <a:ext cx="421640" cy="1259205"/>
+          </a:xfrm>
+          <a:prstGeom prst="straightConnector1">
+            <a:avLst/>
+          </a:prstGeom>
+          <a:ln w="66675">
+            <a:solidFill>
+              <a:schemeClr val="accent6">
+                <a:lumMod val="60000"/>
+                <a:lumOff val="40000"/>
+              </a:schemeClr>
+            </a:solidFill>
+            <a:tailEnd type="arrow"/>
+          </a:ln>
+        </p:spPr>
+        <p:style>
+          <a:lnRef idx="1">
+            <a:schemeClr val="accent1"/>
+          </a:lnRef>
+          <a:fillRef idx="0">
+            <a:schemeClr val="accent1"/>
+          </a:fillRef>
+          <a:effectRef idx="0">
+            <a:schemeClr val="accent1"/>
+          </a:effectRef>
+          <a:fontRef idx="minor">
+            <a:schemeClr val="tx1"/>
+          </a:fontRef>
+        </p:style>
+      </p:cxnSp>
+      <p:sp>
+        <p:nvSpPr>
+          <p:cNvPr id="5" name="Text Box 4"/>
+          <p:cNvSpPr txBox="1"/>
+          <p:nvPr/>
+        </p:nvSpPr>
+        <p:spPr>
+          <a:xfrm>
+            <a:off x="2882265" y="1510665"/>
+            <a:ext cx="572770" cy="521970"/>
+          </a:xfrm>
+          <a:prstGeom prst="rect">
+            <a:avLst/>
+          </a:prstGeom>
+          <a:noFill/>
+        </p:spPr>
+        <p:txBody>
+          <a:bodyPr wrap="square" rtlCol="0">
+            <a:spAutoFit/>
+          </a:bodyPr>
+          <a:p>
+            <a:r>
+              <a:rPr lang="en-US" sz="2800">
+                <a:solidFill>
+                  <a:srgbClr val="FF0000"/>
+                </a:solidFill>
+              </a:rPr>
+              <a:t>S2</a:t>
+            </a:r>
+            <a:endParaRPr lang="en-US" sz="2800">
+              <a:solidFill>
+                <a:srgbClr val="FF0000"/>
+              </a:solidFill>
+            </a:endParaRPr>
+          </a:p>
+        </p:txBody>
+      </p:sp>
+      <p:sp>
+        <p:nvSpPr>
+          <p:cNvPr id="12" name="Text Box 11"/>
+          <p:cNvSpPr txBox="1"/>
+          <p:nvPr/>
+        </p:nvSpPr>
+        <p:spPr>
+          <a:xfrm>
+            <a:off x="1184910" y="2752090"/>
+            <a:ext cx="767080" cy="521970"/>
+          </a:xfrm>
+          <a:prstGeom prst="rect">
+            <a:avLst/>
+          </a:prstGeom>
+          <a:noFill/>
+        </p:spPr>
+        <p:txBody>
+          <a:bodyPr wrap="square" rtlCol="0">
+            <a:spAutoFit/>
+          </a:bodyPr>
+          <a:p>
+            <a:r>
+              <a:rPr lang="en-US" sz="2800">
+                <a:solidFill>
+                  <a:schemeClr val="accent6">
+                    <a:lumMod val="60000"/>
+                    <a:lumOff val="40000"/>
+                  </a:schemeClr>
+                </a:solidFill>
+              </a:rPr>
+              <a:t>X1</a:t>
+            </a:r>
+            <a:endParaRPr lang="en-US" sz="2800">
+              <a:solidFill>
+                <a:schemeClr val="accent6">
+                  <a:lumMod val="60000"/>
+                  <a:lumOff val="40000"/>
+                </a:schemeClr>
+              </a:solidFill>
+            </a:endParaRPr>
+          </a:p>
+        </p:txBody>
+      </p:sp>
+      <p:cxnSp>
+        <p:nvCxnSpPr>
+          <p:cNvPr id="10" name="Straight Arrow Connector 9"/>
+          <p:cNvCxnSpPr/>
+          <p:nvPr/>
+        </p:nvCxnSpPr>
+        <p:spPr>
+          <a:xfrm flipV="1">
+            <a:off x="3879215" y="2715895"/>
+            <a:ext cx="1141730" cy="1620520"/>
+          </a:xfrm>
+          <a:prstGeom prst="straightConnector1">
+            <a:avLst/>
+          </a:prstGeom>
+          <a:ln w="73025">
+            <a:solidFill>
+              <a:srgbClr val="FF3300"/>
+            </a:solidFill>
+            <a:tailEnd type="arrow"/>
+          </a:ln>
+        </p:spPr>
+        <p:style>
+          <a:lnRef idx="1">
+            <a:schemeClr val="accent1"/>
+          </a:lnRef>
+          <a:fillRef idx="0">
+            <a:schemeClr val="accent1"/>
+          </a:fillRef>
+          <a:effectRef idx="0">
+            <a:schemeClr val="accent1"/>
+          </a:effectRef>
+          <a:fontRef idx="minor">
+            <a:schemeClr val="tx1"/>
+          </a:fontRef>
+        </p:style>
+      </p:cxnSp>
+      <p:sp>
+        <p:nvSpPr>
+          <p:cNvPr id="13" name="Text Box 12"/>
+          <p:cNvSpPr txBox="1"/>
+          <p:nvPr/>
+        </p:nvSpPr>
+        <p:spPr>
+          <a:xfrm>
+            <a:off x="3937000" y="3121025"/>
+            <a:ext cx="572770" cy="521970"/>
+          </a:xfrm>
+          <a:prstGeom prst="rect">
+            <a:avLst/>
+          </a:prstGeom>
+          <a:noFill/>
+        </p:spPr>
+        <p:txBody>
+          <a:bodyPr wrap="square" rtlCol="0">
+            <a:spAutoFit/>
+          </a:bodyPr>
+          <a:p>
+            <a:r>
+              <a:rPr lang="en-US" sz="2800">
+                <a:solidFill>
+                  <a:srgbClr val="FF0000"/>
+                </a:solidFill>
+              </a:rPr>
+              <a:t>S1</a:t>
+            </a:r>
+            <a:endParaRPr lang="en-US" sz="2800">
+              <a:solidFill>
+                <a:srgbClr val="FF0000"/>
+              </a:solidFill>
+            </a:endParaRPr>
+          </a:p>
+        </p:txBody>
+      </p:sp>
+      <p:cxnSp>
+        <p:nvCxnSpPr>
+          <p:cNvPr id="16" name="Straight Arrow Connector 15"/>
+          <p:cNvCxnSpPr/>
+          <p:nvPr/>
+        </p:nvCxnSpPr>
+        <p:spPr>
+          <a:xfrm flipV="1">
+            <a:off x="5426710" y="2310130"/>
+            <a:ext cx="814705" cy="1616075"/>
+          </a:xfrm>
+          <a:prstGeom prst="straightConnector1">
+            <a:avLst/>
+          </a:prstGeom>
+          <a:ln w="73025">
+            <a:solidFill>
+              <a:srgbClr val="FF3300"/>
+            </a:solidFill>
+            <a:tailEnd type="arrow"/>
+          </a:ln>
+        </p:spPr>
+        <p:style>
+          <a:lnRef idx="1">
+            <a:schemeClr val="accent1"/>
+          </a:lnRef>
+          <a:fillRef idx="0">
+            <a:schemeClr val="accent1"/>
+          </a:fillRef>
+          <a:effectRef idx="0">
+            <a:schemeClr val="accent1"/>
+          </a:effectRef>
+          <a:fontRef idx="minor">
+            <a:schemeClr val="tx1"/>
+          </a:fontRef>
+        </p:style>
+      </p:cxnSp>
+      <p:cxnSp>
+        <p:nvCxnSpPr>
+          <p:cNvPr id="17" name="Straight Arrow Connector 16"/>
+          <p:cNvCxnSpPr/>
+          <p:nvPr/>
+        </p:nvCxnSpPr>
+        <p:spPr>
+          <a:xfrm>
+            <a:off x="5005070" y="2780665"/>
+            <a:ext cx="421640" cy="1259205"/>
+          </a:xfrm>
+          <a:prstGeom prst="straightConnector1">
+            <a:avLst/>
+          </a:prstGeom>
+          <a:ln w="66675">
+            <a:solidFill>
+              <a:schemeClr val="accent6">
+                <a:lumMod val="60000"/>
+                <a:lumOff val="40000"/>
+              </a:schemeClr>
+            </a:solidFill>
+            <a:tailEnd type="arrow"/>
+          </a:ln>
+        </p:spPr>
+        <p:style>
+          <a:lnRef idx="1">
+            <a:schemeClr val="accent1"/>
+          </a:lnRef>
+          <a:fillRef idx="0">
+            <a:schemeClr val="accent1"/>
+          </a:fillRef>
+          <a:effectRef idx="0">
+            <a:schemeClr val="accent1"/>
+          </a:effectRef>
+          <a:fontRef idx="minor">
+            <a:schemeClr val="tx1"/>
+          </a:fontRef>
+        </p:style>
+      </p:cxnSp>
+      <p:sp>
+        <p:nvSpPr>
+          <p:cNvPr id="18" name="Text Box 17"/>
+          <p:cNvSpPr txBox="1"/>
+          <p:nvPr/>
+        </p:nvSpPr>
+        <p:spPr>
+          <a:xfrm>
+            <a:off x="5344795" y="2230120"/>
+            <a:ext cx="572770" cy="521970"/>
+          </a:xfrm>
+          <a:prstGeom prst="rect">
+            <a:avLst/>
+          </a:prstGeom>
+          <a:noFill/>
+        </p:spPr>
+        <p:txBody>
+          <a:bodyPr wrap="square" rtlCol="0">
+            <a:spAutoFit/>
+          </a:bodyPr>
+          <a:p>
+            <a:r>
+              <a:rPr lang="en-US" sz="2800">
+                <a:solidFill>
+                  <a:srgbClr val="FF0000"/>
+                </a:solidFill>
+              </a:rPr>
+              <a:t>S2</a:t>
+            </a:r>
+            <a:endParaRPr lang="en-US" sz="2800">
+              <a:solidFill>
+                <a:srgbClr val="FF0000"/>
+              </a:solidFill>
+            </a:endParaRPr>
+          </a:p>
+        </p:txBody>
+      </p:sp>
+      <p:sp>
+        <p:nvSpPr>
+          <p:cNvPr id="19" name="Text Box 18"/>
+          <p:cNvSpPr txBox="1"/>
+          <p:nvPr/>
+        </p:nvSpPr>
+        <p:spPr>
+          <a:xfrm>
+            <a:off x="4659630" y="3814445"/>
+            <a:ext cx="767080" cy="521970"/>
+          </a:xfrm>
+          <a:prstGeom prst="rect">
+            <a:avLst/>
+          </a:prstGeom>
+          <a:noFill/>
+        </p:spPr>
+        <p:txBody>
+          <a:bodyPr wrap="square" rtlCol="0">
+            <a:spAutoFit/>
+          </a:bodyPr>
+          <a:p>
+            <a:r>
+              <a:rPr lang="en-US" sz="2800">
+                <a:solidFill>
+                  <a:schemeClr val="accent6">
+                    <a:lumMod val="60000"/>
+                    <a:lumOff val="40000"/>
+                  </a:schemeClr>
+                </a:solidFill>
+              </a:rPr>
+              <a:t>X1</a:t>
+            </a:r>
+            <a:endParaRPr lang="en-US" sz="2800">
+              <a:solidFill>
+                <a:schemeClr val="accent6">
+                  <a:lumMod val="60000"/>
+                  <a:lumOff val="40000"/>
+                </a:schemeClr>
+              </a:solidFill>
+            </a:endParaRPr>
+          </a:p>
+        </p:txBody>
+      </p:sp>
+      <p:cxnSp>
+        <p:nvCxnSpPr>
+          <p:cNvPr id="20" name="Straight Arrow Connector 19"/>
+          <p:cNvCxnSpPr/>
+          <p:nvPr/>
+        </p:nvCxnSpPr>
+        <p:spPr>
+          <a:xfrm>
+            <a:off x="6241415" y="2364105"/>
+            <a:ext cx="305435" cy="1039495"/>
+          </a:xfrm>
+          <a:prstGeom prst="straightConnector1">
+            <a:avLst/>
+          </a:prstGeom>
+          <a:ln w="66675">
+            <a:solidFill>
+              <a:schemeClr val="accent6">
+                <a:lumMod val="60000"/>
+                <a:lumOff val="40000"/>
+              </a:schemeClr>
+            </a:solidFill>
+            <a:tailEnd type="arrow"/>
+          </a:ln>
+        </p:spPr>
+        <p:style>
+          <a:lnRef idx="1">
+            <a:schemeClr val="accent1"/>
+          </a:lnRef>
+          <a:fillRef idx="0">
+            <a:schemeClr val="accent1"/>
+          </a:fillRef>
+          <a:effectRef idx="0">
+            <a:schemeClr val="accent1"/>
+          </a:effectRef>
+          <a:fontRef idx="minor">
+            <a:schemeClr val="tx1"/>
+          </a:fontRef>
+        </p:style>
+      </p:cxnSp>
+      <p:sp>
+        <p:nvSpPr>
+          <p:cNvPr id="21" name="Text Box 20"/>
+          <p:cNvSpPr txBox="1"/>
+          <p:nvPr/>
+        </p:nvSpPr>
+        <p:spPr>
+          <a:xfrm>
+            <a:off x="6546850" y="2580640"/>
+            <a:ext cx="767080" cy="521970"/>
+          </a:xfrm>
+          <a:prstGeom prst="rect">
+            <a:avLst/>
+          </a:prstGeom>
+          <a:noFill/>
+        </p:spPr>
+        <p:txBody>
+          <a:bodyPr wrap="square" rtlCol="0">
+            <a:spAutoFit/>
+          </a:bodyPr>
+          <a:p>
+            <a:r>
+              <a:rPr lang="en-US" sz="2800">
+                <a:solidFill>
+                  <a:schemeClr val="accent6">
+                    <a:lumMod val="60000"/>
+                    <a:lumOff val="40000"/>
+                  </a:schemeClr>
+                </a:solidFill>
+              </a:rPr>
+              <a:t>X2</a:t>
+            </a:r>
+            <a:endParaRPr lang="en-US" sz="2800">
+              <a:solidFill>
+                <a:schemeClr val="accent6">
+                  <a:lumMod val="60000"/>
+                  <a:lumOff val="40000"/>
+                </a:schemeClr>
+              </a:solidFill>
+            </a:endParaRPr>
+          </a:p>
+        </p:txBody>
+      </p:sp>
+      <p:cxnSp>
+        <p:nvCxnSpPr>
+          <p:cNvPr id="22" name="Straight Arrow Connector 21"/>
+          <p:cNvCxnSpPr/>
+          <p:nvPr/>
+        </p:nvCxnSpPr>
+        <p:spPr>
+          <a:xfrm flipV="1">
+            <a:off x="7529830" y="3699510"/>
+            <a:ext cx="771525" cy="1037590"/>
+          </a:xfrm>
+          <a:prstGeom prst="straightConnector1">
+            <a:avLst/>
+          </a:prstGeom>
+          <a:ln w="73025">
+            <a:solidFill>
+              <a:srgbClr val="FF3300"/>
+            </a:solidFill>
+            <a:tailEnd type="arrow"/>
+          </a:ln>
+        </p:spPr>
+        <p:style>
+          <a:lnRef idx="1">
+            <a:schemeClr val="accent1"/>
+          </a:lnRef>
+          <a:fillRef idx="0">
+            <a:schemeClr val="accent1"/>
+          </a:fillRef>
+          <a:effectRef idx="0">
+            <a:schemeClr val="accent1"/>
+          </a:effectRef>
+          <a:fontRef idx="minor">
+            <a:schemeClr val="tx1"/>
+          </a:fontRef>
+        </p:style>
+      </p:cxnSp>
+      <p:cxnSp>
+        <p:nvCxnSpPr>
+          <p:cNvPr id="23" name="Straight Arrow Connector 22"/>
+          <p:cNvCxnSpPr/>
+          <p:nvPr/>
+        </p:nvCxnSpPr>
+        <p:spPr>
+          <a:xfrm>
+            <a:off x="8295005" y="3814445"/>
+            <a:ext cx="764540" cy="2324735"/>
+          </a:xfrm>
+          <a:prstGeom prst="straightConnector1">
+            <a:avLst/>
+          </a:prstGeom>
+          <a:ln w="66675">
+            <a:solidFill>
+              <a:schemeClr val="accent6">
+                <a:lumMod val="60000"/>
+                <a:lumOff val="40000"/>
+              </a:schemeClr>
+            </a:solidFill>
+            <a:tailEnd type="arrow"/>
+          </a:ln>
+        </p:spPr>
+        <p:style>
+          <a:lnRef idx="1">
+            <a:schemeClr val="accent1"/>
+          </a:lnRef>
+          <a:fillRef idx="0">
+            <a:schemeClr val="accent1"/>
+          </a:fillRef>
+          <a:effectRef idx="0">
+            <a:schemeClr val="accent1"/>
+          </a:effectRef>
+          <a:fontRef idx="minor">
+            <a:schemeClr val="tx1"/>
+          </a:fontRef>
+        </p:style>
+      </p:cxnSp>
+      <p:sp>
+        <p:nvSpPr>
+          <p:cNvPr id="24" name="Text Box 23"/>
+          <p:cNvSpPr txBox="1"/>
+          <p:nvPr/>
+        </p:nvSpPr>
+        <p:spPr>
+          <a:xfrm>
+            <a:off x="8955405" y="5130800"/>
+            <a:ext cx="767080" cy="521970"/>
+          </a:xfrm>
+          <a:prstGeom prst="rect">
+            <a:avLst/>
+          </a:prstGeom>
+          <a:noFill/>
+        </p:spPr>
+        <p:txBody>
+          <a:bodyPr wrap="square" rtlCol="0">
+            <a:spAutoFit/>
+          </a:bodyPr>
+          <a:p>
+            <a:r>
+              <a:rPr lang="en-US" sz="2800">
+                <a:solidFill>
+                  <a:schemeClr val="accent6">
+                    <a:lumMod val="60000"/>
+                    <a:lumOff val="40000"/>
+                  </a:schemeClr>
+                </a:solidFill>
+              </a:rPr>
+              <a:t>X3</a:t>
+            </a:r>
+            <a:endParaRPr lang="en-US" sz="2800">
+              <a:solidFill>
+                <a:schemeClr val="accent6">
+                  <a:lumMod val="60000"/>
+                  <a:lumOff val="40000"/>
+                </a:schemeClr>
+              </a:solidFill>
+            </a:endParaRPr>
+          </a:p>
+        </p:txBody>
+      </p:sp>
+      <p:sp>
+        <p:nvSpPr>
+          <p:cNvPr id="25" name="Text Box 24"/>
+          <p:cNvSpPr txBox="1"/>
+          <p:nvPr/>
+        </p:nvSpPr>
+        <p:spPr>
+          <a:xfrm>
+            <a:off x="7853680" y="4336415"/>
+            <a:ext cx="572770" cy="521970"/>
+          </a:xfrm>
+          <a:prstGeom prst="rect">
+            <a:avLst/>
+          </a:prstGeom>
+          <a:noFill/>
+        </p:spPr>
+        <p:txBody>
+          <a:bodyPr wrap="square" rtlCol="0">
+            <a:spAutoFit/>
+          </a:bodyPr>
+          <a:p>
+            <a:r>
+              <a:rPr lang="en-US" sz="2800">
+                <a:solidFill>
+                  <a:srgbClr val="FF0000"/>
+                </a:solidFill>
+              </a:rPr>
+              <a:t>S3</a:t>
+            </a:r>
+            <a:endParaRPr lang="en-US" sz="2800">
+              <a:solidFill>
+                <a:srgbClr val="FF0000"/>
+              </a:solidFill>
+            </a:endParaRPr>
+          </a:p>
+        </p:txBody>
+      </p:sp>
+    </p:spTree>
+  </p:cSld>
+  <p:clrMapOvr>
+    <a:masterClrMapping/>
+  </p:clrMapOvr>
+</p:sld>
+</file>
+
+<file path=ppt/slides/slide15.xml><?xml version="1.0" encoding="utf-8"?>
+<p:sld xmlns:a="http://schemas.openxmlformats.org/drawingml/2006/main" xmlns:r="http://schemas.openxmlformats.org/officeDocument/2006/relationships" xmlns:p="http://schemas.openxmlformats.org/presentationml/2006/main">
+  <p:cSld>
+    <p:spTree>
+      <p:nvGrpSpPr>
+        <p:cNvPr id="1" name=""/>
+        <p:cNvGrpSpPr/>
+        <p:nvPr/>
+      </p:nvGrpSpPr>
+      <p:grpSpPr>
+        <a:xfrm>
+          <a:off x="0" y="0"/>
+          <a:ext cx="0" cy="0"/>
+          <a:chOff x="0" y="0"/>
+          <a:chExt cx="0" cy="0"/>
+        </a:xfrm>
+      </p:grpSpPr>
+      <p:cxnSp>
+        <p:nvCxnSpPr>
+          <p:cNvPr id="6" name="Straight Arrow Connector 5"/>
+          <p:cNvCxnSpPr/>
+          <p:nvPr/>
+        </p:nvCxnSpPr>
+        <p:spPr>
+          <a:xfrm flipV="1">
+            <a:off x="404495" y="1653540"/>
+            <a:ext cx="1141730" cy="1620520"/>
+          </a:xfrm>
+          <a:prstGeom prst="straightConnector1">
+            <a:avLst/>
+          </a:prstGeom>
+          <a:ln w="73025">
+            <a:solidFill>
+              <a:srgbClr val="FF3300"/>
+            </a:solidFill>
+            <a:tailEnd type="arrow"/>
+          </a:ln>
+        </p:spPr>
+        <p:style>
+          <a:lnRef idx="1">
+            <a:schemeClr val="accent1"/>
+          </a:lnRef>
+          <a:fillRef idx="0">
+            <a:schemeClr val="accent1"/>
+          </a:fillRef>
+          <a:effectRef idx="0">
+            <a:schemeClr val="accent1"/>
+          </a:effectRef>
+          <a:fontRef idx="minor">
+            <a:schemeClr val="tx1"/>
+          </a:fontRef>
+        </p:style>
+      </p:cxnSp>
+      <p:sp>
+        <p:nvSpPr>
+          <p:cNvPr id="11" name="Text Box 10"/>
+          <p:cNvSpPr txBox="1"/>
+          <p:nvPr/>
+        </p:nvSpPr>
+        <p:spPr>
+          <a:xfrm>
+            <a:off x="462280" y="2058670"/>
+            <a:ext cx="572770" cy="521970"/>
+          </a:xfrm>
+          <a:prstGeom prst="rect">
+            <a:avLst/>
+          </a:prstGeom>
+          <a:noFill/>
+        </p:spPr>
+        <p:txBody>
+          <a:bodyPr wrap="square" rtlCol="0">
+            <a:spAutoFit/>
+          </a:bodyPr>
+          <a:p>
+            <a:r>
+              <a:rPr lang="en-US" sz="2800">
+                <a:solidFill>
+                  <a:srgbClr val="FF0000"/>
+                </a:solidFill>
+              </a:rPr>
+              <a:t>S1</a:t>
+            </a:r>
+            <a:endParaRPr lang="en-US" sz="2800">
+              <a:solidFill>
+                <a:srgbClr val="FF0000"/>
+              </a:solidFill>
+            </a:endParaRPr>
+          </a:p>
+        </p:txBody>
+      </p:sp>
+      <p:cxnSp>
+        <p:nvCxnSpPr>
+          <p:cNvPr id="2" name="Straight Arrow Connector 1"/>
+          <p:cNvCxnSpPr/>
+          <p:nvPr/>
+        </p:nvCxnSpPr>
+        <p:spPr>
+          <a:xfrm flipV="1">
+            <a:off x="1951990" y="1247775"/>
+            <a:ext cx="814705" cy="1616075"/>
+          </a:xfrm>
+          <a:prstGeom prst="straightConnector1">
+            <a:avLst/>
+          </a:prstGeom>
+          <a:ln w="73025">
+            <a:solidFill>
+              <a:srgbClr val="FF3300"/>
+            </a:solidFill>
+            <a:tailEnd type="arrow"/>
+          </a:ln>
+        </p:spPr>
+        <p:style>
+          <a:lnRef idx="1">
+            <a:schemeClr val="accent1"/>
+          </a:lnRef>
+          <a:fillRef idx="0">
+            <a:schemeClr val="accent1"/>
+          </a:fillRef>
+          <a:effectRef idx="0">
+            <a:schemeClr val="accent1"/>
+          </a:effectRef>
+          <a:fontRef idx="minor">
+            <a:schemeClr val="tx1"/>
+          </a:fontRef>
+        </p:style>
+      </p:cxnSp>
+      <p:cxnSp>
+        <p:nvCxnSpPr>
+          <p:cNvPr id="4" name="Straight Arrow Connector 3"/>
+          <p:cNvCxnSpPr/>
+          <p:nvPr/>
+        </p:nvCxnSpPr>
+        <p:spPr>
+          <a:xfrm>
+            <a:off x="1530350" y="1718310"/>
+            <a:ext cx="421640" cy="1259205"/>
+          </a:xfrm>
+          <a:prstGeom prst="straightConnector1">
+            <a:avLst/>
+          </a:prstGeom>
+          <a:ln w="66675">
+            <a:solidFill>
+              <a:schemeClr val="accent6">
+                <a:lumMod val="60000"/>
+                <a:lumOff val="40000"/>
+              </a:schemeClr>
+            </a:solidFill>
+            <a:tailEnd type="arrow"/>
+          </a:ln>
+        </p:spPr>
+        <p:style>
+          <a:lnRef idx="1">
+            <a:schemeClr val="accent1"/>
+          </a:lnRef>
+          <a:fillRef idx="0">
+            <a:schemeClr val="accent1"/>
+          </a:fillRef>
+          <a:effectRef idx="0">
+            <a:schemeClr val="accent1"/>
+          </a:effectRef>
+          <a:fontRef idx="minor">
+            <a:schemeClr val="tx1"/>
+          </a:fontRef>
+        </p:style>
+      </p:cxnSp>
+      <p:sp>
+        <p:nvSpPr>
+          <p:cNvPr id="5" name="Text Box 4"/>
+          <p:cNvSpPr txBox="1"/>
+          <p:nvPr/>
+        </p:nvSpPr>
+        <p:spPr>
+          <a:xfrm>
+            <a:off x="2882265" y="1510665"/>
+            <a:ext cx="572770" cy="521970"/>
+          </a:xfrm>
+          <a:prstGeom prst="rect">
+            <a:avLst/>
+          </a:prstGeom>
+          <a:noFill/>
+        </p:spPr>
+        <p:txBody>
+          <a:bodyPr wrap="square" rtlCol="0">
+            <a:spAutoFit/>
+          </a:bodyPr>
+          <a:p>
+            <a:r>
+              <a:rPr lang="en-US" sz="2800">
+                <a:solidFill>
+                  <a:srgbClr val="FF0000"/>
+                </a:solidFill>
+              </a:rPr>
+              <a:t>S2</a:t>
+            </a:r>
+            <a:endParaRPr lang="en-US" sz="2800">
+              <a:solidFill>
+                <a:srgbClr val="FF0000"/>
+              </a:solidFill>
+            </a:endParaRPr>
+          </a:p>
+        </p:txBody>
+      </p:sp>
+      <p:sp>
+        <p:nvSpPr>
+          <p:cNvPr id="12" name="Text Box 11"/>
+          <p:cNvSpPr txBox="1"/>
+          <p:nvPr/>
+        </p:nvSpPr>
+        <p:spPr>
+          <a:xfrm>
+            <a:off x="1184910" y="2752090"/>
+            <a:ext cx="767080" cy="521970"/>
+          </a:xfrm>
+          <a:prstGeom prst="rect">
+            <a:avLst/>
+          </a:prstGeom>
+          <a:noFill/>
+        </p:spPr>
+        <p:txBody>
+          <a:bodyPr wrap="square" rtlCol="0">
+            <a:spAutoFit/>
+          </a:bodyPr>
+          <a:p>
+            <a:r>
+              <a:rPr lang="en-US" sz="2800">
+                <a:solidFill>
+                  <a:schemeClr val="accent6">
+                    <a:lumMod val="60000"/>
+                    <a:lumOff val="40000"/>
+                  </a:schemeClr>
+                </a:solidFill>
+              </a:rPr>
+              <a:t>X1</a:t>
+            </a:r>
+            <a:endParaRPr lang="en-US" sz="2800">
+              <a:solidFill>
+                <a:schemeClr val="accent6">
+                  <a:lumMod val="60000"/>
+                  <a:lumOff val="40000"/>
+                </a:schemeClr>
+              </a:solidFill>
+            </a:endParaRPr>
+          </a:p>
+        </p:txBody>
+      </p:sp>
+      <p:cxnSp>
+        <p:nvCxnSpPr>
+          <p:cNvPr id="10" name="Straight Arrow Connector 9"/>
+          <p:cNvCxnSpPr/>
+          <p:nvPr/>
+        </p:nvCxnSpPr>
+        <p:spPr>
+          <a:xfrm flipV="1">
+            <a:off x="3879215" y="2715895"/>
+            <a:ext cx="1141730" cy="1620520"/>
+          </a:xfrm>
+          <a:prstGeom prst="straightConnector1">
+            <a:avLst/>
+          </a:prstGeom>
+          <a:ln w="73025">
+            <a:solidFill>
+              <a:srgbClr val="FF3300"/>
+            </a:solidFill>
+            <a:tailEnd type="arrow"/>
+          </a:ln>
+        </p:spPr>
+        <p:style>
+          <a:lnRef idx="1">
+            <a:schemeClr val="accent1"/>
+          </a:lnRef>
+          <a:fillRef idx="0">
+            <a:schemeClr val="accent1"/>
+          </a:fillRef>
+          <a:effectRef idx="0">
+            <a:schemeClr val="accent1"/>
+          </a:effectRef>
+          <a:fontRef idx="minor">
+            <a:schemeClr val="tx1"/>
+          </a:fontRef>
+        </p:style>
+      </p:cxnSp>
+      <p:sp>
+        <p:nvSpPr>
+          <p:cNvPr id="13" name="Text Box 12"/>
+          <p:cNvSpPr txBox="1"/>
+          <p:nvPr/>
+        </p:nvSpPr>
+        <p:spPr>
+          <a:xfrm>
+            <a:off x="3937000" y="3121025"/>
+            <a:ext cx="572770" cy="521970"/>
+          </a:xfrm>
+          <a:prstGeom prst="rect">
+            <a:avLst/>
+          </a:prstGeom>
+          <a:noFill/>
+        </p:spPr>
+        <p:txBody>
+          <a:bodyPr wrap="square" rtlCol="0">
+            <a:spAutoFit/>
+          </a:bodyPr>
+          <a:p>
+            <a:r>
+              <a:rPr lang="en-US" sz="2800">
+                <a:solidFill>
+                  <a:srgbClr val="FF0000"/>
+                </a:solidFill>
+              </a:rPr>
+              <a:t>S1</a:t>
+            </a:r>
+            <a:endParaRPr lang="en-US" sz="2800">
+              <a:solidFill>
+                <a:srgbClr val="FF0000"/>
+              </a:solidFill>
+            </a:endParaRPr>
+          </a:p>
+        </p:txBody>
+      </p:sp>
+      <p:cxnSp>
+        <p:nvCxnSpPr>
+          <p:cNvPr id="16" name="Straight Arrow Connector 15"/>
+          <p:cNvCxnSpPr/>
+          <p:nvPr/>
+        </p:nvCxnSpPr>
+        <p:spPr>
+          <a:xfrm flipV="1">
+            <a:off x="5426710" y="2310130"/>
+            <a:ext cx="814705" cy="1616075"/>
+          </a:xfrm>
+          <a:prstGeom prst="straightConnector1">
+            <a:avLst/>
+          </a:prstGeom>
+          <a:ln w="73025">
+            <a:solidFill>
+              <a:srgbClr val="FF3300"/>
+            </a:solidFill>
+            <a:tailEnd type="arrow"/>
+          </a:ln>
+        </p:spPr>
+        <p:style>
+          <a:lnRef idx="1">
+            <a:schemeClr val="accent1"/>
+          </a:lnRef>
+          <a:fillRef idx="0">
+            <a:schemeClr val="accent1"/>
+          </a:fillRef>
+          <a:effectRef idx="0">
+            <a:schemeClr val="accent1"/>
+          </a:effectRef>
+          <a:fontRef idx="minor">
+            <a:schemeClr val="tx1"/>
+          </a:fontRef>
+        </p:style>
+      </p:cxnSp>
+      <p:cxnSp>
+        <p:nvCxnSpPr>
+          <p:cNvPr id="17" name="Straight Arrow Connector 16"/>
+          <p:cNvCxnSpPr/>
+          <p:nvPr/>
+        </p:nvCxnSpPr>
+        <p:spPr>
+          <a:xfrm>
+            <a:off x="5005070" y="2780665"/>
+            <a:ext cx="421640" cy="1259205"/>
+          </a:xfrm>
+          <a:prstGeom prst="straightConnector1">
+            <a:avLst/>
+          </a:prstGeom>
+          <a:ln w="66675">
+            <a:solidFill>
+              <a:schemeClr val="accent6">
+                <a:lumMod val="60000"/>
+                <a:lumOff val="40000"/>
+              </a:schemeClr>
+            </a:solidFill>
+            <a:tailEnd type="arrow"/>
+          </a:ln>
+        </p:spPr>
+        <p:style>
+          <a:lnRef idx="1">
+            <a:schemeClr val="accent1"/>
+          </a:lnRef>
+          <a:fillRef idx="0">
+            <a:schemeClr val="accent1"/>
+          </a:fillRef>
+          <a:effectRef idx="0">
+            <a:schemeClr val="accent1"/>
+          </a:effectRef>
+          <a:fontRef idx="minor">
+            <a:schemeClr val="tx1"/>
+          </a:fontRef>
+        </p:style>
+      </p:cxnSp>
+      <p:sp>
+        <p:nvSpPr>
+          <p:cNvPr id="18" name="Text Box 17"/>
+          <p:cNvSpPr txBox="1"/>
+          <p:nvPr/>
+        </p:nvSpPr>
+        <p:spPr>
+          <a:xfrm>
+            <a:off x="5344795" y="2230120"/>
+            <a:ext cx="572770" cy="521970"/>
+          </a:xfrm>
+          <a:prstGeom prst="rect">
+            <a:avLst/>
+          </a:prstGeom>
+          <a:noFill/>
+        </p:spPr>
+        <p:txBody>
+          <a:bodyPr wrap="square" rtlCol="0">
+            <a:spAutoFit/>
+          </a:bodyPr>
+          <a:p>
+            <a:r>
+              <a:rPr lang="en-US" sz="2800">
+                <a:solidFill>
+                  <a:srgbClr val="FF0000"/>
+                </a:solidFill>
+              </a:rPr>
+              <a:t>S2</a:t>
+            </a:r>
+            <a:endParaRPr lang="en-US" sz="2800">
+              <a:solidFill>
+                <a:srgbClr val="FF0000"/>
+              </a:solidFill>
+            </a:endParaRPr>
+          </a:p>
+        </p:txBody>
+      </p:sp>
+      <p:sp>
+        <p:nvSpPr>
+          <p:cNvPr id="19" name="Text Box 18"/>
+          <p:cNvSpPr txBox="1"/>
+          <p:nvPr/>
+        </p:nvSpPr>
+        <p:spPr>
+          <a:xfrm>
+            <a:off x="4659630" y="3814445"/>
+            <a:ext cx="767080" cy="521970"/>
+          </a:xfrm>
+          <a:prstGeom prst="rect">
+            <a:avLst/>
+          </a:prstGeom>
+          <a:noFill/>
+        </p:spPr>
+        <p:txBody>
+          <a:bodyPr wrap="square" rtlCol="0">
+            <a:spAutoFit/>
+          </a:bodyPr>
+          <a:p>
+            <a:r>
+              <a:rPr lang="en-US" sz="2800">
+                <a:solidFill>
+                  <a:schemeClr val="accent6">
+                    <a:lumMod val="60000"/>
+                    <a:lumOff val="40000"/>
+                  </a:schemeClr>
+                </a:solidFill>
+              </a:rPr>
+              <a:t>X1</a:t>
+            </a:r>
+            <a:endParaRPr lang="en-US" sz="2800">
+              <a:solidFill>
+                <a:schemeClr val="accent6">
+                  <a:lumMod val="60000"/>
+                  <a:lumOff val="40000"/>
+                </a:schemeClr>
+              </a:solidFill>
+            </a:endParaRPr>
+          </a:p>
+        </p:txBody>
+      </p:sp>
+      <p:cxnSp>
+        <p:nvCxnSpPr>
+          <p:cNvPr id="20" name="Straight Arrow Connector 19"/>
+          <p:cNvCxnSpPr/>
+          <p:nvPr/>
+        </p:nvCxnSpPr>
+        <p:spPr>
+          <a:xfrm>
+            <a:off x="6241415" y="2364105"/>
+            <a:ext cx="305435" cy="1039495"/>
+          </a:xfrm>
+          <a:prstGeom prst="straightConnector1">
+            <a:avLst/>
+          </a:prstGeom>
+          <a:ln w="66675">
+            <a:solidFill>
+              <a:schemeClr val="accent6">
+                <a:lumMod val="60000"/>
+                <a:lumOff val="40000"/>
+              </a:schemeClr>
+            </a:solidFill>
+            <a:tailEnd type="arrow"/>
+          </a:ln>
+        </p:spPr>
+        <p:style>
+          <a:lnRef idx="1">
+            <a:schemeClr val="accent1"/>
+          </a:lnRef>
+          <a:fillRef idx="0">
+            <a:schemeClr val="accent1"/>
+          </a:fillRef>
+          <a:effectRef idx="0">
+            <a:schemeClr val="accent1"/>
+          </a:effectRef>
+          <a:fontRef idx="minor">
+            <a:schemeClr val="tx1"/>
+          </a:fontRef>
+        </p:style>
+      </p:cxnSp>
+      <p:sp>
+        <p:nvSpPr>
+          <p:cNvPr id="21" name="Text Box 20"/>
+          <p:cNvSpPr txBox="1"/>
+          <p:nvPr/>
+        </p:nvSpPr>
+        <p:spPr>
+          <a:xfrm>
+            <a:off x="6546850" y="2580640"/>
+            <a:ext cx="767080" cy="521970"/>
+          </a:xfrm>
+          <a:prstGeom prst="rect">
+            <a:avLst/>
+          </a:prstGeom>
+          <a:noFill/>
+        </p:spPr>
+        <p:txBody>
+          <a:bodyPr wrap="square" rtlCol="0">
+            <a:spAutoFit/>
+          </a:bodyPr>
+          <a:p>
+            <a:r>
+              <a:rPr lang="en-US" sz="2800">
+                <a:solidFill>
+                  <a:schemeClr val="accent6">
+                    <a:lumMod val="60000"/>
+                    <a:lumOff val="40000"/>
+                  </a:schemeClr>
+                </a:solidFill>
+              </a:rPr>
+              <a:t>X2</a:t>
+            </a:r>
+            <a:endParaRPr lang="en-US" sz="2800">
+              <a:solidFill>
+                <a:schemeClr val="accent6">
+                  <a:lumMod val="60000"/>
+                  <a:lumOff val="40000"/>
+                </a:schemeClr>
+              </a:solidFill>
+            </a:endParaRPr>
+          </a:p>
+        </p:txBody>
+      </p:sp>
+      <p:cxnSp>
+        <p:nvCxnSpPr>
+          <p:cNvPr id="22" name="Straight Arrow Connector 21"/>
+          <p:cNvCxnSpPr/>
+          <p:nvPr/>
+        </p:nvCxnSpPr>
+        <p:spPr>
+          <a:xfrm flipV="1">
+            <a:off x="7529830" y="3699510"/>
+            <a:ext cx="771525" cy="1037590"/>
+          </a:xfrm>
+          <a:prstGeom prst="straightConnector1">
+            <a:avLst/>
+          </a:prstGeom>
+          <a:ln w="73025">
+            <a:solidFill>
+              <a:srgbClr val="FF3300"/>
+            </a:solidFill>
+            <a:tailEnd type="arrow"/>
+          </a:ln>
+        </p:spPr>
+        <p:style>
+          <a:lnRef idx="1">
+            <a:schemeClr val="accent1"/>
+          </a:lnRef>
+          <a:fillRef idx="0">
+            <a:schemeClr val="accent1"/>
+          </a:fillRef>
+          <a:effectRef idx="0">
+            <a:schemeClr val="accent1"/>
+          </a:effectRef>
+          <a:fontRef idx="minor">
+            <a:schemeClr val="tx1"/>
+          </a:fontRef>
+        </p:style>
+      </p:cxnSp>
+      <p:cxnSp>
+        <p:nvCxnSpPr>
+          <p:cNvPr id="23" name="Straight Arrow Connector 22"/>
+          <p:cNvCxnSpPr/>
+          <p:nvPr/>
+        </p:nvCxnSpPr>
+        <p:spPr>
+          <a:xfrm>
+            <a:off x="8295005" y="3814445"/>
+            <a:ext cx="764540" cy="2324735"/>
+          </a:xfrm>
+          <a:prstGeom prst="straightConnector1">
+            <a:avLst/>
+          </a:prstGeom>
+          <a:ln w="66675">
+            <a:solidFill>
+              <a:schemeClr val="accent6">
+                <a:lumMod val="60000"/>
+                <a:lumOff val="40000"/>
+              </a:schemeClr>
+            </a:solidFill>
+            <a:tailEnd type="arrow"/>
+          </a:ln>
+        </p:spPr>
+        <p:style>
+          <a:lnRef idx="1">
+            <a:schemeClr val="accent1"/>
+          </a:lnRef>
+          <a:fillRef idx="0">
+            <a:schemeClr val="accent1"/>
+          </a:fillRef>
+          <a:effectRef idx="0">
+            <a:schemeClr val="accent1"/>
+          </a:effectRef>
+          <a:fontRef idx="minor">
+            <a:schemeClr val="tx1"/>
+          </a:fontRef>
+        </p:style>
+      </p:cxnSp>
+      <p:sp>
+        <p:nvSpPr>
+          <p:cNvPr id="24" name="Text Box 23"/>
+          <p:cNvSpPr txBox="1"/>
+          <p:nvPr/>
+        </p:nvSpPr>
+        <p:spPr>
+          <a:xfrm>
+            <a:off x="8955405" y="5130800"/>
+            <a:ext cx="767080" cy="521970"/>
+          </a:xfrm>
+          <a:prstGeom prst="rect">
+            <a:avLst/>
+          </a:prstGeom>
+          <a:noFill/>
+        </p:spPr>
+        <p:txBody>
+          <a:bodyPr wrap="square" rtlCol="0">
+            <a:spAutoFit/>
+          </a:bodyPr>
+          <a:p>
+            <a:r>
+              <a:rPr lang="en-US" sz="2800">
+                <a:solidFill>
+                  <a:schemeClr val="accent6">
+                    <a:lumMod val="60000"/>
+                    <a:lumOff val="40000"/>
+                  </a:schemeClr>
+                </a:solidFill>
+              </a:rPr>
+              <a:t>X3</a:t>
+            </a:r>
+            <a:endParaRPr lang="en-US" sz="2800">
+              <a:solidFill>
+                <a:schemeClr val="accent6">
+                  <a:lumMod val="60000"/>
+                  <a:lumOff val="40000"/>
+                </a:schemeClr>
+              </a:solidFill>
+            </a:endParaRPr>
+          </a:p>
+        </p:txBody>
+      </p:sp>
+      <p:sp>
+        <p:nvSpPr>
+          <p:cNvPr id="25" name="Text Box 24"/>
+          <p:cNvSpPr txBox="1"/>
+          <p:nvPr/>
+        </p:nvSpPr>
+        <p:spPr>
+          <a:xfrm>
+            <a:off x="7853680" y="4336415"/>
+            <a:ext cx="572770" cy="521970"/>
+          </a:xfrm>
+          <a:prstGeom prst="rect">
+            <a:avLst/>
+          </a:prstGeom>
+          <a:noFill/>
+        </p:spPr>
+        <p:txBody>
+          <a:bodyPr wrap="square" rtlCol="0">
+            <a:spAutoFit/>
+          </a:bodyPr>
+          <a:p>
+            <a:r>
+              <a:rPr lang="en-US" sz="2800">
+                <a:solidFill>
+                  <a:srgbClr val="FF0000"/>
+                </a:solidFill>
+              </a:rPr>
+              <a:t>S3</a:t>
+            </a:r>
+            <a:endParaRPr lang="en-US" sz="2800">
+              <a:solidFill>
+                <a:srgbClr val="FF0000"/>
+              </a:solidFill>
+            </a:endParaRPr>
+          </a:p>
+        </p:txBody>
+      </p:sp>
+    </p:spTree>
+  </p:cSld>
+  <p:clrMapOvr>
+    <a:masterClrMapping/>
+  </p:clrMapOvr>
+</p:sld>
+</file>
+
+<file path=ppt/slides/slide16.xml><?xml version="1.0" encoding="utf-8"?>
+<p:sld xmlns:a="http://schemas.openxmlformats.org/drawingml/2006/main" xmlns:r="http://schemas.openxmlformats.org/officeDocument/2006/relationships" xmlns:p="http://schemas.openxmlformats.org/presentationml/2006/main">
+  <p:cSld>
+    <p:spTree>
+      <p:nvGrpSpPr>
+        <p:cNvPr id="1" name=""/>
+        <p:cNvGrpSpPr/>
+        <p:nvPr/>
+      </p:nvGrpSpPr>
+      <p:grpSpPr>
+        <a:xfrm>
+          <a:off x="0" y="0"/>
+          <a:ext cx="0" cy="0"/>
+          <a:chOff x="0" y="0"/>
+          <a:chExt cx="0" cy="0"/>
+        </a:xfrm>
+      </p:grpSpPr>
+      <p:cxnSp>
+        <p:nvCxnSpPr>
+          <p:cNvPr id="3" name="Straight Arrow Connector 2"/>
+          <p:cNvCxnSpPr/>
+          <p:nvPr/>
+        </p:nvCxnSpPr>
+        <p:spPr>
+          <a:xfrm>
+            <a:off x="968375" y="1541145"/>
+            <a:ext cx="2429510" cy="2121535"/>
+          </a:xfrm>
+          <a:prstGeom prst="straightConnector1">
+            <a:avLst/>
+          </a:prstGeom>
+          <a:ln w="82550">
+            <a:solidFill>
+              <a:schemeClr val="accent2">
+                <a:lumMod val="60000"/>
+                <a:lumOff val="40000"/>
+              </a:schemeClr>
+            </a:solidFill>
+            <a:prstDash val="sysDash"/>
+            <a:tailEnd type="arrow"/>
+          </a:ln>
+        </p:spPr>
+        <p:style>
+          <a:lnRef idx="1">
+            <a:schemeClr val="accent1"/>
+          </a:lnRef>
+          <a:fillRef idx="0">
+            <a:schemeClr val="accent1"/>
+          </a:fillRef>
+          <a:effectRef idx="0">
+            <a:schemeClr val="accent1"/>
+          </a:effectRef>
+          <a:fontRef idx="minor">
+            <a:schemeClr val="tx1"/>
+          </a:fontRef>
+        </p:style>
+      </p:cxnSp>
+      <p:cxnSp>
+        <p:nvCxnSpPr>
           <p:cNvPr id="6" name="Straight Arrow Connector 5"/>
           <p:cNvCxnSpPr/>
           <p:nvPr/>
@@ -6400,7 +7825,7 @@
 </p:sld>
 </file>
 
-<file path=ppt/slides/slide14.xml><?xml version="1.0" encoding="utf-8"?>
+<file path=ppt/slides/slide17.xml><?xml version="1.0" encoding="utf-8"?>
 <p:sld xmlns:a="http://schemas.openxmlformats.org/drawingml/2006/main" xmlns:r="http://schemas.openxmlformats.org/officeDocument/2006/relationships" xmlns:p="http://schemas.openxmlformats.org/presentationml/2006/main">
   <p:cSld>
     <p:spTree>
@@ -9242,9 +10667,9 @@
           <p:nvPr/>
         </p:nvCxnSpPr>
         <p:spPr>
-          <a:xfrm>
-            <a:off x="968375" y="1541145"/>
-            <a:ext cx="2429510" cy="2121535"/>
+          <a:xfrm flipV="1">
+            <a:off x="1432560" y="1673225"/>
+            <a:ext cx="1976755" cy="1927860"/>
           </a:xfrm>
           <a:prstGeom prst="straightConnector1">
             <a:avLst/>
@@ -9283,8 +10708,8 @@
         </p:nvCxnSpPr>
         <p:spPr>
           <a:xfrm flipV="1">
-            <a:off x="3411220" y="2077720"/>
-            <a:ext cx="1794510" cy="1536700"/>
+            <a:off x="4893945" y="2555240"/>
+            <a:ext cx="789940" cy="2466340"/>
           </a:xfrm>
           <a:prstGeom prst="straightConnector1">
             <a:avLst/>
@@ -9357,7 +10782,7 @@
         </p:nvSpPr>
         <p:spPr>
           <a:xfrm>
-            <a:off x="429260" y="3258185"/>
+            <a:off x="561340" y="3917315"/>
             <a:ext cx="2186305" cy="645160"/>
           </a:xfrm>
           <a:prstGeom prst="rect">
@@ -9372,7 +10797,7 @@
           <a:p>
             <a:r>
               <a:rPr lang="zh-CN" altLang="en-US"/>
-              <a:t>前面向下的线段，终结于</a:t>
+              <a:t>前面向上的线段，终结于</a:t>
             </a:r>
             <a:r>
               <a:rPr lang="en-US" altLang="zh-CN"/>
@@ -9423,7 +10848,7 @@
         </p:nvSpPr>
         <p:spPr>
           <a:xfrm>
-            <a:off x="3782060" y="3601085"/>
+            <a:off x="3647440" y="1442720"/>
             <a:ext cx="1830705" cy="645160"/>
           </a:xfrm>
           <a:prstGeom prst="rect">
@@ -9442,7 +10867,7 @@
             </a:r>
             <a:r>
               <a:rPr lang="en-US" altLang="zh-CN"/>
-              <a:t> S1</a:t>
+              <a:t> X1</a:t>
             </a:r>
             <a:endParaRPr lang="en-US" altLang="zh-CN"/>
           </a:p>
@@ -9456,7 +10881,7 @@
         </p:nvSpPr>
         <p:spPr>
           <a:xfrm>
-            <a:off x="3782060" y="2207895"/>
+            <a:off x="5111115" y="3978910"/>
             <a:ext cx="572770" cy="521970"/>
           </a:xfrm>
           <a:prstGeom prst="rect">
@@ -9487,50 +10912,14 @@
       </p:sp>
       <p:cxnSp>
         <p:nvCxnSpPr>
-          <p:cNvPr id="2" name="Straight Arrow Connector 1"/>
-          <p:cNvCxnSpPr/>
-          <p:nvPr/>
-        </p:nvCxnSpPr>
-        <p:spPr>
-          <a:xfrm flipV="1">
-            <a:off x="6208395" y="833120"/>
-            <a:ext cx="2926715" cy="4252595"/>
-          </a:xfrm>
-          <a:prstGeom prst="straightConnector1">
-            <a:avLst/>
-          </a:prstGeom>
-          <a:ln w="73025">
-            <a:solidFill>
-              <a:srgbClr val="FF3300"/>
-            </a:solidFill>
-            <a:tailEnd type="arrow"/>
-          </a:ln>
-        </p:spPr>
-        <p:style>
-          <a:lnRef idx="1">
-            <a:schemeClr val="accent1"/>
-          </a:lnRef>
-          <a:fillRef idx="0">
-            <a:schemeClr val="accent1"/>
-          </a:fillRef>
-          <a:effectRef idx="0">
-            <a:schemeClr val="accent1"/>
-          </a:effectRef>
-          <a:fontRef idx="minor">
-            <a:schemeClr val="tx1"/>
-          </a:fontRef>
-        </p:style>
-      </p:cxnSp>
-      <p:cxnSp>
-        <p:nvCxnSpPr>
           <p:cNvPr id="4" name="Straight Arrow Connector 3"/>
           <p:cNvCxnSpPr/>
           <p:nvPr/>
         </p:nvCxnSpPr>
         <p:spPr>
           <a:xfrm>
-            <a:off x="5189855" y="2142490"/>
-            <a:ext cx="1018540" cy="2943225"/>
+            <a:off x="3410585" y="1673225"/>
+            <a:ext cx="1482090" cy="3352800"/>
           </a:xfrm>
           <a:prstGeom prst="straightConnector1">
             <a:avLst/>
@@ -9562,50 +10951,13 @@
       </p:cxnSp>
       <p:sp>
         <p:nvSpPr>
-          <p:cNvPr id="5" name="Text Box 4"/>
-          <p:cNvSpPr txBox="1"/>
-          <p:nvPr/>
-        </p:nvSpPr>
-        <p:spPr>
-          <a:xfrm>
-            <a:off x="6925310" y="2160270"/>
-            <a:ext cx="572770" cy="521970"/>
-          </a:xfrm>
-          <a:prstGeom prst="rect">
-            <a:avLst/>
-          </a:prstGeom>
-          <a:noFill/>
-        </p:spPr>
-        <p:txBody>
-          <a:bodyPr wrap="square" rtlCol="0">
-            <a:spAutoFit/>
-          </a:bodyPr>
-          <a:p>
-            <a:r>
-              <a:rPr lang="en-US" sz="2800">
-                <a:solidFill>
-                  <a:srgbClr val="FF0000"/>
-                </a:solidFill>
-              </a:rPr>
-              <a:t>S2</a:t>
-            </a:r>
-            <a:endParaRPr lang="en-US" sz="2800">
-              <a:solidFill>
-                <a:srgbClr val="FF0000"/>
-              </a:solidFill>
-            </a:endParaRPr>
-          </a:p>
-        </p:txBody>
-      </p:sp>
-      <p:sp>
-        <p:nvSpPr>
           <p:cNvPr id="12" name="Text Box 11"/>
           <p:cNvSpPr txBox="1"/>
           <p:nvPr/>
         </p:nvSpPr>
         <p:spPr>
           <a:xfrm>
-            <a:off x="5448935" y="2729865"/>
+            <a:off x="4163060" y="2839720"/>
             <a:ext cx="767080" cy="521970"/>
           </a:xfrm>
           <a:prstGeom prst="rect">
@@ -9628,6 +10980,88 @@
                 </a:solidFill>
               </a:rPr>
               <a:t>X1</a:t>
+            </a:r>
+            <a:endParaRPr lang="en-US" sz="2800">
+              <a:solidFill>
+                <a:schemeClr val="accent6">
+                  <a:lumMod val="60000"/>
+                  <a:lumOff val="40000"/>
+                </a:schemeClr>
+              </a:solidFill>
+            </a:endParaRPr>
+          </a:p>
+        </p:txBody>
+      </p:sp>
+      <p:cxnSp>
+        <p:nvCxnSpPr>
+          <p:cNvPr id="13" name="Straight Arrow Connector 12"/>
+          <p:cNvCxnSpPr/>
+          <p:nvPr/>
+        </p:nvCxnSpPr>
+        <p:spPr>
+          <a:xfrm>
+            <a:off x="5683885" y="2563495"/>
+            <a:ext cx="609600" cy="1688465"/>
+          </a:xfrm>
+          <a:prstGeom prst="straightConnector1">
+            <a:avLst/>
+          </a:prstGeom>
+          <a:ln w="66675">
+            <a:solidFill>
+              <a:schemeClr val="accent6">
+                <a:lumMod val="60000"/>
+                <a:lumOff val="40000"/>
+              </a:schemeClr>
+            </a:solidFill>
+            <a:tailEnd type="arrow"/>
+          </a:ln>
+        </p:spPr>
+        <p:style>
+          <a:lnRef idx="1">
+            <a:schemeClr val="accent1"/>
+          </a:lnRef>
+          <a:fillRef idx="0">
+            <a:schemeClr val="accent1"/>
+          </a:fillRef>
+          <a:effectRef idx="0">
+            <a:schemeClr val="accent1"/>
+          </a:effectRef>
+          <a:fontRef idx="minor">
+            <a:schemeClr val="tx1"/>
+          </a:fontRef>
+        </p:style>
+      </p:cxnSp>
+      <p:sp>
+        <p:nvSpPr>
+          <p:cNvPr id="14" name="Text Box 13"/>
+          <p:cNvSpPr txBox="1"/>
+          <p:nvPr/>
+        </p:nvSpPr>
+        <p:spPr>
+          <a:xfrm>
+            <a:off x="6223000" y="3079115"/>
+            <a:ext cx="767080" cy="521970"/>
+          </a:xfrm>
+          <a:prstGeom prst="rect">
+            <a:avLst/>
+          </a:prstGeom>
+          <a:noFill/>
+        </p:spPr>
+        <p:txBody>
+          <a:bodyPr wrap="square" rtlCol="0">
+            <a:spAutoFit/>
+          </a:bodyPr>
+          <a:p>
+            <a:r>
+              <a:rPr lang="en-US" sz="2800">
+                <a:solidFill>
+                  <a:schemeClr val="accent6">
+                    <a:lumMod val="60000"/>
+                    <a:lumOff val="40000"/>
+                  </a:schemeClr>
+                </a:solidFill>
+              </a:rPr>
+              <a:t>X2</a:t>
             </a:r>
             <a:endParaRPr lang="en-US" sz="2800">
               <a:solidFill>
@@ -9672,9 +11106,9 @@
           <p:nvPr/>
         </p:nvCxnSpPr>
         <p:spPr>
-          <a:xfrm>
-            <a:off x="968375" y="1541145"/>
-            <a:ext cx="2429510" cy="2121535"/>
+          <a:xfrm flipV="1">
+            <a:off x="1432560" y="1673225"/>
+            <a:ext cx="1976755" cy="1927860"/>
           </a:xfrm>
           <a:prstGeom prst="straightConnector1">
             <a:avLst/>
@@ -9713,8 +11147,8 @@
         </p:nvCxnSpPr>
         <p:spPr>
           <a:xfrm flipV="1">
-            <a:off x="3411220" y="2077720"/>
-            <a:ext cx="1794510" cy="1536700"/>
+            <a:off x="4893945" y="2555240"/>
+            <a:ext cx="789940" cy="2466340"/>
           </a:xfrm>
           <a:prstGeom prst="straightConnector1">
             <a:avLst/>
@@ -9787,7 +11221,7 @@
         </p:nvSpPr>
         <p:spPr>
           <a:xfrm>
-            <a:off x="429260" y="3258185"/>
+            <a:off x="561340" y="3917315"/>
             <a:ext cx="2186305" cy="645160"/>
           </a:xfrm>
           <a:prstGeom prst="rect">
@@ -9802,7 +11236,7 @@
           <a:p>
             <a:r>
               <a:rPr lang="zh-CN" altLang="en-US"/>
-              <a:t>前面向下的线段，终结于</a:t>
+              <a:t>前面向上的线段，终结于</a:t>
             </a:r>
             <a:r>
               <a:rPr lang="en-US" altLang="zh-CN"/>
@@ -9853,7 +11287,7 @@
         </p:nvSpPr>
         <p:spPr>
           <a:xfrm>
-            <a:off x="3782060" y="3601085"/>
+            <a:off x="3647440" y="1442720"/>
             <a:ext cx="1830705" cy="645160"/>
           </a:xfrm>
           <a:prstGeom prst="rect">
@@ -9872,7 +11306,7 @@
             </a:r>
             <a:r>
               <a:rPr lang="en-US" altLang="zh-CN"/>
-              <a:t> S1</a:t>
+              <a:t> X1</a:t>
             </a:r>
             <a:endParaRPr lang="en-US" altLang="zh-CN"/>
           </a:p>
@@ -9886,7 +11320,7 @@
         </p:nvSpPr>
         <p:spPr>
           <a:xfrm>
-            <a:off x="3782060" y="2207895"/>
+            <a:off x="5111115" y="3978910"/>
             <a:ext cx="572770" cy="521970"/>
           </a:xfrm>
           <a:prstGeom prst="rect">
@@ -9917,50 +11351,14 @@
       </p:sp>
       <p:cxnSp>
         <p:nvCxnSpPr>
-          <p:cNvPr id="2" name="Straight Arrow Connector 1"/>
-          <p:cNvCxnSpPr/>
-          <p:nvPr/>
-        </p:nvCxnSpPr>
-        <p:spPr>
-          <a:xfrm flipV="1">
-            <a:off x="6208395" y="3840480"/>
-            <a:ext cx="614680" cy="1245235"/>
-          </a:xfrm>
-          <a:prstGeom prst="straightConnector1">
-            <a:avLst/>
-          </a:prstGeom>
-          <a:ln w="73025">
-            <a:solidFill>
-              <a:srgbClr val="FF3300"/>
-            </a:solidFill>
-            <a:tailEnd type="arrow"/>
-          </a:ln>
-        </p:spPr>
-        <p:style>
-          <a:lnRef idx="1">
-            <a:schemeClr val="accent1"/>
-          </a:lnRef>
-          <a:fillRef idx="0">
-            <a:schemeClr val="accent1"/>
-          </a:fillRef>
-          <a:effectRef idx="0">
-            <a:schemeClr val="accent1"/>
-          </a:effectRef>
-          <a:fontRef idx="minor">
-            <a:schemeClr val="tx1"/>
-          </a:fontRef>
-        </p:style>
-      </p:cxnSp>
-      <p:cxnSp>
-        <p:nvCxnSpPr>
           <p:cNvPr id="4" name="Straight Arrow Connector 3"/>
           <p:cNvCxnSpPr/>
           <p:nvPr/>
         </p:nvCxnSpPr>
         <p:spPr>
           <a:xfrm>
-            <a:off x="5189855" y="2142490"/>
-            <a:ext cx="1018540" cy="2943225"/>
+            <a:off x="3410585" y="1673225"/>
+            <a:ext cx="1482090" cy="3352800"/>
           </a:xfrm>
           <a:prstGeom prst="straightConnector1">
             <a:avLst/>
@@ -9992,50 +11390,13 @@
       </p:cxnSp>
       <p:sp>
         <p:nvSpPr>
-          <p:cNvPr id="5" name="Text Box 4"/>
-          <p:cNvSpPr txBox="1"/>
-          <p:nvPr/>
-        </p:nvSpPr>
-        <p:spPr>
-          <a:xfrm>
-            <a:off x="6699250" y="4424045"/>
-            <a:ext cx="572770" cy="521970"/>
-          </a:xfrm>
-          <a:prstGeom prst="rect">
-            <a:avLst/>
-          </a:prstGeom>
-          <a:noFill/>
-        </p:spPr>
-        <p:txBody>
-          <a:bodyPr wrap="square" rtlCol="0">
-            <a:spAutoFit/>
-          </a:bodyPr>
-          <a:p>
-            <a:r>
-              <a:rPr lang="en-US" sz="2800">
-                <a:solidFill>
-                  <a:srgbClr val="FF0000"/>
-                </a:solidFill>
-              </a:rPr>
-              <a:t>S2</a:t>
-            </a:r>
-            <a:endParaRPr lang="en-US" sz="2800">
-              <a:solidFill>
-                <a:srgbClr val="FF0000"/>
-              </a:solidFill>
-            </a:endParaRPr>
-          </a:p>
-        </p:txBody>
-      </p:sp>
-      <p:sp>
-        <p:nvSpPr>
           <p:cNvPr id="12" name="Text Box 11"/>
           <p:cNvSpPr txBox="1"/>
           <p:nvPr/>
         </p:nvSpPr>
         <p:spPr>
           <a:xfrm>
-            <a:off x="5448935" y="2729865"/>
+            <a:off x="4163060" y="2839720"/>
             <a:ext cx="767080" cy="521970"/>
           </a:xfrm>
           <a:prstGeom prst="rect">
@@ -10058,6 +11419,88 @@
                 </a:solidFill>
               </a:rPr>
               <a:t>X1</a:t>
+            </a:r>
+            <a:endParaRPr lang="en-US" sz="2800">
+              <a:solidFill>
+                <a:schemeClr val="accent6">
+                  <a:lumMod val="60000"/>
+                  <a:lumOff val="40000"/>
+                </a:schemeClr>
+              </a:solidFill>
+            </a:endParaRPr>
+          </a:p>
+        </p:txBody>
+      </p:sp>
+      <p:cxnSp>
+        <p:nvCxnSpPr>
+          <p:cNvPr id="13" name="Straight Arrow Connector 12"/>
+          <p:cNvCxnSpPr/>
+          <p:nvPr/>
+        </p:nvCxnSpPr>
+        <p:spPr>
+          <a:xfrm>
+            <a:off x="5683885" y="2563495"/>
+            <a:ext cx="609600" cy="1688465"/>
+          </a:xfrm>
+          <a:prstGeom prst="straightConnector1">
+            <a:avLst/>
+          </a:prstGeom>
+          <a:ln w="66675">
+            <a:solidFill>
+              <a:schemeClr val="accent6">
+                <a:lumMod val="60000"/>
+                <a:lumOff val="40000"/>
+              </a:schemeClr>
+            </a:solidFill>
+            <a:tailEnd type="arrow"/>
+          </a:ln>
+        </p:spPr>
+        <p:style>
+          <a:lnRef idx="1">
+            <a:schemeClr val="accent1"/>
+          </a:lnRef>
+          <a:fillRef idx="0">
+            <a:schemeClr val="accent1"/>
+          </a:fillRef>
+          <a:effectRef idx="0">
+            <a:schemeClr val="accent1"/>
+          </a:effectRef>
+          <a:fontRef idx="minor">
+            <a:schemeClr val="tx1"/>
+          </a:fontRef>
+        </p:style>
+      </p:cxnSp>
+      <p:sp>
+        <p:nvSpPr>
+          <p:cNvPr id="14" name="Text Box 13"/>
+          <p:cNvSpPr txBox="1"/>
+          <p:nvPr/>
+        </p:nvSpPr>
+        <p:spPr>
+          <a:xfrm>
+            <a:off x="6223000" y="3079115"/>
+            <a:ext cx="767080" cy="521970"/>
+          </a:xfrm>
+          <a:prstGeom prst="rect">
+            <a:avLst/>
+          </a:prstGeom>
+          <a:noFill/>
+        </p:spPr>
+        <p:txBody>
+          <a:bodyPr wrap="square" rtlCol="0">
+            <a:spAutoFit/>
+          </a:bodyPr>
+          <a:p>
+            <a:r>
+              <a:rPr lang="en-US" sz="2800">
+                <a:solidFill>
+                  <a:schemeClr val="accent6">
+                    <a:lumMod val="60000"/>
+                    <a:lumOff val="40000"/>
+                  </a:schemeClr>
+                </a:solidFill>
+              </a:rPr>
+              <a:t>X2</a:t>
             </a:r>
             <a:endParaRPr lang="en-US" sz="2800">
               <a:solidFill>
@@ -10097,14 +11540,54 @@
       </p:grpSpPr>
       <p:cxnSp>
         <p:nvCxnSpPr>
+          <p:cNvPr id="3" name="Straight Arrow Connector 2"/>
+          <p:cNvCxnSpPr/>
+          <p:nvPr/>
+        </p:nvCxnSpPr>
+        <p:spPr>
+          <a:xfrm>
+            <a:off x="968375" y="1541145"/>
+            <a:ext cx="2429510" cy="2121535"/>
+          </a:xfrm>
+          <a:prstGeom prst="straightConnector1">
+            <a:avLst/>
+          </a:prstGeom>
+          <a:ln w="82550">
+            <a:solidFill>
+              <a:schemeClr val="accent2">
+                <a:lumMod val="60000"/>
+                <a:lumOff val="40000"/>
+              </a:schemeClr>
+            </a:solidFill>
+            <a:prstDash val="sysDash"/>
+            <a:tailEnd type="arrow"/>
+          </a:ln>
+        </p:spPr>
+        <p:style>
+          <a:lnRef idx="1">
+            <a:schemeClr val="accent1"/>
+          </a:lnRef>
+          <a:fillRef idx="0">
+            <a:schemeClr val="accent1"/>
+          </a:fillRef>
+          <a:effectRef idx="0">
+            <a:schemeClr val="accent1"/>
+          </a:effectRef>
+          <a:fontRef idx="minor">
+            <a:schemeClr val="tx1"/>
+          </a:fontRef>
+        </p:style>
+      </p:cxnSp>
+      <p:cxnSp>
+        <p:nvCxnSpPr>
           <p:cNvPr id="6" name="Straight Arrow Connector 5"/>
           <p:cNvCxnSpPr/>
           <p:nvPr/>
         </p:nvCxnSpPr>
         <p:spPr>
           <a:xfrm flipV="1">
-            <a:off x="3421380" y="1637665"/>
-            <a:ext cx="1406525" cy="1471930"/>
+            <a:off x="3411220" y="2077720"/>
+            <a:ext cx="1794510" cy="1536700"/>
           </a:xfrm>
           <a:prstGeom prst="straightConnector1">
             <a:avLst/>
@@ -10131,6 +11614,143 @@
           </a:fontRef>
         </p:style>
       </p:cxnSp>
+      <p:cxnSp>
+        <p:nvCxnSpPr>
+          <p:cNvPr id="7" name="Straight Connector 6"/>
+          <p:cNvCxnSpPr/>
+          <p:nvPr/>
+        </p:nvCxnSpPr>
+        <p:spPr>
+          <a:xfrm>
+            <a:off x="3409315" y="509270"/>
+            <a:ext cx="0" cy="5918200"/>
+          </a:xfrm>
+          <a:prstGeom prst="line">
+            <a:avLst/>
+          </a:prstGeom>
+          <a:ln w="63500">
+            <a:solidFill>
+              <a:schemeClr val="bg1">
+                <a:lumMod val="50000"/>
+              </a:schemeClr>
+            </a:solidFill>
+            <a:prstDash val="dash"/>
+          </a:ln>
+        </p:spPr>
+        <p:style>
+          <a:lnRef idx="1">
+            <a:schemeClr val="accent1"/>
+          </a:lnRef>
+          <a:fillRef idx="0">
+            <a:schemeClr val="accent1"/>
+          </a:fillRef>
+          <a:effectRef idx="0">
+            <a:schemeClr val="accent1"/>
+          </a:effectRef>
+          <a:fontRef idx="minor">
+            <a:schemeClr val="tx1"/>
+          </a:fontRef>
+        </p:style>
+      </p:cxnSp>
+      <p:sp>
+        <p:nvSpPr>
+          <p:cNvPr id="8" name="Text Box 7"/>
+          <p:cNvSpPr txBox="1"/>
+          <p:nvPr/>
+        </p:nvSpPr>
+        <p:spPr>
+          <a:xfrm>
+            <a:off x="429260" y="3258185"/>
+            <a:ext cx="2186305" cy="645160"/>
+          </a:xfrm>
+          <a:prstGeom prst="rect">
+            <a:avLst/>
+          </a:prstGeom>
+          <a:noFill/>
+        </p:spPr>
+        <p:txBody>
+          <a:bodyPr wrap="square" rtlCol="0">
+            <a:spAutoFit/>
+          </a:bodyPr>
+          <a:p>
+            <a:r>
+              <a:rPr lang="zh-CN" altLang="en-US"/>
+              <a:t>前面向下的线段，终结于</a:t>
+            </a:r>
+            <a:r>
+              <a:rPr lang="en-US" altLang="zh-CN"/>
+              <a:t>A</a:t>
+            </a:r>
+            <a:r>
+              <a:rPr lang="zh-CN" altLang="en-US"/>
+              <a:t>点</a:t>
+            </a:r>
+            <a:endParaRPr lang="zh-CN" altLang="en-US"/>
+          </a:p>
+        </p:txBody>
+      </p:sp>
+      <p:sp>
+        <p:nvSpPr>
+          <p:cNvPr id="9" name="Text Box 8"/>
+          <p:cNvSpPr txBox="1"/>
+          <p:nvPr/>
+        </p:nvSpPr>
+        <p:spPr>
+          <a:xfrm>
+            <a:off x="3171190" y="3662680"/>
+            <a:ext cx="476250" cy="583565"/>
+          </a:xfrm>
+          <a:prstGeom prst="rect">
+            <a:avLst/>
+          </a:prstGeom>
+          <a:noFill/>
+        </p:spPr>
+        <p:txBody>
+          <a:bodyPr wrap="none" rtlCol="0">
+            <a:spAutoFit/>
+          </a:bodyPr>
+          <a:p>
+            <a:r>
+              <a:rPr lang="en-US" sz="3200"/>
+              <a:t>A</a:t>
+            </a:r>
+            <a:endParaRPr lang="en-US" sz="3200"/>
+          </a:p>
+        </p:txBody>
+      </p:sp>
+      <p:sp>
+        <p:nvSpPr>
+          <p:cNvPr id="10" name="Text Box 9"/>
+          <p:cNvSpPr txBox="1"/>
+          <p:nvPr/>
+        </p:nvSpPr>
+        <p:spPr>
+          <a:xfrm>
+            <a:off x="3782060" y="3601085"/>
+            <a:ext cx="1830705" cy="645160"/>
+          </a:xfrm>
+          <a:prstGeom prst="rect">
+            <a:avLst/>
+          </a:prstGeom>
+          <a:noFill/>
+        </p:spPr>
+        <p:txBody>
+          <a:bodyPr wrap="square" rtlCol="0">
+            <a:spAutoFit/>
+          </a:bodyPr>
+          <a:p>
+            <a:r>
+              <a:rPr lang="zh-CN" altLang="en-US"/>
+              <a:t>新线段开始的第一笔</a:t>
+            </a:r>
+            <a:r>
+              <a:rPr lang="en-US" altLang="zh-CN"/>
+              <a:t> S1</a:t>
+            </a:r>
+            <a:endParaRPr lang="en-US" altLang="zh-CN"/>
+          </a:p>
+        </p:txBody>
+      </p:sp>
       <p:sp>
         <p:nvSpPr>
           <p:cNvPr id="11" name="Text Box 10"/>
@@ -10139,7 +11759,7 @@
         </p:nvSpPr>
         <p:spPr>
           <a:xfrm>
-            <a:off x="3404235" y="1767840"/>
+            <a:off x="3782060" y="2207895"/>
             <a:ext cx="572770" cy="521970"/>
           </a:xfrm>
           <a:prstGeom prst="rect">
@@ -10176,8 +11796,8 @@
         </p:nvCxnSpPr>
         <p:spPr>
           <a:xfrm flipV="1">
-            <a:off x="5636260" y="3515995"/>
-            <a:ext cx="420370" cy="760095"/>
+            <a:off x="6208395" y="833120"/>
+            <a:ext cx="2926715" cy="4252595"/>
           </a:xfrm>
           <a:prstGeom prst="straightConnector1">
             <a:avLst/>
@@ -10212,8 +11832,8 @@
         </p:nvCxnSpPr>
         <p:spPr>
           <a:xfrm>
-            <a:off x="4812030" y="1702435"/>
-            <a:ext cx="824230" cy="2573655"/>
+            <a:off x="5189855" y="2142490"/>
+            <a:ext cx="1018540" cy="2943225"/>
           </a:xfrm>
           <a:prstGeom prst="straightConnector1">
             <a:avLst/>
@@ -10251,7 +11871,7 @@
         </p:nvSpPr>
         <p:spPr>
           <a:xfrm>
-            <a:off x="5734685" y="4026535"/>
+            <a:off x="6925310" y="2160270"/>
             <a:ext cx="572770" cy="521970"/>
           </a:xfrm>
           <a:prstGeom prst="rect">
@@ -10288,7 +11908,7 @@
         </p:nvSpPr>
         <p:spPr>
           <a:xfrm>
-            <a:off x="5289550" y="2435225"/>
+            <a:off x="5448935" y="2729865"/>
             <a:ext cx="767080" cy="521970"/>
           </a:xfrm>
           <a:prstGeom prst="rect">
@@ -10311,88 +11931,6 @@
                 </a:solidFill>
               </a:rPr>
               <a:t>X1</a:t>
-            </a:r>
-            <a:endParaRPr lang="en-US" sz="2800">
-              <a:solidFill>
-                <a:schemeClr val="accent6">
-                  <a:lumMod val="60000"/>
-                  <a:lumOff val="40000"/>
-                </a:schemeClr>
-              </a:solidFill>
-            </a:endParaRPr>
-          </a:p>
-        </p:txBody>
-      </p:sp>
-      <p:cxnSp>
-        <p:nvCxnSpPr>
-          <p:cNvPr id="14" name="Straight Arrow Connector 13"/>
-          <p:cNvCxnSpPr/>
-          <p:nvPr/>
-        </p:nvCxnSpPr>
-        <p:spPr>
-          <a:xfrm>
-            <a:off x="8747125" y="4156075"/>
-            <a:ext cx="1228725" cy="2134870"/>
-          </a:xfrm>
-          <a:prstGeom prst="straightConnector1">
-            <a:avLst/>
-          </a:prstGeom>
-          <a:ln w="66675">
-            <a:solidFill>
-              <a:schemeClr val="accent6">
-                <a:lumMod val="60000"/>
-                <a:lumOff val="40000"/>
-              </a:schemeClr>
-            </a:solidFill>
-            <a:tailEnd type="arrow"/>
-          </a:ln>
-        </p:spPr>
-        <p:style>
-          <a:lnRef idx="1">
-            <a:schemeClr val="accent1"/>
-          </a:lnRef>
-          <a:fillRef idx="0">
-            <a:schemeClr val="accent1"/>
-          </a:fillRef>
-          <a:effectRef idx="0">
-            <a:schemeClr val="accent1"/>
-          </a:effectRef>
-          <a:fontRef idx="minor">
-            <a:schemeClr val="tx1"/>
-          </a:fontRef>
-        </p:style>
-      </p:cxnSp>
-      <p:sp>
-        <p:nvSpPr>
-          <p:cNvPr id="15" name="Text Box 14"/>
-          <p:cNvSpPr txBox="1"/>
-          <p:nvPr/>
-        </p:nvSpPr>
-        <p:spPr>
-          <a:xfrm>
-            <a:off x="9975850" y="4026535"/>
-            <a:ext cx="767080" cy="521970"/>
-          </a:xfrm>
-          <a:prstGeom prst="rect">
-            <a:avLst/>
-          </a:prstGeom>
-          <a:noFill/>
-        </p:spPr>
-        <p:txBody>
-          <a:bodyPr wrap="square" rtlCol="0">
-            <a:spAutoFit/>
-          </a:bodyPr>
-          <a:p>
-            <a:r>
-              <a:rPr lang="en-US" sz="2800">
-                <a:solidFill>
-                  <a:schemeClr val="accent6">
-                    <a:lumMod val="60000"/>
-                    <a:lumOff val="40000"/>
-                  </a:schemeClr>
-                </a:solidFill>
-              </a:rPr>
-              <a:t>X2</a:t>
             </a:r>
             <a:endParaRPr lang="en-US" sz="2800">
               <a:solidFill>
@@ -10430,6 +11968,219 @@
           <a:chExt cx="0" cy="0"/>
         </a:xfrm>
       </p:grpSpPr>
+      <p:cxnSp>
+        <p:nvCxnSpPr>
+          <p:cNvPr id="3" name="Straight Arrow Connector 2"/>
+          <p:cNvCxnSpPr/>
+          <p:nvPr/>
+        </p:nvCxnSpPr>
+        <p:spPr>
+          <a:xfrm>
+            <a:off x="968375" y="1541145"/>
+            <a:ext cx="2429510" cy="2121535"/>
+          </a:xfrm>
+          <a:prstGeom prst="straightConnector1">
+            <a:avLst/>
+          </a:prstGeom>
+          <a:ln w="82550">
+            <a:solidFill>
+              <a:schemeClr val="accent2">
+                <a:lumMod val="60000"/>
+                <a:lumOff val="40000"/>
+              </a:schemeClr>
+            </a:solidFill>
+            <a:prstDash val="sysDash"/>
+            <a:tailEnd type="arrow"/>
+          </a:ln>
+        </p:spPr>
+        <p:style>
+          <a:lnRef idx="1">
+            <a:schemeClr val="accent1"/>
+          </a:lnRef>
+          <a:fillRef idx="0">
+            <a:schemeClr val="accent1"/>
+          </a:fillRef>
+          <a:effectRef idx="0">
+            <a:schemeClr val="accent1"/>
+          </a:effectRef>
+          <a:fontRef idx="minor">
+            <a:schemeClr val="tx1"/>
+          </a:fontRef>
+        </p:style>
+      </p:cxnSp>
+      <p:cxnSp>
+        <p:nvCxnSpPr>
+          <p:cNvPr id="6" name="Straight Arrow Connector 5"/>
+          <p:cNvCxnSpPr/>
+          <p:nvPr/>
+        </p:nvCxnSpPr>
+        <p:spPr>
+          <a:xfrm flipV="1">
+            <a:off x="3411220" y="2077720"/>
+            <a:ext cx="1794510" cy="1536700"/>
+          </a:xfrm>
+          <a:prstGeom prst="straightConnector1">
+            <a:avLst/>
+          </a:prstGeom>
+          <a:ln w="73025">
+            <a:solidFill>
+              <a:srgbClr val="FF3300"/>
+            </a:solidFill>
+            <a:tailEnd type="arrow"/>
+          </a:ln>
+        </p:spPr>
+        <p:style>
+          <a:lnRef idx="1">
+            <a:schemeClr val="accent1"/>
+          </a:lnRef>
+          <a:fillRef idx="0">
+            <a:schemeClr val="accent1"/>
+          </a:fillRef>
+          <a:effectRef idx="0">
+            <a:schemeClr val="accent1"/>
+          </a:effectRef>
+          <a:fontRef idx="minor">
+            <a:schemeClr val="tx1"/>
+          </a:fontRef>
+        </p:style>
+      </p:cxnSp>
+      <p:cxnSp>
+        <p:nvCxnSpPr>
+          <p:cNvPr id="7" name="Straight Connector 6"/>
+          <p:cNvCxnSpPr/>
+          <p:nvPr/>
+        </p:nvCxnSpPr>
+        <p:spPr>
+          <a:xfrm>
+            <a:off x="3409315" y="509270"/>
+            <a:ext cx="0" cy="5918200"/>
+          </a:xfrm>
+          <a:prstGeom prst="line">
+            <a:avLst/>
+          </a:prstGeom>
+          <a:ln w="63500">
+            <a:solidFill>
+              <a:schemeClr val="bg1">
+                <a:lumMod val="50000"/>
+              </a:schemeClr>
+            </a:solidFill>
+            <a:prstDash val="dash"/>
+          </a:ln>
+        </p:spPr>
+        <p:style>
+          <a:lnRef idx="1">
+            <a:schemeClr val="accent1"/>
+          </a:lnRef>
+          <a:fillRef idx="0">
+            <a:schemeClr val="accent1"/>
+          </a:fillRef>
+          <a:effectRef idx="0">
+            <a:schemeClr val="accent1"/>
+          </a:effectRef>
+          <a:fontRef idx="minor">
+            <a:schemeClr val="tx1"/>
+          </a:fontRef>
+        </p:style>
+      </p:cxnSp>
+      <p:sp>
+        <p:nvSpPr>
+          <p:cNvPr id="8" name="Text Box 7"/>
+          <p:cNvSpPr txBox="1"/>
+          <p:nvPr/>
+        </p:nvSpPr>
+        <p:spPr>
+          <a:xfrm>
+            <a:off x="429260" y="3258185"/>
+            <a:ext cx="2186305" cy="645160"/>
+          </a:xfrm>
+          <a:prstGeom prst="rect">
+            <a:avLst/>
+          </a:prstGeom>
+          <a:noFill/>
+        </p:spPr>
+        <p:txBody>
+          <a:bodyPr wrap="square" rtlCol="0">
+            <a:spAutoFit/>
+          </a:bodyPr>
+          <a:p>
+            <a:r>
+              <a:rPr lang="zh-CN" altLang="en-US"/>
+              <a:t>前面向下的线段，终结于</a:t>
+            </a:r>
+            <a:r>
+              <a:rPr lang="en-US" altLang="zh-CN"/>
+              <a:t>A</a:t>
+            </a:r>
+            <a:r>
+              <a:rPr lang="zh-CN" altLang="en-US"/>
+              <a:t>点</a:t>
+            </a:r>
+            <a:endParaRPr lang="zh-CN" altLang="en-US"/>
+          </a:p>
+        </p:txBody>
+      </p:sp>
+      <p:sp>
+        <p:nvSpPr>
+          <p:cNvPr id="9" name="Text Box 8"/>
+          <p:cNvSpPr txBox="1"/>
+          <p:nvPr/>
+        </p:nvSpPr>
+        <p:spPr>
+          <a:xfrm>
+            <a:off x="3171190" y="3662680"/>
+            <a:ext cx="476250" cy="583565"/>
+          </a:xfrm>
+          <a:prstGeom prst="rect">
+            <a:avLst/>
+          </a:prstGeom>
+          <a:noFill/>
+        </p:spPr>
+        <p:txBody>
+          <a:bodyPr wrap="none" rtlCol="0">
+            <a:spAutoFit/>
+          </a:bodyPr>
+          <a:p>
+            <a:r>
+              <a:rPr lang="en-US" sz="3200"/>
+              <a:t>A</a:t>
+            </a:r>
+            <a:endParaRPr lang="en-US" sz="3200"/>
+          </a:p>
+        </p:txBody>
+      </p:sp>
+      <p:sp>
+        <p:nvSpPr>
+          <p:cNvPr id="10" name="Text Box 9"/>
+          <p:cNvSpPr txBox="1"/>
+          <p:nvPr/>
+        </p:nvSpPr>
+        <p:spPr>
+          <a:xfrm>
+            <a:off x="3782060" y="3601085"/>
+            <a:ext cx="1830705" cy="645160"/>
+          </a:xfrm>
+          <a:prstGeom prst="rect">
+            <a:avLst/>
+          </a:prstGeom>
+          <a:noFill/>
+        </p:spPr>
+        <p:txBody>
+          <a:bodyPr wrap="square" rtlCol="0">
+            <a:spAutoFit/>
+          </a:bodyPr>
+          <a:p>
+            <a:r>
+              <a:rPr lang="zh-CN" altLang="en-US"/>
+              <a:t>新线段开始的第一笔</a:t>
+            </a:r>
+            <a:r>
+              <a:rPr lang="en-US" altLang="zh-CN"/>
+              <a:t> S1</a:t>
+            </a:r>
+            <a:endParaRPr lang="en-US" altLang="zh-CN"/>
+          </a:p>
+        </p:txBody>
+      </p:sp>
       <p:sp>
         <p:nvSpPr>
           <p:cNvPr id="11" name="Text Box 10"/>
@@ -10438,7 +12189,7 @@
         </p:nvSpPr>
         <p:spPr>
           <a:xfrm>
-            <a:off x="2368550" y="3550920"/>
+            <a:off x="3782060" y="2207895"/>
             <a:ext cx="572770" cy="521970"/>
           </a:xfrm>
           <a:prstGeom prst="rect">
@@ -10475,8 +12226,8 @@
         </p:nvCxnSpPr>
         <p:spPr>
           <a:xfrm flipV="1">
-            <a:off x="2223770" y="3592830"/>
-            <a:ext cx="1120140" cy="1120775"/>
+            <a:off x="6208395" y="3840480"/>
+            <a:ext cx="614680" cy="1245235"/>
           </a:xfrm>
           <a:prstGeom prst="straightConnector1">
             <a:avLst/>
@@ -10511,8 +12262,8 @@
         </p:nvCxnSpPr>
         <p:spPr>
           <a:xfrm>
-            <a:off x="1235075" y="2868295"/>
-            <a:ext cx="988695" cy="1845310"/>
+            <a:off x="5189855" y="2142490"/>
+            <a:ext cx="1018540" cy="2943225"/>
           </a:xfrm>
           <a:prstGeom prst="straightConnector1">
             <a:avLst/>
@@ -10544,13 +12295,50 @@
       </p:cxnSp>
       <p:sp>
         <p:nvSpPr>
+          <p:cNvPr id="5" name="Text Box 4"/>
+          <p:cNvSpPr txBox="1"/>
+          <p:nvPr/>
+        </p:nvSpPr>
+        <p:spPr>
+          <a:xfrm>
+            <a:off x="6699250" y="4424045"/>
+            <a:ext cx="572770" cy="521970"/>
+          </a:xfrm>
+          <a:prstGeom prst="rect">
+            <a:avLst/>
+          </a:prstGeom>
+          <a:noFill/>
+        </p:spPr>
+        <p:txBody>
+          <a:bodyPr wrap="square" rtlCol="0">
+            <a:spAutoFit/>
+          </a:bodyPr>
+          <a:p>
+            <a:r>
+              <a:rPr lang="en-US" sz="2800">
+                <a:solidFill>
+                  <a:srgbClr val="FF0000"/>
+                </a:solidFill>
+              </a:rPr>
+              <a:t>S2</a:t>
+            </a:r>
+            <a:endParaRPr lang="en-US" sz="2800">
+              <a:solidFill>
+                <a:srgbClr val="FF0000"/>
+              </a:solidFill>
+            </a:endParaRPr>
+          </a:p>
+        </p:txBody>
+      </p:sp>
+      <p:sp>
+        <p:nvSpPr>
           <p:cNvPr id="12" name="Text Box 11"/>
           <p:cNvSpPr txBox="1"/>
           <p:nvPr/>
         </p:nvSpPr>
         <p:spPr>
           <a:xfrm>
-            <a:off x="1664970" y="3107690"/>
+            <a:off x="5448935" y="2729865"/>
             <a:ext cx="767080" cy="521970"/>
           </a:xfrm>
           <a:prstGeom prst="rect">
@@ -10580,161 +12368,6 @@
                   <a:lumMod val="60000"/>
                   <a:lumOff val="40000"/>
                 </a:schemeClr>
-              </a:solidFill>
-            </a:endParaRPr>
-          </a:p>
-        </p:txBody>
-      </p:sp>
-      <p:cxnSp>
-        <p:nvCxnSpPr>
-          <p:cNvPr id="14" name="Straight Arrow Connector 13"/>
-          <p:cNvCxnSpPr/>
-          <p:nvPr/>
-        </p:nvCxnSpPr>
-        <p:spPr>
-          <a:xfrm>
-            <a:off x="3343910" y="3629660"/>
-            <a:ext cx="906145" cy="1858010"/>
-          </a:xfrm>
-          <a:prstGeom prst="straightConnector1">
-            <a:avLst/>
-          </a:prstGeom>
-          <a:ln w="66675">
-            <a:solidFill>
-              <a:schemeClr val="accent6">
-                <a:lumMod val="60000"/>
-                <a:lumOff val="40000"/>
-              </a:schemeClr>
-            </a:solidFill>
-            <a:tailEnd type="arrow"/>
-          </a:ln>
-        </p:spPr>
-        <p:style>
-          <a:lnRef idx="1">
-            <a:schemeClr val="accent1"/>
-          </a:lnRef>
-          <a:fillRef idx="0">
-            <a:schemeClr val="accent1"/>
-          </a:fillRef>
-          <a:effectRef idx="0">
-            <a:schemeClr val="accent1"/>
-          </a:effectRef>
-          <a:fontRef idx="minor">
-            <a:schemeClr val="tx1"/>
-          </a:fontRef>
-        </p:style>
-      </p:cxnSp>
-      <p:sp>
-        <p:nvSpPr>
-          <p:cNvPr id="15" name="Text Box 14"/>
-          <p:cNvSpPr txBox="1"/>
-          <p:nvPr/>
-        </p:nvSpPr>
-        <p:spPr>
-          <a:xfrm>
-            <a:off x="3698875" y="3892550"/>
-            <a:ext cx="767080" cy="521970"/>
-          </a:xfrm>
-          <a:prstGeom prst="rect">
-            <a:avLst/>
-          </a:prstGeom>
-          <a:noFill/>
-        </p:spPr>
-        <p:txBody>
-          <a:bodyPr wrap="square" rtlCol="0">
-            <a:spAutoFit/>
-          </a:bodyPr>
-          <a:p>
-            <a:r>
-              <a:rPr lang="en-US" sz="2800">
-                <a:solidFill>
-                  <a:schemeClr val="accent6">
-                    <a:lumMod val="60000"/>
-                    <a:lumOff val="40000"/>
-                  </a:schemeClr>
-                </a:solidFill>
-              </a:rPr>
-              <a:t>X2</a:t>
-            </a:r>
-            <a:endParaRPr lang="en-US" sz="2800">
-              <a:solidFill>
-                <a:schemeClr val="accent6">
-                  <a:lumMod val="60000"/>
-                  <a:lumOff val="40000"/>
-                </a:schemeClr>
-              </a:solidFill>
-            </a:endParaRPr>
-          </a:p>
-        </p:txBody>
-      </p:sp>
-      <p:cxnSp>
-        <p:nvCxnSpPr>
-          <p:cNvPr id="3" name="Straight Arrow Connector 2"/>
-          <p:cNvCxnSpPr/>
-          <p:nvPr/>
-        </p:nvCxnSpPr>
-        <p:spPr>
-          <a:xfrm flipV="1">
-            <a:off x="4250055" y="3049270"/>
-            <a:ext cx="1614805" cy="2301875"/>
-          </a:xfrm>
-          <a:prstGeom prst="straightConnector1">
-            <a:avLst/>
-          </a:prstGeom>
-          <a:ln w="73025">
-            <a:solidFill>
-              <a:srgbClr val="FF3300"/>
-            </a:solidFill>
-            <a:tailEnd type="arrow"/>
-          </a:ln>
-        </p:spPr>
-        <p:style>
-          <a:lnRef idx="1">
-            <a:schemeClr val="accent1"/>
-          </a:lnRef>
-          <a:fillRef idx="0">
-            <a:schemeClr val="accent1"/>
-          </a:fillRef>
-          <a:effectRef idx="0">
-            <a:schemeClr val="accent1"/>
-          </a:effectRef>
-          <a:fontRef idx="minor">
-            <a:schemeClr val="tx1"/>
-          </a:fontRef>
-        </p:style>
-      </p:cxnSp>
-      <p:sp>
-        <p:nvSpPr>
-          <p:cNvPr id="7" name="Text Box 6"/>
-          <p:cNvSpPr txBox="1"/>
-          <p:nvPr/>
-        </p:nvSpPr>
-        <p:spPr>
-          <a:xfrm>
-            <a:off x="4652645" y="3370580"/>
-            <a:ext cx="572770" cy="521970"/>
-          </a:xfrm>
-          <a:prstGeom prst="rect">
-            <a:avLst/>
-          </a:prstGeom>
-          <a:noFill/>
-        </p:spPr>
-        <p:txBody>
-          <a:bodyPr wrap="square" rtlCol="0">
-            <a:spAutoFit/>
-          </a:bodyPr>
-          <a:p>
-            <a:r>
-              <a:rPr lang="en-US" sz="2800">
-                <a:solidFill>
-                  <a:srgbClr val="FF0000"/>
-                </a:solidFill>
-              </a:rPr>
-              <a:t>S2</a:t>
-            </a:r>
-            <a:endParaRPr lang="en-US" sz="2800">
-              <a:solidFill>
-                <a:srgbClr val="FF0000"/>
               </a:solidFill>
             </a:endParaRPr>
           </a:p>
@@ -10765,6 +12398,42 @@
           <a:chExt cx="0" cy="0"/>
         </a:xfrm>
       </p:grpSpPr>
+      <p:cxnSp>
+        <p:nvCxnSpPr>
+          <p:cNvPr id="6" name="Straight Arrow Connector 5"/>
+          <p:cNvCxnSpPr/>
+          <p:nvPr/>
+        </p:nvCxnSpPr>
+        <p:spPr>
+          <a:xfrm flipV="1">
+            <a:off x="3421380" y="1637665"/>
+            <a:ext cx="1406525" cy="1471930"/>
+          </a:xfrm>
+          <a:prstGeom prst="straightConnector1">
+            <a:avLst/>
+          </a:prstGeom>
+          <a:ln w="73025">
+            <a:solidFill>
+              <a:srgbClr val="FF3300"/>
+            </a:solidFill>
+            <a:tailEnd type="arrow"/>
+          </a:ln>
+        </p:spPr>
+        <p:style>
+          <a:lnRef idx="1">
+            <a:schemeClr val="accent1"/>
+          </a:lnRef>
+          <a:fillRef idx="0">
+            <a:schemeClr val="accent1"/>
+          </a:fillRef>
+          <a:effectRef idx="0">
+            <a:schemeClr val="accent1"/>
+          </a:effectRef>
+          <a:fontRef idx="minor">
+            <a:schemeClr val="tx1"/>
+          </a:fontRef>
+        </p:style>
+      </p:cxnSp>
       <p:sp>
         <p:nvSpPr>
           <p:cNvPr id="11" name="Text Box 10"/>
@@ -10773,7 +12442,7 @@
         </p:nvSpPr>
         <p:spPr>
           <a:xfrm>
-            <a:off x="2368550" y="3550920"/>
+            <a:off x="3404235" y="1767840"/>
             <a:ext cx="572770" cy="521970"/>
           </a:xfrm>
           <a:prstGeom prst="rect">
@@ -10810,8 +12479,8 @@
         </p:nvCxnSpPr>
         <p:spPr>
           <a:xfrm flipV="1">
-            <a:off x="2223770" y="3592830"/>
-            <a:ext cx="1120140" cy="1120775"/>
+            <a:off x="5636260" y="3515995"/>
+            <a:ext cx="420370" cy="760095"/>
           </a:xfrm>
           <a:prstGeom prst="straightConnector1">
             <a:avLst/>
@@ -10846,8 +12515,8 @@
         </p:nvCxnSpPr>
         <p:spPr>
           <a:xfrm>
-            <a:off x="1235075" y="2868295"/>
-            <a:ext cx="988695" cy="1845310"/>
+            <a:off x="4812030" y="1702435"/>
+            <a:ext cx="824230" cy="2573655"/>
           </a:xfrm>
           <a:prstGeom prst="straightConnector1">
             <a:avLst/>
@@ -10879,13 +12548,50 @@
       </p:cxnSp>
       <p:sp>
         <p:nvSpPr>
+          <p:cNvPr id="5" name="Text Box 4"/>
+          <p:cNvSpPr txBox="1"/>
+          <p:nvPr/>
+        </p:nvSpPr>
+        <p:spPr>
+          <a:xfrm>
+            <a:off x="5734685" y="4026535"/>
+            <a:ext cx="572770" cy="521970"/>
+          </a:xfrm>
+          <a:prstGeom prst="rect">
+            <a:avLst/>
+          </a:prstGeom>
+          <a:noFill/>
+        </p:spPr>
+        <p:txBody>
+          <a:bodyPr wrap="square" rtlCol="0">
+            <a:spAutoFit/>
+          </a:bodyPr>
+          <a:p>
+            <a:r>
+              <a:rPr lang="en-US" sz="2800">
+                <a:solidFill>
+                  <a:srgbClr val="FF0000"/>
+                </a:solidFill>
+              </a:rPr>
+              <a:t>S2</a:t>
+            </a:r>
+            <a:endParaRPr lang="en-US" sz="2800">
+              <a:solidFill>
+                <a:srgbClr val="FF0000"/>
+              </a:solidFill>
+            </a:endParaRPr>
+          </a:p>
+        </p:txBody>
+      </p:sp>
+      <p:sp>
+        <p:nvSpPr>
           <p:cNvPr id="12" name="Text Box 11"/>
           <p:cNvSpPr txBox="1"/>
           <p:nvPr/>
         </p:nvSpPr>
         <p:spPr>
           <a:xfrm>
-            <a:off x="1664970" y="3107690"/>
+            <a:off x="5289550" y="2435225"/>
             <a:ext cx="767080" cy="521970"/>
           </a:xfrm>
           <a:prstGeom prst="rect">
@@ -10928,8 +12634,8 @@
         </p:nvCxnSpPr>
         <p:spPr>
           <a:xfrm>
-            <a:off x="3343910" y="3629660"/>
-            <a:ext cx="906145" cy="1858010"/>
+            <a:off x="8747125" y="4156075"/>
+            <a:ext cx="1228725" cy="2134870"/>
           </a:xfrm>
           <a:prstGeom prst="straightConnector1">
             <a:avLst/>
@@ -10967,7 +12673,7 @@
         </p:nvSpPr>
         <p:spPr>
           <a:xfrm>
-            <a:off x="3698875" y="3892550"/>
+            <a:off x="9975850" y="4026535"/>
             <a:ext cx="767080" cy="521970"/>
           </a:xfrm>
           <a:prstGeom prst="rect">
@@ -10997,79 +12703,6 @@
                   <a:lumMod val="60000"/>
                   <a:lumOff val="40000"/>
                 </a:schemeClr>
-              </a:solidFill>
-            </a:endParaRPr>
-          </a:p>
-        </p:txBody>
-      </p:sp>
-      <p:cxnSp>
-        <p:nvCxnSpPr>
-          <p:cNvPr id="3" name="Straight Arrow Connector 2"/>
-          <p:cNvCxnSpPr/>
-          <p:nvPr/>
-        </p:nvCxnSpPr>
-        <p:spPr>
-          <a:xfrm flipV="1">
-            <a:off x="4250055" y="4351020"/>
-            <a:ext cx="708660" cy="1000125"/>
-          </a:xfrm>
-          <a:prstGeom prst="straightConnector1">
-            <a:avLst/>
-          </a:prstGeom>
-          <a:ln w="73025">
-            <a:solidFill>
-              <a:srgbClr val="FF3300"/>
-            </a:solidFill>
-            <a:tailEnd type="arrow"/>
-          </a:ln>
-        </p:spPr>
-        <p:style>
-          <a:lnRef idx="1">
-            <a:schemeClr val="accent1"/>
-          </a:lnRef>
-          <a:fillRef idx="0">
-            <a:schemeClr val="accent1"/>
-          </a:fillRef>
-          <a:effectRef idx="0">
-            <a:schemeClr val="accent1"/>
-          </a:effectRef>
-          <a:fontRef idx="minor">
-            <a:schemeClr val="tx1"/>
-          </a:fontRef>
-        </p:style>
-      </p:cxnSp>
-      <p:sp>
-        <p:nvSpPr>
-          <p:cNvPr id="7" name="Text Box 6"/>
-          <p:cNvSpPr txBox="1"/>
-          <p:nvPr/>
-        </p:nvSpPr>
-        <p:spPr>
-          <a:xfrm>
-            <a:off x="4465955" y="4829175"/>
-            <a:ext cx="572770" cy="521970"/>
-          </a:xfrm>
-          <a:prstGeom prst="rect">
-            <a:avLst/>
-          </a:prstGeom>
-          <a:noFill/>
-        </p:spPr>
-        <p:txBody>
-          <a:bodyPr wrap="square" rtlCol="0">
-            <a:spAutoFit/>
-          </a:bodyPr>
-          <a:p>
-            <a:r>
-              <a:rPr lang="en-US" sz="2800">
-                <a:solidFill>
-                  <a:srgbClr val="FF0000"/>
-                </a:solidFill>
-              </a:rPr>
-              <a:t>S2</a:t>
-            </a:r>
-            <a:endParaRPr lang="en-US" sz="2800">
-              <a:solidFill>
-                <a:srgbClr val="FF0000"/>
               </a:solidFill>
             </a:endParaRPr>
           </a:p>

--- a/finance/chanlun/charts.pptx
+++ b/finance/chanlun/charts.pptx
@@ -5,10 +5,10 @@
     <p:sldMasterId id="2147483648" r:id="rId1"/>
   </p:sldMasterIdLst>
   <p:notesMasterIdLst>
-    <p:notesMasterId r:id="rId20"/>
+    <p:notesMasterId r:id="rId22"/>
   </p:notesMasterIdLst>
   <p:handoutMasterIdLst>
-    <p:handoutMasterId r:id="rId21"/>
+    <p:handoutMasterId r:id="rId23"/>
   </p:handoutMasterIdLst>
   <p:sldIdLst>
     <p:sldId id="256" r:id="rId3"/>
@@ -28,6 +28,8 @@
     <p:sldId id="269" r:id="rId17"/>
     <p:sldId id="265" r:id="rId18"/>
     <p:sldId id="266" r:id="rId19"/>
+    <p:sldId id="274" r:id="rId20"/>
+    <p:sldId id="275" r:id="rId21"/>
   </p:sldIdLst>
   <p:sldSz cx="12192000" cy="6858000"/>
   <p:notesSz cx="7103745" cy="10234295"/>
@@ -8492,6 +8494,1348 @@
 </p:sld>
 </file>
 
+<file path=ppt/slides/slide18.xml><?xml version="1.0" encoding="utf-8"?>
+<p:sld xmlns:a="http://schemas.openxmlformats.org/drawingml/2006/main" xmlns:r="http://schemas.openxmlformats.org/officeDocument/2006/relationships" xmlns:p="http://schemas.openxmlformats.org/presentationml/2006/main">
+  <p:cSld>
+    <p:spTree>
+      <p:nvGrpSpPr>
+        <p:cNvPr id="1" name=""/>
+        <p:cNvGrpSpPr/>
+        <p:nvPr/>
+      </p:nvGrpSpPr>
+      <p:grpSpPr>
+        <a:xfrm>
+          <a:off x="0" y="0"/>
+          <a:ext cx="0" cy="0"/>
+          <a:chOff x="0" y="0"/>
+          <a:chExt cx="0" cy="0"/>
+        </a:xfrm>
+      </p:grpSpPr>
+      <p:cxnSp>
+        <p:nvCxnSpPr>
+          <p:cNvPr id="6" name="Straight Arrow Connector 5"/>
+          <p:cNvCxnSpPr/>
+          <p:nvPr/>
+        </p:nvCxnSpPr>
+        <p:spPr>
+          <a:xfrm flipV="1">
+            <a:off x="594360" y="4330700"/>
+            <a:ext cx="1437640" cy="2064385"/>
+          </a:xfrm>
+          <a:prstGeom prst="straightConnector1">
+            <a:avLst/>
+          </a:prstGeom>
+          <a:ln w="73025">
+            <a:solidFill>
+              <a:srgbClr val="FF3300"/>
+            </a:solidFill>
+            <a:tailEnd type="arrow"/>
+          </a:ln>
+        </p:spPr>
+        <p:style>
+          <a:lnRef idx="1">
+            <a:schemeClr val="accent1"/>
+          </a:lnRef>
+          <a:fillRef idx="0">
+            <a:schemeClr val="accent1"/>
+          </a:fillRef>
+          <a:effectRef idx="0">
+            <a:schemeClr val="accent1"/>
+          </a:effectRef>
+          <a:fontRef idx="minor">
+            <a:schemeClr val="tx1"/>
+          </a:fontRef>
+        </p:style>
+      </p:cxnSp>
+      <p:sp>
+        <p:nvSpPr>
+          <p:cNvPr id="11" name="Text Box 10"/>
+          <p:cNvSpPr txBox="1"/>
+          <p:nvPr/>
+        </p:nvSpPr>
+        <p:spPr>
+          <a:xfrm>
+            <a:off x="594360" y="4707255"/>
+            <a:ext cx="572770" cy="521970"/>
+          </a:xfrm>
+          <a:prstGeom prst="rect">
+            <a:avLst/>
+          </a:prstGeom>
+          <a:noFill/>
+        </p:spPr>
+        <p:txBody>
+          <a:bodyPr wrap="square" rtlCol="0">
+            <a:spAutoFit/>
+          </a:bodyPr>
+          <a:p>
+            <a:r>
+              <a:rPr lang="en-US" sz="2800">
+                <a:solidFill>
+                  <a:srgbClr val="FF0000"/>
+                </a:solidFill>
+              </a:rPr>
+              <a:t>S1</a:t>
+            </a:r>
+            <a:endParaRPr lang="en-US" sz="2800">
+              <a:solidFill>
+                <a:srgbClr val="FF0000"/>
+              </a:solidFill>
+            </a:endParaRPr>
+          </a:p>
+        </p:txBody>
+      </p:sp>
+      <p:cxnSp>
+        <p:nvCxnSpPr>
+          <p:cNvPr id="2" name="Straight Arrow Connector 1"/>
+          <p:cNvCxnSpPr/>
+          <p:nvPr/>
+        </p:nvCxnSpPr>
+        <p:spPr>
+          <a:xfrm flipV="1">
+            <a:off x="2502535" y="3242945"/>
+            <a:ext cx="1357630" cy="1789430"/>
+          </a:xfrm>
+          <a:prstGeom prst="straightConnector1">
+            <a:avLst/>
+          </a:prstGeom>
+          <a:ln w="73025">
+            <a:solidFill>
+              <a:srgbClr val="FF3300"/>
+            </a:solidFill>
+            <a:tailEnd type="arrow"/>
+          </a:ln>
+        </p:spPr>
+        <p:style>
+          <a:lnRef idx="1">
+            <a:schemeClr val="accent1"/>
+          </a:lnRef>
+          <a:fillRef idx="0">
+            <a:schemeClr val="accent1"/>
+          </a:fillRef>
+          <a:effectRef idx="0">
+            <a:schemeClr val="accent1"/>
+          </a:effectRef>
+          <a:fontRef idx="minor">
+            <a:schemeClr val="tx1"/>
+          </a:fontRef>
+        </p:style>
+      </p:cxnSp>
+      <p:cxnSp>
+        <p:nvCxnSpPr>
+          <p:cNvPr id="4" name="Straight Arrow Connector 3"/>
+          <p:cNvCxnSpPr/>
+          <p:nvPr/>
+        </p:nvCxnSpPr>
+        <p:spPr>
+          <a:xfrm>
+            <a:off x="2032000" y="4443730"/>
+            <a:ext cx="470535" cy="588645"/>
+          </a:xfrm>
+          <a:prstGeom prst="straightConnector1">
+            <a:avLst/>
+          </a:prstGeom>
+          <a:ln w="66675">
+            <a:solidFill>
+              <a:schemeClr val="accent6">
+                <a:lumMod val="60000"/>
+                <a:lumOff val="40000"/>
+              </a:schemeClr>
+            </a:solidFill>
+            <a:tailEnd type="arrow"/>
+          </a:ln>
+        </p:spPr>
+        <p:style>
+          <a:lnRef idx="1">
+            <a:schemeClr val="accent1"/>
+          </a:lnRef>
+          <a:fillRef idx="0">
+            <a:schemeClr val="accent1"/>
+          </a:fillRef>
+          <a:effectRef idx="0">
+            <a:schemeClr val="accent1"/>
+          </a:effectRef>
+          <a:fontRef idx="minor">
+            <a:schemeClr val="tx1"/>
+          </a:fontRef>
+        </p:style>
+      </p:cxnSp>
+      <p:sp>
+        <p:nvSpPr>
+          <p:cNvPr id="5" name="Text Box 4"/>
+          <p:cNvSpPr txBox="1"/>
+          <p:nvPr/>
+        </p:nvSpPr>
+        <p:spPr>
+          <a:xfrm>
+            <a:off x="2502535" y="3580765"/>
+            <a:ext cx="572770" cy="521970"/>
+          </a:xfrm>
+          <a:prstGeom prst="rect">
+            <a:avLst/>
+          </a:prstGeom>
+          <a:noFill/>
+        </p:spPr>
+        <p:txBody>
+          <a:bodyPr wrap="square" rtlCol="0">
+            <a:spAutoFit/>
+          </a:bodyPr>
+          <a:p>
+            <a:r>
+              <a:rPr lang="en-US" sz="2800">
+                <a:solidFill>
+                  <a:srgbClr val="FF0000"/>
+                </a:solidFill>
+              </a:rPr>
+              <a:t>S2</a:t>
+            </a:r>
+            <a:endParaRPr lang="en-US" sz="2800">
+              <a:solidFill>
+                <a:srgbClr val="FF0000"/>
+              </a:solidFill>
+            </a:endParaRPr>
+          </a:p>
+        </p:txBody>
+      </p:sp>
+      <p:sp>
+        <p:nvSpPr>
+          <p:cNvPr id="12" name="Text Box 11"/>
+          <p:cNvSpPr txBox="1"/>
+          <p:nvPr/>
+        </p:nvSpPr>
+        <p:spPr>
+          <a:xfrm>
+            <a:off x="1735455" y="5032375"/>
+            <a:ext cx="767080" cy="521970"/>
+          </a:xfrm>
+          <a:prstGeom prst="rect">
+            <a:avLst/>
+          </a:prstGeom>
+          <a:noFill/>
+        </p:spPr>
+        <p:txBody>
+          <a:bodyPr wrap="square" rtlCol="0">
+            <a:spAutoFit/>
+          </a:bodyPr>
+          <a:p>
+            <a:r>
+              <a:rPr lang="en-US" sz="2800">
+                <a:solidFill>
+                  <a:schemeClr val="accent6">
+                    <a:lumMod val="60000"/>
+                    <a:lumOff val="40000"/>
+                  </a:schemeClr>
+                </a:solidFill>
+              </a:rPr>
+              <a:t>X1</a:t>
+            </a:r>
+            <a:endParaRPr lang="en-US" sz="2800">
+              <a:solidFill>
+                <a:schemeClr val="accent6">
+                  <a:lumMod val="60000"/>
+                  <a:lumOff val="40000"/>
+                </a:schemeClr>
+              </a:solidFill>
+            </a:endParaRPr>
+          </a:p>
+        </p:txBody>
+      </p:sp>
+      <p:cxnSp>
+        <p:nvCxnSpPr>
+          <p:cNvPr id="24" name="Straight Arrow Connector 23"/>
+          <p:cNvCxnSpPr/>
+          <p:nvPr/>
+        </p:nvCxnSpPr>
+        <p:spPr>
+          <a:xfrm>
+            <a:off x="3860165" y="3242945"/>
+            <a:ext cx="476250" cy="635000"/>
+          </a:xfrm>
+          <a:prstGeom prst="straightConnector1">
+            <a:avLst/>
+          </a:prstGeom>
+          <a:ln w="66675">
+            <a:solidFill>
+              <a:schemeClr val="accent6">
+                <a:lumMod val="60000"/>
+                <a:lumOff val="40000"/>
+              </a:schemeClr>
+            </a:solidFill>
+            <a:tailEnd type="arrow"/>
+          </a:ln>
+        </p:spPr>
+        <p:style>
+          <a:lnRef idx="1">
+            <a:schemeClr val="accent1"/>
+          </a:lnRef>
+          <a:fillRef idx="0">
+            <a:schemeClr val="accent1"/>
+          </a:fillRef>
+          <a:effectRef idx="0">
+            <a:schemeClr val="accent1"/>
+          </a:effectRef>
+          <a:fontRef idx="minor">
+            <a:schemeClr val="tx1"/>
+          </a:fontRef>
+        </p:style>
+      </p:cxnSp>
+      <p:cxnSp>
+        <p:nvCxnSpPr>
+          <p:cNvPr id="25" name="Straight Arrow Connector 24"/>
+          <p:cNvCxnSpPr/>
+          <p:nvPr/>
+        </p:nvCxnSpPr>
+        <p:spPr>
+          <a:xfrm flipV="1">
+            <a:off x="4336415" y="2118995"/>
+            <a:ext cx="1546860" cy="1695450"/>
+          </a:xfrm>
+          <a:prstGeom prst="straightConnector1">
+            <a:avLst/>
+          </a:prstGeom>
+          <a:ln w="73025">
+            <a:solidFill>
+              <a:srgbClr val="FF3300"/>
+            </a:solidFill>
+            <a:tailEnd type="arrow"/>
+          </a:ln>
+        </p:spPr>
+        <p:style>
+          <a:lnRef idx="1">
+            <a:schemeClr val="accent1"/>
+          </a:lnRef>
+          <a:fillRef idx="0">
+            <a:schemeClr val="accent1"/>
+          </a:fillRef>
+          <a:effectRef idx="0">
+            <a:schemeClr val="accent1"/>
+          </a:effectRef>
+          <a:fontRef idx="minor">
+            <a:schemeClr val="tx1"/>
+          </a:fontRef>
+        </p:style>
+      </p:cxnSp>
+      <p:cxnSp>
+        <p:nvCxnSpPr>
+          <p:cNvPr id="26" name="Straight Arrow Connector 25"/>
+          <p:cNvCxnSpPr/>
+          <p:nvPr/>
+        </p:nvCxnSpPr>
+        <p:spPr>
+          <a:xfrm>
+            <a:off x="5883275" y="2152015"/>
+            <a:ext cx="423545" cy="568960"/>
+          </a:xfrm>
+          <a:prstGeom prst="straightConnector1">
+            <a:avLst/>
+          </a:prstGeom>
+          <a:ln w="66675">
+            <a:solidFill>
+              <a:schemeClr val="accent6">
+                <a:lumMod val="60000"/>
+                <a:lumOff val="40000"/>
+              </a:schemeClr>
+            </a:solidFill>
+            <a:tailEnd type="arrow"/>
+          </a:ln>
+        </p:spPr>
+        <p:style>
+          <a:lnRef idx="1">
+            <a:schemeClr val="accent1"/>
+          </a:lnRef>
+          <a:fillRef idx="0">
+            <a:schemeClr val="accent1"/>
+          </a:fillRef>
+          <a:effectRef idx="0">
+            <a:schemeClr val="accent1"/>
+          </a:effectRef>
+          <a:fontRef idx="minor">
+            <a:schemeClr val="tx1"/>
+          </a:fontRef>
+        </p:style>
+      </p:cxnSp>
+      <p:sp>
+        <p:nvSpPr>
+          <p:cNvPr id="27" name="Text Box 26"/>
+          <p:cNvSpPr txBox="1"/>
+          <p:nvPr/>
+        </p:nvSpPr>
+        <p:spPr>
+          <a:xfrm>
+            <a:off x="3569335" y="3718560"/>
+            <a:ext cx="767080" cy="521970"/>
+          </a:xfrm>
+          <a:prstGeom prst="rect">
+            <a:avLst/>
+          </a:prstGeom>
+          <a:noFill/>
+        </p:spPr>
+        <p:txBody>
+          <a:bodyPr wrap="square" rtlCol="0">
+            <a:spAutoFit/>
+          </a:bodyPr>
+          <a:p>
+            <a:r>
+              <a:rPr lang="en-US" sz="2800">
+                <a:solidFill>
+                  <a:schemeClr val="accent6">
+                    <a:lumMod val="60000"/>
+                    <a:lumOff val="40000"/>
+                  </a:schemeClr>
+                </a:solidFill>
+              </a:rPr>
+              <a:t>X2</a:t>
+            </a:r>
+            <a:endParaRPr lang="en-US" sz="2800">
+              <a:solidFill>
+                <a:schemeClr val="accent6">
+                  <a:lumMod val="60000"/>
+                  <a:lumOff val="40000"/>
+                </a:schemeClr>
+              </a:solidFill>
+            </a:endParaRPr>
+          </a:p>
+        </p:txBody>
+      </p:sp>
+      <p:sp>
+        <p:nvSpPr>
+          <p:cNvPr id="28" name="Text Box 27"/>
+          <p:cNvSpPr txBox="1"/>
+          <p:nvPr/>
+        </p:nvSpPr>
+        <p:spPr>
+          <a:xfrm>
+            <a:off x="6028690" y="1845945"/>
+            <a:ext cx="767080" cy="521970"/>
+          </a:xfrm>
+          <a:prstGeom prst="rect">
+            <a:avLst/>
+          </a:prstGeom>
+          <a:noFill/>
+        </p:spPr>
+        <p:txBody>
+          <a:bodyPr wrap="square" rtlCol="0">
+            <a:spAutoFit/>
+          </a:bodyPr>
+          <a:p>
+            <a:r>
+              <a:rPr lang="en-US" sz="2800">
+                <a:solidFill>
+                  <a:schemeClr val="accent6">
+                    <a:lumMod val="60000"/>
+                    <a:lumOff val="40000"/>
+                  </a:schemeClr>
+                </a:solidFill>
+              </a:rPr>
+              <a:t>X3</a:t>
+            </a:r>
+            <a:endParaRPr lang="en-US" sz="2800">
+              <a:solidFill>
+                <a:schemeClr val="accent6">
+                  <a:lumMod val="60000"/>
+                  <a:lumOff val="40000"/>
+                </a:schemeClr>
+              </a:solidFill>
+            </a:endParaRPr>
+          </a:p>
+        </p:txBody>
+      </p:sp>
+      <p:sp>
+        <p:nvSpPr>
+          <p:cNvPr id="29" name="Text Box 28"/>
+          <p:cNvSpPr txBox="1"/>
+          <p:nvPr/>
+        </p:nvSpPr>
+        <p:spPr>
+          <a:xfrm>
+            <a:off x="4662170" y="2284730"/>
+            <a:ext cx="572770" cy="521970"/>
+          </a:xfrm>
+          <a:prstGeom prst="rect">
+            <a:avLst/>
+          </a:prstGeom>
+          <a:noFill/>
+        </p:spPr>
+        <p:txBody>
+          <a:bodyPr wrap="square" rtlCol="0">
+            <a:spAutoFit/>
+          </a:bodyPr>
+          <a:p>
+            <a:r>
+              <a:rPr lang="en-US" sz="2800">
+                <a:solidFill>
+                  <a:srgbClr val="FF0000"/>
+                </a:solidFill>
+              </a:rPr>
+              <a:t>S3</a:t>
+            </a:r>
+            <a:endParaRPr lang="en-US" sz="2800">
+              <a:solidFill>
+                <a:srgbClr val="FF0000"/>
+              </a:solidFill>
+            </a:endParaRPr>
+          </a:p>
+        </p:txBody>
+      </p:sp>
+      <p:cxnSp>
+        <p:nvCxnSpPr>
+          <p:cNvPr id="13" name="Straight Arrow Connector 12"/>
+          <p:cNvCxnSpPr/>
+          <p:nvPr/>
+        </p:nvCxnSpPr>
+        <p:spPr>
+          <a:xfrm flipV="1">
+            <a:off x="6306820" y="1025525"/>
+            <a:ext cx="1546860" cy="1695450"/>
+          </a:xfrm>
+          <a:prstGeom prst="straightConnector1">
+            <a:avLst/>
+          </a:prstGeom>
+          <a:ln w="73025">
+            <a:solidFill>
+              <a:srgbClr val="FF3300"/>
+            </a:solidFill>
+            <a:tailEnd type="arrow"/>
+          </a:ln>
+        </p:spPr>
+        <p:style>
+          <a:lnRef idx="1">
+            <a:schemeClr val="accent1"/>
+          </a:lnRef>
+          <a:fillRef idx="0">
+            <a:schemeClr val="accent1"/>
+          </a:fillRef>
+          <a:effectRef idx="0">
+            <a:schemeClr val="accent1"/>
+          </a:effectRef>
+          <a:fontRef idx="minor">
+            <a:schemeClr val="tx1"/>
+          </a:fontRef>
+        </p:style>
+      </p:cxnSp>
+      <p:sp>
+        <p:nvSpPr>
+          <p:cNvPr id="14" name="Text Box 13"/>
+          <p:cNvSpPr txBox="1"/>
+          <p:nvPr/>
+        </p:nvSpPr>
+        <p:spPr>
+          <a:xfrm>
+            <a:off x="6793865" y="937260"/>
+            <a:ext cx="572770" cy="521970"/>
+          </a:xfrm>
+          <a:prstGeom prst="rect">
+            <a:avLst/>
+          </a:prstGeom>
+          <a:noFill/>
+        </p:spPr>
+        <p:txBody>
+          <a:bodyPr wrap="square" rtlCol="0">
+            <a:spAutoFit/>
+          </a:bodyPr>
+          <a:p>
+            <a:r>
+              <a:rPr lang="en-US" sz="2800">
+                <a:solidFill>
+                  <a:srgbClr val="FF0000"/>
+                </a:solidFill>
+              </a:rPr>
+              <a:t>S4</a:t>
+            </a:r>
+            <a:endParaRPr lang="en-US" sz="2800">
+              <a:solidFill>
+                <a:srgbClr val="FF0000"/>
+              </a:solidFill>
+            </a:endParaRPr>
+          </a:p>
+        </p:txBody>
+      </p:sp>
+      <p:sp>
+        <p:nvSpPr>
+          <p:cNvPr id="15" name="Rectangles 14"/>
+          <p:cNvSpPr/>
+          <p:nvPr/>
+        </p:nvSpPr>
+        <p:spPr>
+          <a:xfrm>
+            <a:off x="1427480" y="4327525"/>
+            <a:ext cx="1903730" cy="687705"/>
+          </a:xfrm>
+          <a:prstGeom prst="rect">
+            <a:avLst/>
+          </a:prstGeom>
+          <a:noFill/>
+        </p:spPr>
+        <p:style>
+          <a:lnRef idx="2">
+            <a:schemeClr val="accent1">
+              <a:shade val="50000"/>
+            </a:schemeClr>
+          </a:lnRef>
+          <a:fillRef idx="1">
+            <a:schemeClr val="accent1"/>
+          </a:fillRef>
+          <a:effectRef idx="0">
+            <a:schemeClr val="accent1"/>
+          </a:effectRef>
+          <a:fontRef idx="minor">
+            <a:schemeClr val="lt1"/>
+          </a:fontRef>
+        </p:style>
+        <p:txBody>
+          <a:bodyPr rtlCol="0" anchor="ctr"/>
+          <a:p>
+            <a:pPr algn="ctr"/>
+            <a:endParaRPr lang="en-US"/>
+          </a:p>
+        </p:txBody>
+      </p:sp>
+      <p:sp>
+        <p:nvSpPr>
+          <p:cNvPr id="16" name="Rectangles 15"/>
+          <p:cNvSpPr/>
+          <p:nvPr/>
+        </p:nvSpPr>
+        <p:spPr>
+          <a:xfrm>
+            <a:off x="3331210" y="3242945"/>
+            <a:ext cx="1903730" cy="571500"/>
+          </a:xfrm>
+          <a:prstGeom prst="rect">
+            <a:avLst/>
+          </a:prstGeom>
+          <a:noFill/>
+        </p:spPr>
+        <p:style>
+          <a:lnRef idx="2">
+            <a:schemeClr val="accent1">
+              <a:shade val="50000"/>
+            </a:schemeClr>
+          </a:lnRef>
+          <a:fillRef idx="1">
+            <a:schemeClr val="accent1"/>
+          </a:fillRef>
+          <a:effectRef idx="0">
+            <a:schemeClr val="accent1"/>
+          </a:effectRef>
+          <a:fontRef idx="minor">
+            <a:schemeClr val="lt1"/>
+          </a:fontRef>
+        </p:style>
+        <p:txBody>
+          <a:bodyPr rtlCol="0" anchor="ctr"/>
+          <a:p>
+            <a:pPr algn="ctr"/>
+            <a:endParaRPr lang="en-US"/>
+          </a:p>
+        </p:txBody>
+      </p:sp>
+      <p:sp>
+        <p:nvSpPr>
+          <p:cNvPr id="17" name="Text Box 16"/>
+          <p:cNvSpPr txBox="1"/>
+          <p:nvPr/>
+        </p:nvSpPr>
+        <p:spPr>
+          <a:xfrm>
+            <a:off x="3367405" y="4860925"/>
+            <a:ext cx="347980" cy="368300"/>
+          </a:xfrm>
+          <a:prstGeom prst="rect">
+            <a:avLst/>
+          </a:prstGeom>
+          <a:noFill/>
+        </p:spPr>
+        <p:txBody>
+          <a:bodyPr wrap="none" rtlCol="0">
+            <a:spAutoFit/>
+          </a:bodyPr>
+          <a:p>
+            <a:r>
+              <a:rPr lang="en-US"/>
+              <a:t>A</a:t>
+            </a:r>
+            <a:endParaRPr lang="en-US"/>
+          </a:p>
+        </p:txBody>
+      </p:sp>
+      <p:sp>
+        <p:nvSpPr>
+          <p:cNvPr id="18" name="Text Box 17"/>
+          <p:cNvSpPr txBox="1"/>
+          <p:nvPr/>
+        </p:nvSpPr>
+        <p:spPr>
+          <a:xfrm>
+            <a:off x="5234940" y="3734435"/>
+            <a:ext cx="335280" cy="368300"/>
+          </a:xfrm>
+          <a:prstGeom prst="rect">
+            <a:avLst/>
+          </a:prstGeom>
+          <a:noFill/>
+        </p:spPr>
+        <p:txBody>
+          <a:bodyPr wrap="none" rtlCol="0">
+            <a:spAutoFit/>
+          </a:bodyPr>
+          <a:p>
+            <a:r>
+              <a:rPr lang="en-US"/>
+              <a:t>B</a:t>
+            </a:r>
+            <a:endParaRPr lang="en-US"/>
+          </a:p>
+        </p:txBody>
+      </p:sp>
+    </p:spTree>
+  </p:cSld>
+  <p:clrMapOvr>
+    <a:masterClrMapping/>
+  </p:clrMapOvr>
+</p:sld>
+</file>
+
+<file path=ppt/slides/slide19.xml><?xml version="1.0" encoding="utf-8"?>
+<p:sld xmlns:a="http://schemas.openxmlformats.org/drawingml/2006/main" xmlns:r="http://schemas.openxmlformats.org/officeDocument/2006/relationships" xmlns:p="http://schemas.openxmlformats.org/presentationml/2006/main">
+  <p:cSld>
+    <p:spTree>
+      <p:nvGrpSpPr>
+        <p:cNvPr id="1" name=""/>
+        <p:cNvGrpSpPr/>
+        <p:nvPr/>
+      </p:nvGrpSpPr>
+      <p:grpSpPr>
+        <a:xfrm>
+          <a:off x="0" y="0"/>
+          <a:ext cx="0" cy="0"/>
+          <a:chOff x="0" y="0"/>
+          <a:chExt cx="0" cy="0"/>
+        </a:xfrm>
+      </p:grpSpPr>
+      <p:cxnSp>
+        <p:nvCxnSpPr>
+          <p:cNvPr id="2" name="Straight Arrow Connector 1"/>
+          <p:cNvCxnSpPr/>
+          <p:nvPr/>
+        </p:nvCxnSpPr>
+        <p:spPr>
+          <a:xfrm flipV="1">
+            <a:off x="889000" y="3058160"/>
+            <a:ext cx="1357630" cy="1789430"/>
+          </a:xfrm>
+          <a:prstGeom prst="straightConnector1">
+            <a:avLst/>
+          </a:prstGeom>
+          <a:ln w="73025">
+            <a:solidFill>
+              <a:srgbClr val="FF3300"/>
+            </a:solidFill>
+            <a:tailEnd type="arrow"/>
+          </a:ln>
+        </p:spPr>
+        <p:style>
+          <a:lnRef idx="1">
+            <a:schemeClr val="accent1"/>
+          </a:lnRef>
+          <a:fillRef idx="0">
+            <a:schemeClr val="accent1"/>
+          </a:fillRef>
+          <a:effectRef idx="0">
+            <a:schemeClr val="accent1"/>
+          </a:effectRef>
+          <a:fontRef idx="minor">
+            <a:schemeClr val="tx1"/>
+          </a:fontRef>
+        </p:style>
+      </p:cxnSp>
+      <p:cxnSp>
+        <p:nvCxnSpPr>
+          <p:cNvPr id="4" name="Straight Arrow Connector 3"/>
+          <p:cNvCxnSpPr/>
+          <p:nvPr/>
+        </p:nvCxnSpPr>
+        <p:spPr>
+          <a:xfrm>
+            <a:off x="434975" y="4274820"/>
+            <a:ext cx="454025" cy="572770"/>
+          </a:xfrm>
+          <a:prstGeom prst="straightConnector1">
+            <a:avLst/>
+          </a:prstGeom>
+          <a:ln w="66675">
+            <a:solidFill>
+              <a:schemeClr val="accent6">
+                <a:lumMod val="60000"/>
+                <a:lumOff val="40000"/>
+              </a:schemeClr>
+            </a:solidFill>
+            <a:tailEnd type="arrow"/>
+          </a:ln>
+        </p:spPr>
+        <p:style>
+          <a:lnRef idx="1">
+            <a:schemeClr val="accent1"/>
+          </a:lnRef>
+          <a:fillRef idx="0">
+            <a:schemeClr val="accent1"/>
+          </a:fillRef>
+          <a:effectRef idx="0">
+            <a:schemeClr val="accent1"/>
+          </a:effectRef>
+          <a:fontRef idx="minor">
+            <a:schemeClr val="tx1"/>
+          </a:fontRef>
+        </p:style>
+      </p:cxnSp>
+      <p:sp>
+        <p:nvSpPr>
+          <p:cNvPr id="5" name="Text Box 4"/>
+          <p:cNvSpPr txBox="1"/>
+          <p:nvPr/>
+        </p:nvSpPr>
+        <p:spPr>
+          <a:xfrm>
+            <a:off x="749300" y="3382645"/>
+            <a:ext cx="1290955" cy="521970"/>
+          </a:xfrm>
+          <a:prstGeom prst="rect">
+            <a:avLst/>
+          </a:prstGeom>
+          <a:noFill/>
+        </p:spPr>
+        <p:txBody>
+          <a:bodyPr wrap="square" rtlCol="0">
+            <a:spAutoFit/>
+          </a:bodyPr>
+          <a:p>
+            <a:r>
+              <a:rPr lang="en-US" sz="2800">
+                <a:solidFill>
+                  <a:srgbClr val="FF0000"/>
+                </a:solidFill>
+              </a:rPr>
+              <a:t>S{i}</a:t>
+            </a:r>
+            <a:endParaRPr lang="en-US" sz="2800">
+              <a:solidFill>
+                <a:srgbClr val="FF0000"/>
+              </a:solidFill>
+            </a:endParaRPr>
+          </a:p>
+        </p:txBody>
+      </p:sp>
+      <p:sp>
+        <p:nvSpPr>
+          <p:cNvPr id="12" name="Text Box 11"/>
+          <p:cNvSpPr txBox="1"/>
+          <p:nvPr/>
+        </p:nvSpPr>
+        <p:spPr>
+          <a:xfrm>
+            <a:off x="121920" y="4847590"/>
+            <a:ext cx="1586865" cy="521970"/>
+          </a:xfrm>
+          <a:prstGeom prst="rect">
+            <a:avLst/>
+          </a:prstGeom>
+          <a:noFill/>
+        </p:spPr>
+        <p:txBody>
+          <a:bodyPr wrap="square" rtlCol="0">
+            <a:spAutoFit/>
+          </a:bodyPr>
+          <a:p>
+            <a:r>
+              <a:rPr lang="en-US" sz="2800">
+                <a:solidFill>
+                  <a:schemeClr val="accent6">
+                    <a:lumMod val="60000"/>
+                    <a:lumOff val="40000"/>
+                  </a:schemeClr>
+                </a:solidFill>
+              </a:rPr>
+              <a:t>S{i-1}</a:t>
+            </a:r>
+            <a:endParaRPr lang="en-US" sz="2800">
+              <a:solidFill>
+                <a:schemeClr val="accent6">
+                  <a:lumMod val="60000"/>
+                  <a:lumOff val="40000"/>
+                </a:schemeClr>
+              </a:solidFill>
+            </a:endParaRPr>
+          </a:p>
+        </p:txBody>
+      </p:sp>
+      <p:cxnSp>
+        <p:nvCxnSpPr>
+          <p:cNvPr id="24" name="Straight Arrow Connector 23"/>
+          <p:cNvCxnSpPr/>
+          <p:nvPr/>
+        </p:nvCxnSpPr>
+        <p:spPr>
+          <a:xfrm>
+            <a:off x="2246630" y="3058160"/>
+            <a:ext cx="515620" cy="542290"/>
+          </a:xfrm>
+          <a:prstGeom prst="straightConnector1">
+            <a:avLst/>
+          </a:prstGeom>
+          <a:ln w="66675">
+            <a:solidFill>
+              <a:schemeClr val="accent6">
+                <a:lumMod val="60000"/>
+                <a:lumOff val="40000"/>
+              </a:schemeClr>
+            </a:solidFill>
+            <a:tailEnd type="arrow"/>
+          </a:ln>
+        </p:spPr>
+        <p:style>
+          <a:lnRef idx="1">
+            <a:schemeClr val="accent1"/>
+          </a:lnRef>
+          <a:fillRef idx="0">
+            <a:schemeClr val="accent1"/>
+          </a:fillRef>
+          <a:effectRef idx="0">
+            <a:schemeClr val="accent1"/>
+          </a:effectRef>
+          <a:fontRef idx="minor">
+            <a:schemeClr val="tx1"/>
+          </a:fontRef>
+        </p:style>
+      </p:cxnSp>
+      <p:sp>
+        <p:nvSpPr>
+          <p:cNvPr id="27" name="Text Box 26"/>
+          <p:cNvSpPr txBox="1"/>
+          <p:nvPr/>
+        </p:nvSpPr>
+        <p:spPr>
+          <a:xfrm>
+            <a:off x="2378710" y="3752850"/>
+            <a:ext cx="1811655" cy="521970"/>
+          </a:xfrm>
+          <a:prstGeom prst="rect">
+            <a:avLst/>
+          </a:prstGeom>
+          <a:noFill/>
+        </p:spPr>
+        <p:txBody>
+          <a:bodyPr wrap="square" rtlCol="0">
+            <a:spAutoFit/>
+          </a:bodyPr>
+          <a:p>
+            <a:r>
+              <a:rPr lang="en-US" sz="2800">
+                <a:solidFill>
+                  <a:schemeClr val="accent6">
+                    <a:lumMod val="60000"/>
+                    <a:lumOff val="40000"/>
+                  </a:schemeClr>
+                </a:solidFill>
+              </a:rPr>
+              <a:t>S{i+1}</a:t>
+            </a:r>
+            <a:endParaRPr lang="en-US" sz="2800">
+              <a:solidFill>
+                <a:schemeClr val="accent6">
+                  <a:lumMod val="60000"/>
+                  <a:lumOff val="40000"/>
+                </a:schemeClr>
+              </a:solidFill>
+            </a:endParaRPr>
+          </a:p>
+        </p:txBody>
+      </p:sp>
+      <p:cxnSp>
+        <p:nvCxnSpPr>
+          <p:cNvPr id="3" name="Straight Arrow Connector 2"/>
+          <p:cNvCxnSpPr/>
+          <p:nvPr/>
+        </p:nvCxnSpPr>
+        <p:spPr>
+          <a:xfrm flipV="1">
+            <a:off x="7100570" y="2485390"/>
+            <a:ext cx="1357630" cy="1789430"/>
+          </a:xfrm>
+          <a:prstGeom prst="straightConnector1">
+            <a:avLst/>
+          </a:prstGeom>
+          <a:ln w="73025">
+            <a:solidFill>
+              <a:srgbClr val="FF3300"/>
+            </a:solidFill>
+            <a:tailEnd type="arrow"/>
+          </a:ln>
+        </p:spPr>
+        <p:style>
+          <a:lnRef idx="1">
+            <a:schemeClr val="accent1"/>
+          </a:lnRef>
+          <a:fillRef idx="0">
+            <a:schemeClr val="accent1"/>
+          </a:fillRef>
+          <a:effectRef idx="0">
+            <a:schemeClr val="accent1"/>
+          </a:effectRef>
+          <a:fontRef idx="minor">
+            <a:schemeClr val="tx1"/>
+          </a:fontRef>
+        </p:style>
+      </p:cxnSp>
+      <p:cxnSp>
+        <p:nvCxnSpPr>
+          <p:cNvPr id="7" name="Straight Arrow Connector 6"/>
+          <p:cNvCxnSpPr/>
+          <p:nvPr/>
+        </p:nvCxnSpPr>
+        <p:spPr>
+          <a:xfrm>
+            <a:off x="5989320" y="3203575"/>
+            <a:ext cx="1111250" cy="1071245"/>
+          </a:xfrm>
+          <a:prstGeom prst="straightConnector1">
+            <a:avLst/>
+          </a:prstGeom>
+          <a:ln w="66675">
+            <a:solidFill>
+              <a:schemeClr val="accent6">
+                <a:lumMod val="60000"/>
+                <a:lumOff val="40000"/>
+              </a:schemeClr>
+            </a:solidFill>
+            <a:tailEnd type="arrow"/>
+          </a:ln>
+        </p:spPr>
+        <p:style>
+          <a:lnRef idx="1">
+            <a:schemeClr val="accent1"/>
+          </a:lnRef>
+          <a:fillRef idx="0">
+            <a:schemeClr val="accent1"/>
+          </a:fillRef>
+          <a:effectRef idx="0">
+            <a:schemeClr val="accent1"/>
+          </a:effectRef>
+          <a:fontRef idx="minor">
+            <a:schemeClr val="tx1"/>
+          </a:fontRef>
+        </p:style>
+      </p:cxnSp>
+      <p:cxnSp>
+        <p:nvCxnSpPr>
+          <p:cNvPr id="20" name="Straight Arrow Connector 19"/>
+          <p:cNvCxnSpPr/>
+          <p:nvPr/>
+        </p:nvCxnSpPr>
+        <p:spPr>
+          <a:xfrm flipV="1">
+            <a:off x="4631690" y="3203575"/>
+            <a:ext cx="1357630" cy="1789430"/>
+          </a:xfrm>
+          <a:prstGeom prst="straightConnector1">
+            <a:avLst/>
+          </a:prstGeom>
+          <a:ln w="73025">
+            <a:solidFill>
+              <a:srgbClr val="FF3300"/>
+            </a:solidFill>
+            <a:tailEnd type="arrow"/>
+          </a:ln>
+        </p:spPr>
+        <p:style>
+          <a:lnRef idx="1">
+            <a:schemeClr val="accent1"/>
+          </a:lnRef>
+          <a:fillRef idx="0">
+            <a:schemeClr val="accent1"/>
+          </a:fillRef>
+          <a:effectRef idx="0">
+            <a:schemeClr val="accent1"/>
+          </a:effectRef>
+          <a:fontRef idx="minor">
+            <a:schemeClr val="tx1"/>
+          </a:fontRef>
+        </p:style>
+      </p:cxnSp>
+      <p:cxnSp>
+        <p:nvCxnSpPr>
+          <p:cNvPr id="21" name="Straight Connector 20"/>
+          <p:cNvCxnSpPr/>
+          <p:nvPr/>
+        </p:nvCxnSpPr>
+        <p:spPr>
+          <a:xfrm flipV="1">
+            <a:off x="4631690" y="5107940"/>
+            <a:ext cx="5998845" cy="635"/>
+          </a:xfrm>
+          <a:prstGeom prst="line">
+            <a:avLst/>
+          </a:prstGeom>
+          <a:ln w="38100" cmpd="sng">
+            <a:solidFill>
+              <a:schemeClr val="accent1">
+                <a:shade val="50000"/>
+              </a:schemeClr>
+            </a:solidFill>
+            <a:prstDash val="sysDash"/>
+          </a:ln>
+        </p:spPr>
+        <p:style>
+          <a:lnRef idx="1">
+            <a:schemeClr val="accent1"/>
+          </a:lnRef>
+          <a:fillRef idx="0">
+            <a:schemeClr val="accent1"/>
+          </a:fillRef>
+          <a:effectRef idx="0">
+            <a:schemeClr val="accent1"/>
+          </a:effectRef>
+          <a:fontRef idx="minor">
+            <a:schemeClr val="tx1"/>
+          </a:fontRef>
+        </p:style>
+      </p:cxnSp>
+      <p:cxnSp>
+        <p:nvCxnSpPr>
+          <p:cNvPr id="22" name="Straight Connector 21"/>
+          <p:cNvCxnSpPr/>
+          <p:nvPr/>
+        </p:nvCxnSpPr>
+        <p:spPr>
+          <a:xfrm>
+            <a:off x="5909310" y="3203575"/>
+            <a:ext cx="4813935" cy="13335"/>
+          </a:xfrm>
+          <a:prstGeom prst="line">
+            <a:avLst/>
+          </a:prstGeom>
+          <a:ln w="38100" cmpd="sng">
+            <a:solidFill>
+              <a:schemeClr val="accent1">
+                <a:shade val="50000"/>
+              </a:schemeClr>
+            </a:solidFill>
+            <a:prstDash val="sysDash"/>
+          </a:ln>
+        </p:spPr>
+        <p:style>
+          <a:lnRef idx="1">
+            <a:schemeClr val="accent1"/>
+          </a:lnRef>
+          <a:fillRef idx="0">
+            <a:schemeClr val="accent1"/>
+          </a:fillRef>
+          <a:effectRef idx="0">
+            <a:schemeClr val="accent1"/>
+          </a:effectRef>
+          <a:fontRef idx="minor">
+            <a:schemeClr val="tx1"/>
+          </a:fontRef>
+        </p:style>
+      </p:cxnSp>
+      <p:cxnSp>
+        <p:nvCxnSpPr>
+          <p:cNvPr id="23" name="Straight Connector 22"/>
+          <p:cNvCxnSpPr/>
+          <p:nvPr/>
+        </p:nvCxnSpPr>
+        <p:spPr>
+          <a:xfrm>
+            <a:off x="5666740" y="4274820"/>
+            <a:ext cx="4977130" cy="39370"/>
+          </a:xfrm>
+          <a:prstGeom prst="line">
+            <a:avLst/>
+          </a:prstGeom>
+          <a:ln w="38100" cmpd="sng">
+            <a:solidFill>
+              <a:schemeClr val="accent1">
+                <a:shade val="50000"/>
+              </a:schemeClr>
+            </a:solidFill>
+            <a:prstDash val="sysDash"/>
+          </a:ln>
+        </p:spPr>
+        <p:style>
+          <a:lnRef idx="1">
+            <a:schemeClr val="accent1"/>
+          </a:lnRef>
+          <a:fillRef idx="0">
+            <a:schemeClr val="accent1"/>
+          </a:fillRef>
+          <a:effectRef idx="0">
+            <a:schemeClr val="accent1"/>
+          </a:effectRef>
+          <a:fontRef idx="minor">
+            <a:schemeClr val="tx1"/>
+          </a:fontRef>
+        </p:style>
+      </p:cxnSp>
+      <p:cxnSp>
+        <p:nvCxnSpPr>
+          <p:cNvPr id="30" name="Straight Connector 29"/>
+          <p:cNvCxnSpPr/>
+          <p:nvPr/>
+        </p:nvCxnSpPr>
+        <p:spPr>
+          <a:xfrm>
+            <a:off x="6775450" y="2485390"/>
+            <a:ext cx="3932555" cy="17145"/>
+          </a:xfrm>
+          <a:prstGeom prst="line">
+            <a:avLst/>
+          </a:prstGeom>
+          <a:ln w="38100" cmpd="sng">
+            <a:solidFill>
+              <a:schemeClr val="accent1">
+                <a:shade val="50000"/>
+              </a:schemeClr>
+            </a:solidFill>
+            <a:prstDash val="sysDash"/>
+          </a:ln>
+        </p:spPr>
+        <p:style>
+          <a:lnRef idx="1">
+            <a:schemeClr val="accent1"/>
+          </a:lnRef>
+          <a:fillRef idx="0">
+            <a:schemeClr val="accent1"/>
+          </a:fillRef>
+          <a:effectRef idx="0">
+            <a:schemeClr val="accent1"/>
+          </a:effectRef>
+          <a:fontRef idx="minor">
+            <a:schemeClr val="tx1"/>
+          </a:fontRef>
+        </p:style>
+      </p:cxnSp>
+      <p:sp>
+        <p:nvSpPr>
+          <p:cNvPr id="31" name="Text Box 30"/>
+          <p:cNvSpPr txBox="1"/>
+          <p:nvPr/>
+        </p:nvSpPr>
+        <p:spPr>
+          <a:xfrm>
+            <a:off x="10881995" y="2265045"/>
+            <a:ext cx="790575" cy="368300"/>
+          </a:xfrm>
+          <a:prstGeom prst="rect">
+            <a:avLst/>
+          </a:prstGeom>
+          <a:noFill/>
+        </p:spPr>
+        <p:txBody>
+          <a:bodyPr wrap="square" rtlCol="0">
+            <a:spAutoFit/>
+          </a:bodyPr>
+          <a:p>
+            <a:r>
+              <a:rPr lang="en-US"/>
+              <a:t>GG</a:t>
+            </a:r>
+            <a:endParaRPr lang="en-US"/>
+          </a:p>
+        </p:txBody>
+      </p:sp>
+      <p:sp>
+        <p:nvSpPr>
+          <p:cNvPr id="32" name="Text Box 31"/>
+          <p:cNvSpPr txBox="1"/>
+          <p:nvPr/>
+        </p:nvSpPr>
+        <p:spPr>
+          <a:xfrm>
+            <a:off x="10843260" y="3026410"/>
+            <a:ext cx="790575" cy="368300"/>
+          </a:xfrm>
+          <a:prstGeom prst="rect">
+            <a:avLst/>
+          </a:prstGeom>
+          <a:noFill/>
+        </p:spPr>
+        <p:txBody>
+          <a:bodyPr wrap="square" rtlCol="0">
+            <a:spAutoFit/>
+          </a:bodyPr>
+          <a:p>
+            <a:r>
+              <a:rPr lang="en-US"/>
+              <a:t>ZG</a:t>
+            </a:r>
+            <a:endParaRPr lang="en-US"/>
+          </a:p>
+        </p:txBody>
+      </p:sp>
+      <p:sp>
+        <p:nvSpPr>
+          <p:cNvPr id="33" name="Text Box 32"/>
+          <p:cNvSpPr txBox="1"/>
+          <p:nvPr/>
+        </p:nvSpPr>
+        <p:spPr>
+          <a:xfrm>
+            <a:off x="10770870" y="4123690"/>
+            <a:ext cx="790575" cy="368300"/>
+          </a:xfrm>
+          <a:prstGeom prst="rect">
+            <a:avLst/>
+          </a:prstGeom>
+          <a:noFill/>
+        </p:spPr>
+        <p:txBody>
+          <a:bodyPr wrap="square" rtlCol="0">
+            <a:spAutoFit/>
+          </a:bodyPr>
+          <a:p>
+            <a:r>
+              <a:rPr lang="en-US"/>
+              <a:t>ZD</a:t>
+            </a:r>
+            <a:endParaRPr lang="en-US"/>
+          </a:p>
+        </p:txBody>
+      </p:sp>
+      <p:sp>
+        <p:nvSpPr>
+          <p:cNvPr id="34" name="Text Box 33"/>
+          <p:cNvSpPr txBox="1"/>
+          <p:nvPr/>
+        </p:nvSpPr>
+        <p:spPr>
+          <a:xfrm>
+            <a:off x="10770870" y="4923790"/>
+            <a:ext cx="790575" cy="368300"/>
+          </a:xfrm>
+          <a:prstGeom prst="rect">
+            <a:avLst/>
+          </a:prstGeom>
+          <a:noFill/>
+        </p:spPr>
+        <p:txBody>
+          <a:bodyPr wrap="square" rtlCol="0">
+            <a:spAutoFit/>
+          </a:bodyPr>
+          <a:p>
+            <a:r>
+              <a:rPr lang="en-US"/>
+              <a:t>DD</a:t>
+            </a:r>
+            <a:endParaRPr lang="en-US"/>
+          </a:p>
+        </p:txBody>
+      </p:sp>
+    </p:spTree>
+  </p:cSld>
+  <p:clrMapOvr>
+    <a:masterClrMapping/>
+  </p:clrMapOvr>
+</p:sld>
+</file>
+
 <file path=ppt/slides/slide2.xml><?xml version="1.0" encoding="utf-8"?>
 <p:sld xmlns:a="http://schemas.openxmlformats.org/drawingml/2006/main" xmlns:r="http://schemas.openxmlformats.org/officeDocument/2006/relationships" xmlns:p="http://schemas.openxmlformats.org/presentationml/2006/main">
   <p:cSld>
@@ -11147,8 +12491,8 @@
         </p:nvCxnSpPr>
         <p:spPr>
           <a:xfrm flipV="1">
-            <a:off x="4893945" y="2555240"/>
-            <a:ext cx="789940" cy="2466340"/>
+            <a:off x="4314190" y="915670"/>
+            <a:ext cx="1793875" cy="2298065"/>
           </a:xfrm>
           <a:prstGeom prst="straightConnector1">
             <a:avLst/>
@@ -11320,7 +12664,7 @@
         </p:nvSpPr>
         <p:spPr>
           <a:xfrm>
-            <a:off x="5111115" y="3978910"/>
+            <a:off x="5177155" y="2210435"/>
             <a:ext cx="572770" cy="521970"/>
           </a:xfrm>
           <a:prstGeom prst="rect">
@@ -11357,8 +12701,8 @@
         </p:nvCxnSpPr>
         <p:spPr>
           <a:xfrm>
-            <a:off x="3410585" y="1673225"/>
-            <a:ext cx="1482090" cy="3352800"/>
+            <a:off x="3451860" y="1673225"/>
+            <a:ext cx="857885" cy="1596390"/>
           </a:xfrm>
           <a:prstGeom prst="straightConnector1">
             <a:avLst/>
@@ -11396,7 +12740,7 @@
         </p:nvSpPr>
         <p:spPr>
           <a:xfrm>
-            <a:off x="4163060" y="2839720"/>
+            <a:off x="3860800" y="2087880"/>
             <a:ext cx="767080" cy="521970"/>
           </a:xfrm>
           <a:prstGeom prst="rect">
@@ -11439,8 +12783,8 @@
         </p:nvCxnSpPr>
         <p:spPr>
           <a:xfrm>
-            <a:off x="5683885" y="2563495"/>
-            <a:ext cx="609600" cy="1688465"/>
+            <a:off x="6108065" y="915670"/>
+            <a:ext cx="1045845" cy="3126105"/>
           </a:xfrm>
           <a:prstGeom prst="straightConnector1">
             <a:avLst/>
@@ -11478,7 +12822,7 @@
         </p:nvSpPr>
         <p:spPr>
           <a:xfrm>
-            <a:off x="6223000" y="3079115"/>
+            <a:off x="6712585" y="1929130"/>
             <a:ext cx="767080" cy="521970"/>
           </a:xfrm>
           <a:prstGeom prst="rect">

--- a/finance/chanlun/charts.pptx
+++ b/finance/chanlun/charts.pptx
@@ -9182,6 +9182,75 @@
             <a:r>
               <a:rPr lang="en-US"/>
               <a:t>B</a:t>
+            </a:r>
+            <a:endParaRPr lang="en-US"/>
+          </a:p>
+        </p:txBody>
+      </p:sp>
+      <p:sp>
+        <p:nvSpPr>
+          <p:cNvPr id="19" name="Rectangles 18"/>
+          <p:cNvSpPr/>
+          <p:nvPr/>
+        </p:nvSpPr>
+        <p:spPr>
+          <a:xfrm>
+            <a:off x="5234940" y="2118995"/>
+            <a:ext cx="1903730" cy="571500"/>
+          </a:xfrm>
+          <a:prstGeom prst="rect">
+            <a:avLst/>
+          </a:prstGeom>
+          <a:noFill/>
+        </p:spPr>
+        <p:style>
+          <a:lnRef idx="2">
+            <a:schemeClr val="accent1">
+              <a:shade val="50000"/>
+            </a:schemeClr>
+          </a:lnRef>
+          <a:fillRef idx="1">
+            <a:schemeClr val="accent1"/>
+          </a:fillRef>
+          <a:effectRef idx="0">
+            <a:schemeClr val="accent1"/>
+          </a:effectRef>
+          <a:fontRef idx="minor">
+            <a:schemeClr val="lt1"/>
+          </a:fontRef>
+        </p:style>
+        <p:txBody>
+          <a:bodyPr rtlCol="0" anchor="ctr"/>
+          <a:p>
+            <a:pPr algn="ctr"/>
+            <a:endParaRPr lang="en-US"/>
+          </a:p>
+        </p:txBody>
+      </p:sp>
+      <p:sp>
+        <p:nvSpPr>
+          <p:cNvPr id="20" name="Text Box 19"/>
+          <p:cNvSpPr txBox="1"/>
+          <p:nvPr/>
+        </p:nvSpPr>
+        <p:spPr>
+          <a:xfrm>
+            <a:off x="7239635" y="2220595"/>
+            <a:ext cx="335280" cy="368300"/>
+          </a:xfrm>
+          <a:prstGeom prst="rect">
+            <a:avLst/>
+          </a:prstGeom>
+          <a:noFill/>
+        </p:spPr>
+        <p:txBody>
+          <a:bodyPr wrap="none" rtlCol="0">
+            <a:spAutoFit/>
+          </a:bodyPr>
+          <a:p>
+            <a:r>
+              <a:rPr lang="en-US"/>
+              <a:t>C</a:t>
             </a:r>
             <a:endParaRPr lang="en-US"/>
           </a:p>

--- a/finance/chanlun/charts.pptx
+++ b/finance/chanlun/charts.pptx
@@ -5,10 +5,10 @@
     <p:sldMasterId id="2147483648" r:id="rId1"/>
   </p:sldMasterIdLst>
   <p:notesMasterIdLst>
-    <p:notesMasterId r:id="rId22"/>
+    <p:notesMasterId r:id="rId25"/>
   </p:notesMasterIdLst>
   <p:handoutMasterIdLst>
-    <p:handoutMasterId r:id="rId23"/>
+    <p:handoutMasterId r:id="rId26"/>
   </p:handoutMasterIdLst>
   <p:sldIdLst>
     <p:sldId id="256" r:id="rId3"/>
@@ -30,6 +30,9 @@
     <p:sldId id="266" r:id="rId19"/>
     <p:sldId id="274" r:id="rId20"/>
     <p:sldId id="275" r:id="rId21"/>
+    <p:sldId id="277" r:id="rId22"/>
+    <p:sldId id="278" r:id="rId23"/>
+    <p:sldId id="279" r:id="rId24"/>
   </p:sldIdLst>
   <p:sldSz cx="12192000" cy="6858000"/>
   <p:notesSz cx="7103745" cy="10234295"/>
@@ -10744,6 +10747,2557 @@
               <a:t>底分型</a:t>
             </a:r>
             <a:endParaRPr lang="zh-CN" altLang="en-US" sz="3200"/>
+          </a:p>
+        </p:txBody>
+      </p:sp>
+    </p:spTree>
+  </p:cSld>
+  <p:clrMapOvr>
+    <a:masterClrMapping/>
+  </p:clrMapOvr>
+</p:sld>
+</file>
+
+<file path=ppt/slides/slide20.xml><?xml version="1.0" encoding="utf-8"?>
+<p:sld xmlns:a="http://schemas.openxmlformats.org/drawingml/2006/main" xmlns:r="http://schemas.openxmlformats.org/officeDocument/2006/relationships" xmlns:p="http://schemas.openxmlformats.org/presentationml/2006/main">
+  <p:cSld>
+    <p:spTree>
+      <p:nvGrpSpPr>
+        <p:cNvPr id="1" name=""/>
+        <p:cNvGrpSpPr/>
+        <p:nvPr/>
+      </p:nvGrpSpPr>
+      <p:grpSpPr>
+        <a:xfrm>
+          <a:off x="0" y="0"/>
+          <a:ext cx="0" cy="0"/>
+          <a:chOff x="0" y="0"/>
+          <a:chExt cx="0" cy="0"/>
+        </a:xfrm>
+      </p:grpSpPr>
+      <p:cxnSp>
+        <p:nvCxnSpPr>
+          <p:cNvPr id="2" name="Straight Arrow Connector 1"/>
+          <p:cNvCxnSpPr/>
+          <p:nvPr/>
+        </p:nvCxnSpPr>
+        <p:spPr>
+          <a:xfrm flipV="1">
+            <a:off x="889000" y="3058160"/>
+            <a:ext cx="1357630" cy="1789430"/>
+          </a:xfrm>
+          <a:prstGeom prst="straightConnector1">
+            <a:avLst/>
+          </a:prstGeom>
+          <a:ln w="73025">
+            <a:solidFill>
+              <a:srgbClr val="FF3300"/>
+            </a:solidFill>
+            <a:tailEnd type="arrow"/>
+          </a:ln>
+        </p:spPr>
+        <p:style>
+          <a:lnRef idx="1">
+            <a:schemeClr val="accent1"/>
+          </a:lnRef>
+          <a:fillRef idx="0">
+            <a:schemeClr val="accent1"/>
+          </a:fillRef>
+          <a:effectRef idx="0">
+            <a:schemeClr val="accent1"/>
+          </a:effectRef>
+          <a:fontRef idx="minor">
+            <a:schemeClr val="tx1"/>
+          </a:fontRef>
+        </p:style>
+      </p:cxnSp>
+      <p:cxnSp>
+        <p:nvCxnSpPr>
+          <p:cNvPr id="4" name="Straight Arrow Connector 3"/>
+          <p:cNvCxnSpPr/>
+          <p:nvPr/>
+        </p:nvCxnSpPr>
+        <p:spPr>
+          <a:xfrm>
+            <a:off x="434975" y="4274820"/>
+            <a:ext cx="454025" cy="572770"/>
+          </a:xfrm>
+          <a:prstGeom prst="straightConnector1">
+            <a:avLst/>
+          </a:prstGeom>
+          <a:ln w="66675">
+            <a:solidFill>
+              <a:schemeClr val="accent6">
+                <a:lumMod val="60000"/>
+                <a:lumOff val="40000"/>
+              </a:schemeClr>
+            </a:solidFill>
+            <a:tailEnd type="arrow"/>
+          </a:ln>
+        </p:spPr>
+        <p:style>
+          <a:lnRef idx="1">
+            <a:schemeClr val="accent1"/>
+          </a:lnRef>
+          <a:fillRef idx="0">
+            <a:schemeClr val="accent1"/>
+          </a:fillRef>
+          <a:effectRef idx="0">
+            <a:schemeClr val="accent1"/>
+          </a:effectRef>
+          <a:fontRef idx="minor">
+            <a:schemeClr val="tx1"/>
+          </a:fontRef>
+        </p:style>
+      </p:cxnSp>
+      <p:sp>
+        <p:nvSpPr>
+          <p:cNvPr id="5" name="Text Box 4"/>
+          <p:cNvSpPr txBox="1"/>
+          <p:nvPr/>
+        </p:nvSpPr>
+        <p:spPr>
+          <a:xfrm>
+            <a:off x="749300" y="3382645"/>
+            <a:ext cx="1290955" cy="521970"/>
+          </a:xfrm>
+          <a:prstGeom prst="rect">
+            <a:avLst/>
+          </a:prstGeom>
+          <a:noFill/>
+        </p:spPr>
+        <p:txBody>
+          <a:bodyPr wrap="square" rtlCol="0">
+            <a:spAutoFit/>
+          </a:bodyPr>
+          <a:p>
+            <a:r>
+              <a:rPr lang="en-US" sz="2800">
+                <a:solidFill>
+                  <a:srgbClr val="FF0000"/>
+                </a:solidFill>
+              </a:rPr>
+              <a:t>S{i}</a:t>
+            </a:r>
+            <a:endParaRPr lang="en-US" sz="2800">
+              <a:solidFill>
+                <a:srgbClr val="FF0000"/>
+              </a:solidFill>
+            </a:endParaRPr>
+          </a:p>
+        </p:txBody>
+      </p:sp>
+      <p:sp>
+        <p:nvSpPr>
+          <p:cNvPr id="12" name="Text Box 11"/>
+          <p:cNvSpPr txBox="1"/>
+          <p:nvPr/>
+        </p:nvSpPr>
+        <p:spPr>
+          <a:xfrm>
+            <a:off x="121920" y="4847590"/>
+            <a:ext cx="1586865" cy="521970"/>
+          </a:xfrm>
+          <a:prstGeom prst="rect">
+            <a:avLst/>
+          </a:prstGeom>
+          <a:noFill/>
+        </p:spPr>
+        <p:txBody>
+          <a:bodyPr wrap="square" rtlCol="0">
+            <a:spAutoFit/>
+          </a:bodyPr>
+          <a:p>
+            <a:r>
+              <a:rPr lang="en-US" sz="2800">
+                <a:solidFill>
+                  <a:schemeClr val="accent6">
+                    <a:lumMod val="60000"/>
+                    <a:lumOff val="40000"/>
+                  </a:schemeClr>
+                </a:solidFill>
+              </a:rPr>
+              <a:t>S{i-1}</a:t>
+            </a:r>
+            <a:endParaRPr lang="en-US" sz="2800">
+              <a:solidFill>
+                <a:schemeClr val="accent6">
+                  <a:lumMod val="60000"/>
+                  <a:lumOff val="40000"/>
+                </a:schemeClr>
+              </a:solidFill>
+            </a:endParaRPr>
+          </a:p>
+        </p:txBody>
+      </p:sp>
+      <p:cxnSp>
+        <p:nvCxnSpPr>
+          <p:cNvPr id="24" name="Straight Arrow Connector 23"/>
+          <p:cNvCxnSpPr/>
+          <p:nvPr/>
+        </p:nvCxnSpPr>
+        <p:spPr>
+          <a:xfrm>
+            <a:off x="2246630" y="3058160"/>
+            <a:ext cx="515620" cy="542290"/>
+          </a:xfrm>
+          <a:prstGeom prst="straightConnector1">
+            <a:avLst/>
+          </a:prstGeom>
+          <a:ln w="66675">
+            <a:solidFill>
+              <a:schemeClr val="accent6">
+                <a:lumMod val="60000"/>
+                <a:lumOff val="40000"/>
+              </a:schemeClr>
+            </a:solidFill>
+            <a:tailEnd type="arrow"/>
+          </a:ln>
+        </p:spPr>
+        <p:style>
+          <a:lnRef idx="1">
+            <a:schemeClr val="accent1"/>
+          </a:lnRef>
+          <a:fillRef idx="0">
+            <a:schemeClr val="accent1"/>
+          </a:fillRef>
+          <a:effectRef idx="0">
+            <a:schemeClr val="accent1"/>
+          </a:effectRef>
+          <a:fontRef idx="minor">
+            <a:schemeClr val="tx1"/>
+          </a:fontRef>
+        </p:style>
+      </p:cxnSp>
+      <p:sp>
+        <p:nvSpPr>
+          <p:cNvPr id="27" name="Text Box 26"/>
+          <p:cNvSpPr txBox="1"/>
+          <p:nvPr/>
+        </p:nvSpPr>
+        <p:spPr>
+          <a:xfrm>
+            <a:off x="2378710" y="3752850"/>
+            <a:ext cx="1811655" cy="521970"/>
+          </a:xfrm>
+          <a:prstGeom prst="rect">
+            <a:avLst/>
+          </a:prstGeom>
+          <a:noFill/>
+        </p:spPr>
+        <p:txBody>
+          <a:bodyPr wrap="square" rtlCol="0">
+            <a:spAutoFit/>
+          </a:bodyPr>
+          <a:p>
+            <a:r>
+              <a:rPr lang="en-US" sz="2800">
+                <a:solidFill>
+                  <a:schemeClr val="accent6">
+                    <a:lumMod val="60000"/>
+                    <a:lumOff val="40000"/>
+                  </a:schemeClr>
+                </a:solidFill>
+              </a:rPr>
+              <a:t>S{i+1}</a:t>
+            </a:r>
+            <a:endParaRPr lang="en-US" sz="2800">
+              <a:solidFill>
+                <a:schemeClr val="accent6">
+                  <a:lumMod val="60000"/>
+                  <a:lumOff val="40000"/>
+                </a:schemeClr>
+              </a:solidFill>
+            </a:endParaRPr>
+          </a:p>
+        </p:txBody>
+      </p:sp>
+      <p:cxnSp>
+        <p:nvCxnSpPr>
+          <p:cNvPr id="3" name="Straight Arrow Connector 2"/>
+          <p:cNvCxnSpPr/>
+          <p:nvPr/>
+        </p:nvCxnSpPr>
+        <p:spPr>
+          <a:xfrm flipV="1">
+            <a:off x="7100570" y="2983230"/>
+            <a:ext cx="1005205" cy="1291590"/>
+          </a:xfrm>
+          <a:prstGeom prst="straightConnector1">
+            <a:avLst/>
+          </a:prstGeom>
+          <a:ln w="73025">
+            <a:solidFill>
+              <a:srgbClr val="FF3300"/>
+            </a:solidFill>
+            <a:tailEnd type="arrow"/>
+          </a:ln>
+        </p:spPr>
+        <p:style>
+          <a:lnRef idx="1">
+            <a:schemeClr val="accent1"/>
+          </a:lnRef>
+          <a:fillRef idx="0">
+            <a:schemeClr val="accent1"/>
+          </a:fillRef>
+          <a:effectRef idx="0">
+            <a:schemeClr val="accent1"/>
+          </a:effectRef>
+          <a:fontRef idx="minor">
+            <a:schemeClr val="tx1"/>
+          </a:fontRef>
+        </p:style>
+      </p:cxnSp>
+      <p:cxnSp>
+        <p:nvCxnSpPr>
+          <p:cNvPr id="7" name="Straight Arrow Connector 6"/>
+          <p:cNvCxnSpPr/>
+          <p:nvPr/>
+        </p:nvCxnSpPr>
+        <p:spPr>
+          <a:xfrm>
+            <a:off x="5989320" y="3203575"/>
+            <a:ext cx="1111250" cy="1071245"/>
+          </a:xfrm>
+          <a:prstGeom prst="straightConnector1">
+            <a:avLst/>
+          </a:prstGeom>
+          <a:ln w="66675">
+            <a:solidFill>
+              <a:schemeClr val="accent6">
+                <a:lumMod val="60000"/>
+                <a:lumOff val="40000"/>
+              </a:schemeClr>
+            </a:solidFill>
+            <a:tailEnd type="arrow"/>
+          </a:ln>
+        </p:spPr>
+        <p:style>
+          <a:lnRef idx="1">
+            <a:schemeClr val="accent1"/>
+          </a:lnRef>
+          <a:fillRef idx="0">
+            <a:schemeClr val="accent1"/>
+          </a:fillRef>
+          <a:effectRef idx="0">
+            <a:schemeClr val="accent1"/>
+          </a:effectRef>
+          <a:fontRef idx="minor">
+            <a:schemeClr val="tx1"/>
+          </a:fontRef>
+        </p:style>
+      </p:cxnSp>
+      <p:cxnSp>
+        <p:nvCxnSpPr>
+          <p:cNvPr id="20" name="Straight Arrow Connector 19"/>
+          <p:cNvCxnSpPr/>
+          <p:nvPr/>
+        </p:nvCxnSpPr>
+        <p:spPr>
+          <a:xfrm flipV="1">
+            <a:off x="4631690" y="3203575"/>
+            <a:ext cx="1357630" cy="1789430"/>
+          </a:xfrm>
+          <a:prstGeom prst="straightConnector1">
+            <a:avLst/>
+          </a:prstGeom>
+          <a:ln w="73025">
+            <a:solidFill>
+              <a:srgbClr val="FF3300"/>
+            </a:solidFill>
+            <a:tailEnd type="arrow"/>
+          </a:ln>
+        </p:spPr>
+        <p:style>
+          <a:lnRef idx="1">
+            <a:schemeClr val="accent1"/>
+          </a:lnRef>
+          <a:fillRef idx="0">
+            <a:schemeClr val="accent1"/>
+          </a:fillRef>
+          <a:effectRef idx="0">
+            <a:schemeClr val="accent1"/>
+          </a:effectRef>
+          <a:fontRef idx="minor">
+            <a:schemeClr val="tx1"/>
+          </a:fontRef>
+        </p:style>
+      </p:cxnSp>
+      <p:cxnSp>
+        <p:nvCxnSpPr>
+          <p:cNvPr id="6" name="Straight Arrow Connector 5"/>
+          <p:cNvCxnSpPr/>
+          <p:nvPr/>
+        </p:nvCxnSpPr>
+        <p:spPr>
+          <a:xfrm>
+            <a:off x="8105775" y="3064510"/>
+            <a:ext cx="1087755" cy="1210310"/>
+          </a:xfrm>
+          <a:prstGeom prst="straightConnector1">
+            <a:avLst/>
+          </a:prstGeom>
+          <a:ln w="66675">
+            <a:solidFill>
+              <a:schemeClr val="accent6">
+                <a:lumMod val="60000"/>
+                <a:lumOff val="40000"/>
+              </a:schemeClr>
+            </a:solidFill>
+            <a:tailEnd type="arrow"/>
+          </a:ln>
+        </p:spPr>
+        <p:style>
+          <a:lnRef idx="1">
+            <a:schemeClr val="accent1"/>
+          </a:lnRef>
+          <a:fillRef idx="0">
+            <a:schemeClr val="accent1"/>
+          </a:fillRef>
+          <a:effectRef idx="0">
+            <a:schemeClr val="accent1"/>
+          </a:effectRef>
+          <a:fontRef idx="minor">
+            <a:schemeClr val="tx1"/>
+          </a:fontRef>
+        </p:style>
+      </p:cxnSp>
+      <p:cxnSp>
+        <p:nvCxnSpPr>
+          <p:cNvPr id="8" name="Straight Arrow Connector 7"/>
+          <p:cNvCxnSpPr/>
+          <p:nvPr/>
+        </p:nvCxnSpPr>
+        <p:spPr>
+          <a:xfrm flipV="1">
+            <a:off x="9192895" y="2060575"/>
+            <a:ext cx="1680845" cy="2163445"/>
+          </a:xfrm>
+          <a:prstGeom prst="straightConnector1">
+            <a:avLst/>
+          </a:prstGeom>
+          <a:ln w="73025">
+            <a:solidFill>
+              <a:srgbClr val="FF3300"/>
+            </a:solidFill>
+            <a:tailEnd type="arrow"/>
+          </a:ln>
+        </p:spPr>
+        <p:style>
+          <a:lnRef idx="1">
+            <a:schemeClr val="accent1"/>
+          </a:lnRef>
+          <a:fillRef idx="0">
+            <a:schemeClr val="accent1"/>
+          </a:fillRef>
+          <a:effectRef idx="0">
+            <a:schemeClr val="accent1"/>
+          </a:effectRef>
+          <a:fontRef idx="minor">
+            <a:schemeClr val="tx1"/>
+          </a:fontRef>
+        </p:style>
+      </p:cxnSp>
+      <p:sp>
+        <p:nvSpPr>
+          <p:cNvPr id="9" name="Text Box 8"/>
+          <p:cNvSpPr txBox="1"/>
+          <p:nvPr/>
+        </p:nvSpPr>
+        <p:spPr>
+          <a:xfrm>
+            <a:off x="5989320" y="3771265"/>
+            <a:ext cx="577850" cy="521970"/>
+          </a:xfrm>
+          <a:prstGeom prst="rect">
+            <a:avLst/>
+          </a:prstGeom>
+          <a:noFill/>
+        </p:spPr>
+        <p:txBody>
+          <a:bodyPr wrap="none" rtlCol="0">
+            <a:spAutoFit/>
+          </a:bodyPr>
+          <a:p>
+            <a:r>
+              <a:rPr lang="en-US" sz="2800"/>
+              <a:t>Z1</a:t>
+            </a:r>
+            <a:endParaRPr lang="en-US" sz="2800"/>
+          </a:p>
+        </p:txBody>
+      </p:sp>
+      <p:sp>
+        <p:nvSpPr>
+          <p:cNvPr id="10" name="Text Box 9"/>
+          <p:cNvSpPr txBox="1"/>
+          <p:nvPr/>
+        </p:nvSpPr>
+        <p:spPr>
+          <a:xfrm>
+            <a:off x="8074025" y="3646805"/>
+            <a:ext cx="742315" cy="521970"/>
+          </a:xfrm>
+          <a:prstGeom prst="rect">
+            <a:avLst/>
+          </a:prstGeom>
+          <a:noFill/>
+        </p:spPr>
+        <p:txBody>
+          <a:bodyPr wrap="square" rtlCol="0">
+            <a:spAutoFit/>
+          </a:bodyPr>
+          <a:p>
+            <a:r>
+              <a:rPr lang="en-US" sz="2800"/>
+              <a:t>Z2</a:t>
+            </a:r>
+            <a:endParaRPr lang="en-US" sz="2800"/>
+          </a:p>
+        </p:txBody>
+      </p:sp>
+      <p:sp>
+        <p:nvSpPr>
+          <p:cNvPr id="11" name="Text Box 10"/>
+          <p:cNvSpPr txBox="1"/>
+          <p:nvPr/>
+        </p:nvSpPr>
+        <p:spPr>
+          <a:xfrm>
+            <a:off x="5914390" y="2818765"/>
+            <a:ext cx="487680" cy="460375"/>
+          </a:xfrm>
+          <a:prstGeom prst="rect">
+            <a:avLst/>
+          </a:prstGeom>
+          <a:noFill/>
+        </p:spPr>
+        <p:txBody>
+          <a:bodyPr wrap="none" rtlCol="0">
+            <a:spAutoFit/>
+          </a:bodyPr>
+          <a:p>
+            <a:r>
+              <a:rPr lang="en-US" altLang="zh-CN" sz="2400"/>
+              <a:t>g1</a:t>
+            </a:r>
+            <a:endParaRPr lang="en-US" altLang="zh-CN" sz="2400"/>
+          </a:p>
+        </p:txBody>
+      </p:sp>
+      <p:sp>
+        <p:nvSpPr>
+          <p:cNvPr id="13" name="Text Box 12"/>
+          <p:cNvSpPr txBox="1"/>
+          <p:nvPr/>
+        </p:nvSpPr>
+        <p:spPr>
+          <a:xfrm>
+            <a:off x="6941820" y="4297680"/>
+            <a:ext cx="487680" cy="460375"/>
+          </a:xfrm>
+          <a:prstGeom prst="rect">
+            <a:avLst/>
+          </a:prstGeom>
+          <a:noFill/>
+        </p:spPr>
+        <p:txBody>
+          <a:bodyPr wrap="none" rtlCol="0">
+            <a:spAutoFit/>
+          </a:bodyPr>
+          <a:p>
+            <a:r>
+              <a:rPr lang="en-US" altLang="zh-CN" sz="2400"/>
+              <a:t>d1</a:t>
+            </a:r>
+            <a:endParaRPr lang="en-US" altLang="zh-CN" sz="2400"/>
+          </a:p>
+        </p:txBody>
+      </p:sp>
+      <p:sp>
+        <p:nvSpPr>
+          <p:cNvPr id="14" name="Text Box 13"/>
+          <p:cNvSpPr txBox="1"/>
+          <p:nvPr/>
+        </p:nvSpPr>
+        <p:spPr>
+          <a:xfrm>
+            <a:off x="7867015" y="2450465"/>
+            <a:ext cx="1200785" cy="460375"/>
+          </a:xfrm>
+          <a:prstGeom prst="rect">
+            <a:avLst/>
+          </a:prstGeom>
+          <a:noFill/>
+        </p:spPr>
+        <p:txBody>
+          <a:bodyPr wrap="square" rtlCol="0">
+            <a:spAutoFit/>
+          </a:bodyPr>
+          <a:p>
+            <a:r>
+              <a:rPr lang="en-US" altLang="zh-CN" sz="2400"/>
+              <a:t>g2</a:t>
+            </a:r>
+            <a:endParaRPr lang="en-US" altLang="zh-CN" sz="2400"/>
+          </a:p>
+        </p:txBody>
+      </p:sp>
+      <p:sp>
+        <p:nvSpPr>
+          <p:cNvPr id="15" name="Text Box 14"/>
+          <p:cNvSpPr txBox="1"/>
+          <p:nvPr/>
+        </p:nvSpPr>
+        <p:spPr>
+          <a:xfrm>
+            <a:off x="9067800" y="4344035"/>
+            <a:ext cx="1169670" cy="460375"/>
+          </a:xfrm>
+          <a:prstGeom prst="rect">
+            <a:avLst/>
+          </a:prstGeom>
+          <a:noFill/>
+        </p:spPr>
+        <p:txBody>
+          <a:bodyPr wrap="square" rtlCol="0">
+            <a:spAutoFit/>
+          </a:bodyPr>
+          <a:p>
+            <a:r>
+              <a:rPr lang="en-US" altLang="zh-CN" sz="2400"/>
+              <a:t>d2</a:t>
+            </a:r>
+            <a:endParaRPr lang="en-US" altLang="zh-CN" sz="2400"/>
+          </a:p>
+        </p:txBody>
+      </p:sp>
+    </p:spTree>
+  </p:cSld>
+  <p:clrMapOvr>
+    <a:masterClrMapping/>
+  </p:clrMapOvr>
+</p:sld>
+</file>
+
+<file path=ppt/slides/slide21.xml><?xml version="1.0" encoding="utf-8"?>
+<p:sld xmlns:a="http://schemas.openxmlformats.org/drawingml/2006/main" xmlns:r="http://schemas.openxmlformats.org/officeDocument/2006/relationships" xmlns:p="http://schemas.openxmlformats.org/presentationml/2006/main">
+  <p:cSld>
+    <p:spTree>
+      <p:nvGrpSpPr>
+        <p:cNvPr id="1" name=""/>
+        <p:cNvGrpSpPr/>
+        <p:nvPr/>
+      </p:nvGrpSpPr>
+      <p:grpSpPr>
+        <a:xfrm>
+          <a:off x="0" y="0"/>
+          <a:ext cx="0" cy="0"/>
+          <a:chOff x="0" y="0"/>
+          <a:chExt cx="0" cy="0"/>
+        </a:xfrm>
+      </p:grpSpPr>
+      <p:sp>
+        <p:nvSpPr>
+          <p:cNvPr id="16" name="Text Box 15"/>
+          <p:cNvSpPr txBox="1"/>
+          <p:nvPr/>
+        </p:nvSpPr>
+        <p:spPr>
+          <a:xfrm>
+            <a:off x="213995" y="131445"/>
+            <a:ext cx="4297680" cy="368300"/>
+          </a:xfrm>
+          <a:prstGeom prst="rect">
+            <a:avLst/>
+          </a:prstGeom>
+          <a:noFill/>
+        </p:spPr>
+        <p:txBody>
+          <a:bodyPr wrap="none" rtlCol="0">
+            <a:spAutoFit/>
+          </a:bodyPr>
+          <a:p>
+            <a:r>
+              <a:rPr lang="zh-CN" altLang="en-US"/>
+              <a:t>因为在</a:t>
+            </a:r>
+            <a:r>
+              <a:rPr lang="en-US" altLang="zh-CN"/>
+              <a:t>1</a:t>
+            </a:r>
+            <a:r>
+              <a:rPr lang="zh-CN" altLang="en-US"/>
+              <a:t>处形成顶分型，所以</a:t>
+            </a:r>
+            <a:r>
+              <a:rPr lang="en-US" altLang="zh-CN"/>
+              <a:t>1</a:t>
+            </a:r>
+            <a:r>
+              <a:rPr lang="zh-CN" altLang="en-US"/>
+              <a:t>之后只能是</a:t>
+            </a:r>
+            <a:endParaRPr lang="zh-CN" altLang="en-US"/>
+          </a:p>
+        </p:txBody>
+      </p:sp>
+      <p:cxnSp>
+        <p:nvCxnSpPr>
+          <p:cNvPr id="17" name="Straight Arrow Connector 16"/>
+          <p:cNvCxnSpPr/>
+          <p:nvPr/>
+        </p:nvCxnSpPr>
+        <p:spPr>
+          <a:xfrm flipV="1">
+            <a:off x="1414145" y="3959860"/>
+            <a:ext cx="226060" cy="2059940"/>
+          </a:xfrm>
+          <a:prstGeom prst="straightConnector1">
+            <a:avLst/>
+          </a:prstGeom>
+          <a:ln w="73025">
+            <a:solidFill>
+              <a:srgbClr val="FF3300"/>
+            </a:solidFill>
+            <a:tailEnd type="arrow"/>
+          </a:ln>
+        </p:spPr>
+        <p:style>
+          <a:lnRef idx="1">
+            <a:schemeClr val="accent1"/>
+          </a:lnRef>
+          <a:fillRef idx="0">
+            <a:schemeClr val="accent1"/>
+          </a:fillRef>
+          <a:effectRef idx="0">
+            <a:schemeClr val="accent1"/>
+          </a:effectRef>
+          <a:fontRef idx="minor">
+            <a:schemeClr val="tx1"/>
+          </a:fontRef>
+        </p:style>
+      </p:cxnSp>
+      <p:cxnSp>
+        <p:nvCxnSpPr>
+          <p:cNvPr id="18" name="Straight Arrow Connector 17"/>
+          <p:cNvCxnSpPr/>
+          <p:nvPr/>
+        </p:nvCxnSpPr>
+        <p:spPr>
+          <a:xfrm>
+            <a:off x="772795" y="5011420"/>
+            <a:ext cx="641350" cy="1089025"/>
+          </a:xfrm>
+          <a:prstGeom prst="straightConnector1">
+            <a:avLst/>
+          </a:prstGeom>
+          <a:ln w="66675">
+            <a:solidFill>
+              <a:schemeClr val="accent6">
+                <a:lumMod val="60000"/>
+                <a:lumOff val="40000"/>
+              </a:schemeClr>
+            </a:solidFill>
+            <a:tailEnd type="arrow"/>
+          </a:ln>
+        </p:spPr>
+        <p:style>
+          <a:lnRef idx="1">
+            <a:schemeClr val="accent1"/>
+          </a:lnRef>
+          <a:fillRef idx="0">
+            <a:schemeClr val="accent1"/>
+          </a:fillRef>
+          <a:effectRef idx="0">
+            <a:schemeClr val="accent1"/>
+          </a:effectRef>
+          <a:fontRef idx="minor">
+            <a:schemeClr val="tx1"/>
+          </a:fontRef>
+        </p:style>
+      </p:cxnSp>
+      <p:cxnSp>
+        <p:nvCxnSpPr>
+          <p:cNvPr id="19" name="Straight Arrow Connector 18"/>
+          <p:cNvCxnSpPr/>
+          <p:nvPr/>
+        </p:nvCxnSpPr>
+        <p:spPr>
+          <a:xfrm flipV="1">
+            <a:off x="436245" y="5011420"/>
+            <a:ext cx="336550" cy="1368425"/>
+          </a:xfrm>
+          <a:prstGeom prst="straightConnector1">
+            <a:avLst/>
+          </a:prstGeom>
+          <a:ln w="73025">
+            <a:solidFill>
+              <a:srgbClr val="FF3300"/>
+            </a:solidFill>
+            <a:tailEnd type="arrow"/>
+          </a:ln>
+        </p:spPr>
+        <p:style>
+          <a:lnRef idx="1">
+            <a:schemeClr val="accent1"/>
+          </a:lnRef>
+          <a:fillRef idx="0">
+            <a:schemeClr val="accent1"/>
+          </a:fillRef>
+          <a:effectRef idx="0">
+            <a:schemeClr val="accent1"/>
+          </a:effectRef>
+          <a:fontRef idx="minor">
+            <a:schemeClr val="tx1"/>
+          </a:fontRef>
+        </p:style>
+      </p:cxnSp>
+      <p:cxnSp>
+        <p:nvCxnSpPr>
+          <p:cNvPr id="21" name="Straight Arrow Connector 20"/>
+          <p:cNvCxnSpPr/>
+          <p:nvPr/>
+        </p:nvCxnSpPr>
+        <p:spPr>
+          <a:xfrm>
+            <a:off x="1660525" y="3922395"/>
+            <a:ext cx="641350" cy="1089025"/>
+          </a:xfrm>
+          <a:prstGeom prst="straightConnector1">
+            <a:avLst/>
+          </a:prstGeom>
+          <a:ln w="66675">
+            <a:solidFill>
+              <a:schemeClr val="accent6">
+                <a:lumMod val="60000"/>
+                <a:lumOff val="40000"/>
+              </a:schemeClr>
+            </a:solidFill>
+            <a:tailEnd type="arrow"/>
+          </a:ln>
+        </p:spPr>
+        <p:style>
+          <a:lnRef idx="1">
+            <a:schemeClr val="accent1"/>
+          </a:lnRef>
+          <a:fillRef idx="0">
+            <a:schemeClr val="accent1"/>
+          </a:fillRef>
+          <a:effectRef idx="0">
+            <a:schemeClr val="accent1"/>
+          </a:effectRef>
+          <a:fontRef idx="minor">
+            <a:schemeClr val="tx1"/>
+          </a:fontRef>
+        </p:style>
+      </p:cxnSp>
+      <p:cxnSp>
+        <p:nvCxnSpPr>
+          <p:cNvPr id="22" name="Straight Arrow Connector 21"/>
+          <p:cNvCxnSpPr/>
+          <p:nvPr/>
+        </p:nvCxnSpPr>
+        <p:spPr>
+          <a:xfrm flipV="1">
+            <a:off x="2281555" y="1810385"/>
+            <a:ext cx="560705" cy="3098800"/>
+          </a:xfrm>
+          <a:prstGeom prst="straightConnector1">
+            <a:avLst/>
+          </a:prstGeom>
+          <a:ln w="73025">
+            <a:solidFill>
+              <a:srgbClr val="FF3300"/>
+            </a:solidFill>
+            <a:tailEnd type="arrow"/>
+          </a:ln>
+        </p:spPr>
+        <p:style>
+          <a:lnRef idx="1">
+            <a:schemeClr val="accent1"/>
+          </a:lnRef>
+          <a:fillRef idx="0">
+            <a:schemeClr val="accent1"/>
+          </a:fillRef>
+          <a:effectRef idx="0">
+            <a:schemeClr val="accent1"/>
+          </a:effectRef>
+          <a:fontRef idx="minor">
+            <a:schemeClr val="tx1"/>
+          </a:fontRef>
+        </p:style>
+      </p:cxnSp>
+      <p:cxnSp>
+        <p:nvCxnSpPr>
+          <p:cNvPr id="23" name="Straight Arrow Connector 22"/>
+          <p:cNvCxnSpPr/>
+          <p:nvPr/>
+        </p:nvCxnSpPr>
+        <p:spPr>
+          <a:xfrm>
+            <a:off x="2842260" y="1810385"/>
+            <a:ext cx="566420" cy="1386840"/>
+          </a:xfrm>
+          <a:prstGeom prst="straightConnector1">
+            <a:avLst/>
+          </a:prstGeom>
+          <a:ln w="66675">
+            <a:solidFill>
+              <a:schemeClr val="accent6">
+                <a:lumMod val="60000"/>
+                <a:lumOff val="40000"/>
+              </a:schemeClr>
+            </a:solidFill>
+            <a:tailEnd type="arrow"/>
+          </a:ln>
+        </p:spPr>
+        <p:style>
+          <a:lnRef idx="1">
+            <a:schemeClr val="accent1"/>
+          </a:lnRef>
+          <a:fillRef idx="0">
+            <a:schemeClr val="accent1"/>
+          </a:fillRef>
+          <a:effectRef idx="0">
+            <a:schemeClr val="accent1"/>
+          </a:effectRef>
+          <a:fontRef idx="minor">
+            <a:schemeClr val="tx1"/>
+          </a:fontRef>
+        </p:style>
+      </p:cxnSp>
+      <p:sp>
+        <p:nvSpPr>
+          <p:cNvPr id="25" name="Text Box 24"/>
+          <p:cNvSpPr txBox="1"/>
+          <p:nvPr/>
+        </p:nvSpPr>
+        <p:spPr>
+          <a:xfrm>
+            <a:off x="2622550" y="1325245"/>
+            <a:ext cx="297180" cy="368300"/>
+          </a:xfrm>
+          <a:prstGeom prst="rect">
+            <a:avLst/>
+          </a:prstGeom>
+          <a:noFill/>
+        </p:spPr>
+        <p:txBody>
+          <a:bodyPr wrap="none" rtlCol="0">
+            <a:spAutoFit/>
+          </a:bodyPr>
+          <a:p>
+            <a:r>
+              <a:rPr lang="en-US"/>
+              <a:t>1</a:t>
+            </a:r>
+            <a:endParaRPr lang="en-US"/>
+          </a:p>
+        </p:txBody>
+      </p:sp>
+      <p:sp>
+        <p:nvSpPr>
+          <p:cNvPr id="26" name="Text Box 25"/>
+          <p:cNvSpPr txBox="1"/>
+          <p:nvPr/>
+        </p:nvSpPr>
+        <p:spPr>
+          <a:xfrm>
+            <a:off x="495935" y="6386830"/>
+            <a:ext cx="297180" cy="368300"/>
+          </a:xfrm>
+          <a:prstGeom prst="rect">
+            <a:avLst/>
+          </a:prstGeom>
+          <a:noFill/>
+        </p:spPr>
+        <p:txBody>
+          <a:bodyPr wrap="none" rtlCol="0">
+            <a:spAutoFit/>
+          </a:bodyPr>
+          <a:p>
+            <a:r>
+              <a:rPr lang="en-US"/>
+              <a:t>0</a:t>
+            </a:r>
+            <a:endParaRPr lang="en-US"/>
+          </a:p>
+        </p:txBody>
+      </p:sp>
+      <p:cxnSp>
+        <p:nvCxnSpPr>
+          <p:cNvPr id="28" name="Straight Arrow Connector 27"/>
+          <p:cNvCxnSpPr/>
+          <p:nvPr/>
+        </p:nvCxnSpPr>
+        <p:spPr>
+          <a:xfrm flipV="1">
+            <a:off x="3408680" y="2110740"/>
+            <a:ext cx="242570" cy="1086485"/>
+          </a:xfrm>
+          <a:prstGeom prst="straightConnector1">
+            <a:avLst/>
+          </a:prstGeom>
+          <a:ln w="73025">
+            <a:solidFill>
+              <a:srgbClr val="FF3300"/>
+            </a:solidFill>
+            <a:tailEnd type="arrow"/>
+          </a:ln>
+        </p:spPr>
+        <p:style>
+          <a:lnRef idx="1">
+            <a:schemeClr val="accent1"/>
+          </a:lnRef>
+          <a:fillRef idx="0">
+            <a:schemeClr val="accent1"/>
+          </a:fillRef>
+          <a:effectRef idx="0">
+            <a:schemeClr val="accent1"/>
+          </a:effectRef>
+          <a:fontRef idx="minor">
+            <a:schemeClr val="tx1"/>
+          </a:fontRef>
+        </p:style>
+      </p:cxnSp>
+      <p:cxnSp>
+        <p:nvCxnSpPr>
+          <p:cNvPr id="29" name="Straight Arrow Connector 28"/>
+          <p:cNvCxnSpPr/>
+          <p:nvPr/>
+        </p:nvCxnSpPr>
+        <p:spPr>
+          <a:xfrm>
+            <a:off x="3651250" y="2110740"/>
+            <a:ext cx="566420" cy="1386840"/>
+          </a:xfrm>
+          <a:prstGeom prst="straightConnector1">
+            <a:avLst/>
+          </a:prstGeom>
+          <a:ln w="66675">
+            <a:solidFill>
+              <a:schemeClr val="accent6">
+                <a:lumMod val="60000"/>
+                <a:lumOff val="40000"/>
+              </a:schemeClr>
+            </a:solidFill>
+            <a:tailEnd type="arrow"/>
+          </a:ln>
+        </p:spPr>
+        <p:style>
+          <a:lnRef idx="1">
+            <a:schemeClr val="accent1"/>
+          </a:lnRef>
+          <a:fillRef idx="0">
+            <a:schemeClr val="accent1"/>
+          </a:fillRef>
+          <a:effectRef idx="0">
+            <a:schemeClr val="accent1"/>
+          </a:effectRef>
+          <a:fontRef idx="minor">
+            <a:schemeClr val="tx1"/>
+          </a:fontRef>
+        </p:style>
+      </p:cxnSp>
+      <p:cxnSp>
+        <p:nvCxnSpPr>
+          <p:cNvPr id="30" name="Straight Arrow Connector 29"/>
+          <p:cNvCxnSpPr/>
+          <p:nvPr/>
+        </p:nvCxnSpPr>
+        <p:spPr>
+          <a:xfrm flipV="1">
+            <a:off x="5655310" y="3843020"/>
+            <a:ext cx="226060" cy="2059940"/>
+          </a:xfrm>
+          <a:prstGeom prst="straightConnector1">
+            <a:avLst/>
+          </a:prstGeom>
+          <a:ln w="73025">
+            <a:solidFill>
+              <a:srgbClr val="FF3300"/>
+            </a:solidFill>
+            <a:tailEnd type="arrow"/>
+          </a:ln>
+        </p:spPr>
+        <p:style>
+          <a:lnRef idx="1">
+            <a:schemeClr val="accent1"/>
+          </a:lnRef>
+          <a:fillRef idx="0">
+            <a:schemeClr val="accent1"/>
+          </a:fillRef>
+          <a:effectRef idx="0">
+            <a:schemeClr val="accent1"/>
+          </a:effectRef>
+          <a:fontRef idx="minor">
+            <a:schemeClr val="tx1"/>
+          </a:fontRef>
+        </p:style>
+      </p:cxnSp>
+      <p:cxnSp>
+        <p:nvCxnSpPr>
+          <p:cNvPr id="31" name="Straight Arrow Connector 30"/>
+          <p:cNvCxnSpPr/>
+          <p:nvPr/>
+        </p:nvCxnSpPr>
+        <p:spPr>
+          <a:xfrm>
+            <a:off x="5013960" y="4894580"/>
+            <a:ext cx="641350" cy="1089025"/>
+          </a:xfrm>
+          <a:prstGeom prst="straightConnector1">
+            <a:avLst/>
+          </a:prstGeom>
+          <a:ln w="66675">
+            <a:solidFill>
+              <a:schemeClr val="accent6">
+                <a:lumMod val="60000"/>
+                <a:lumOff val="40000"/>
+              </a:schemeClr>
+            </a:solidFill>
+            <a:tailEnd type="arrow"/>
+          </a:ln>
+        </p:spPr>
+        <p:style>
+          <a:lnRef idx="1">
+            <a:schemeClr val="accent1"/>
+          </a:lnRef>
+          <a:fillRef idx="0">
+            <a:schemeClr val="accent1"/>
+          </a:fillRef>
+          <a:effectRef idx="0">
+            <a:schemeClr val="accent1"/>
+          </a:effectRef>
+          <a:fontRef idx="minor">
+            <a:schemeClr val="tx1"/>
+          </a:fontRef>
+        </p:style>
+      </p:cxnSp>
+      <p:cxnSp>
+        <p:nvCxnSpPr>
+          <p:cNvPr id="32" name="Straight Arrow Connector 31"/>
+          <p:cNvCxnSpPr/>
+          <p:nvPr/>
+        </p:nvCxnSpPr>
+        <p:spPr>
+          <a:xfrm flipV="1">
+            <a:off x="4677410" y="4894580"/>
+            <a:ext cx="336550" cy="1368425"/>
+          </a:xfrm>
+          <a:prstGeom prst="straightConnector1">
+            <a:avLst/>
+          </a:prstGeom>
+          <a:ln w="73025">
+            <a:solidFill>
+              <a:srgbClr val="FF3300"/>
+            </a:solidFill>
+            <a:tailEnd type="arrow"/>
+          </a:ln>
+        </p:spPr>
+        <p:style>
+          <a:lnRef idx="1">
+            <a:schemeClr val="accent1"/>
+          </a:lnRef>
+          <a:fillRef idx="0">
+            <a:schemeClr val="accent1"/>
+          </a:fillRef>
+          <a:effectRef idx="0">
+            <a:schemeClr val="accent1"/>
+          </a:effectRef>
+          <a:fontRef idx="minor">
+            <a:schemeClr val="tx1"/>
+          </a:fontRef>
+        </p:style>
+      </p:cxnSp>
+      <p:cxnSp>
+        <p:nvCxnSpPr>
+          <p:cNvPr id="33" name="Straight Arrow Connector 32"/>
+          <p:cNvCxnSpPr/>
+          <p:nvPr/>
+        </p:nvCxnSpPr>
+        <p:spPr>
+          <a:xfrm>
+            <a:off x="5901690" y="3805555"/>
+            <a:ext cx="641350" cy="1089025"/>
+          </a:xfrm>
+          <a:prstGeom prst="straightConnector1">
+            <a:avLst/>
+          </a:prstGeom>
+          <a:ln w="66675">
+            <a:solidFill>
+              <a:schemeClr val="accent6">
+                <a:lumMod val="60000"/>
+                <a:lumOff val="40000"/>
+              </a:schemeClr>
+            </a:solidFill>
+            <a:tailEnd type="arrow"/>
+          </a:ln>
+        </p:spPr>
+        <p:style>
+          <a:lnRef idx="1">
+            <a:schemeClr val="accent1"/>
+          </a:lnRef>
+          <a:fillRef idx="0">
+            <a:schemeClr val="accent1"/>
+          </a:fillRef>
+          <a:effectRef idx="0">
+            <a:schemeClr val="accent1"/>
+          </a:effectRef>
+          <a:fontRef idx="minor">
+            <a:schemeClr val="tx1"/>
+          </a:fontRef>
+        </p:style>
+      </p:cxnSp>
+      <p:cxnSp>
+        <p:nvCxnSpPr>
+          <p:cNvPr id="34" name="Straight Arrow Connector 33"/>
+          <p:cNvCxnSpPr/>
+          <p:nvPr/>
+        </p:nvCxnSpPr>
+        <p:spPr>
+          <a:xfrm flipV="1">
+            <a:off x="6522720" y="1693545"/>
+            <a:ext cx="560705" cy="3098800"/>
+          </a:xfrm>
+          <a:prstGeom prst="straightConnector1">
+            <a:avLst/>
+          </a:prstGeom>
+          <a:ln w="73025">
+            <a:solidFill>
+              <a:srgbClr val="FF3300"/>
+            </a:solidFill>
+            <a:tailEnd type="arrow"/>
+          </a:ln>
+        </p:spPr>
+        <p:style>
+          <a:lnRef idx="1">
+            <a:schemeClr val="accent1"/>
+          </a:lnRef>
+          <a:fillRef idx="0">
+            <a:schemeClr val="accent1"/>
+          </a:fillRef>
+          <a:effectRef idx="0">
+            <a:schemeClr val="accent1"/>
+          </a:effectRef>
+          <a:fontRef idx="minor">
+            <a:schemeClr val="tx1"/>
+          </a:fontRef>
+        </p:style>
+      </p:cxnSp>
+      <p:cxnSp>
+        <p:nvCxnSpPr>
+          <p:cNvPr id="35" name="Straight Arrow Connector 34"/>
+          <p:cNvCxnSpPr/>
+          <p:nvPr/>
+        </p:nvCxnSpPr>
+        <p:spPr>
+          <a:xfrm>
+            <a:off x="7083425" y="1693545"/>
+            <a:ext cx="566420" cy="1386840"/>
+          </a:xfrm>
+          <a:prstGeom prst="straightConnector1">
+            <a:avLst/>
+          </a:prstGeom>
+          <a:ln w="66675">
+            <a:solidFill>
+              <a:schemeClr val="accent6">
+                <a:lumMod val="60000"/>
+                <a:lumOff val="40000"/>
+              </a:schemeClr>
+            </a:solidFill>
+            <a:tailEnd type="arrow"/>
+          </a:ln>
+        </p:spPr>
+        <p:style>
+          <a:lnRef idx="1">
+            <a:schemeClr val="accent1"/>
+          </a:lnRef>
+          <a:fillRef idx="0">
+            <a:schemeClr val="accent1"/>
+          </a:fillRef>
+          <a:effectRef idx="0">
+            <a:schemeClr val="accent1"/>
+          </a:effectRef>
+          <a:fontRef idx="minor">
+            <a:schemeClr val="tx1"/>
+          </a:fontRef>
+        </p:style>
+      </p:cxnSp>
+      <p:sp>
+        <p:nvSpPr>
+          <p:cNvPr id="36" name="Text Box 35"/>
+          <p:cNvSpPr txBox="1"/>
+          <p:nvPr/>
+        </p:nvSpPr>
+        <p:spPr>
+          <a:xfrm>
+            <a:off x="6863715" y="1208405"/>
+            <a:ext cx="297180" cy="368300"/>
+          </a:xfrm>
+          <a:prstGeom prst="rect">
+            <a:avLst/>
+          </a:prstGeom>
+          <a:noFill/>
+        </p:spPr>
+        <p:txBody>
+          <a:bodyPr wrap="none" rtlCol="0">
+            <a:spAutoFit/>
+          </a:bodyPr>
+          <a:p>
+            <a:r>
+              <a:rPr lang="en-US"/>
+              <a:t>1</a:t>
+            </a:r>
+            <a:endParaRPr lang="en-US"/>
+          </a:p>
+        </p:txBody>
+      </p:sp>
+      <p:sp>
+        <p:nvSpPr>
+          <p:cNvPr id="37" name="Text Box 36"/>
+          <p:cNvSpPr txBox="1"/>
+          <p:nvPr/>
+        </p:nvSpPr>
+        <p:spPr>
+          <a:xfrm>
+            <a:off x="4737100" y="6269990"/>
+            <a:ext cx="297180" cy="368300"/>
+          </a:xfrm>
+          <a:prstGeom prst="rect">
+            <a:avLst/>
+          </a:prstGeom>
+          <a:noFill/>
+        </p:spPr>
+        <p:txBody>
+          <a:bodyPr wrap="none" rtlCol="0">
+            <a:spAutoFit/>
+          </a:bodyPr>
+          <a:p>
+            <a:r>
+              <a:rPr lang="en-US"/>
+              <a:t>0</a:t>
+            </a:r>
+            <a:endParaRPr lang="en-US"/>
+          </a:p>
+        </p:txBody>
+      </p:sp>
+      <p:cxnSp>
+        <p:nvCxnSpPr>
+          <p:cNvPr id="38" name="Straight Arrow Connector 37"/>
+          <p:cNvCxnSpPr/>
+          <p:nvPr/>
+        </p:nvCxnSpPr>
+        <p:spPr>
+          <a:xfrm flipV="1">
+            <a:off x="7649845" y="1993900"/>
+            <a:ext cx="242570" cy="1086485"/>
+          </a:xfrm>
+          <a:prstGeom prst="straightConnector1">
+            <a:avLst/>
+          </a:prstGeom>
+          <a:ln w="73025">
+            <a:solidFill>
+              <a:srgbClr val="FF3300"/>
+            </a:solidFill>
+            <a:tailEnd type="arrow"/>
+          </a:ln>
+        </p:spPr>
+        <p:style>
+          <a:lnRef idx="1">
+            <a:schemeClr val="accent1"/>
+          </a:lnRef>
+          <a:fillRef idx="0">
+            <a:schemeClr val="accent1"/>
+          </a:fillRef>
+          <a:effectRef idx="0">
+            <a:schemeClr val="accent1"/>
+          </a:effectRef>
+          <a:fontRef idx="minor">
+            <a:schemeClr val="tx1"/>
+          </a:fontRef>
+        </p:style>
+      </p:cxnSp>
+      <p:cxnSp>
+        <p:nvCxnSpPr>
+          <p:cNvPr id="39" name="Straight Arrow Connector 38"/>
+          <p:cNvCxnSpPr/>
+          <p:nvPr/>
+        </p:nvCxnSpPr>
+        <p:spPr>
+          <a:xfrm>
+            <a:off x="7892415" y="1993900"/>
+            <a:ext cx="161925" cy="798830"/>
+          </a:xfrm>
+          <a:prstGeom prst="straightConnector1">
+            <a:avLst/>
+          </a:prstGeom>
+          <a:ln w="66675">
+            <a:solidFill>
+              <a:schemeClr val="accent6">
+                <a:lumMod val="60000"/>
+                <a:lumOff val="40000"/>
+              </a:schemeClr>
+            </a:solidFill>
+            <a:tailEnd type="arrow"/>
+          </a:ln>
+        </p:spPr>
+        <p:style>
+          <a:lnRef idx="1">
+            <a:schemeClr val="accent1"/>
+          </a:lnRef>
+          <a:fillRef idx="0">
+            <a:schemeClr val="accent1"/>
+          </a:fillRef>
+          <a:effectRef idx="0">
+            <a:schemeClr val="accent1"/>
+          </a:effectRef>
+          <a:fontRef idx="minor">
+            <a:schemeClr val="tx1"/>
+          </a:fontRef>
+        </p:style>
+      </p:cxnSp>
+      <p:cxnSp>
+        <p:nvCxnSpPr>
+          <p:cNvPr id="40" name="Straight Arrow Connector 39"/>
+          <p:cNvCxnSpPr/>
+          <p:nvPr/>
+        </p:nvCxnSpPr>
+        <p:spPr>
+          <a:xfrm flipV="1">
+            <a:off x="8856345" y="3843020"/>
+            <a:ext cx="226060" cy="2059940"/>
+          </a:xfrm>
+          <a:prstGeom prst="straightConnector1">
+            <a:avLst/>
+          </a:prstGeom>
+          <a:ln w="73025">
+            <a:solidFill>
+              <a:srgbClr val="FF3300"/>
+            </a:solidFill>
+            <a:tailEnd type="arrow"/>
+          </a:ln>
+        </p:spPr>
+        <p:style>
+          <a:lnRef idx="1">
+            <a:schemeClr val="accent1"/>
+          </a:lnRef>
+          <a:fillRef idx="0">
+            <a:schemeClr val="accent1"/>
+          </a:fillRef>
+          <a:effectRef idx="0">
+            <a:schemeClr val="accent1"/>
+          </a:effectRef>
+          <a:fontRef idx="minor">
+            <a:schemeClr val="tx1"/>
+          </a:fontRef>
+        </p:style>
+      </p:cxnSp>
+      <p:cxnSp>
+        <p:nvCxnSpPr>
+          <p:cNvPr id="41" name="Straight Arrow Connector 40"/>
+          <p:cNvCxnSpPr/>
+          <p:nvPr/>
+        </p:nvCxnSpPr>
+        <p:spPr>
+          <a:xfrm>
+            <a:off x="8214995" y="4894580"/>
+            <a:ext cx="641350" cy="1089025"/>
+          </a:xfrm>
+          <a:prstGeom prst="straightConnector1">
+            <a:avLst/>
+          </a:prstGeom>
+          <a:ln w="66675">
+            <a:solidFill>
+              <a:schemeClr val="accent6">
+                <a:lumMod val="60000"/>
+                <a:lumOff val="40000"/>
+              </a:schemeClr>
+            </a:solidFill>
+            <a:tailEnd type="arrow"/>
+          </a:ln>
+        </p:spPr>
+        <p:style>
+          <a:lnRef idx="1">
+            <a:schemeClr val="accent1"/>
+          </a:lnRef>
+          <a:fillRef idx="0">
+            <a:schemeClr val="accent1"/>
+          </a:fillRef>
+          <a:effectRef idx="0">
+            <a:schemeClr val="accent1"/>
+          </a:effectRef>
+          <a:fontRef idx="minor">
+            <a:schemeClr val="tx1"/>
+          </a:fontRef>
+        </p:style>
+      </p:cxnSp>
+      <p:cxnSp>
+        <p:nvCxnSpPr>
+          <p:cNvPr id="42" name="Straight Arrow Connector 41"/>
+          <p:cNvCxnSpPr/>
+          <p:nvPr/>
+        </p:nvCxnSpPr>
+        <p:spPr>
+          <a:xfrm flipV="1">
+            <a:off x="7878445" y="4894580"/>
+            <a:ext cx="336550" cy="1368425"/>
+          </a:xfrm>
+          <a:prstGeom prst="straightConnector1">
+            <a:avLst/>
+          </a:prstGeom>
+          <a:ln w="73025">
+            <a:solidFill>
+              <a:srgbClr val="FF3300"/>
+            </a:solidFill>
+            <a:tailEnd type="arrow"/>
+          </a:ln>
+        </p:spPr>
+        <p:style>
+          <a:lnRef idx="1">
+            <a:schemeClr val="accent1"/>
+          </a:lnRef>
+          <a:fillRef idx="0">
+            <a:schemeClr val="accent1"/>
+          </a:fillRef>
+          <a:effectRef idx="0">
+            <a:schemeClr val="accent1"/>
+          </a:effectRef>
+          <a:fontRef idx="minor">
+            <a:schemeClr val="tx1"/>
+          </a:fontRef>
+        </p:style>
+      </p:cxnSp>
+      <p:cxnSp>
+        <p:nvCxnSpPr>
+          <p:cNvPr id="43" name="Straight Arrow Connector 42"/>
+          <p:cNvCxnSpPr/>
+          <p:nvPr/>
+        </p:nvCxnSpPr>
+        <p:spPr>
+          <a:xfrm>
+            <a:off x="9102725" y="3805555"/>
+            <a:ext cx="641350" cy="1089025"/>
+          </a:xfrm>
+          <a:prstGeom prst="straightConnector1">
+            <a:avLst/>
+          </a:prstGeom>
+          <a:ln w="66675">
+            <a:solidFill>
+              <a:schemeClr val="accent6">
+                <a:lumMod val="60000"/>
+                <a:lumOff val="40000"/>
+              </a:schemeClr>
+            </a:solidFill>
+            <a:tailEnd type="arrow"/>
+          </a:ln>
+        </p:spPr>
+        <p:style>
+          <a:lnRef idx="1">
+            <a:schemeClr val="accent1"/>
+          </a:lnRef>
+          <a:fillRef idx="0">
+            <a:schemeClr val="accent1"/>
+          </a:fillRef>
+          <a:effectRef idx="0">
+            <a:schemeClr val="accent1"/>
+          </a:effectRef>
+          <a:fontRef idx="minor">
+            <a:schemeClr val="tx1"/>
+          </a:fontRef>
+        </p:style>
+      </p:cxnSp>
+      <p:cxnSp>
+        <p:nvCxnSpPr>
+          <p:cNvPr id="44" name="Straight Arrow Connector 43"/>
+          <p:cNvCxnSpPr/>
+          <p:nvPr/>
+        </p:nvCxnSpPr>
+        <p:spPr>
+          <a:xfrm flipV="1">
+            <a:off x="9723755" y="1693545"/>
+            <a:ext cx="560705" cy="3098800"/>
+          </a:xfrm>
+          <a:prstGeom prst="straightConnector1">
+            <a:avLst/>
+          </a:prstGeom>
+          <a:ln w="73025">
+            <a:solidFill>
+              <a:srgbClr val="FF3300"/>
+            </a:solidFill>
+            <a:tailEnd type="arrow"/>
+          </a:ln>
+        </p:spPr>
+        <p:style>
+          <a:lnRef idx="1">
+            <a:schemeClr val="accent1"/>
+          </a:lnRef>
+          <a:fillRef idx="0">
+            <a:schemeClr val="accent1"/>
+          </a:fillRef>
+          <a:effectRef idx="0">
+            <a:schemeClr val="accent1"/>
+          </a:effectRef>
+          <a:fontRef idx="minor">
+            <a:schemeClr val="tx1"/>
+          </a:fontRef>
+        </p:style>
+      </p:cxnSp>
+      <p:cxnSp>
+        <p:nvCxnSpPr>
+          <p:cNvPr id="45" name="Straight Arrow Connector 44"/>
+          <p:cNvCxnSpPr/>
+          <p:nvPr/>
+        </p:nvCxnSpPr>
+        <p:spPr>
+          <a:xfrm>
+            <a:off x="10284460" y="1693545"/>
+            <a:ext cx="566420" cy="1386840"/>
+          </a:xfrm>
+          <a:prstGeom prst="straightConnector1">
+            <a:avLst/>
+          </a:prstGeom>
+          <a:ln w="66675">
+            <a:solidFill>
+              <a:schemeClr val="accent6">
+                <a:lumMod val="60000"/>
+                <a:lumOff val="40000"/>
+              </a:schemeClr>
+            </a:solidFill>
+            <a:tailEnd type="arrow"/>
+          </a:ln>
+        </p:spPr>
+        <p:style>
+          <a:lnRef idx="1">
+            <a:schemeClr val="accent1"/>
+          </a:lnRef>
+          <a:fillRef idx="0">
+            <a:schemeClr val="accent1"/>
+          </a:fillRef>
+          <a:effectRef idx="0">
+            <a:schemeClr val="accent1"/>
+          </a:effectRef>
+          <a:fontRef idx="minor">
+            <a:schemeClr val="tx1"/>
+          </a:fontRef>
+        </p:style>
+      </p:cxnSp>
+      <p:sp>
+        <p:nvSpPr>
+          <p:cNvPr id="46" name="Text Box 45"/>
+          <p:cNvSpPr txBox="1"/>
+          <p:nvPr/>
+        </p:nvSpPr>
+        <p:spPr>
+          <a:xfrm>
+            <a:off x="10064750" y="1208405"/>
+            <a:ext cx="297180" cy="368300"/>
+          </a:xfrm>
+          <a:prstGeom prst="rect">
+            <a:avLst/>
+          </a:prstGeom>
+          <a:noFill/>
+        </p:spPr>
+        <p:txBody>
+          <a:bodyPr wrap="none" rtlCol="0">
+            <a:spAutoFit/>
+          </a:bodyPr>
+          <a:p>
+            <a:r>
+              <a:rPr lang="en-US"/>
+              <a:t>1</a:t>
+            </a:r>
+            <a:endParaRPr lang="en-US"/>
+          </a:p>
+        </p:txBody>
+      </p:sp>
+      <p:sp>
+        <p:nvSpPr>
+          <p:cNvPr id="47" name="Text Box 46"/>
+          <p:cNvSpPr txBox="1"/>
+          <p:nvPr/>
+        </p:nvSpPr>
+        <p:spPr>
+          <a:xfrm>
+            <a:off x="7938135" y="6269990"/>
+            <a:ext cx="297180" cy="368300"/>
+          </a:xfrm>
+          <a:prstGeom prst="rect">
+            <a:avLst/>
+          </a:prstGeom>
+          <a:noFill/>
+        </p:spPr>
+        <p:txBody>
+          <a:bodyPr wrap="none" rtlCol="0">
+            <a:spAutoFit/>
+          </a:bodyPr>
+          <a:p>
+            <a:r>
+              <a:rPr lang="en-US"/>
+              <a:t>0</a:t>
+            </a:r>
+            <a:endParaRPr lang="en-US"/>
+          </a:p>
+        </p:txBody>
+      </p:sp>
+      <p:cxnSp>
+        <p:nvCxnSpPr>
+          <p:cNvPr id="48" name="Straight Arrow Connector 47"/>
+          <p:cNvCxnSpPr/>
+          <p:nvPr/>
+        </p:nvCxnSpPr>
+        <p:spPr>
+          <a:xfrm flipV="1">
+            <a:off x="10850880" y="816610"/>
+            <a:ext cx="369570" cy="2263775"/>
+          </a:xfrm>
+          <a:prstGeom prst="straightConnector1">
+            <a:avLst/>
+          </a:prstGeom>
+          <a:ln w="73025">
+            <a:solidFill>
+              <a:srgbClr val="FF3300"/>
+            </a:solidFill>
+            <a:tailEnd type="arrow"/>
+          </a:ln>
+        </p:spPr>
+        <p:style>
+          <a:lnRef idx="1">
+            <a:schemeClr val="accent1"/>
+          </a:lnRef>
+          <a:fillRef idx="0">
+            <a:schemeClr val="accent1"/>
+          </a:fillRef>
+          <a:effectRef idx="0">
+            <a:schemeClr val="accent1"/>
+          </a:effectRef>
+          <a:fontRef idx="minor">
+            <a:schemeClr val="tx1"/>
+          </a:fontRef>
+        </p:style>
+      </p:cxnSp>
+      <p:cxnSp>
+        <p:nvCxnSpPr>
+          <p:cNvPr id="49" name="Straight Arrow Connector 48"/>
+          <p:cNvCxnSpPr/>
+          <p:nvPr/>
+        </p:nvCxnSpPr>
+        <p:spPr>
+          <a:xfrm>
+            <a:off x="11304270" y="909320"/>
+            <a:ext cx="736600" cy="2888615"/>
+          </a:xfrm>
+          <a:prstGeom prst="straightConnector1">
+            <a:avLst/>
+          </a:prstGeom>
+          <a:ln w="66675">
+            <a:solidFill>
+              <a:schemeClr val="accent6">
+                <a:lumMod val="60000"/>
+                <a:lumOff val="40000"/>
+              </a:schemeClr>
+            </a:solidFill>
+            <a:tailEnd type="arrow"/>
+          </a:ln>
+        </p:spPr>
+        <p:style>
+          <a:lnRef idx="1">
+            <a:schemeClr val="accent1"/>
+          </a:lnRef>
+          <a:fillRef idx="0">
+            <a:schemeClr val="accent1"/>
+          </a:fillRef>
+          <a:effectRef idx="0">
+            <a:schemeClr val="accent1"/>
+          </a:effectRef>
+          <a:fontRef idx="minor">
+            <a:schemeClr val="tx1"/>
+          </a:fontRef>
+        </p:style>
+      </p:cxnSp>
+      <p:sp>
+        <p:nvSpPr>
+          <p:cNvPr id="50" name="Text Box 49"/>
+          <p:cNvSpPr txBox="1"/>
+          <p:nvPr/>
+        </p:nvSpPr>
+        <p:spPr>
+          <a:xfrm>
+            <a:off x="7144385" y="169545"/>
+            <a:ext cx="4373880" cy="922020"/>
+          </a:xfrm>
+          <a:prstGeom prst="rect">
+            <a:avLst/>
+          </a:prstGeom>
+          <a:noFill/>
+        </p:spPr>
+        <p:txBody>
+          <a:bodyPr wrap="square" rtlCol="0">
+            <a:spAutoFit/>
+          </a:bodyPr>
+          <a:p>
+            <a:r>
+              <a:rPr lang="zh-CN" altLang="en-US"/>
+              <a:t>这两种都不可能。第一种</a:t>
+            </a:r>
+            <a:r>
+              <a:rPr lang="en-US" altLang="zh-CN"/>
+              <a:t>X1,X2</a:t>
+            </a:r>
+            <a:r>
+              <a:rPr lang="zh-CN" altLang="en-US"/>
+              <a:t>有包含关系，顶分型一定在</a:t>
+            </a:r>
+            <a:r>
+              <a:rPr lang="en-US" altLang="zh-CN"/>
+              <a:t>1</a:t>
+            </a:r>
+            <a:r>
+              <a:rPr lang="zh-CN" altLang="en-US"/>
+              <a:t>之后。第二种，</a:t>
+            </a:r>
+            <a:r>
+              <a:rPr lang="en-US" altLang="zh-CN"/>
+              <a:t>1</a:t>
+            </a:r>
+            <a:r>
+              <a:rPr lang="zh-CN" altLang="en-US"/>
+              <a:t>处一定不是顶分型</a:t>
+            </a:r>
+            <a:endParaRPr lang="zh-CN" altLang="en-US"/>
+          </a:p>
+        </p:txBody>
+      </p:sp>
+      <p:sp>
+        <p:nvSpPr>
+          <p:cNvPr id="51" name="Multiply 50"/>
+          <p:cNvSpPr/>
+          <p:nvPr/>
+        </p:nvSpPr>
+        <p:spPr>
+          <a:xfrm>
+            <a:off x="5777230" y="5045710"/>
+            <a:ext cx="1306195" cy="1341120"/>
+          </a:xfrm>
+          <a:prstGeom prst="mathMultiply">
+            <a:avLst/>
+          </a:prstGeom>
+        </p:spPr>
+        <p:style>
+          <a:lnRef idx="2">
+            <a:schemeClr val="accent1">
+              <a:shade val="50000"/>
+            </a:schemeClr>
+          </a:lnRef>
+          <a:fillRef idx="1">
+            <a:schemeClr val="accent1"/>
+          </a:fillRef>
+          <a:effectRef idx="0">
+            <a:schemeClr val="accent1"/>
+          </a:effectRef>
+          <a:fontRef idx="minor">
+            <a:schemeClr val="lt1"/>
+          </a:fontRef>
+        </p:style>
+        <p:txBody>
+          <a:bodyPr rtlCol="0" anchor="ctr"/>
+          <a:p>
+            <a:pPr algn="ctr"/>
+            <a:endParaRPr lang="en-US"/>
+          </a:p>
+        </p:txBody>
+      </p:sp>
+      <p:sp>
+        <p:nvSpPr>
+          <p:cNvPr id="52" name="Multiply 51"/>
+          <p:cNvSpPr/>
+          <p:nvPr/>
+        </p:nvSpPr>
+        <p:spPr>
+          <a:xfrm>
+            <a:off x="10212070" y="4909185"/>
+            <a:ext cx="1306195" cy="1341120"/>
+          </a:xfrm>
+          <a:prstGeom prst="mathMultiply">
+            <a:avLst/>
+          </a:prstGeom>
+        </p:spPr>
+        <p:style>
+          <a:lnRef idx="2">
+            <a:schemeClr val="accent1">
+              <a:shade val="50000"/>
+            </a:schemeClr>
+          </a:lnRef>
+          <a:fillRef idx="1">
+            <a:schemeClr val="accent1"/>
+          </a:fillRef>
+          <a:effectRef idx="0">
+            <a:schemeClr val="accent1"/>
+          </a:effectRef>
+          <a:fontRef idx="minor">
+            <a:schemeClr val="lt1"/>
+          </a:fontRef>
+        </p:style>
+        <p:txBody>
+          <a:bodyPr rtlCol="0" anchor="ctr"/>
+          <a:p>
+            <a:pPr algn="ctr"/>
+            <a:endParaRPr lang="en-US"/>
+          </a:p>
+        </p:txBody>
+      </p:sp>
+      <p:sp>
+        <p:nvSpPr>
+          <p:cNvPr id="53" name="Text Box 52"/>
+          <p:cNvSpPr txBox="1"/>
+          <p:nvPr/>
+        </p:nvSpPr>
+        <p:spPr>
+          <a:xfrm>
+            <a:off x="7187565" y="1742440"/>
+            <a:ext cx="462280" cy="368300"/>
+          </a:xfrm>
+          <a:prstGeom prst="rect">
+            <a:avLst/>
+          </a:prstGeom>
+          <a:noFill/>
+        </p:spPr>
+        <p:txBody>
+          <a:bodyPr wrap="none" rtlCol="0">
+            <a:spAutoFit/>
+          </a:bodyPr>
+          <a:p>
+            <a:r>
+              <a:rPr lang="en-US"/>
+              <a:t>X1</a:t>
+            </a:r>
+            <a:endParaRPr lang="en-US"/>
+          </a:p>
+        </p:txBody>
+      </p:sp>
+      <p:sp>
+        <p:nvSpPr>
+          <p:cNvPr id="54" name="Text Box 53"/>
+          <p:cNvSpPr txBox="1"/>
+          <p:nvPr/>
+        </p:nvSpPr>
+        <p:spPr>
+          <a:xfrm>
+            <a:off x="8054340" y="2202815"/>
+            <a:ext cx="462280" cy="368300"/>
+          </a:xfrm>
+          <a:prstGeom prst="rect">
+            <a:avLst/>
+          </a:prstGeom>
+          <a:noFill/>
+        </p:spPr>
+        <p:txBody>
+          <a:bodyPr wrap="none" rtlCol="0">
+            <a:spAutoFit/>
+          </a:bodyPr>
+          <a:p>
+            <a:r>
+              <a:rPr lang="en-US"/>
+              <a:t>X2</a:t>
+            </a:r>
+            <a:endParaRPr lang="en-US"/>
+          </a:p>
+        </p:txBody>
+      </p:sp>
+    </p:spTree>
+  </p:cSld>
+  <p:clrMapOvr>
+    <a:masterClrMapping/>
+  </p:clrMapOvr>
+</p:sld>
+</file>
+
+<file path=ppt/slides/slide22.xml><?xml version="1.0" encoding="utf-8"?>
+<p:sld xmlns:a="http://schemas.openxmlformats.org/drawingml/2006/main" xmlns:r="http://schemas.openxmlformats.org/officeDocument/2006/relationships" xmlns:p="http://schemas.openxmlformats.org/presentationml/2006/main">
+  <p:cSld>
+    <p:spTree>
+      <p:nvGrpSpPr>
+        <p:cNvPr id="1" name=""/>
+        <p:cNvGrpSpPr/>
+        <p:nvPr/>
+      </p:nvGrpSpPr>
+      <p:grpSpPr>
+        <a:xfrm>
+          <a:off x="0" y="0"/>
+          <a:ext cx="0" cy="0"/>
+          <a:chOff x="0" y="0"/>
+          <a:chExt cx="0" cy="0"/>
+        </a:xfrm>
+      </p:grpSpPr>
+      <p:sp>
+        <p:nvSpPr>
+          <p:cNvPr id="16" name="Text Box 15"/>
+          <p:cNvSpPr txBox="1"/>
+          <p:nvPr/>
+        </p:nvSpPr>
+        <p:spPr>
+          <a:xfrm>
+            <a:off x="213995" y="131445"/>
+            <a:ext cx="11854815" cy="645160"/>
+          </a:xfrm>
+          <a:prstGeom prst="rect">
+            <a:avLst/>
+          </a:prstGeom>
+          <a:noFill/>
+        </p:spPr>
+        <p:txBody>
+          <a:bodyPr wrap="square" rtlCol="0">
+            <a:spAutoFit/>
+          </a:bodyPr>
+          <a:p>
+            <a:r>
+              <a:rPr lang="zh-CN" altLang="en-US"/>
+              <a:t>而对于这种情况，</a:t>
+            </a:r>
+            <a:r>
+              <a:rPr lang="en-US" altLang="zh-CN"/>
+              <a:t>S2</a:t>
+            </a:r>
+            <a:r>
+              <a:rPr lang="zh-CN" altLang="en-US"/>
+              <a:t>的低点一定低于</a:t>
+            </a:r>
+            <a:r>
+              <a:rPr lang="en-US" altLang="zh-CN"/>
+              <a:t>S1</a:t>
+            </a:r>
+            <a:r>
+              <a:rPr lang="zh-CN" altLang="en-US"/>
+              <a:t>的低点，如果后续</a:t>
+            </a:r>
+            <a:r>
+              <a:rPr lang="en-US" altLang="zh-CN"/>
+              <a:t>S3</a:t>
+            </a:r>
+            <a:r>
+              <a:rPr lang="zh-CN" altLang="en-US"/>
+              <a:t>的低点高了，那么</a:t>
+            </a:r>
+            <a:r>
+              <a:rPr lang="en-US" altLang="zh-CN"/>
+              <a:t>S2</a:t>
+            </a:r>
+            <a:r>
+              <a:rPr lang="zh-CN" altLang="en-US"/>
+              <a:t>就是底分型。否则，一直下降，只要有一个高了且没有包含关系，前一个一定是底分型</a:t>
+            </a:r>
+            <a:endParaRPr lang="zh-CN" altLang="en-US"/>
+          </a:p>
+        </p:txBody>
+      </p:sp>
+      <p:cxnSp>
+        <p:nvCxnSpPr>
+          <p:cNvPr id="17" name="Straight Arrow Connector 16"/>
+          <p:cNvCxnSpPr/>
+          <p:nvPr/>
+        </p:nvCxnSpPr>
+        <p:spPr>
+          <a:xfrm flipV="1">
+            <a:off x="1414145" y="3959860"/>
+            <a:ext cx="226060" cy="2059940"/>
+          </a:xfrm>
+          <a:prstGeom prst="straightConnector1">
+            <a:avLst/>
+          </a:prstGeom>
+          <a:ln w="73025">
+            <a:solidFill>
+              <a:srgbClr val="FF3300"/>
+            </a:solidFill>
+            <a:tailEnd type="arrow"/>
+          </a:ln>
+        </p:spPr>
+        <p:style>
+          <a:lnRef idx="1">
+            <a:schemeClr val="accent1"/>
+          </a:lnRef>
+          <a:fillRef idx="0">
+            <a:schemeClr val="accent1"/>
+          </a:fillRef>
+          <a:effectRef idx="0">
+            <a:schemeClr val="accent1"/>
+          </a:effectRef>
+          <a:fontRef idx="minor">
+            <a:schemeClr val="tx1"/>
+          </a:fontRef>
+        </p:style>
+      </p:cxnSp>
+      <p:cxnSp>
+        <p:nvCxnSpPr>
+          <p:cNvPr id="18" name="Straight Arrow Connector 17"/>
+          <p:cNvCxnSpPr/>
+          <p:nvPr/>
+        </p:nvCxnSpPr>
+        <p:spPr>
+          <a:xfrm>
+            <a:off x="772795" y="5011420"/>
+            <a:ext cx="641350" cy="1089025"/>
+          </a:xfrm>
+          <a:prstGeom prst="straightConnector1">
+            <a:avLst/>
+          </a:prstGeom>
+          <a:ln w="66675">
+            <a:solidFill>
+              <a:schemeClr val="accent6">
+                <a:lumMod val="60000"/>
+                <a:lumOff val="40000"/>
+              </a:schemeClr>
+            </a:solidFill>
+            <a:tailEnd type="arrow"/>
+          </a:ln>
+        </p:spPr>
+        <p:style>
+          <a:lnRef idx="1">
+            <a:schemeClr val="accent1"/>
+          </a:lnRef>
+          <a:fillRef idx="0">
+            <a:schemeClr val="accent1"/>
+          </a:fillRef>
+          <a:effectRef idx="0">
+            <a:schemeClr val="accent1"/>
+          </a:effectRef>
+          <a:fontRef idx="minor">
+            <a:schemeClr val="tx1"/>
+          </a:fontRef>
+        </p:style>
+      </p:cxnSp>
+      <p:cxnSp>
+        <p:nvCxnSpPr>
+          <p:cNvPr id="19" name="Straight Arrow Connector 18"/>
+          <p:cNvCxnSpPr/>
+          <p:nvPr/>
+        </p:nvCxnSpPr>
+        <p:spPr>
+          <a:xfrm flipV="1">
+            <a:off x="436245" y="5011420"/>
+            <a:ext cx="336550" cy="1368425"/>
+          </a:xfrm>
+          <a:prstGeom prst="straightConnector1">
+            <a:avLst/>
+          </a:prstGeom>
+          <a:ln w="73025">
+            <a:solidFill>
+              <a:srgbClr val="FF3300"/>
+            </a:solidFill>
+            <a:tailEnd type="arrow"/>
+          </a:ln>
+        </p:spPr>
+        <p:style>
+          <a:lnRef idx="1">
+            <a:schemeClr val="accent1"/>
+          </a:lnRef>
+          <a:fillRef idx="0">
+            <a:schemeClr val="accent1"/>
+          </a:fillRef>
+          <a:effectRef idx="0">
+            <a:schemeClr val="accent1"/>
+          </a:effectRef>
+          <a:fontRef idx="minor">
+            <a:schemeClr val="tx1"/>
+          </a:fontRef>
+        </p:style>
+      </p:cxnSp>
+      <p:cxnSp>
+        <p:nvCxnSpPr>
+          <p:cNvPr id="21" name="Straight Arrow Connector 20"/>
+          <p:cNvCxnSpPr/>
+          <p:nvPr/>
+        </p:nvCxnSpPr>
+        <p:spPr>
+          <a:xfrm>
+            <a:off x="1660525" y="3922395"/>
+            <a:ext cx="641350" cy="1089025"/>
+          </a:xfrm>
+          <a:prstGeom prst="straightConnector1">
+            <a:avLst/>
+          </a:prstGeom>
+          <a:ln w="66675">
+            <a:solidFill>
+              <a:schemeClr val="accent6">
+                <a:lumMod val="60000"/>
+                <a:lumOff val="40000"/>
+              </a:schemeClr>
+            </a:solidFill>
+            <a:tailEnd type="arrow"/>
+          </a:ln>
+        </p:spPr>
+        <p:style>
+          <a:lnRef idx="1">
+            <a:schemeClr val="accent1"/>
+          </a:lnRef>
+          <a:fillRef idx="0">
+            <a:schemeClr val="accent1"/>
+          </a:fillRef>
+          <a:effectRef idx="0">
+            <a:schemeClr val="accent1"/>
+          </a:effectRef>
+          <a:fontRef idx="minor">
+            <a:schemeClr val="tx1"/>
+          </a:fontRef>
+        </p:style>
+      </p:cxnSp>
+      <p:cxnSp>
+        <p:nvCxnSpPr>
+          <p:cNvPr id="22" name="Straight Arrow Connector 21"/>
+          <p:cNvCxnSpPr/>
+          <p:nvPr/>
+        </p:nvCxnSpPr>
+        <p:spPr>
+          <a:xfrm flipV="1">
+            <a:off x="2281555" y="1810385"/>
+            <a:ext cx="560705" cy="3098800"/>
+          </a:xfrm>
+          <a:prstGeom prst="straightConnector1">
+            <a:avLst/>
+          </a:prstGeom>
+          <a:ln w="73025">
+            <a:solidFill>
+              <a:srgbClr val="FF3300"/>
+            </a:solidFill>
+            <a:tailEnd type="arrow"/>
+          </a:ln>
+        </p:spPr>
+        <p:style>
+          <a:lnRef idx="1">
+            <a:schemeClr val="accent1"/>
+          </a:lnRef>
+          <a:fillRef idx="0">
+            <a:schemeClr val="accent1"/>
+          </a:fillRef>
+          <a:effectRef idx="0">
+            <a:schemeClr val="accent1"/>
+          </a:effectRef>
+          <a:fontRef idx="minor">
+            <a:schemeClr val="tx1"/>
+          </a:fontRef>
+        </p:style>
+      </p:cxnSp>
+      <p:cxnSp>
+        <p:nvCxnSpPr>
+          <p:cNvPr id="23" name="Straight Arrow Connector 22"/>
+          <p:cNvCxnSpPr/>
+          <p:nvPr/>
+        </p:nvCxnSpPr>
+        <p:spPr>
+          <a:xfrm>
+            <a:off x="2842260" y="1810385"/>
+            <a:ext cx="566420" cy="1386840"/>
+          </a:xfrm>
+          <a:prstGeom prst="straightConnector1">
+            <a:avLst/>
+          </a:prstGeom>
+          <a:ln w="66675">
+            <a:solidFill>
+              <a:schemeClr val="accent6">
+                <a:lumMod val="60000"/>
+                <a:lumOff val="40000"/>
+              </a:schemeClr>
+            </a:solidFill>
+            <a:tailEnd type="arrow"/>
+          </a:ln>
+        </p:spPr>
+        <p:style>
+          <a:lnRef idx="1">
+            <a:schemeClr val="accent1"/>
+          </a:lnRef>
+          <a:fillRef idx="0">
+            <a:schemeClr val="accent1"/>
+          </a:fillRef>
+          <a:effectRef idx="0">
+            <a:schemeClr val="accent1"/>
+          </a:effectRef>
+          <a:fontRef idx="minor">
+            <a:schemeClr val="tx1"/>
+          </a:fontRef>
+        </p:style>
+      </p:cxnSp>
+      <p:sp>
+        <p:nvSpPr>
+          <p:cNvPr id="25" name="Text Box 24"/>
+          <p:cNvSpPr txBox="1"/>
+          <p:nvPr/>
+        </p:nvSpPr>
+        <p:spPr>
+          <a:xfrm>
+            <a:off x="2622550" y="1325245"/>
+            <a:ext cx="297180" cy="368300"/>
+          </a:xfrm>
+          <a:prstGeom prst="rect">
+            <a:avLst/>
+          </a:prstGeom>
+          <a:noFill/>
+        </p:spPr>
+        <p:txBody>
+          <a:bodyPr wrap="none" rtlCol="0">
+            <a:spAutoFit/>
+          </a:bodyPr>
+          <a:p>
+            <a:r>
+              <a:rPr lang="en-US"/>
+              <a:t>1</a:t>
+            </a:r>
+            <a:endParaRPr lang="en-US"/>
+          </a:p>
+        </p:txBody>
+      </p:sp>
+      <p:sp>
+        <p:nvSpPr>
+          <p:cNvPr id="26" name="Text Box 25"/>
+          <p:cNvSpPr txBox="1"/>
+          <p:nvPr/>
+        </p:nvSpPr>
+        <p:spPr>
+          <a:xfrm>
+            <a:off x="495935" y="6386830"/>
+            <a:ext cx="297180" cy="368300"/>
+          </a:xfrm>
+          <a:prstGeom prst="rect">
+            <a:avLst/>
+          </a:prstGeom>
+          <a:noFill/>
+        </p:spPr>
+        <p:txBody>
+          <a:bodyPr wrap="none" rtlCol="0">
+            <a:spAutoFit/>
+          </a:bodyPr>
+          <a:p>
+            <a:r>
+              <a:rPr lang="en-US"/>
+              <a:t>0</a:t>
+            </a:r>
+            <a:endParaRPr lang="en-US"/>
+          </a:p>
+        </p:txBody>
+      </p:sp>
+      <p:cxnSp>
+        <p:nvCxnSpPr>
+          <p:cNvPr id="28" name="Straight Arrow Connector 27"/>
+          <p:cNvCxnSpPr/>
+          <p:nvPr/>
+        </p:nvCxnSpPr>
+        <p:spPr>
+          <a:xfrm flipV="1">
+            <a:off x="3408680" y="2110740"/>
+            <a:ext cx="242570" cy="1086485"/>
+          </a:xfrm>
+          <a:prstGeom prst="straightConnector1">
+            <a:avLst/>
+          </a:prstGeom>
+          <a:ln w="73025">
+            <a:solidFill>
+              <a:srgbClr val="FF3300"/>
+            </a:solidFill>
+            <a:tailEnd type="arrow"/>
+          </a:ln>
+        </p:spPr>
+        <p:style>
+          <a:lnRef idx="1">
+            <a:schemeClr val="accent1"/>
+          </a:lnRef>
+          <a:fillRef idx="0">
+            <a:schemeClr val="accent1"/>
+          </a:fillRef>
+          <a:effectRef idx="0">
+            <a:schemeClr val="accent1"/>
+          </a:effectRef>
+          <a:fontRef idx="minor">
+            <a:schemeClr val="tx1"/>
+          </a:fontRef>
+        </p:style>
+      </p:cxnSp>
+      <p:cxnSp>
+        <p:nvCxnSpPr>
+          <p:cNvPr id="29" name="Straight Arrow Connector 28"/>
+          <p:cNvCxnSpPr/>
+          <p:nvPr/>
+        </p:nvCxnSpPr>
+        <p:spPr>
+          <a:xfrm>
+            <a:off x="3651250" y="2110740"/>
+            <a:ext cx="566420" cy="1386840"/>
+          </a:xfrm>
+          <a:prstGeom prst="straightConnector1">
+            <a:avLst/>
+          </a:prstGeom>
+          <a:ln w="66675">
+            <a:solidFill>
+              <a:schemeClr val="accent6">
+                <a:lumMod val="60000"/>
+                <a:lumOff val="40000"/>
+              </a:schemeClr>
+            </a:solidFill>
+            <a:tailEnd type="arrow"/>
+          </a:ln>
+        </p:spPr>
+        <p:style>
+          <a:lnRef idx="1">
+            <a:schemeClr val="accent1"/>
+          </a:lnRef>
+          <a:fillRef idx="0">
+            <a:schemeClr val="accent1"/>
+          </a:fillRef>
+          <a:effectRef idx="0">
+            <a:schemeClr val="accent1"/>
+          </a:effectRef>
+          <a:fontRef idx="minor">
+            <a:schemeClr val="tx1"/>
+          </a:fontRef>
+        </p:style>
+      </p:cxnSp>
+      <p:sp>
+        <p:nvSpPr>
+          <p:cNvPr id="2" name="Text Box 1"/>
+          <p:cNvSpPr txBox="1"/>
+          <p:nvPr/>
+        </p:nvSpPr>
+        <p:spPr>
+          <a:xfrm>
+            <a:off x="3015615" y="1914525"/>
+            <a:ext cx="462280" cy="368300"/>
+          </a:xfrm>
+          <a:prstGeom prst="rect">
+            <a:avLst/>
+          </a:prstGeom>
+          <a:noFill/>
+        </p:spPr>
+        <p:txBody>
+          <a:bodyPr wrap="none" rtlCol="0">
+            <a:spAutoFit/>
+          </a:bodyPr>
+          <a:p>
+            <a:r>
+              <a:rPr lang="en-US"/>
+              <a:t>X1</a:t>
+            </a:r>
+            <a:endParaRPr lang="en-US"/>
+          </a:p>
+        </p:txBody>
+      </p:sp>
+      <p:sp>
+        <p:nvSpPr>
+          <p:cNvPr id="3" name="Text Box 2"/>
+          <p:cNvSpPr txBox="1"/>
+          <p:nvPr/>
+        </p:nvSpPr>
+        <p:spPr>
+          <a:xfrm>
+            <a:off x="3408680" y="2620010"/>
+            <a:ext cx="424180" cy="368300"/>
+          </a:xfrm>
+          <a:prstGeom prst="rect">
+            <a:avLst/>
+          </a:prstGeom>
+          <a:noFill/>
+        </p:spPr>
+        <p:txBody>
+          <a:bodyPr wrap="none" rtlCol="0">
+            <a:spAutoFit/>
+          </a:bodyPr>
+          <a:p>
+            <a:r>
+              <a:rPr lang="en-US"/>
+              <a:t>S1</a:t>
+            </a:r>
+            <a:endParaRPr lang="en-US"/>
+          </a:p>
+        </p:txBody>
+      </p:sp>
+      <p:sp>
+        <p:nvSpPr>
+          <p:cNvPr id="4" name="Text Box 3"/>
+          <p:cNvSpPr txBox="1"/>
+          <p:nvPr/>
+        </p:nvSpPr>
+        <p:spPr>
+          <a:xfrm>
+            <a:off x="3832860" y="2319655"/>
+            <a:ext cx="762000" cy="368300"/>
+          </a:xfrm>
+          <a:prstGeom prst="rect">
+            <a:avLst/>
+          </a:prstGeom>
+          <a:noFill/>
+        </p:spPr>
+        <p:txBody>
+          <a:bodyPr wrap="square" rtlCol="0">
+            <a:spAutoFit/>
+          </a:bodyPr>
+          <a:p>
+            <a:r>
+              <a:rPr lang="en-US"/>
+              <a:t>X2</a:t>
+            </a:r>
+            <a:endParaRPr lang="en-US"/>
+          </a:p>
+        </p:txBody>
+      </p:sp>
+      <p:cxnSp>
+        <p:nvCxnSpPr>
+          <p:cNvPr id="5" name="Straight Arrow Connector 4"/>
+          <p:cNvCxnSpPr/>
+          <p:nvPr/>
+        </p:nvCxnSpPr>
+        <p:spPr>
+          <a:xfrm flipV="1">
+            <a:off x="4217670" y="1776095"/>
+            <a:ext cx="866140" cy="1721485"/>
+          </a:xfrm>
+          <a:prstGeom prst="straightConnector1">
+            <a:avLst/>
+          </a:prstGeom>
+          <a:ln w="73025">
+            <a:solidFill>
+              <a:srgbClr val="FF3300"/>
+            </a:solidFill>
+            <a:tailEnd type="arrow"/>
+          </a:ln>
+        </p:spPr>
+        <p:style>
+          <a:lnRef idx="1">
+            <a:schemeClr val="accent1"/>
+          </a:lnRef>
+          <a:fillRef idx="0">
+            <a:schemeClr val="accent1"/>
+          </a:fillRef>
+          <a:effectRef idx="0">
+            <a:schemeClr val="accent1"/>
+          </a:effectRef>
+          <a:fontRef idx="minor">
+            <a:schemeClr val="tx1"/>
+          </a:fontRef>
+        </p:style>
+      </p:cxnSp>
+      <p:sp>
+        <p:nvSpPr>
+          <p:cNvPr id="6" name="Text Box 5"/>
+          <p:cNvSpPr txBox="1"/>
+          <p:nvPr/>
+        </p:nvSpPr>
+        <p:spPr>
+          <a:xfrm>
+            <a:off x="4702810" y="2452370"/>
+            <a:ext cx="924560" cy="368300"/>
+          </a:xfrm>
+          <a:prstGeom prst="rect">
+            <a:avLst/>
+          </a:prstGeom>
+          <a:noFill/>
+        </p:spPr>
+        <p:txBody>
+          <a:bodyPr wrap="square" rtlCol="0">
+            <a:spAutoFit/>
+          </a:bodyPr>
+          <a:p>
+            <a:r>
+              <a:rPr lang="en-US"/>
+              <a:t>S2</a:t>
+            </a:r>
+            <a:endParaRPr lang="en-US"/>
           </a:p>
         </p:txBody>
       </p:sp>

--- a/finance/chanlun/charts.pptx
+++ b/finance/chanlun/charts.pptx
@@ -5,10 +5,10 @@
     <p:sldMasterId id="2147483648" r:id="rId1"/>
   </p:sldMasterIdLst>
   <p:notesMasterIdLst>
-    <p:notesMasterId r:id="rId25"/>
+    <p:notesMasterId r:id="rId29"/>
   </p:notesMasterIdLst>
   <p:handoutMasterIdLst>
-    <p:handoutMasterId r:id="rId26"/>
+    <p:handoutMasterId r:id="rId30"/>
   </p:handoutMasterIdLst>
   <p:sldIdLst>
     <p:sldId id="256" r:id="rId3"/>
@@ -33,6 +33,10 @@
     <p:sldId id="277" r:id="rId22"/>
     <p:sldId id="278" r:id="rId23"/>
     <p:sldId id="279" r:id="rId24"/>
+    <p:sldId id="280" r:id="rId25"/>
+    <p:sldId id="281" r:id="rId26"/>
+    <p:sldId id="282" r:id="rId27"/>
+    <p:sldId id="283" r:id="rId28"/>
   </p:sldIdLst>
   <p:sldSz cx="12192000" cy="6858000"/>
   <p:notesSz cx="7103745" cy="10234295"/>
@@ -13298,6 +13302,4302 @@
               <a:t>S2</a:t>
             </a:r>
             <a:endParaRPr lang="en-US"/>
+          </a:p>
+        </p:txBody>
+      </p:sp>
+    </p:spTree>
+  </p:cSld>
+  <p:clrMapOvr>
+    <a:masterClrMapping/>
+  </p:clrMapOvr>
+</p:sld>
+</file>
+
+<file path=ppt/slides/slide23.xml><?xml version="1.0" encoding="utf-8"?>
+<p:sld xmlns:a="http://schemas.openxmlformats.org/drawingml/2006/main" xmlns:r="http://schemas.openxmlformats.org/officeDocument/2006/relationships" xmlns:p="http://schemas.openxmlformats.org/presentationml/2006/main">
+  <p:cSld>
+    <p:spTree>
+      <p:nvGrpSpPr>
+        <p:cNvPr id="1" name=""/>
+        <p:cNvGrpSpPr/>
+        <p:nvPr/>
+      </p:nvGrpSpPr>
+      <p:grpSpPr/>
+      <p:sp>
+        <p:nvSpPr>
+          <p:cNvPr id="4" name="Rectangles 3"/>
+          <p:cNvSpPr/>
+          <p:nvPr/>
+        </p:nvSpPr>
+        <p:spPr>
+          <a:xfrm>
+            <a:off x="2327275" y="2008505"/>
+            <a:ext cx="138430" cy="901700"/>
+          </a:xfrm>
+          <a:prstGeom prst="rect">
+            <a:avLst/>
+          </a:prstGeom>
+        </p:spPr>
+        <p:style>
+          <a:lnRef idx="2">
+            <a:schemeClr val="accent1">
+              <a:shade val="50000"/>
+            </a:schemeClr>
+          </a:lnRef>
+          <a:fillRef idx="1">
+            <a:schemeClr val="accent1"/>
+          </a:fillRef>
+          <a:effectRef idx="0">
+            <a:schemeClr val="accent1"/>
+          </a:effectRef>
+          <a:fontRef idx="minor">
+            <a:schemeClr val="lt1"/>
+          </a:fontRef>
+        </p:style>
+        <p:txBody>
+          <a:bodyPr rtlCol="0" anchor="ctr"/>
+          <a:p>
+            <a:pPr algn="ctr"/>
+            <a:endParaRPr lang="en-US"/>
+          </a:p>
+        </p:txBody>
+      </p:sp>
+      <p:sp>
+        <p:nvSpPr>
+          <p:cNvPr id="5" name="Rectangles 4"/>
+          <p:cNvSpPr/>
+          <p:nvPr/>
+        </p:nvSpPr>
+        <p:spPr>
+          <a:xfrm>
+            <a:off x="2731770" y="1673225"/>
+            <a:ext cx="138430" cy="1432560"/>
+          </a:xfrm>
+          <a:prstGeom prst="rect">
+            <a:avLst/>
+          </a:prstGeom>
+        </p:spPr>
+        <p:style>
+          <a:lnRef idx="2">
+            <a:schemeClr val="accent1">
+              <a:shade val="50000"/>
+            </a:schemeClr>
+          </a:lnRef>
+          <a:fillRef idx="1">
+            <a:schemeClr val="accent1"/>
+          </a:fillRef>
+          <a:effectRef idx="0">
+            <a:schemeClr val="accent1"/>
+          </a:effectRef>
+          <a:fontRef idx="minor">
+            <a:schemeClr val="lt1"/>
+          </a:fontRef>
+        </p:style>
+        <p:txBody>
+          <a:bodyPr rtlCol="0" anchor="ctr"/>
+          <a:p>
+            <a:pPr algn="ctr"/>
+            <a:endParaRPr lang="en-US"/>
+          </a:p>
+        </p:txBody>
+      </p:sp>
+      <p:sp>
+        <p:nvSpPr>
+          <p:cNvPr id="6" name="Rectangles 5"/>
+          <p:cNvSpPr/>
+          <p:nvPr/>
+        </p:nvSpPr>
+        <p:spPr>
+          <a:xfrm>
+            <a:off x="2731770" y="3973195"/>
+            <a:ext cx="138430" cy="901700"/>
+          </a:xfrm>
+          <a:prstGeom prst="rect">
+            <a:avLst/>
+          </a:prstGeom>
+        </p:spPr>
+        <p:style>
+          <a:lnRef idx="2">
+            <a:schemeClr val="accent1">
+              <a:shade val="50000"/>
+            </a:schemeClr>
+          </a:lnRef>
+          <a:fillRef idx="1">
+            <a:schemeClr val="accent1"/>
+          </a:fillRef>
+          <a:effectRef idx="0">
+            <a:schemeClr val="accent1"/>
+          </a:effectRef>
+          <a:fontRef idx="minor">
+            <a:schemeClr val="lt1"/>
+          </a:fontRef>
+        </p:style>
+        <p:txBody>
+          <a:bodyPr rtlCol="0" anchor="ctr"/>
+          <a:p>
+            <a:pPr algn="ctr"/>
+            <a:endParaRPr lang="en-US"/>
+          </a:p>
+        </p:txBody>
+      </p:sp>
+      <p:sp>
+        <p:nvSpPr>
+          <p:cNvPr id="7" name="Rectangles 6"/>
+          <p:cNvSpPr/>
+          <p:nvPr/>
+        </p:nvSpPr>
+        <p:spPr>
+          <a:xfrm>
+            <a:off x="2327275" y="3707765"/>
+            <a:ext cx="138430" cy="1432560"/>
+          </a:xfrm>
+          <a:prstGeom prst="rect">
+            <a:avLst/>
+          </a:prstGeom>
+        </p:spPr>
+        <p:style>
+          <a:lnRef idx="2">
+            <a:schemeClr val="accent1">
+              <a:shade val="50000"/>
+            </a:schemeClr>
+          </a:lnRef>
+          <a:fillRef idx="1">
+            <a:schemeClr val="accent1"/>
+          </a:fillRef>
+          <a:effectRef idx="0">
+            <a:schemeClr val="accent1"/>
+          </a:effectRef>
+          <a:fontRef idx="minor">
+            <a:schemeClr val="lt1"/>
+          </a:fontRef>
+        </p:style>
+        <p:txBody>
+          <a:bodyPr rtlCol="0" anchor="ctr"/>
+          <a:p>
+            <a:pPr algn="ctr"/>
+            <a:endParaRPr lang="en-US"/>
+          </a:p>
+        </p:txBody>
+      </p:sp>
+      <p:sp>
+        <p:nvSpPr>
+          <p:cNvPr id="8" name="Text Box 7"/>
+          <p:cNvSpPr txBox="1"/>
+          <p:nvPr/>
+        </p:nvSpPr>
+        <p:spPr>
+          <a:xfrm>
+            <a:off x="709295" y="2413635"/>
+            <a:ext cx="1247775" cy="2030095"/>
+          </a:xfrm>
+          <a:prstGeom prst="rect">
+            <a:avLst/>
+          </a:prstGeom>
+          <a:noFill/>
+        </p:spPr>
+        <p:txBody>
+          <a:bodyPr wrap="square" rtlCol="0">
+            <a:spAutoFit/>
+          </a:bodyPr>
+          <a:p>
+            <a:r>
+              <a:rPr lang="zh-CN" altLang="en-US" b="1">
+                <a:solidFill>
+                  <a:srgbClr val="FF0000"/>
+                </a:solidFill>
+              </a:rPr>
+              <a:t>包含关系</a:t>
+            </a:r>
+            <a:endParaRPr lang="zh-CN" altLang="en-US" b="1">
+              <a:solidFill>
+                <a:srgbClr val="FF0000"/>
+              </a:solidFill>
+            </a:endParaRPr>
+          </a:p>
+          <a:p>
+            <a:endParaRPr lang="zh-CN" altLang="en-US"/>
+          </a:p>
+          <a:p>
+            <a:r>
+              <a:rPr lang="zh-CN" altLang="en-US"/>
+              <a:t>一根</a:t>
+            </a:r>
+            <a:r>
+              <a:rPr lang="en-US" altLang="zh-CN"/>
+              <a:t>K</a:t>
+            </a:r>
+            <a:r>
+              <a:rPr lang="zh-CN" altLang="en-US"/>
+              <a:t>线的高低点都在另一</a:t>
+            </a:r>
+            <a:r>
+              <a:rPr lang="en-US" altLang="zh-CN"/>
+              <a:t>K</a:t>
+            </a:r>
+            <a:r>
+              <a:rPr lang="zh-CN" altLang="en-US"/>
+              <a:t>线的范围内</a:t>
+            </a:r>
+            <a:endParaRPr lang="zh-CN" altLang="en-US"/>
+          </a:p>
+        </p:txBody>
+      </p:sp>
+      <p:sp>
+        <p:nvSpPr>
+          <p:cNvPr id="9" name="Rectangles 8"/>
+          <p:cNvSpPr/>
+          <p:nvPr/>
+        </p:nvSpPr>
+        <p:spPr>
+          <a:xfrm>
+            <a:off x="7568565" y="1035685"/>
+            <a:ext cx="138430" cy="901700"/>
+          </a:xfrm>
+          <a:prstGeom prst="rect">
+            <a:avLst/>
+          </a:prstGeom>
+        </p:spPr>
+        <p:style>
+          <a:lnRef idx="2">
+            <a:schemeClr val="accent1">
+              <a:shade val="50000"/>
+            </a:schemeClr>
+          </a:lnRef>
+          <a:fillRef idx="1">
+            <a:schemeClr val="accent1"/>
+          </a:fillRef>
+          <a:effectRef idx="0">
+            <a:schemeClr val="accent1"/>
+          </a:effectRef>
+          <a:fontRef idx="minor">
+            <a:schemeClr val="lt1"/>
+          </a:fontRef>
+        </p:style>
+        <p:txBody>
+          <a:bodyPr rtlCol="0" anchor="ctr"/>
+          <a:p>
+            <a:pPr algn="ctr"/>
+            <a:endParaRPr lang="en-US"/>
+          </a:p>
+        </p:txBody>
+      </p:sp>
+      <p:sp>
+        <p:nvSpPr>
+          <p:cNvPr id="10" name="Rectangles 9"/>
+          <p:cNvSpPr/>
+          <p:nvPr/>
+        </p:nvSpPr>
+        <p:spPr>
+          <a:xfrm>
+            <a:off x="7973060" y="770255"/>
+            <a:ext cx="138430" cy="1432560"/>
+          </a:xfrm>
+          <a:prstGeom prst="rect">
+            <a:avLst/>
+          </a:prstGeom>
+        </p:spPr>
+        <p:style>
+          <a:lnRef idx="2">
+            <a:schemeClr val="accent1">
+              <a:shade val="50000"/>
+            </a:schemeClr>
+          </a:lnRef>
+          <a:fillRef idx="1">
+            <a:schemeClr val="accent1"/>
+          </a:fillRef>
+          <a:effectRef idx="0">
+            <a:schemeClr val="accent1"/>
+          </a:effectRef>
+          <a:fontRef idx="minor">
+            <a:schemeClr val="lt1"/>
+          </a:fontRef>
+        </p:style>
+        <p:txBody>
+          <a:bodyPr rtlCol="0" anchor="ctr"/>
+          <a:p>
+            <a:pPr algn="ctr"/>
+            <a:endParaRPr lang="en-US"/>
+          </a:p>
+        </p:txBody>
+      </p:sp>
+      <p:sp>
+        <p:nvSpPr>
+          <p:cNvPr id="11" name="Rectangles 10"/>
+          <p:cNvSpPr/>
+          <p:nvPr/>
+        </p:nvSpPr>
+        <p:spPr>
+          <a:xfrm>
+            <a:off x="7256145" y="1810385"/>
+            <a:ext cx="138430" cy="901700"/>
+          </a:xfrm>
+          <a:prstGeom prst="rect">
+            <a:avLst/>
+          </a:prstGeom>
+        </p:spPr>
+        <p:style>
+          <a:lnRef idx="2">
+            <a:schemeClr val="accent1">
+              <a:shade val="50000"/>
+            </a:schemeClr>
+          </a:lnRef>
+          <a:fillRef idx="1">
+            <a:schemeClr val="accent1"/>
+          </a:fillRef>
+          <a:effectRef idx="0">
+            <a:schemeClr val="accent1"/>
+          </a:effectRef>
+          <a:fontRef idx="minor">
+            <a:schemeClr val="lt1"/>
+          </a:fontRef>
+        </p:style>
+        <p:txBody>
+          <a:bodyPr rtlCol="0" anchor="ctr"/>
+          <a:p>
+            <a:pPr algn="ctr"/>
+            <a:endParaRPr lang="en-US"/>
+          </a:p>
+        </p:txBody>
+      </p:sp>
+      <p:sp>
+        <p:nvSpPr>
+          <p:cNvPr id="12" name="Text Box 11"/>
+          <p:cNvSpPr txBox="1"/>
+          <p:nvPr/>
+        </p:nvSpPr>
+        <p:spPr>
+          <a:xfrm>
+            <a:off x="4391025" y="816610"/>
+            <a:ext cx="2475865" cy="1198880"/>
+          </a:xfrm>
+          <a:prstGeom prst="rect">
+            <a:avLst/>
+          </a:prstGeom>
+          <a:noFill/>
+        </p:spPr>
+        <p:txBody>
+          <a:bodyPr wrap="square" rtlCol="0">
+            <a:spAutoFit/>
+          </a:bodyPr>
+          <a:p>
+            <a:r>
+              <a:rPr lang="zh-CN" altLang="en-US" b="1">
+                <a:solidFill>
+                  <a:srgbClr val="FF0000"/>
+                </a:solidFill>
+              </a:rPr>
+              <a:t>向上时</a:t>
+            </a:r>
+            <a:r>
+              <a:rPr lang="zh-CN" altLang="en-US"/>
+              <a:t>，采用</a:t>
+            </a:r>
+            <a:r>
+              <a:rPr lang="zh-CN" altLang="en-US" b="1">
+                <a:solidFill>
+                  <a:srgbClr val="FF0000"/>
+                </a:solidFill>
+              </a:rPr>
+              <a:t>高</a:t>
+            </a:r>
+            <a:r>
+              <a:rPr lang="en-US" altLang="zh-CN" b="1">
+                <a:solidFill>
+                  <a:srgbClr val="FF0000"/>
+                </a:solidFill>
+              </a:rPr>
+              <a:t>-</a:t>
+            </a:r>
+            <a:r>
+              <a:rPr lang="zh-CN" altLang="en-US" b="1">
+                <a:solidFill>
+                  <a:srgbClr val="FF0000"/>
+                </a:solidFill>
+              </a:rPr>
+              <a:t>高</a:t>
+            </a:r>
+            <a:r>
+              <a:rPr lang="en-US" altLang="zh-CN"/>
+              <a:t> </a:t>
+            </a:r>
+            <a:r>
+              <a:rPr lang="zh-CN" altLang="en-US"/>
+              <a:t>合并，取两根</a:t>
+            </a:r>
+            <a:r>
+              <a:rPr lang="en-US" altLang="zh-CN"/>
+              <a:t>K</a:t>
+            </a:r>
+            <a:r>
+              <a:rPr lang="zh-CN" altLang="en-US"/>
+              <a:t>线低点的高点，高点的高点组成新的</a:t>
+            </a:r>
+            <a:r>
+              <a:rPr lang="en-US" altLang="zh-CN"/>
+              <a:t>K</a:t>
+            </a:r>
+            <a:r>
+              <a:rPr lang="zh-CN" altLang="en-US"/>
+              <a:t>线</a:t>
+            </a:r>
+            <a:endParaRPr lang="zh-CN" altLang="en-US"/>
+          </a:p>
+        </p:txBody>
+      </p:sp>
+      <p:sp>
+        <p:nvSpPr>
+          <p:cNvPr id="15" name="Rectangles 14"/>
+          <p:cNvSpPr/>
+          <p:nvPr/>
+        </p:nvSpPr>
+        <p:spPr>
+          <a:xfrm>
+            <a:off x="8528050" y="770255"/>
+            <a:ext cx="138430" cy="1167130"/>
+          </a:xfrm>
+          <a:prstGeom prst="rect">
+            <a:avLst/>
+          </a:prstGeom>
+          <a:solidFill>
+            <a:schemeClr val="accent2">
+              <a:lumMod val="75000"/>
+            </a:schemeClr>
+          </a:solidFill>
+        </p:spPr>
+        <p:style>
+          <a:lnRef idx="2">
+            <a:schemeClr val="accent1">
+              <a:shade val="50000"/>
+            </a:schemeClr>
+          </a:lnRef>
+          <a:fillRef idx="1">
+            <a:schemeClr val="accent1"/>
+          </a:fillRef>
+          <a:effectRef idx="0">
+            <a:schemeClr val="accent1"/>
+          </a:effectRef>
+          <a:fontRef idx="minor">
+            <a:schemeClr val="lt1"/>
+          </a:fontRef>
+        </p:style>
+        <p:txBody>
+          <a:bodyPr rtlCol="0" anchor="ctr"/>
+          <a:p>
+            <a:pPr algn="ctr"/>
+            <a:endParaRPr lang="en-US"/>
+          </a:p>
+        </p:txBody>
+      </p:sp>
+      <p:cxnSp>
+        <p:nvCxnSpPr>
+          <p:cNvPr id="16" name="Straight Connector 15"/>
+          <p:cNvCxnSpPr/>
+          <p:nvPr/>
+        </p:nvCxnSpPr>
+        <p:spPr>
+          <a:xfrm>
+            <a:off x="7973060" y="770255"/>
+            <a:ext cx="1205230" cy="7620"/>
+          </a:xfrm>
+          <a:prstGeom prst="line">
+            <a:avLst/>
+          </a:prstGeom>
+          <a:ln w="28575">
+            <a:solidFill>
+              <a:srgbClr val="FF6600"/>
+            </a:solidFill>
+            <a:prstDash val="sysDash"/>
+          </a:ln>
+        </p:spPr>
+        <p:style>
+          <a:lnRef idx="1">
+            <a:schemeClr val="accent1"/>
+          </a:lnRef>
+          <a:fillRef idx="0">
+            <a:schemeClr val="accent1"/>
+          </a:fillRef>
+          <a:effectRef idx="0">
+            <a:schemeClr val="accent1"/>
+          </a:effectRef>
+          <a:fontRef idx="minor">
+            <a:schemeClr val="tx1"/>
+          </a:fontRef>
+        </p:style>
+      </p:cxnSp>
+      <p:cxnSp>
+        <p:nvCxnSpPr>
+          <p:cNvPr id="21" name="Straight Connector 20"/>
+          <p:cNvCxnSpPr/>
+          <p:nvPr/>
+        </p:nvCxnSpPr>
+        <p:spPr>
+          <a:xfrm flipV="1">
+            <a:off x="7568565" y="1937385"/>
+            <a:ext cx="1687830" cy="11430"/>
+          </a:xfrm>
+          <a:prstGeom prst="line">
+            <a:avLst/>
+          </a:prstGeom>
+          <a:ln w="28575">
+            <a:solidFill>
+              <a:srgbClr val="FF6600"/>
+            </a:solidFill>
+            <a:prstDash val="sysDash"/>
+          </a:ln>
+        </p:spPr>
+        <p:style>
+          <a:lnRef idx="1">
+            <a:schemeClr val="accent1"/>
+          </a:lnRef>
+          <a:fillRef idx="0">
+            <a:schemeClr val="accent1"/>
+          </a:fillRef>
+          <a:effectRef idx="0">
+            <a:schemeClr val="accent1"/>
+          </a:effectRef>
+          <a:fontRef idx="minor">
+            <a:schemeClr val="tx1"/>
+          </a:fontRef>
+        </p:style>
+      </p:cxnSp>
+      <p:sp>
+        <p:nvSpPr>
+          <p:cNvPr id="22" name="Text Box 21"/>
+          <p:cNvSpPr txBox="1"/>
+          <p:nvPr/>
+        </p:nvSpPr>
+        <p:spPr>
+          <a:xfrm>
+            <a:off x="4391025" y="4237355"/>
+            <a:ext cx="2475865" cy="1198880"/>
+          </a:xfrm>
+          <a:prstGeom prst="rect">
+            <a:avLst/>
+          </a:prstGeom>
+          <a:noFill/>
+        </p:spPr>
+        <p:txBody>
+          <a:bodyPr wrap="square" rtlCol="0">
+            <a:spAutoFit/>
+          </a:bodyPr>
+          <a:p>
+            <a:r>
+              <a:rPr lang="zh-CN" altLang="en-US" b="1">
+                <a:solidFill>
+                  <a:srgbClr val="00B050"/>
+                </a:solidFill>
+              </a:rPr>
+              <a:t>向下时</a:t>
+            </a:r>
+            <a:r>
+              <a:rPr lang="zh-CN" altLang="en-US"/>
+              <a:t>，采用</a:t>
+            </a:r>
+            <a:r>
+              <a:rPr lang="zh-CN" altLang="en-US" b="1">
+                <a:solidFill>
+                  <a:srgbClr val="00B050"/>
+                </a:solidFill>
+              </a:rPr>
+              <a:t>低</a:t>
+            </a:r>
+            <a:r>
+              <a:rPr lang="en-US" altLang="zh-CN" b="1">
+                <a:solidFill>
+                  <a:srgbClr val="00B050"/>
+                </a:solidFill>
+              </a:rPr>
+              <a:t>-</a:t>
+            </a:r>
+            <a:r>
+              <a:rPr lang="zh-CN" altLang="en-US" b="1">
+                <a:solidFill>
+                  <a:srgbClr val="00B050"/>
+                </a:solidFill>
+              </a:rPr>
+              <a:t>低</a:t>
+            </a:r>
+            <a:r>
+              <a:rPr lang="en-US" altLang="zh-CN">
+                <a:solidFill>
+                  <a:srgbClr val="00B050"/>
+                </a:solidFill>
+              </a:rPr>
+              <a:t> </a:t>
+            </a:r>
+            <a:r>
+              <a:rPr lang="zh-CN" altLang="en-US"/>
+              <a:t>合并，取两根</a:t>
+            </a:r>
+            <a:r>
+              <a:rPr lang="en-US" altLang="zh-CN"/>
+              <a:t>K</a:t>
+            </a:r>
+            <a:r>
+              <a:rPr lang="zh-CN" altLang="en-US"/>
+              <a:t>线低点的低点，高点的低点组成新的</a:t>
+            </a:r>
+            <a:r>
+              <a:rPr lang="en-US" altLang="zh-CN"/>
+              <a:t>K</a:t>
+            </a:r>
+            <a:r>
+              <a:rPr lang="zh-CN" altLang="en-US"/>
+              <a:t>线</a:t>
+            </a:r>
+            <a:endParaRPr lang="zh-CN" altLang="en-US"/>
+          </a:p>
+        </p:txBody>
+      </p:sp>
+      <p:sp>
+        <p:nvSpPr>
+          <p:cNvPr id="23" name="Rectangles 22"/>
+          <p:cNvSpPr/>
+          <p:nvPr/>
+        </p:nvSpPr>
+        <p:spPr>
+          <a:xfrm>
+            <a:off x="7834630" y="4930775"/>
+            <a:ext cx="138430" cy="901700"/>
+          </a:xfrm>
+          <a:prstGeom prst="rect">
+            <a:avLst/>
+          </a:prstGeom>
+        </p:spPr>
+        <p:style>
+          <a:lnRef idx="2">
+            <a:schemeClr val="accent1">
+              <a:shade val="50000"/>
+            </a:schemeClr>
+          </a:lnRef>
+          <a:fillRef idx="1">
+            <a:schemeClr val="accent1"/>
+          </a:fillRef>
+          <a:effectRef idx="0">
+            <a:schemeClr val="accent1"/>
+          </a:effectRef>
+          <a:fontRef idx="minor">
+            <a:schemeClr val="lt1"/>
+          </a:fontRef>
+        </p:style>
+        <p:txBody>
+          <a:bodyPr rtlCol="0" anchor="ctr"/>
+          <a:p>
+            <a:pPr algn="ctr"/>
+            <a:endParaRPr lang="en-US"/>
+          </a:p>
+        </p:txBody>
+      </p:sp>
+      <p:sp>
+        <p:nvSpPr>
+          <p:cNvPr id="24" name="Rectangles 23"/>
+          <p:cNvSpPr/>
+          <p:nvPr/>
+        </p:nvSpPr>
+        <p:spPr>
+          <a:xfrm>
+            <a:off x="8274685" y="4665345"/>
+            <a:ext cx="138430" cy="1432560"/>
+          </a:xfrm>
+          <a:prstGeom prst="rect">
+            <a:avLst/>
+          </a:prstGeom>
+        </p:spPr>
+        <p:style>
+          <a:lnRef idx="2">
+            <a:schemeClr val="accent1">
+              <a:shade val="50000"/>
+            </a:schemeClr>
+          </a:lnRef>
+          <a:fillRef idx="1">
+            <a:schemeClr val="accent1"/>
+          </a:fillRef>
+          <a:effectRef idx="0">
+            <a:schemeClr val="accent1"/>
+          </a:effectRef>
+          <a:fontRef idx="minor">
+            <a:schemeClr val="lt1"/>
+          </a:fontRef>
+        </p:style>
+        <p:txBody>
+          <a:bodyPr rtlCol="0" anchor="ctr"/>
+          <a:p>
+            <a:pPr algn="ctr"/>
+            <a:endParaRPr lang="en-US"/>
+          </a:p>
+        </p:txBody>
+      </p:sp>
+      <p:sp>
+        <p:nvSpPr>
+          <p:cNvPr id="25" name="Rectangles 24"/>
+          <p:cNvSpPr/>
+          <p:nvPr/>
+        </p:nvSpPr>
+        <p:spPr>
+          <a:xfrm>
+            <a:off x="7394575" y="4479925"/>
+            <a:ext cx="138430" cy="901700"/>
+          </a:xfrm>
+          <a:prstGeom prst="rect">
+            <a:avLst/>
+          </a:prstGeom>
+        </p:spPr>
+        <p:style>
+          <a:lnRef idx="2">
+            <a:schemeClr val="accent1">
+              <a:shade val="50000"/>
+            </a:schemeClr>
+          </a:lnRef>
+          <a:fillRef idx="1">
+            <a:schemeClr val="accent1"/>
+          </a:fillRef>
+          <a:effectRef idx="0">
+            <a:schemeClr val="accent1"/>
+          </a:effectRef>
+          <a:fontRef idx="minor">
+            <a:schemeClr val="lt1"/>
+          </a:fontRef>
+        </p:style>
+        <p:txBody>
+          <a:bodyPr rtlCol="0" anchor="ctr"/>
+          <a:p>
+            <a:pPr algn="ctr"/>
+            <a:endParaRPr lang="en-US"/>
+          </a:p>
+        </p:txBody>
+      </p:sp>
+      <p:sp>
+        <p:nvSpPr>
+          <p:cNvPr id="26" name="Rectangles 25"/>
+          <p:cNvSpPr/>
+          <p:nvPr/>
+        </p:nvSpPr>
+        <p:spPr>
+          <a:xfrm>
+            <a:off x="8940800" y="4919345"/>
+            <a:ext cx="138430" cy="1167130"/>
+          </a:xfrm>
+          <a:prstGeom prst="rect">
+            <a:avLst/>
+          </a:prstGeom>
+          <a:solidFill>
+            <a:schemeClr val="accent2">
+              <a:lumMod val="75000"/>
+            </a:schemeClr>
+          </a:solidFill>
+        </p:spPr>
+        <p:style>
+          <a:lnRef idx="2">
+            <a:schemeClr val="accent1">
+              <a:shade val="50000"/>
+            </a:schemeClr>
+          </a:lnRef>
+          <a:fillRef idx="1">
+            <a:schemeClr val="accent1"/>
+          </a:fillRef>
+          <a:effectRef idx="0">
+            <a:schemeClr val="accent1"/>
+          </a:effectRef>
+          <a:fontRef idx="minor">
+            <a:schemeClr val="lt1"/>
+          </a:fontRef>
+        </p:style>
+        <p:txBody>
+          <a:bodyPr rtlCol="0" anchor="ctr"/>
+          <a:p>
+            <a:pPr algn="ctr"/>
+            <a:endParaRPr lang="en-US"/>
+          </a:p>
+        </p:txBody>
+      </p:sp>
+      <p:cxnSp>
+        <p:nvCxnSpPr>
+          <p:cNvPr id="27" name="Straight Connector 26"/>
+          <p:cNvCxnSpPr/>
+          <p:nvPr/>
+        </p:nvCxnSpPr>
+        <p:spPr>
+          <a:xfrm flipV="1">
+            <a:off x="7834630" y="4909185"/>
+            <a:ext cx="1687830" cy="11430"/>
+          </a:xfrm>
+          <a:prstGeom prst="line">
+            <a:avLst/>
+          </a:prstGeom>
+          <a:ln w="28575">
+            <a:solidFill>
+              <a:srgbClr val="FF6600"/>
+            </a:solidFill>
+            <a:prstDash val="sysDash"/>
+          </a:ln>
+        </p:spPr>
+        <p:style>
+          <a:lnRef idx="1">
+            <a:schemeClr val="accent1"/>
+          </a:lnRef>
+          <a:fillRef idx="0">
+            <a:schemeClr val="accent1"/>
+          </a:fillRef>
+          <a:effectRef idx="0">
+            <a:schemeClr val="accent1"/>
+          </a:effectRef>
+          <a:fontRef idx="minor">
+            <a:schemeClr val="tx1"/>
+          </a:fontRef>
+        </p:style>
+      </p:cxnSp>
+      <p:cxnSp>
+        <p:nvCxnSpPr>
+          <p:cNvPr id="28" name="Straight Connector 27"/>
+          <p:cNvCxnSpPr/>
+          <p:nvPr/>
+        </p:nvCxnSpPr>
+        <p:spPr>
+          <a:xfrm flipV="1">
+            <a:off x="8413115" y="6102350"/>
+            <a:ext cx="1086485" cy="8255"/>
+          </a:xfrm>
+          <a:prstGeom prst="line">
+            <a:avLst/>
+          </a:prstGeom>
+          <a:ln w="28575">
+            <a:solidFill>
+              <a:srgbClr val="FF6600"/>
+            </a:solidFill>
+            <a:prstDash val="sysDash"/>
+          </a:ln>
+        </p:spPr>
+        <p:style>
+          <a:lnRef idx="1">
+            <a:schemeClr val="accent1"/>
+          </a:lnRef>
+          <a:fillRef idx="0">
+            <a:schemeClr val="accent1"/>
+          </a:fillRef>
+          <a:effectRef idx="0">
+            <a:schemeClr val="accent1"/>
+          </a:effectRef>
+          <a:fontRef idx="minor">
+            <a:schemeClr val="tx1"/>
+          </a:fontRef>
+        </p:style>
+      </p:cxnSp>
+    </p:spTree>
+  </p:cSld>
+  <p:clrMapOvr>
+    <a:masterClrMapping/>
+  </p:clrMapOvr>
+</p:sld>
+</file>
+
+<file path=ppt/slides/slide24.xml><?xml version="1.0" encoding="utf-8"?>
+<p:sld xmlns:a="http://schemas.openxmlformats.org/drawingml/2006/main" xmlns:r="http://schemas.openxmlformats.org/officeDocument/2006/relationships" xmlns:p="http://schemas.openxmlformats.org/presentationml/2006/main">
+  <p:cSld>
+    <p:spTree>
+      <p:nvGrpSpPr>
+        <p:cNvPr id="1" name=""/>
+        <p:cNvGrpSpPr/>
+        <p:nvPr/>
+      </p:nvGrpSpPr>
+      <p:grpSpPr/>
+      <p:sp>
+        <p:nvSpPr>
+          <p:cNvPr id="4" name="Rectangles 3"/>
+          <p:cNvSpPr/>
+          <p:nvPr/>
+        </p:nvSpPr>
+        <p:spPr>
+          <a:xfrm>
+            <a:off x="3484880" y="2037715"/>
+            <a:ext cx="138430" cy="901700"/>
+          </a:xfrm>
+          <a:prstGeom prst="rect">
+            <a:avLst/>
+          </a:prstGeom>
+        </p:spPr>
+        <p:style>
+          <a:lnRef idx="2">
+            <a:schemeClr val="accent1">
+              <a:shade val="50000"/>
+            </a:schemeClr>
+          </a:lnRef>
+          <a:fillRef idx="1">
+            <a:schemeClr val="accent1"/>
+          </a:fillRef>
+          <a:effectRef idx="0">
+            <a:schemeClr val="accent1"/>
+          </a:effectRef>
+          <a:fontRef idx="minor">
+            <a:schemeClr val="lt1"/>
+          </a:fontRef>
+        </p:style>
+        <p:txBody>
+          <a:bodyPr rtlCol="0" anchor="ctr"/>
+          <a:p>
+            <a:pPr algn="ctr"/>
+            <a:endParaRPr lang="en-US"/>
+          </a:p>
+        </p:txBody>
+      </p:sp>
+      <p:sp>
+        <p:nvSpPr>
+          <p:cNvPr id="5" name="Rectangles 4"/>
+          <p:cNvSpPr/>
+          <p:nvPr/>
+        </p:nvSpPr>
+        <p:spPr>
+          <a:xfrm>
+            <a:off x="3749040" y="1365250"/>
+            <a:ext cx="138430" cy="980440"/>
+          </a:xfrm>
+          <a:prstGeom prst="rect">
+            <a:avLst/>
+          </a:prstGeom>
+        </p:spPr>
+        <p:style>
+          <a:lnRef idx="2">
+            <a:schemeClr val="accent1">
+              <a:shade val="50000"/>
+            </a:schemeClr>
+          </a:lnRef>
+          <a:fillRef idx="1">
+            <a:schemeClr val="accent1"/>
+          </a:fillRef>
+          <a:effectRef idx="0">
+            <a:schemeClr val="accent1"/>
+          </a:effectRef>
+          <a:fontRef idx="minor">
+            <a:schemeClr val="lt1"/>
+          </a:fontRef>
+        </p:style>
+        <p:txBody>
+          <a:bodyPr rtlCol="0" anchor="ctr"/>
+          <a:p>
+            <a:pPr algn="ctr"/>
+            <a:endParaRPr lang="en-US"/>
+          </a:p>
+        </p:txBody>
+      </p:sp>
+      <p:sp>
+        <p:nvSpPr>
+          <p:cNvPr id="6" name="Rectangles 5"/>
+          <p:cNvSpPr/>
+          <p:nvPr/>
+        </p:nvSpPr>
+        <p:spPr>
+          <a:xfrm>
+            <a:off x="3749040" y="4574540"/>
+            <a:ext cx="138430" cy="901700"/>
+          </a:xfrm>
+          <a:prstGeom prst="rect">
+            <a:avLst/>
+          </a:prstGeom>
+        </p:spPr>
+        <p:style>
+          <a:lnRef idx="2">
+            <a:schemeClr val="accent1">
+              <a:shade val="50000"/>
+            </a:schemeClr>
+          </a:lnRef>
+          <a:fillRef idx="1">
+            <a:schemeClr val="accent1"/>
+          </a:fillRef>
+          <a:effectRef idx="0">
+            <a:schemeClr val="accent1"/>
+          </a:effectRef>
+          <a:fontRef idx="minor">
+            <a:schemeClr val="lt1"/>
+          </a:fontRef>
+        </p:style>
+        <p:txBody>
+          <a:bodyPr rtlCol="0" anchor="ctr"/>
+          <a:p>
+            <a:pPr algn="ctr"/>
+            <a:endParaRPr lang="en-US"/>
+          </a:p>
+        </p:txBody>
+      </p:sp>
+      <p:sp>
+        <p:nvSpPr>
+          <p:cNvPr id="7" name="Rectangles 6"/>
+          <p:cNvSpPr/>
+          <p:nvPr/>
+        </p:nvSpPr>
+        <p:spPr>
+          <a:xfrm>
+            <a:off x="3484880" y="4253230"/>
+            <a:ext cx="138430" cy="771525"/>
+          </a:xfrm>
+          <a:prstGeom prst="rect">
+            <a:avLst/>
+          </a:prstGeom>
+        </p:spPr>
+        <p:style>
+          <a:lnRef idx="2">
+            <a:schemeClr val="accent1">
+              <a:shade val="50000"/>
+            </a:schemeClr>
+          </a:lnRef>
+          <a:fillRef idx="1">
+            <a:schemeClr val="accent1"/>
+          </a:fillRef>
+          <a:effectRef idx="0">
+            <a:schemeClr val="accent1"/>
+          </a:effectRef>
+          <a:fontRef idx="minor">
+            <a:schemeClr val="lt1"/>
+          </a:fontRef>
+        </p:style>
+        <p:txBody>
+          <a:bodyPr rtlCol="0" anchor="ctr"/>
+          <a:p>
+            <a:pPr algn="ctr"/>
+            <a:endParaRPr lang="en-US"/>
+          </a:p>
+        </p:txBody>
+      </p:sp>
+      <p:sp>
+        <p:nvSpPr>
+          <p:cNvPr id="8" name="Text Box 7"/>
+          <p:cNvSpPr txBox="1"/>
+          <p:nvPr/>
+        </p:nvSpPr>
+        <p:spPr>
+          <a:xfrm>
+            <a:off x="1727835" y="1671320"/>
+            <a:ext cx="1247775" cy="368300"/>
+          </a:xfrm>
+          <a:prstGeom prst="rect">
+            <a:avLst/>
+          </a:prstGeom>
+          <a:noFill/>
+        </p:spPr>
+        <p:txBody>
+          <a:bodyPr wrap="square" rtlCol="0">
+            <a:spAutoFit/>
+          </a:bodyPr>
+          <a:p>
+            <a:r>
+              <a:rPr lang="zh-CN" b="1">
+                <a:solidFill>
+                  <a:srgbClr val="FF0000"/>
+                </a:solidFill>
+              </a:rPr>
+              <a:t>上升</a:t>
+            </a:r>
+            <a:r>
+              <a:rPr lang="en-US" altLang="zh-CN" b="1">
+                <a:solidFill>
+                  <a:srgbClr val="FF0000"/>
+                </a:solidFill>
+              </a:rPr>
+              <a:t>K</a:t>
+            </a:r>
+            <a:r>
+              <a:rPr lang="zh-CN" altLang="en-US" b="1">
+                <a:solidFill>
+                  <a:srgbClr val="FF0000"/>
+                </a:solidFill>
+              </a:rPr>
+              <a:t>线</a:t>
+            </a:r>
+            <a:endParaRPr lang="zh-CN" altLang="en-US" b="1">
+              <a:solidFill>
+                <a:srgbClr val="FF0000"/>
+              </a:solidFill>
+            </a:endParaRPr>
+          </a:p>
+        </p:txBody>
+      </p:sp>
+      <p:sp>
+        <p:nvSpPr>
+          <p:cNvPr id="9" name="Rectangles 8"/>
+          <p:cNvSpPr/>
+          <p:nvPr/>
+        </p:nvSpPr>
+        <p:spPr>
+          <a:xfrm>
+            <a:off x="7148830" y="341630"/>
+            <a:ext cx="138430" cy="901700"/>
+          </a:xfrm>
+          <a:prstGeom prst="rect">
+            <a:avLst/>
+          </a:prstGeom>
+          <a:solidFill>
+            <a:srgbClr val="FF3300"/>
+          </a:solidFill>
+        </p:spPr>
+        <p:style>
+          <a:lnRef idx="2">
+            <a:schemeClr val="accent1">
+              <a:shade val="50000"/>
+            </a:schemeClr>
+          </a:lnRef>
+          <a:fillRef idx="1">
+            <a:schemeClr val="accent1"/>
+          </a:fillRef>
+          <a:effectRef idx="0">
+            <a:schemeClr val="accent1"/>
+          </a:effectRef>
+          <a:fontRef idx="minor">
+            <a:schemeClr val="lt1"/>
+          </a:fontRef>
+        </p:style>
+        <p:txBody>
+          <a:bodyPr rtlCol="0" anchor="ctr"/>
+          <a:p>
+            <a:pPr algn="ctr"/>
+            <a:endParaRPr lang="en-US"/>
+          </a:p>
+        </p:txBody>
+      </p:sp>
+      <p:sp>
+        <p:nvSpPr>
+          <p:cNvPr id="10" name="Rectangles 9"/>
+          <p:cNvSpPr/>
+          <p:nvPr/>
+        </p:nvSpPr>
+        <p:spPr>
+          <a:xfrm>
+            <a:off x="7588885" y="819785"/>
+            <a:ext cx="138430" cy="1432560"/>
+          </a:xfrm>
+          <a:prstGeom prst="rect">
+            <a:avLst/>
+          </a:prstGeom>
+        </p:spPr>
+        <p:style>
+          <a:lnRef idx="2">
+            <a:schemeClr val="accent1">
+              <a:shade val="50000"/>
+            </a:schemeClr>
+          </a:lnRef>
+          <a:fillRef idx="1">
+            <a:schemeClr val="accent1"/>
+          </a:fillRef>
+          <a:effectRef idx="0">
+            <a:schemeClr val="accent1"/>
+          </a:effectRef>
+          <a:fontRef idx="minor">
+            <a:schemeClr val="lt1"/>
+          </a:fontRef>
+        </p:style>
+        <p:txBody>
+          <a:bodyPr rtlCol="0" anchor="ctr"/>
+          <a:p>
+            <a:pPr algn="ctr"/>
+            <a:endParaRPr lang="en-US"/>
+          </a:p>
+        </p:txBody>
+      </p:sp>
+      <p:sp>
+        <p:nvSpPr>
+          <p:cNvPr id="11" name="Rectangles 10"/>
+          <p:cNvSpPr/>
+          <p:nvPr/>
+        </p:nvSpPr>
+        <p:spPr>
+          <a:xfrm>
+            <a:off x="6708775" y="1137920"/>
+            <a:ext cx="138430" cy="901700"/>
+          </a:xfrm>
+          <a:prstGeom prst="rect">
+            <a:avLst/>
+          </a:prstGeom>
+        </p:spPr>
+        <p:style>
+          <a:lnRef idx="2">
+            <a:schemeClr val="accent1">
+              <a:shade val="50000"/>
+            </a:schemeClr>
+          </a:lnRef>
+          <a:fillRef idx="1">
+            <a:schemeClr val="accent1"/>
+          </a:fillRef>
+          <a:effectRef idx="0">
+            <a:schemeClr val="accent1"/>
+          </a:effectRef>
+          <a:fontRef idx="minor">
+            <a:schemeClr val="lt1"/>
+          </a:fontRef>
+        </p:style>
+        <p:txBody>
+          <a:bodyPr rtlCol="0" anchor="ctr"/>
+          <a:p>
+            <a:pPr algn="ctr"/>
+            <a:endParaRPr lang="en-US"/>
+          </a:p>
+        </p:txBody>
+      </p:sp>
+      <p:sp>
+        <p:nvSpPr>
+          <p:cNvPr id="23" name="Rectangles 22"/>
+          <p:cNvSpPr/>
+          <p:nvPr/>
+        </p:nvSpPr>
+        <p:spPr>
+          <a:xfrm>
+            <a:off x="7148830" y="5170170"/>
+            <a:ext cx="138430" cy="901700"/>
+          </a:xfrm>
+          <a:prstGeom prst="rect">
+            <a:avLst/>
+          </a:prstGeom>
+          <a:solidFill>
+            <a:srgbClr val="00B050"/>
+          </a:solidFill>
+        </p:spPr>
+        <p:style>
+          <a:lnRef idx="2">
+            <a:schemeClr val="accent1">
+              <a:shade val="50000"/>
+            </a:schemeClr>
+          </a:lnRef>
+          <a:fillRef idx="1">
+            <a:schemeClr val="accent1"/>
+          </a:fillRef>
+          <a:effectRef idx="0">
+            <a:schemeClr val="accent1"/>
+          </a:effectRef>
+          <a:fontRef idx="minor">
+            <a:schemeClr val="lt1"/>
+          </a:fontRef>
+        </p:style>
+        <p:txBody>
+          <a:bodyPr rtlCol="0" anchor="ctr"/>
+          <a:p>
+            <a:pPr algn="ctr"/>
+            <a:endParaRPr lang="en-US"/>
+          </a:p>
+        </p:txBody>
+      </p:sp>
+      <p:sp>
+        <p:nvSpPr>
+          <p:cNvPr id="24" name="Rectangles 23"/>
+          <p:cNvSpPr/>
+          <p:nvPr/>
+        </p:nvSpPr>
+        <p:spPr>
+          <a:xfrm>
+            <a:off x="7588885" y="3947160"/>
+            <a:ext cx="138430" cy="1432560"/>
+          </a:xfrm>
+          <a:prstGeom prst="rect">
+            <a:avLst/>
+          </a:prstGeom>
+        </p:spPr>
+        <p:style>
+          <a:lnRef idx="2">
+            <a:schemeClr val="accent1">
+              <a:shade val="50000"/>
+            </a:schemeClr>
+          </a:lnRef>
+          <a:fillRef idx="1">
+            <a:schemeClr val="accent1"/>
+          </a:fillRef>
+          <a:effectRef idx="0">
+            <a:schemeClr val="accent1"/>
+          </a:effectRef>
+          <a:fontRef idx="minor">
+            <a:schemeClr val="lt1"/>
+          </a:fontRef>
+        </p:style>
+        <p:txBody>
+          <a:bodyPr rtlCol="0" anchor="ctr"/>
+          <a:p>
+            <a:pPr algn="ctr"/>
+            <a:endParaRPr lang="en-US"/>
+          </a:p>
+        </p:txBody>
+      </p:sp>
+      <p:sp>
+        <p:nvSpPr>
+          <p:cNvPr id="25" name="Rectangles 24"/>
+          <p:cNvSpPr/>
+          <p:nvPr/>
+        </p:nvSpPr>
+        <p:spPr>
+          <a:xfrm>
+            <a:off x="6708775" y="4719320"/>
+            <a:ext cx="138430" cy="901700"/>
+          </a:xfrm>
+          <a:prstGeom prst="rect">
+            <a:avLst/>
+          </a:prstGeom>
+        </p:spPr>
+        <p:style>
+          <a:lnRef idx="2">
+            <a:schemeClr val="accent1">
+              <a:shade val="50000"/>
+            </a:schemeClr>
+          </a:lnRef>
+          <a:fillRef idx="1">
+            <a:schemeClr val="accent1"/>
+          </a:fillRef>
+          <a:effectRef idx="0">
+            <a:schemeClr val="accent1"/>
+          </a:effectRef>
+          <a:fontRef idx="minor">
+            <a:schemeClr val="lt1"/>
+          </a:fontRef>
+        </p:style>
+        <p:txBody>
+          <a:bodyPr rtlCol="0" anchor="ctr"/>
+          <a:p>
+            <a:pPr algn="ctr"/>
+            <a:endParaRPr lang="en-US"/>
+          </a:p>
+        </p:txBody>
+      </p:sp>
+      <p:sp>
+        <p:nvSpPr>
+          <p:cNvPr id="2" name="Rectangles 1"/>
+          <p:cNvSpPr/>
+          <p:nvPr/>
+        </p:nvSpPr>
+        <p:spPr>
+          <a:xfrm>
+            <a:off x="4027805" y="892810"/>
+            <a:ext cx="138430" cy="980440"/>
+          </a:xfrm>
+          <a:prstGeom prst="rect">
+            <a:avLst/>
+          </a:prstGeom>
+        </p:spPr>
+        <p:style>
+          <a:lnRef idx="2">
+            <a:schemeClr val="accent1">
+              <a:shade val="50000"/>
+            </a:schemeClr>
+          </a:lnRef>
+          <a:fillRef idx="1">
+            <a:schemeClr val="accent1"/>
+          </a:fillRef>
+          <a:effectRef idx="0">
+            <a:schemeClr val="accent1"/>
+          </a:effectRef>
+          <a:fontRef idx="minor">
+            <a:schemeClr val="lt1"/>
+          </a:fontRef>
+        </p:style>
+        <p:txBody>
+          <a:bodyPr rtlCol="0" anchor="ctr"/>
+          <a:p>
+            <a:pPr algn="ctr"/>
+            <a:endParaRPr lang="en-US"/>
+          </a:p>
+        </p:txBody>
+      </p:sp>
+      <p:sp>
+        <p:nvSpPr>
+          <p:cNvPr id="3" name="Text Box 2"/>
+          <p:cNvSpPr txBox="1"/>
+          <p:nvPr/>
+        </p:nvSpPr>
+        <p:spPr>
+          <a:xfrm>
+            <a:off x="1824355" y="5024755"/>
+            <a:ext cx="1247775" cy="368300"/>
+          </a:xfrm>
+          <a:prstGeom prst="rect">
+            <a:avLst/>
+          </a:prstGeom>
+          <a:noFill/>
+        </p:spPr>
+        <p:txBody>
+          <a:bodyPr wrap="square" rtlCol="0">
+            <a:spAutoFit/>
+          </a:bodyPr>
+          <a:p>
+            <a:r>
+              <a:rPr lang="zh-CN" altLang="en-US" b="1">
+                <a:solidFill>
+                  <a:srgbClr val="00B050"/>
+                </a:solidFill>
+              </a:rPr>
+              <a:t>下降</a:t>
+            </a:r>
+            <a:r>
+              <a:rPr lang="en-US" altLang="zh-CN" b="1">
+                <a:solidFill>
+                  <a:srgbClr val="00B050"/>
+                </a:solidFill>
+              </a:rPr>
+              <a:t>K</a:t>
+            </a:r>
+            <a:r>
+              <a:rPr lang="zh-CN" altLang="en-US" b="1">
+                <a:solidFill>
+                  <a:srgbClr val="00B050"/>
+                </a:solidFill>
+              </a:rPr>
+              <a:t>线</a:t>
+            </a:r>
+            <a:endParaRPr lang="zh-CN" altLang="en-US" b="1">
+              <a:solidFill>
+                <a:srgbClr val="00B050"/>
+              </a:solidFill>
+            </a:endParaRPr>
+          </a:p>
+        </p:txBody>
+      </p:sp>
+      <p:sp>
+        <p:nvSpPr>
+          <p:cNvPr id="13" name="Rectangles 12"/>
+          <p:cNvSpPr/>
+          <p:nvPr/>
+        </p:nvSpPr>
+        <p:spPr>
+          <a:xfrm>
+            <a:off x="4036060" y="4886960"/>
+            <a:ext cx="138430" cy="1201420"/>
+          </a:xfrm>
+          <a:prstGeom prst="rect">
+            <a:avLst/>
+          </a:prstGeom>
+        </p:spPr>
+        <p:style>
+          <a:lnRef idx="2">
+            <a:schemeClr val="accent1">
+              <a:shade val="50000"/>
+            </a:schemeClr>
+          </a:lnRef>
+          <a:fillRef idx="1">
+            <a:schemeClr val="accent1"/>
+          </a:fillRef>
+          <a:effectRef idx="0">
+            <a:schemeClr val="accent1"/>
+          </a:effectRef>
+          <a:fontRef idx="minor">
+            <a:schemeClr val="lt1"/>
+          </a:fontRef>
+        </p:style>
+        <p:txBody>
+          <a:bodyPr rtlCol="0" anchor="ctr"/>
+          <a:p>
+            <a:pPr algn="ctr"/>
+            <a:endParaRPr lang="en-US"/>
+          </a:p>
+        </p:txBody>
+      </p:sp>
+      <p:sp>
+        <p:nvSpPr>
+          <p:cNvPr id="14" name="Text Box 13"/>
+          <p:cNvSpPr txBox="1"/>
+          <p:nvPr/>
+        </p:nvSpPr>
+        <p:spPr>
+          <a:xfrm>
+            <a:off x="6783705" y="2411095"/>
+            <a:ext cx="868680" cy="368300"/>
+          </a:xfrm>
+          <a:prstGeom prst="rect">
+            <a:avLst/>
+          </a:prstGeom>
+          <a:noFill/>
+        </p:spPr>
+        <p:txBody>
+          <a:bodyPr wrap="none" rtlCol="0">
+            <a:spAutoFit/>
+          </a:bodyPr>
+          <a:p>
+            <a:r>
+              <a:rPr lang="zh-CN" altLang="en-US">
+                <a:solidFill>
+                  <a:srgbClr val="FF0000"/>
+                </a:solidFill>
+              </a:rPr>
+              <a:t>顶分型</a:t>
+            </a:r>
+            <a:endParaRPr lang="zh-CN" altLang="en-US">
+              <a:solidFill>
+                <a:srgbClr val="FF0000"/>
+              </a:solidFill>
+            </a:endParaRPr>
+          </a:p>
+        </p:txBody>
+      </p:sp>
+      <p:sp>
+        <p:nvSpPr>
+          <p:cNvPr id="17" name="Text Box 16"/>
+          <p:cNvSpPr txBox="1"/>
+          <p:nvPr/>
+        </p:nvSpPr>
+        <p:spPr>
+          <a:xfrm>
+            <a:off x="6783705" y="6322060"/>
+            <a:ext cx="868680" cy="368300"/>
+          </a:xfrm>
+          <a:prstGeom prst="rect">
+            <a:avLst/>
+          </a:prstGeom>
+          <a:noFill/>
+        </p:spPr>
+        <p:txBody>
+          <a:bodyPr wrap="none" rtlCol="0">
+            <a:spAutoFit/>
+          </a:bodyPr>
+          <a:p>
+            <a:r>
+              <a:rPr lang="zh-CN" altLang="en-US">
+                <a:solidFill>
+                  <a:srgbClr val="00B050"/>
+                </a:solidFill>
+              </a:rPr>
+              <a:t>底分型</a:t>
+            </a:r>
+            <a:endParaRPr lang="zh-CN" altLang="en-US">
+              <a:solidFill>
+                <a:srgbClr val="00B050"/>
+              </a:solidFill>
+            </a:endParaRPr>
+          </a:p>
+        </p:txBody>
+      </p:sp>
+      <p:sp>
+        <p:nvSpPr>
+          <p:cNvPr id="18" name="Text Box 17"/>
+          <p:cNvSpPr txBox="1"/>
+          <p:nvPr/>
+        </p:nvSpPr>
+        <p:spPr>
+          <a:xfrm>
+            <a:off x="8213725" y="341630"/>
+            <a:ext cx="411480" cy="368300"/>
+          </a:xfrm>
+          <a:prstGeom prst="rect">
+            <a:avLst/>
+          </a:prstGeom>
+          <a:noFill/>
+        </p:spPr>
+        <p:txBody>
+          <a:bodyPr wrap="none" rtlCol="0">
+            <a:spAutoFit/>
+          </a:bodyPr>
+          <a:p>
+            <a:r>
+              <a:rPr lang="zh-CN" altLang="en-US">
+                <a:solidFill>
+                  <a:srgbClr val="FF0000"/>
+                </a:solidFill>
+              </a:rPr>
+              <a:t>顶</a:t>
+            </a:r>
+            <a:endParaRPr lang="zh-CN" altLang="en-US">
+              <a:solidFill>
+                <a:srgbClr val="FF0000"/>
+              </a:solidFill>
+            </a:endParaRPr>
+          </a:p>
+        </p:txBody>
+      </p:sp>
+      <p:sp>
+        <p:nvSpPr>
+          <p:cNvPr id="19" name="Text Box 18"/>
+          <p:cNvSpPr txBox="1"/>
+          <p:nvPr/>
+        </p:nvSpPr>
+        <p:spPr>
+          <a:xfrm>
+            <a:off x="8213725" y="5859145"/>
+            <a:ext cx="411480" cy="368300"/>
+          </a:xfrm>
+          <a:prstGeom prst="rect">
+            <a:avLst/>
+          </a:prstGeom>
+          <a:noFill/>
+        </p:spPr>
+        <p:txBody>
+          <a:bodyPr wrap="none" rtlCol="0">
+            <a:spAutoFit/>
+          </a:bodyPr>
+          <a:p>
+            <a:r>
+              <a:rPr lang="zh-CN" altLang="en-US">
+                <a:solidFill>
+                  <a:srgbClr val="00B050"/>
+                </a:solidFill>
+              </a:rPr>
+              <a:t>底</a:t>
+            </a:r>
+            <a:endParaRPr lang="zh-CN" altLang="en-US">
+              <a:solidFill>
+                <a:srgbClr val="00B050"/>
+              </a:solidFill>
+            </a:endParaRPr>
+          </a:p>
+        </p:txBody>
+      </p:sp>
+      <p:cxnSp>
+        <p:nvCxnSpPr>
+          <p:cNvPr id="20" name="Straight Arrow Connector 19"/>
+          <p:cNvCxnSpPr>
+            <a:endCxn id="18" idx="1"/>
+          </p:cNvCxnSpPr>
+          <p:nvPr/>
+        </p:nvCxnSpPr>
+        <p:spPr>
+          <a:xfrm>
+            <a:off x="7301865" y="276225"/>
+            <a:ext cx="911860" cy="249555"/>
+          </a:xfrm>
+          <a:prstGeom prst="straightConnector1">
+            <a:avLst/>
+          </a:prstGeom>
+          <a:ln w="31750">
+            <a:solidFill>
+              <a:srgbClr val="FF3300"/>
+            </a:solidFill>
+            <a:tailEnd type="arrow"/>
+          </a:ln>
+        </p:spPr>
+        <p:style>
+          <a:lnRef idx="1">
+            <a:schemeClr val="accent1"/>
+          </a:lnRef>
+          <a:fillRef idx="0">
+            <a:schemeClr val="accent1"/>
+          </a:fillRef>
+          <a:effectRef idx="0">
+            <a:schemeClr val="accent1"/>
+          </a:effectRef>
+          <a:fontRef idx="minor">
+            <a:schemeClr val="tx1"/>
+          </a:fontRef>
+        </p:style>
+      </p:cxnSp>
+      <p:cxnSp>
+        <p:nvCxnSpPr>
+          <p:cNvPr id="29" name="Straight Arrow Connector 28"/>
+          <p:cNvCxnSpPr/>
+          <p:nvPr/>
+        </p:nvCxnSpPr>
+        <p:spPr>
+          <a:xfrm>
+            <a:off x="7385685" y="5725795"/>
+            <a:ext cx="911860" cy="249555"/>
+          </a:xfrm>
+          <a:prstGeom prst="straightConnector1">
+            <a:avLst/>
+          </a:prstGeom>
+          <a:ln w="31750">
+            <a:solidFill>
+              <a:srgbClr val="00B050"/>
+            </a:solidFill>
+            <a:tailEnd type="arrow"/>
+          </a:ln>
+        </p:spPr>
+        <p:style>
+          <a:lnRef idx="1">
+            <a:schemeClr val="accent1"/>
+          </a:lnRef>
+          <a:fillRef idx="0">
+            <a:schemeClr val="accent1"/>
+          </a:fillRef>
+          <a:effectRef idx="0">
+            <a:schemeClr val="accent1"/>
+          </a:effectRef>
+          <a:fontRef idx="minor">
+            <a:schemeClr val="tx1"/>
+          </a:fontRef>
+        </p:style>
+      </p:cxnSp>
+    </p:spTree>
+  </p:cSld>
+  <p:clrMapOvr>
+    <a:masterClrMapping/>
+  </p:clrMapOvr>
+</p:sld>
+</file>
+
+<file path=ppt/slides/slide25.xml><?xml version="1.0" encoding="utf-8"?>
+<p:sld xmlns:a="http://schemas.openxmlformats.org/drawingml/2006/main" xmlns:r="http://schemas.openxmlformats.org/officeDocument/2006/relationships" xmlns:p="http://schemas.openxmlformats.org/presentationml/2006/main">
+  <p:cSld>
+    <p:spTree>
+      <p:nvGrpSpPr>
+        <p:cNvPr id="1" name=""/>
+        <p:cNvGrpSpPr/>
+        <p:nvPr/>
+      </p:nvGrpSpPr>
+      <p:grpSpPr/>
+      <p:sp>
+        <p:nvSpPr>
+          <p:cNvPr id="4" name="Rectangles 3"/>
+          <p:cNvSpPr/>
+          <p:nvPr/>
+        </p:nvSpPr>
+        <p:spPr>
+          <a:xfrm>
+            <a:off x="3055620" y="1355725"/>
+            <a:ext cx="138430" cy="901700"/>
+          </a:xfrm>
+          <a:prstGeom prst="rect">
+            <a:avLst/>
+          </a:prstGeom>
+        </p:spPr>
+        <p:style>
+          <a:lnRef idx="2">
+            <a:schemeClr val="accent1">
+              <a:shade val="50000"/>
+            </a:schemeClr>
+          </a:lnRef>
+          <a:fillRef idx="1">
+            <a:schemeClr val="accent1"/>
+          </a:fillRef>
+          <a:effectRef idx="0">
+            <a:schemeClr val="accent1"/>
+          </a:effectRef>
+          <a:fontRef idx="minor">
+            <a:schemeClr val="lt1"/>
+          </a:fontRef>
+        </p:style>
+        <p:txBody>
+          <a:bodyPr rtlCol="0" anchor="ctr"/>
+          <a:p>
+            <a:pPr algn="ctr"/>
+            <a:endParaRPr lang="en-US"/>
+          </a:p>
+        </p:txBody>
+      </p:sp>
+      <p:sp>
+        <p:nvSpPr>
+          <p:cNvPr id="5" name="Rectangles 4"/>
+          <p:cNvSpPr/>
+          <p:nvPr/>
+        </p:nvSpPr>
+        <p:spPr>
+          <a:xfrm>
+            <a:off x="3364865" y="760730"/>
+            <a:ext cx="138430" cy="980440"/>
+          </a:xfrm>
+          <a:prstGeom prst="rect">
+            <a:avLst/>
+          </a:prstGeom>
+        </p:spPr>
+        <p:style>
+          <a:lnRef idx="2">
+            <a:schemeClr val="accent1">
+              <a:shade val="50000"/>
+            </a:schemeClr>
+          </a:lnRef>
+          <a:fillRef idx="1">
+            <a:schemeClr val="accent1"/>
+          </a:fillRef>
+          <a:effectRef idx="0">
+            <a:schemeClr val="accent1"/>
+          </a:effectRef>
+          <a:fontRef idx="minor">
+            <a:schemeClr val="lt1"/>
+          </a:fontRef>
+        </p:style>
+        <p:txBody>
+          <a:bodyPr rtlCol="0" anchor="ctr"/>
+          <a:p>
+            <a:pPr algn="ctr"/>
+            <a:endParaRPr lang="en-US"/>
+          </a:p>
+        </p:txBody>
+      </p:sp>
+      <p:sp>
+        <p:nvSpPr>
+          <p:cNvPr id="8" name="Text Box 7"/>
+          <p:cNvSpPr txBox="1"/>
+          <p:nvPr/>
+        </p:nvSpPr>
+        <p:spPr>
+          <a:xfrm>
+            <a:off x="3352800" y="3734435"/>
+            <a:ext cx="1247775" cy="368300"/>
+          </a:xfrm>
+          <a:prstGeom prst="rect">
+            <a:avLst/>
+          </a:prstGeom>
+          <a:noFill/>
+        </p:spPr>
+        <p:txBody>
+          <a:bodyPr wrap="square" rtlCol="0">
+            <a:spAutoFit/>
+          </a:bodyPr>
+          <a:p>
+            <a:r>
+              <a:rPr lang="zh-CN" b="1">
+                <a:solidFill>
+                  <a:schemeClr val="tx1"/>
+                </a:solidFill>
+              </a:rPr>
+              <a:t>向下的笔</a:t>
+            </a:r>
+            <a:endParaRPr lang="zh-CN" altLang="zh-CN" b="1">
+              <a:solidFill>
+                <a:schemeClr val="tx1"/>
+              </a:solidFill>
+            </a:endParaRPr>
+          </a:p>
+        </p:txBody>
+      </p:sp>
+      <p:sp>
+        <p:nvSpPr>
+          <p:cNvPr id="2" name="Rectangles 1"/>
+          <p:cNvSpPr/>
+          <p:nvPr/>
+        </p:nvSpPr>
+        <p:spPr>
+          <a:xfrm>
+            <a:off x="3673475" y="1145540"/>
+            <a:ext cx="138430" cy="980440"/>
+          </a:xfrm>
+          <a:prstGeom prst="rect">
+            <a:avLst/>
+          </a:prstGeom>
+        </p:spPr>
+        <p:style>
+          <a:lnRef idx="2">
+            <a:schemeClr val="accent1">
+              <a:shade val="50000"/>
+            </a:schemeClr>
+          </a:lnRef>
+          <a:fillRef idx="1">
+            <a:schemeClr val="accent1"/>
+          </a:fillRef>
+          <a:effectRef idx="0">
+            <a:schemeClr val="accent1"/>
+          </a:effectRef>
+          <a:fontRef idx="minor">
+            <a:schemeClr val="lt1"/>
+          </a:fontRef>
+        </p:style>
+        <p:txBody>
+          <a:bodyPr rtlCol="0" anchor="ctr"/>
+          <a:p>
+            <a:pPr algn="ctr"/>
+            <a:endParaRPr lang="en-US"/>
+          </a:p>
+        </p:txBody>
+      </p:sp>
+      <p:sp>
+        <p:nvSpPr>
+          <p:cNvPr id="12" name="Rectangles 11"/>
+          <p:cNvSpPr/>
+          <p:nvPr/>
+        </p:nvSpPr>
+        <p:spPr>
+          <a:xfrm>
+            <a:off x="3982085" y="1513840"/>
+            <a:ext cx="138430" cy="980440"/>
+          </a:xfrm>
+          <a:prstGeom prst="rect">
+            <a:avLst/>
+          </a:prstGeom>
+          <a:solidFill>
+            <a:srgbClr val="FF3300"/>
+          </a:solidFill>
+        </p:spPr>
+        <p:style>
+          <a:lnRef idx="2">
+            <a:schemeClr val="accent1">
+              <a:shade val="50000"/>
+            </a:schemeClr>
+          </a:lnRef>
+          <a:fillRef idx="1">
+            <a:schemeClr val="accent1"/>
+          </a:fillRef>
+          <a:effectRef idx="0">
+            <a:schemeClr val="accent1"/>
+          </a:effectRef>
+          <a:fontRef idx="minor">
+            <a:schemeClr val="lt1"/>
+          </a:fontRef>
+        </p:style>
+        <p:txBody>
+          <a:bodyPr rtlCol="0" anchor="ctr"/>
+          <a:p>
+            <a:pPr algn="ctr"/>
+            <a:endParaRPr lang="en-US"/>
+          </a:p>
+        </p:txBody>
+      </p:sp>
+      <p:sp>
+        <p:nvSpPr>
+          <p:cNvPr id="15" name="Rectangles 14"/>
+          <p:cNvSpPr/>
+          <p:nvPr/>
+        </p:nvSpPr>
+        <p:spPr>
+          <a:xfrm>
+            <a:off x="4291330" y="1819910"/>
+            <a:ext cx="138430" cy="980440"/>
+          </a:xfrm>
+          <a:prstGeom prst="rect">
+            <a:avLst/>
+          </a:prstGeom>
+        </p:spPr>
+        <p:style>
+          <a:lnRef idx="2">
+            <a:schemeClr val="accent1">
+              <a:shade val="50000"/>
+            </a:schemeClr>
+          </a:lnRef>
+          <a:fillRef idx="1">
+            <a:schemeClr val="accent1"/>
+          </a:fillRef>
+          <a:effectRef idx="0">
+            <a:schemeClr val="accent1"/>
+          </a:effectRef>
+          <a:fontRef idx="minor">
+            <a:schemeClr val="lt1"/>
+          </a:fontRef>
+        </p:style>
+        <p:txBody>
+          <a:bodyPr rtlCol="0" anchor="ctr"/>
+          <a:p>
+            <a:pPr algn="ctr"/>
+            <a:endParaRPr lang="en-US"/>
+          </a:p>
+        </p:txBody>
+      </p:sp>
+      <p:sp>
+        <p:nvSpPr>
+          <p:cNvPr id="16" name="Rectangles 15"/>
+          <p:cNvSpPr/>
+          <p:nvPr/>
+        </p:nvSpPr>
+        <p:spPr>
+          <a:xfrm>
+            <a:off x="4600575" y="2125980"/>
+            <a:ext cx="138430" cy="980440"/>
+          </a:xfrm>
+          <a:prstGeom prst="rect">
+            <a:avLst/>
+          </a:prstGeom>
+        </p:spPr>
+        <p:style>
+          <a:lnRef idx="2">
+            <a:schemeClr val="accent1">
+              <a:shade val="50000"/>
+            </a:schemeClr>
+          </a:lnRef>
+          <a:fillRef idx="1">
+            <a:schemeClr val="accent1"/>
+          </a:fillRef>
+          <a:effectRef idx="0">
+            <a:schemeClr val="accent1"/>
+          </a:effectRef>
+          <a:fontRef idx="minor">
+            <a:schemeClr val="lt1"/>
+          </a:fontRef>
+        </p:style>
+        <p:txBody>
+          <a:bodyPr rtlCol="0" anchor="ctr"/>
+          <a:p>
+            <a:pPr algn="ctr"/>
+            <a:endParaRPr lang="en-US"/>
+          </a:p>
+        </p:txBody>
+      </p:sp>
+      <p:sp>
+        <p:nvSpPr>
+          <p:cNvPr id="21" name="Rectangles 20"/>
+          <p:cNvSpPr/>
+          <p:nvPr/>
+        </p:nvSpPr>
+        <p:spPr>
+          <a:xfrm>
+            <a:off x="4909820" y="1658620"/>
+            <a:ext cx="138430" cy="980440"/>
+          </a:xfrm>
+          <a:prstGeom prst="rect">
+            <a:avLst/>
+          </a:prstGeom>
+        </p:spPr>
+        <p:style>
+          <a:lnRef idx="2">
+            <a:schemeClr val="accent1">
+              <a:shade val="50000"/>
+            </a:schemeClr>
+          </a:lnRef>
+          <a:fillRef idx="1">
+            <a:schemeClr val="accent1"/>
+          </a:fillRef>
+          <a:effectRef idx="0">
+            <a:schemeClr val="accent1"/>
+          </a:effectRef>
+          <a:fontRef idx="minor">
+            <a:schemeClr val="lt1"/>
+          </a:fontRef>
+        </p:style>
+        <p:txBody>
+          <a:bodyPr rtlCol="0" anchor="ctr"/>
+          <a:p>
+            <a:pPr algn="ctr"/>
+            <a:endParaRPr lang="en-US"/>
+          </a:p>
+        </p:txBody>
+      </p:sp>
+      <p:cxnSp>
+        <p:nvCxnSpPr>
+          <p:cNvPr id="22" name="Straight Connector 21"/>
+          <p:cNvCxnSpPr/>
+          <p:nvPr/>
+        </p:nvCxnSpPr>
+        <p:spPr>
+          <a:xfrm>
+            <a:off x="2871470" y="722630"/>
+            <a:ext cx="2359660" cy="2562860"/>
+          </a:xfrm>
+          <a:prstGeom prst="line">
+            <a:avLst/>
+          </a:prstGeom>
+          <a:ln w="60325" cmpd="sng">
+            <a:solidFill>
+              <a:srgbClr val="00B050"/>
+            </a:solidFill>
+            <a:prstDash val="sysDot"/>
+          </a:ln>
+        </p:spPr>
+        <p:style>
+          <a:lnRef idx="1">
+            <a:schemeClr val="accent1"/>
+          </a:lnRef>
+          <a:fillRef idx="0">
+            <a:schemeClr val="accent1"/>
+          </a:fillRef>
+          <a:effectRef idx="0">
+            <a:schemeClr val="accent1"/>
+          </a:effectRef>
+          <a:fontRef idx="minor">
+            <a:schemeClr val="tx1"/>
+          </a:fontRef>
+        </p:style>
+      </p:cxnSp>
+      <p:sp>
+        <p:nvSpPr>
+          <p:cNvPr id="26" name="Rectangles 25"/>
+          <p:cNvSpPr/>
+          <p:nvPr/>
+        </p:nvSpPr>
+        <p:spPr>
+          <a:xfrm>
+            <a:off x="7128510" y="1985645"/>
+            <a:ext cx="138430" cy="901700"/>
+          </a:xfrm>
+          <a:prstGeom prst="rect">
+            <a:avLst/>
+          </a:prstGeom>
+        </p:spPr>
+        <p:style>
+          <a:lnRef idx="2">
+            <a:schemeClr val="accent1">
+              <a:shade val="50000"/>
+            </a:schemeClr>
+          </a:lnRef>
+          <a:fillRef idx="1">
+            <a:schemeClr val="accent1"/>
+          </a:fillRef>
+          <a:effectRef idx="0">
+            <a:schemeClr val="accent1"/>
+          </a:effectRef>
+          <a:fontRef idx="minor">
+            <a:schemeClr val="lt1"/>
+          </a:fontRef>
+        </p:style>
+        <p:txBody>
+          <a:bodyPr rtlCol="0" anchor="ctr"/>
+          <a:p>
+            <a:pPr algn="ctr"/>
+            <a:endParaRPr lang="en-US"/>
+          </a:p>
+        </p:txBody>
+      </p:sp>
+      <p:sp>
+        <p:nvSpPr>
+          <p:cNvPr id="27" name="Rectangles 26"/>
+          <p:cNvSpPr/>
+          <p:nvPr/>
+        </p:nvSpPr>
+        <p:spPr>
+          <a:xfrm>
+            <a:off x="7388225" y="2353945"/>
+            <a:ext cx="138430" cy="980440"/>
+          </a:xfrm>
+          <a:prstGeom prst="rect">
+            <a:avLst/>
+          </a:prstGeom>
+        </p:spPr>
+        <p:style>
+          <a:lnRef idx="2">
+            <a:schemeClr val="accent1">
+              <a:shade val="50000"/>
+            </a:schemeClr>
+          </a:lnRef>
+          <a:fillRef idx="1">
+            <a:schemeClr val="accent1"/>
+          </a:fillRef>
+          <a:effectRef idx="0">
+            <a:schemeClr val="accent1"/>
+          </a:effectRef>
+          <a:fontRef idx="minor">
+            <a:schemeClr val="lt1"/>
+          </a:fontRef>
+        </p:style>
+        <p:txBody>
+          <a:bodyPr rtlCol="0" anchor="ctr"/>
+          <a:p>
+            <a:pPr algn="ctr"/>
+            <a:endParaRPr lang="en-US"/>
+          </a:p>
+        </p:txBody>
+      </p:sp>
+      <p:sp>
+        <p:nvSpPr>
+          <p:cNvPr id="28" name="Text Box 27"/>
+          <p:cNvSpPr txBox="1"/>
+          <p:nvPr/>
+        </p:nvSpPr>
+        <p:spPr>
+          <a:xfrm>
+            <a:off x="7647940" y="3594100"/>
+            <a:ext cx="1247775" cy="368300"/>
+          </a:xfrm>
+          <a:prstGeom prst="rect">
+            <a:avLst/>
+          </a:prstGeom>
+          <a:noFill/>
+        </p:spPr>
+        <p:txBody>
+          <a:bodyPr wrap="square" rtlCol="0">
+            <a:spAutoFit/>
+          </a:bodyPr>
+          <a:p>
+            <a:r>
+              <a:rPr lang="zh-CN" b="1">
+                <a:solidFill>
+                  <a:schemeClr val="tx1"/>
+                </a:solidFill>
+              </a:rPr>
+              <a:t>向上的笔</a:t>
+            </a:r>
+            <a:endParaRPr lang="zh-CN" altLang="zh-CN" b="1">
+              <a:solidFill>
+                <a:schemeClr val="tx1"/>
+              </a:solidFill>
+            </a:endParaRPr>
+          </a:p>
+        </p:txBody>
+      </p:sp>
+      <p:sp>
+        <p:nvSpPr>
+          <p:cNvPr id="30" name="Rectangles 29"/>
+          <p:cNvSpPr/>
+          <p:nvPr/>
+        </p:nvSpPr>
+        <p:spPr>
+          <a:xfrm>
+            <a:off x="7647940" y="1819910"/>
+            <a:ext cx="138430" cy="980440"/>
+          </a:xfrm>
+          <a:prstGeom prst="rect">
+            <a:avLst/>
+          </a:prstGeom>
+        </p:spPr>
+        <p:style>
+          <a:lnRef idx="2">
+            <a:schemeClr val="accent1">
+              <a:shade val="50000"/>
+            </a:schemeClr>
+          </a:lnRef>
+          <a:fillRef idx="1">
+            <a:schemeClr val="accent1"/>
+          </a:fillRef>
+          <a:effectRef idx="0">
+            <a:schemeClr val="accent1"/>
+          </a:effectRef>
+          <a:fontRef idx="minor">
+            <a:schemeClr val="lt1"/>
+          </a:fontRef>
+        </p:style>
+        <p:txBody>
+          <a:bodyPr rtlCol="0" anchor="ctr"/>
+          <a:p>
+            <a:pPr algn="ctr"/>
+            <a:endParaRPr lang="en-US"/>
+          </a:p>
+        </p:txBody>
+      </p:sp>
+      <p:sp>
+        <p:nvSpPr>
+          <p:cNvPr id="31" name="Rectangles 30"/>
+          <p:cNvSpPr/>
+          <p:nvPr/>
+        </p:nvSpPr>
+        <p:spPr>
+          <a:xfrm>
+            <a:off x="7923530" y="1373505"/>
+            <a:ext cx="138430" cy="980440"/>
+          </a:xfrm>
+          <a:prstGeom prst="rect">
+            <a:avLst/>
+          </a:prstGeom>
+          <a:solidFill>
+            <a:srgbClr val="FF3300"/>
+          </a:solidFill>
+        </p:spPr>
+        <p:style>
+          <a:lnRef idx="2">
+            <a:schemeClr val="accent1">
+              <a:shade val="50000"/>
+            </a:schemeClr>
+          </a:lnRef>
+          <a:fillRef idx="1">
+            <a:schemeClr val="accent1"/>
+          </a:fillRef>
+          <a:effectRef idx="0">
+            <a:schemeClr val="accent1"/>
+          </a:effectRef>
+          <a:fontRef idx="minor">
+            <a:schemeClr val="lt1"/>
+          </a:fontRef>
+        </p:style>
+        <p:txBody>
+          <a:bodyPr rtlCol="0" anchor="ctr"/>
+          <a:p>
+            <a:pPr algn="ctr"/>
+            <a:endParaRPr lang="en-US"/>
+          </a:p>
+        </p:txBody>
+      </p:sp>
+      <p:sp>
+        <p:nvSpPr>
+          <p:cNvPr id="32" name="Rectangles 31"/>
+          <p:cNvSpPr/>
+          <p:nvPr/>
+        </p:nvSpPr>
+        <p:spPr>
+          <a:xfrm>
+            <a:off x="8199120" y="839470"/>
+            <a:ext cx="138430" cy="980440"/>
+          </a:xfrm>
+          <a:prstGeom prst="rect">
+            <a:avLst/>
+          </a:prstGeom>
+        </p:spPr>
+        <p:style>
+          <a:lnRef idx="2">
+            <a:schemeClr val="accent1">
+              <a:shade val="50000"/>
+            </a:schemeClr>
+          </a:lnRef>
+          <a:fillRef idx="1">
+            <a:schemeClr val="accent1"/>
+          </a:fillRef>
+          <a:effectRef idx="0">
+            <a:schemeClr val="accent1"/>
+          </a:effectRef>
+          <a:fontRef idx="minor">
+            <a:schemeClr val="lt1"/>
+          </a:fontRef>
+        </p:style>
+        <p:txBody>
+          <a:bodyPr rtlCol="0" anchor="ctr"/>
+          <a:p>
+            <a:pPr algn="ctr"/>
+            <a:endParaRPr lang="en-US"/>
+          </a:p>
+        </p:txBody>
+      </p:sp>
+      <p:sp>
+        <p:nvSpPr>
+          <p:cNvPr id="33" name="Rectangles 32"/>
+          <p:cNvSpPr/>
+          <p:nvPr/>
+        </p:nvSpPr>
+        <p:spPr>
+          <a:xfrm>
+            <a:off x="8474710" y="537845"/>
+            <a:ext cx="138430" cy="980440"/>
+          </a:xfrm>
+          <a:prstGeom prst="rect">
+            <a:avLst/>
+          </a:prstGeom>
+        </p:spPr>
+        <p:style>
+          <a:lnRef idx="2">
+            <a:schemeClr val="accent1">
+              <a:shade val="50000"/>
+            </a:schemeClr>
+          </a:lnRef>
+          <a:fillRef idx="1">
+            <a:schemeClr val="accent1"/>
+          </a:fillRef>
+          <a:effectRef idx="0">
+            <a:schemeClr val="accent1"/>
+          </a:effectRef>
+          <a:fontRef idx="minor">
+            <a:schemeClr val="lt1"/>
+          </a:fontRef>
+        </p:style>
+        <p:txBody>
+          <a:bodyPr rtlCol="0" anchor="ctr"/>
+          <a:p>
+            <a:pPr algn="ctr"/>
+            <a:endParaRPr lang="en-US"/>
+          </a:p>
+        </p:txBody>
+      </p:sp>
+      <p:sp>
+        <p:nvSpPr>
+          <p:cNvPr id="34" name="Rectangles 33"/>
+          <p:cNvSpPr/>
+          <p:nvPr/>
+        </p:nvSpPr>
+        <p:spPr>
+          <a:xfrm>
+            <a:off x="8750300" y="839470"/>
+            <a:ext cx="138430" cy="980440"/>
+          </a:xfrm>
+          <a:prstGeom prst="rect">
+            <a:avLst/>
+          </a:prstGeom>
+        </p:spPr>
+        <p:style>
+          <a:lnRef idx="2">
+            <a:schemeClr val="accent1">
+              <a:shade val="50000"/>
+            </a:schemeClr>
+          </a:lnRef>
+          <a:fillRef idx="1">
+            <a:schemeClr val="accent1"/>
+          </a:fillRef>
+          <a:effectRef idx="0">
+            <a:schemeClr val="accent1"/>
+          </a:effectRef>
+          <a:fontRef idx="minor">
+            <a:schemeClr val="lt1"/>
+          </a:fontRef>
+        </p:style>
+        <p:txBody>
+          <a:bodyPr rtlCol="0" anchor="ctr"/>
+          <a:p>
+            <a:pPr algn="ctr"/>
+            <a:endParaRPr lang="en-US"/>
+          </a:p>
+        </p:txBody>
+      </p:sp>
+      <p:cxnSp>
+        <p:nvCxnSpPr>
+          <p:cNvPr id="35" name="Straight Connector 34"/>
+          <p:cNvCxnSpPr/>
+          <p:nvPr/>
+        </p:nvCxnSpPr>
+        <p:spPr>
+          <a:xfrm flipV="1">
+            <a:off x="6743700" y="562610"/>
+            <a:ext cx="2573655" cy="2520315"/>
+          </a:xfrm>
+          <a:prstGeom prst="line">
+            <a:avLst/>
+          </a:prstGeom>
+          <a:ln w="60325" cmpd="sng">
+            <a:solidFill>
+              <a:srgbClr val="00B050"/>
+            </a:solidFill>
+            <a:prstDash val="sysDot"/>
+          </a:ln>
+        </p:spPr>
+        <p:style>
+          <a:lnRef idx="1">
+            <a:schemeClr val="accent1"/>
+          </a:lnRef>
+          <a:fillRef idx="0">
+            <a:schemeClr val="accent1"/>
+          </a:fillRef>
+          <a:effectRef idx="0">
+            <a:schemeClr val="accent1"/>
+          </a:effectRef>
+          <a:fontRef idx="minor">
+            <a:schemeClr val="tx1"/>
+          </a:fontRef>
+        </p:style>
+      </p:cxnSp>
+    </p:spTree>
+  </p:cSld>
+  <p:clrMapOvr>
+    <a:masterClrMapping/>
+  </p:clrMapOvr>
+</p:sld>
+</file>
+
+<file path=ppt/slides/slide26.xml><?xml version="1.0" encoding="utf-8"?>
+<p:sld xmlns:a="http://schemas.openxmlformats.org/drawingml/2006/main" xmlns:r="http://schemas.openxmlformats.org/officeDocument/2006/relationships" xmlns:p="http://schemas.openxmlformats.org/presentationml/2006/main">
+  <p:cSld>
+    <p:spTree>
+      <p:nvGrpSpPr>
+        <p:cNvPr id="1" name=""/>
+        <p:cNvGrpSpPr/>
+        <p:nvPr/>
+      </p:nvGrpSpPr>
+      <p:grpSpPr/>
+      <p:sp>
+        <p:nvSpPr>
+          <p:cNvPr id="27" name="Rectangles 26"/>
+          <p:cNvSpPr/>
+          <p:nvPr/>
+        </p:nvSpPr>
+        <p:spPr>
+          <a:xfrm>
+            <a:off x="911860" y="2190750"/>
+            <a:ext cx="138430" cy="980440"/>
+          </a:xfrm>
+          <a:prstGeom prst="rect">
+            <a:avLst/>
+          </a:prstGeom>
+        </p:spPr>
+        <p:style>
+          <a:lnRef idx="2">
+            <a:schemeClr val="accent1">
+              <a:shade val="50000"/>
+            </a:schemeClr>
+          </a:lnRef>
+          <a:fillRef idx="1">
+            <a:schemeClr val="accent1"/>
+          </a:fillRef>
+          <a:effectRef idx="0">
+            <a:schemeClr val="accent1"/>
+          </a:effectRef>
+          <a:fontRef idx="minor">
+            <a:schemeClr val="lt1"/>
+          </a:fontRef>
+        </p:style>
+        <p:txBody>
+          <a:bodyPr rtlCol="0" anchor="ctr"/>
+          <a:p>
+            <a:pPr algn="ctr"/>
+            <a:endParaRPr lang="en-US"/>
+          </a:p>
+        </p:txBody>
+      </p:sp>
+      <p:sp>
+        <p:nvSpPr>
+          <p:cNvPr id="28" name="Text Box 27"/>
+          <p:cNvSpPr txBox="1"/>
+          <p:nvPr/>
+        </p:nvSpPr>
+        <p:spPr>
+          <a:xfrm>
+            <a:off x="1171575" y="3430905"/>
+            <a:ext cx="1247775" cy="368300"/>
+          </a:xfrm>
+          <a:prstGeom prst="rect">
+            <a:avLst/>
+          </a:prstGeom>
+          <a:noFill/>
+        </p:spPr>
+        <p:txBody>
+          <a:bodyPr wrap="square" rtlCol="0">
+            <a:spAutoFit/>
+          </a:bodyPr>
+          <a:p>
+            <a:r>
+              <a:rPr lang="zh-CN" b="1">
+                <a:solidFill>
+                  <a:schemeClr val="tx1"/>
+                </a:solidFill>
+              </a:rPr>
+              <a:t>向上的笔</a:t>
+            </a:r>
+            <a:endParaRPr lang="zh-CN" altLang="zh-CN" b="1">
+              <a:solidFill>
+                <a:schemeClr val="tx1"/>
+              </a:solidFill>
+            </a:endParaRPr>
+          </a:p>
+        </p:txBody>
+      </p:sp>
+      <p:sp>
+        <p:nvSpPr>
+          <p:cNvPr id="30" name="Rectangles 29"/>
+          <p:cNvSpPr/>
+          <p:nvPr/>
+        </p:nvSpPr>
+        <p:spPr>
+          <a:xfrm>
+            <a:off x="1171575" y="2053590"/>
+            <a:ext cx="138430" cy="980440"/>
+          </a:xfrm>
+          <a:prstGeom prst="rect">
+            <a:avLst/>
+          </a:prstGeom>
+        </p:spPr>
+        <p:style>
+          <a:lnRef idx="2">
+            <a:schemeClr val="accent1">
+              <a:shade val="50000"/>
+            </a:schemeClr>
+          </a:lnRef>
+          <a:fillRef idx="1">
+            <a:schemeClr val="accent1"/>
+          </a:fillRef>
+          <a:effectRef idx="0">
+            <a:schemeClr val="accent1"/>
+          </a:effectRef>
+          <a:fontRef idx="minor">
+            <a:schemeClr val="lt1"/>
+          </a:fontRef>
+        </p:style>
+        <p:txBody>
+          <a:bodyPr rtlCol="0" anchor="ctr"/>
+          <a:p>
+            <a:pPr algn="ctr"/>
+            <a:endParaRPr lang="en-US"/>
+          </a:p>
+        </p:txBody>
+      </p:sp>
+      <p:sp>
+        <p:nvSpPr>
+          <p:cNvPr id="32" name="Rectangles 31"/>
+          <p:cNvSpPr/>
+          <p:nvPr/>
+        </p:nvSpPr>
+        <p:spPr>
+          <a:xfrm>
+            <a:off x="1431290" y="1656715"/>
+            <a:ext cx="138430" cy="980440"/>
+          </a:xfrm>
+          <a:prstGeom prst="rect">
+            <a:avLst/>
+          </a:prstGeom>
+        </p:spPr>
+        <p:style>
+          <a:lnRef idx="2">
+            <a:schemeClr val="accent1">
+              <a:shade val="50000"/>
+            </a:schemeClr>
+          </a:lnRef>
+          <a:fillRef idx="1">
+            <a:schemeClr val="accent1"/>
+          </a:fillRef>
+          <a:effectRef idx="0">
+            <a:schemeClr val="accent1"/>
+          </a:effectRef>
+          <a:fontRef idx="minor">
+            <a:schemeClr val="lt1"/>
+          </a:fontRef>
+        </p:style>
+        <p:txBody>
+          <a:bodyPr rtlCol="0" anchor="ctr"/>
+          <a:p>
+            <a:pPr algn="ctr"/>
+            <a:endParaRPr lang="en-US"/>
+          </a:p>
+        </p:txBody>
+      </p:sp>
+      <p:sp>
+        <p:nvSpPr>
+          <p:cNvPr id="33" name="Rectangles 32"/>
+          <p:cNvSpPr/>
+          <p:nvPr/>
+        </p:nvSpPr>
+        <p:spPr>
+          <a:xfrm>
+            <a:off x="1691005" y="1433195"/>
+            <a:ext cx="138430" cy="980440"/>
+          </a:xfrm>
+          <a:prstGeom prst="rect">
+            <a:avLst/>
+          </a:prstGeom>
+          <a:solidFill>
+            <a:srgbClr val="FF0000"/>
+          </a:solidFill>
+        </p:spPr>
+        <p:style>
+          <a:lnRef idx="2">
+            <a:schemeClr val="accent1">
+              <a:shade val="50000"/>
+            </a:schemeClr>
+          </a:lnRef>
+          <a:fillRef idx="1">
+            <a:schemeClr val="accent1"/>
+          </a:fillRef>
+          <a:effectRef idx="0">
+            <a:schemeClr val="accent1"/>
+          </a:effectRef>
+          <a:fontRef idx="minor">
+            <a:schemeClr val="lt1"/>
+          </a:fontRef>
+        </p:style>
+        <p:txBody>
+          <a:bodyPr rtlCol="0" anchor="ctr"/>
+          <a:p>
+            <a:pPr algn="ctr"/>
+            <a:endParaRPr lang="en-US"/>
+          </a:p>
+        </p:txBody>
+      </p:sp>
+      <p:sp>
+        <p:nvSpPr>
+          <p:cNvPr id="34" name="Rectangles 33"/>
+          <p:cNvSpPr/>
+          <p:nvPr/>
+        </p:nvSpPr>
+        <p:spPr>
+          <a:xfrm>
+            <a:off x="1950720" y="1656715"/>
+            <a:ext cx="138430" cy="980440"/>
+          </a:xfrm>
+          <a:prstGeom prst="rect">
+            <a:avLst/>
+          </a:prstGeom>
+        </p:spPr>
+        <p:style>
+          <a:lnRef idx="2">
+            <a:schemeClr val="accent1">
+              <a:shade val="50000"/>
+            </a:schemeClr>
+          </a:lnRef>
+          <a:fillRef idx="1">
+            <a:schemeClr val="accent1"/>
+          </a:fillRef>
+          <a:effectRef idx="0">
+            <a:schemeClr val="accent1"/>
+          </a:effectRef>
+          <a:fontRef idx="minor">
+            <a:schemeClr val="lt1"/>
+          </a:fontRef>
+        </p:style>
+        <p:txBody>
+          <a:bodyPr rtlCol="0" anchor="ctr"/>
+          <a:p>
+            <a:pPr algn="ctr"/>
+            <a:endParaRPr lang="en-US"/>
+          </a:p>
+        </p:txBody>
+      </p:sp>
+      <p:sp>
+        <p:nvSpPr>
+          <p:cNvPr id="3" name="Rectangles 2"/>
+          <p:cNvSpPr/>
+          <p:nvPr/>
+        </p:nvSpPr>
+        <p:spPr>
+          <a:xfrm>
+            <a:off x="2210435" y="2053590"/>
+            <a:ext cx="138430" cy="980440"/>
+          </a:xfrm>
+          <a:prstGeom prst="rect">
+            <a:avLst/>
+          </a:prstGeom>
+        </p:spPr>
+        <p:style>
+          <a:lnRef idx="2">
+            <a:schemeClr val="accent1">
+              <a:shade val="50000"/>
+            </a:schemeClr>
+          </a:lnRef>
+          <a:fillRef idx="1">
+            <a:schemeClr val="accent1"/>
+          </a:fillRef>
+          <a:effectRef idx="0">
+            <a:schemeClr val="accent1"/>
+          </a:effectRef>
+          <a:fontRef idx="minor">
+            <a:schemeClr val="lt1"/>
+          </a:fontRef>
+        </p:style>
+        <p:txBody>
+          <a:bodyPr rtlCol="0" anchor="ctr"/>
+          <a:p>
+            <a:pPr algn="ctr"/>
+            <a:endParaRPr lang="en-US"/>
+          </a:p>
+        </p:txBody>
+      </p:sp>
+      <p:sp>
+        <p:nvSpPr>
+          <p:cNvPr id="6" name="Rectangles 5"/>
+          <p:cNvSpPr/>
+          <p:nvPr/>
+        </p:nvSpPr>
+        <p:spPr>
+          <a:xfrm>
+            <a:off x="2470150" y="2332355"/>
+            <a:ext cx="138430" cy="980440"/>
+          </a:xfrm>
+          <a:prstGeom prst="rect">
+            <a:avLst/>
+          </a:prstGeom>
+        </p:spPr>
+        <p:style>
+          <a:lnRef idx="2">
+            <a:schemeClr val="accent1">
+              <a:shade val="50000"/>
+            </a:schemeClr>
+          </a:lnRef>
+          <a:fillRef idx="1">
+            <a:schemeClr val="accent1"/>
+          </a:fillRef>
+          <a:effectRef idx="0">
+            <a:schemeClr val="accent1"/>
+          </a:effectRef>
+          <a:fontRef idx="minor">
+            <a:schemeClr val="lt1"/>
+          </a:fontRef>
+        </p:style>
+        <p:txBody>
+          <a:bodyPr rtlCol="0" anchor="ctr"/>
+          <a:p>
+            <a:pPr algn="ctr"/>
+            <a:endParaRPr lang="en-US"/>
+          </a:p>
+        </p:txBody>
+      </p:sp>
+      <p:sp>
+        <p:nvSpPr>
+          <p:cNvPr id="7" name="Rectangles 6"/>
+          <p:cNvSpPr/>
+          <p:nvPr/>
+        </p:nvSpPr>
+        <p:spPr>
+          <a:xfrm>
+            <a:off x="2729865" y="2053590"/>
+            <a:ext cx="138430" cy="980440"/>
+          </a:xfrm>
+          <a:prstGeom prst="rect">
+            <a:avLst/>
+          </a:prstGeom>
+        </p:spPr>
+        <p:style>
+          <a:lnRef idx="2">
+            <a:schemeClr val="accent1">
+              <a:shade val="50000"/>
+            </a:schemeClr>
+          </a:lnRef>
+          <a:fillRef idx="1">
+            <a:schemeClr val="accent1"/>
+          </a:fillRef>
+          <a:effectRef idx="0">
+            <a:schemeClr val="accent1"/>
+          </a:effectRef>
+          <a:fontRef idx="minor">
+            <a:schemeClr val="lt1"/>
+          </a:fontRef>
+        </p:style>
+        <p:txBody>
+          <a:bodyPr rtlCol="0" anchor="ctr"/>
+          <a:p>
+            <a:pPr algn="ctr"/>
+            <a:endParaRPr lang="en-US"/>
+          </a:p>
+        </p:txBody>
+      </p:sp>
+      <p:sp>
+        <p:nvSpPr>
+          <p:cNvPr id="9" name="Rectangles 8"/>
+          <p:cNvSpPr/>
+          <p:nvPr/>
+        </p:nvSpPr>
+        <p:spPr>
+          <a:xfrm>
+            <a:off x="2989580" y="1837690"/>
+            <a:ext cx="138430" cy="980440"/>
+          </a:xfrm>
+          <a:prstGeom prst="rect">
+            <a:avLst/>
+          </a:prstGeom>
+        </p:spPr>
+        <p:style>
+          <a:lnRef idx="2">
+            <a:schemeClr val="accent1">
+              <a:shade val="50000"/>
+            </a:schemeClr>
+          </a:lnRef>
+          <a:fillRef idx="1">
+            <a:schemeClr val="accent1"/>
+          </a:fillRef>
+          <a:effectRef idx="0">
+            <a:schemeClr val="accent1"/>
+          </a:effectRef>
+          <a:fontRef idx="minor">
+            <a:schemeClr val="lt1"/>
+          </a:fontRef>
+        </p:style>
+        <p:txBody>
+          <a:bodyPr rtlCol="0" anchor="ctr"/>
+          <a:p>
+            <a:pPr algn="ctr"/>
+            <a:endParaRPr lang="en-US"/>
+          </a:p>
+        </p:txBody>
+      </p:sp>
+      <p:sp>
+        <p:nvSpPr>
+          <p:cNvPr id="10" name="Rectangles 9"/>
+          <p:cNvSpPr/>
+          <p:nvPr/>
+        </p:nvSpPr>
+        <p:spPr>
+          <a:xfrm>
+            <a:off x="3249295" y="1351915"/>
+            <a:ext cx="138430" cy="980440"/>
+          </a:xfrm>
+          <a:prstGeom prst="rect">
+            <a:avLst/>
+          </a:prstGeom>
+        </p:spPr>
+        <p:style>
+          <a:lnRef idx="2">
+            <a:schemeClr val="accent1">
+              <a:shade val="50000"/>
+            </a:schemeClr>
+          </a:lnRef>
+          <a:fillRef idx="1">
+            <a:schemeClr val="accent1"/>
+          </a:fillRef>
+          <a:effectRef idx="0">
+            <a:schemeClr val="accent1"/>
+          </a:effectRef>
+          <a:fontRef idx="minor">
+            <a:schemeClr val="lt1"/>
+          </a:fontRef>
+        </p:style>
+        <p:txBody>
+          <a:bodyPr rtlCol="0" anchor="ctr"/>
+          <a:p>
+            <a:pPr algn="ctr"/>
+            <a:endParaRPr lang="en-US"/>
+          </a:p>
+        </p:txBody>
+      </p:sp>
+      <p:sp>
+        <p:nvSpPr>
+          <p:cNvPr id="11" name="Rectangles 10"/>
+          <p:cNvSpPr/>
+          <p:nvPr/>
+        </p:nvSpPr>
+        <p:spPr>
+          <a:xfrm>
+            <a:off x="3509010" y="1073150"/>
+            <a:ext cx="138430" cy="980440"/>
+          </a:xfrm>
+          <a:prstGeom prst="rect">
+            <a:avLst/>
+          </a:prstGeom>
+          <a:solidFill>
+            <a:srgbClr val="FF0000"/>
+          </a:solidFill>
+        </p:spPr>
+        <p:style>
+          <a:lnRef idx="2">
+            <a:schemeClr val="accent1">
+              <a:shade val="50000"/>
+            </a:schemeClr>
+          </a:lnRef>
+          <a:fillRef idx="1">
+            <a:schemeClr val="accent1"/>
+          </a:fillRef>
+          <a:effectRef idx="0">
+            <a:schemeClr val="accent1"/>
+          </a:effectRef>
+          <a:fontRef idx="minor">
+            <a:schemeClr val="lt1"/>
+          </a:fontRef>
+        </p:style>
+        <p:txBody>
+          <a:bodyPr rtlCol="0" anchor="ctr"/>
+          <a:p>
+            <a:pPr algn="ctr"/>
+            <a:endParaRPr lang="en-US"/>
+          </a:p>
+        </p:txBody>
+      </p:sp>
+      <p:sp>
+        <p:nvSpPr>
+          <p:cNvPr id="13" name="Rectangles 12"/>
+          <p:cNvSpPr/>
+          <p:nvPr/>
+        </p:nvSpPr>
+        <p:spPr>
+          <a:xfrm>
+            <a:off x="3768725" y="1351915"/>
+            <a:ext cx="138430" cy="980440"/>
+          </a:xfrm>
+          <a:prstGeom prst="rect">
+            <a:avLst/>
+          </a:prstGeom>
+        </p:spPr>
+        <p:style>
+          <a:lnRef idx="2">
+            <a:schemeClr val="accent1">
+              <a:shade val="50000"/>
+            </a:schemeClr>
+          </a:lnRef>
+          <a:fillRef idx="1">
+            <a:schemeClr val="accent1"/>
+          </a:fillRef>
+          <a:effectRef idx="0">
+            <a:schemeClr val="accent1"/>
+          </a:effectRef>
+          <a:fontRef idx="minor">
+            <a:schemeClr val="lt1"/>
+          </a:fontRef>
+        </p:style>
+        <p:txBody>
+          <a:bodyPr rtlCol="0" anchor="ctr"/>
+          <a:p>
+            <a:pPr algn="ctr"/>
+            <a:endParaRPr lang="en-US"/>
+          </a:p>
+        </p:txBody>
+      </p:sp>
+      <p:sp>
+        <p:nvSpPr>
+          <p:cNvPr id="14" name="Rectangles 13"/>
+          <p:cNvSpPr/>
+          <p:nvPr/>
+        </p:nvSpPr>
+        <p:spPr>
+          <a:xfrm>
+            <a:off x="4028440" y="1656715"/>
+            <a:ext cx="138430" cy="980440"/>
+          </a:xfrm>
+          <a:prstGeom prst="rect">
+            <a:avLst/>
+          </a:prstGeom>
+        </p:spPr>
+        <p:style>
+          <a:lnRef idx="2">
+            <a:schemeClr val="accent1">
+              <a:shade val="50000"/>
+            </a:schemeClr>
+          </a:lnRef>
+          <a:fillRef idx="1">
+            <a:schemeClr val="accent1"/>
+          </a:fillRef>
+          <a:effectRef idx="0">
+            <a:schemeClr val="accent1"/>
+          </a:effectRef>
+          <a:fontRef idx="minor">
+            <a:schemeClr val="lt1"/>
+          </a:fontRef>
+        </p:style>
+        <p:txBody>
+          <a:bodyPr rtlCol="0" anchor="ctr"/>
+          <a:p>
+            <a:pPr algn="ctr"/>
+            <a:endParaRPr lang="en-US"/>
+          </a:p>
+        </p:txBody>
+      </p:sp>
+      <p:sp>
+        <p:nvSpPr>
+          <p:cNvPr id="17" name="Rectangles 16"/>
+          <p:cNvSpPr/>
+          <p:nvPr/>
+        </p:nvSpPr>
+        <p:spPr>
+          <a:xfrm>
+            <a:off x="4288155" y="1351915"/>
+            <a:ext cx="138430" cy="980440"/>
+          </a:xfrm>
+          <a:prstGeom prst="rect">
+            <a:avLst/>
+          </a:prstGeom>
+        </p:spPr>
+        <p:style>
+          <a:lnRef idx="2">
+            <a:schemeClr val="accent1">
+              <a:shade val="50000"/>
+            </a:schemeClr>
+          </a:lnRef>
+          <a:fillRef idx="1">
+            <a:schemeClr val="accent1"/>
+          </a:fillRef>
+          <a:effectRef idx="0">
+            <a:schemeClr val="accent1"/>
+          </a:effectRef>
+          <a:fontRef idx="minor">
+            <a:schemeClr val="lt1"/>
+          </a:fontRef>
+        </p:style>
+        <p:txBody>
+          <a:bodyPr rtlCol="0" anchor="ctr"/>
+          <a:p>
+            <a:pPr algn="ctr"/>
+            <a:endParaRPr lang="en-US"/>
+          </a:p>
+        </p:txBody>
+      </p:sp>
+      <p:sp>
+        <p:nvSpPr>
+          <p:cNvPr id="18" name="Rectangles 17"/>
+          <p:cNvSpPr/>
+          <p:nvPr/>
+        </p:nvSpPr>
+        <p:spPr>
+          <a:xfrm>
+            <a:off x="4547870" y="979805"/>
+            <a:ext cx="138430" cy="980440"/>
+          </a:xfrm>
+          <a:prstGeom prst="rect">
+            <a:avLst/>
+          </a:prstGeom>
+        </p:spPr>
+        <p:style>
+          <a:lnRef idx="2">
+            <a:schemeClr val="accent1">
+              <a:shade val="50000"/>
+            </a:schemeClr>
+          </a:lnRef>
+          <a:fillRef idx="1">
+            <a:schemeClr val="accent1"/>
+          </a:fillRef>
+          <a:effectRef idx="0">
+            <a:schemeClr val="accent1"/>
+          </a:effectRef>
+          <a:fontRef idx="minor">
+            <a:schemeClr val="lt1"/>
+          </a:fontRef>
+        </p:style>
+        <p:txBody>
+          <a:bodyPr rtlCol="0" anchor="ctr"/>
+          <a:p>
+            <a:pPr algn="ctr"/>
+            <a:endParaRPr lang="en-US"/>
+          </a:p>
+        </p:txBody>
+      </p:sp>
+      <p:sp>
+        <p:nvSpPr>
+          <p:cNvPr id="19" name="Rectangles 18"/>
+          <p:cNvSpPr/>
+          <p:nvPr/>
+        </p:nvSpPr>
+        <p:spPr>
+          <a:xfrm>
+            <a:off x="4807585" y="593725"/>
+            <a:ext cx="138430" cy="980440"/>
+          </a:xfrm>
+          <a:prstGeom prst="rect">
+            <a:avLst/>
+          </a:prstGeom>
+        </p:spPr>
+        <p:style>
+          <a:lnRef idx="2">
+            <a:schemeClr val="accent1">
+              <a:shade val="50000"/>
+            </a:schemeClr>
+          </a:lnRef>
+          <a:fillRef idx="1">
+            <a:schemeClr val="accent1"/>
+          </a:fillRef>
+          <a:effectRef idx="0">
+            <a:schemeClr val="accent1"/>
+          </a:effectRef>
+          <a:fontRef idx="minor">
+            <a:schemeClr val="lt1"/>
+          </a:fontRef>
+        </p:style>
+        <p:txBody>
+          <a:bodyPr rtlCol="0" anchor="ctr"/>
+          <a:p>
+            <a:pPr algn="ctr"/>
+            <a:endParaRPr lang="en-US"/>
+          </a:p>
+        </p:txBody>
+      </p:sp>
+      <p:sp>
+        <p:nvSpPr>
+          <p:cNvPr id="20" name="Rectangles 19"/>
+          <p:cNvSpPr/>
+          <p:nvPr/>
+        </p:nvSpPr>
+        <p:spPr>
+          <a:xfrm>
+            <a:off x="5067300" y="164465"/>
+            <a:ext cx="138430" cy="980440"/>
+          </a:xfrm>
+          <a:prstGeom prst="rect">
+            <a:avLst/>
+          </a:prstGeom>
+          <a:solidFill>
+            <a:srgbClr val="FF0000"/>
+          </a:solidFill>
+        </p:spPr>
+        <p:style>
+          <a:lnRef idx="2">
+            <a:schemeClr val="accent1">
+              <a:shade val="50000"/>
+            </a:schemeClr>
+          </a:lnRef>
+          <a:fillRef idx="1">
+            <a:schemeClr val="accent1"/>
+          </a:fillRef>
+          <a:effectRef idx="0">
+            <a:schemeClr val="accent1"/>
+          </a:effectRef>
+          <a:fontRef idx="minor">
+            <a:schemeClr val="lt1"/>
+          </a:fontRef>
+        </p:style>
+        <p:txBody>
+          <a:bodyPr rtlCol="0" anchor="ctr"/>
+          <a:p>
+            <a:pPr algn="ctr"/>
+            <a:endParaRPr lang="en-US"/>
+          </a:p>
+        </p:txBody>
+      </p:sp>
+      <p:sp>
+        <p:nvSpPr>
+          <p:cNvPr id="23" name="Rectangles 22"/>
+          <p:cNvSpPr/>
+          <p:nvPr/>
+        </p:nvSpPr>
+        <p:spPr>
+          <a:xfrm>
+            <a:off x="5327015" y="593725"/>
+            <a:ext cx="138430" cy="980440"/>
+          </a:xfrm>
+          <a:prstGeom prst="rect">
+            <a:avLst/>
+          </a:prstGeom>
+        </p:spPr>
+        <p:style>
+          <a:lnRef idx="2">
+            <a:schemeClr val="accent1">
+              <a:shade val="50000"/>
+            </a:schemeClr>
+          </a:lnRef>
+          <a:fillRef idx="1">
+            <a:schemeClr val="accent1"/>
+          </a:fillRef>
+          <a:effectRef idx="0">
+            <a:schemeClr val="accent1"/>
+          </a:effectRef>
+          <a:fontRef idx="minor">
+            <a:schemeClr val="lt1"/>
+          </a:fontRef>
+        </p:style>
+        <p:txBody>
+          <a:bodyPr rtlCol="0" anchor="ctr"/>
+          <a:p>
+            <a:pPr algn="ctr"/>
+            <a:endParaRPr lang="en-US"/>
+          </a:p>
+        </p:txBody>
+      </p:sp>
+      <p:sp>
+        <p:nvSpPr>
+          <p:cNvPr id="24" name="Rectangles 23"/>
+          <p:cNvSpPr/>
+          <p:nvPr/>
+        </p:nvSpPr>
+        <p:spPr>
+          <a:xfrm>
+            <a:off x="5586730" y="979805"/>
+            <a:ext cx="138430" cy="980440"/>
+          </a:xfrm>
+          <a:prstGeom prst="rect">
+            <a:avLst/>
+          </a:prstGeom>
+        </p:spPr>
+        <p:style>
+          <a:lnRef idx="2">
+            <a:schemeClr val="accent1">
+              <a:shade val="50000"/>
+            </a:schemeClr>
+          </a:lnRef>
+          <a:fillRef idx="1">
+            <a:schemeClr val="accent1"/>
+          </a:fillRef>
+          <a:effectRef idx="0">
+            <a:schemeClr val="accent1"/>
+          </a:effectRef>
+          <a:fontRef idx="minor">
+            <a:schemeClr val="lt1"/>
+          </a:fontRef>
+        </p:style>
+        <p:txBody>
+          <a:bodyPr rtlCol="0" anchor="ctr"/>
+          <a:p>
+            <a:pPr algn="ctr"/>
+            <a:endParaRPr lang="en-US"/>
+          </a:p>
+        </p:txBody>
+      </p:sp>
+      <p:sp>
+        <p:nvSpPr>
+          <p:cNvPr id="25" name="Rectangles 24"/>
+          <p:cNvSpPr/>
+          <p:nvPr/>
+        </p:nvSpPr>
+        <p:spPr>
+          <a:xfrm>
+            <a:off x="5846445" y="1351915"/>
+            <a:ext cx="138430" cy="980440"/>
+          </a:xfrm>
+          <a:prstGeom prst="rect">
+            <a:avLst/>
+          </a:prstGeom>
+        </p:spPr>
+        <p:style>
+          <a:lnRef idx="2">
+            <a:schemeClr val="accent1">
+              <a:shade val="50000"/>
+            </a:schemeClr>
+          </a:lnRef>
+          <a:fillRef idx="1">
+            <a:schemeClr val="accent1"/>
+          </a:fillRef>
+          <a:effectRef idx="0">
+            <a:schemeClr val="accent1"/>
+          </a:effectRef>
+          <a:fontRef idx="minor">
+            <a:schemeClr val="lt1"/>
+          </a:fontRef>
+        </p:style>
+        <p:txBody>
+          <a:bodyPr rtlCol="0" anchor="ctr"/>
+          <a:p>
+            <a:pPr algn="ctr"/>
+            <a:endParaRPr lang="en-US"/>
+          </a:p>
+        </p:txBody>
+      </p:sp>
+      <p:sp>
+        <p:nvSpPr>
+          <p:cNvPr id="29" name="Rectangles 28"/>
+          <p:cNvSpPr/>
+          <p:nvPr/>
+        </p:nvSpPr>
+        <p:spPr>
+          <a:xfrm>
+            <a:off x="6106160" y="1762125"/>
+            <a:ext cx="138430" cy="980440"/>
+          </a:xfrm>
+          <a:prstGeom prst="rect">
+            <a:avLst/>
+          </a:prstGeom>
+        </p:spPr>
+        <p:style>
+          <a:lnRef idx="2">
+            <a:schemeClr val="accent1">
+              <a:shade val="50000"/>
+            </a:schemeClr>
+          </a:lnRef>
+          <a:fillRef idx="1">
+            <a:schemeClr val="accent1"/>
+          </a:fillRef>
+          <a:effectRef idx="0">
+            <a:schemeClr val="accent1"/>
+          </a:effectRef>
+          <a:fontRef idx="minor">
+            <a:schemeClr val="lt1"/>
+          </a:fontRef>
+        </p:style>
+        <p:txBody>
+          <a:bodyPr rtlCol="0" anchor="ctr"/>
+          <a:p>
+            <a:pPr algn="ctr"/>
+            <a:endParaRPr lang="en-US"/>
+          </a:p>
+        </p:txBody>
+      </p:sp>
+      <p:sp>
+        <p:nvSpPr>
+          <p:cNvPr id="36" name="Rectangles 35"/>
+          <p:cNvSpPr/>
+          <p:nvPr/>
+        </p:nvSpPr>
+        <p:spPr>
+          <a:xfrm>
+            <a:off x="6365875" y="2053590"/>
+            <a:ext cx="138430" cy="980440"/>
+          </a:xfrm>
+          <a:prstGeom prst="rect">
+            <a:avLst/>
+          </a:prstGeom>
+          <a:solidFill>
+            <a:srgbClr val="00B050"/>
+          </a:solidFill>
+          <a:ln>
+            <a:solidFill>
+              <a:schemeClr val="accent1"/>
+            </a:solidFill>
+          </a:ln>
+        </p:spPr>
+        <p:style>
+          <a:lnRef idx="2">
+            <a:schemeClr val="accent1">
+              <a:shade val="50000"/>
+            </a:schemeClr>
+          </a:lnRef>
+          <a:fillRef idx="1">
+            <a:schemeClr val="accent1"/>
+          </a:fillRef>
+          <a:effectRef idx="0">
+            <a:schemeClr val="accent1"/>
+          </a:effectRef>
+          <a:fontRef idx="minor">
+            <a:schemeClr val="lt1"/>
+          </a:fontRef>
+        </p:style>
+        <p:txBody>
+          <a:bodyPr rtlCol="0" anchor="ctr"/>
+          <a:p>
+            <a:pPr algn="ctr"/>
+            <a:endParaRPr lang="en-US"/>
+          </a:p>
+        </p:txBody>
+      </p:sp>
+      <p:sp>
+        <p:nvSpPr>
+          <p:cNvPr id="37" name="Rectangles 36"/>
+          <p:cNvSpPr/>
+          <p:nvPr/>
+        </p:nvSpPr>
+        <p:spPr>
+          <a:xfrm>
+            <a:off x="6625590" y="1762125"/>
+            <a:ext cx="138430" cy="980440"/>
+          </a:xfrm>
+          <a:prstGeom prst="rect">
+            <a:avLst/>
+          </a:prstGeom>
+        </p:spPr>
+        <p:style>
+          <a:lnRef idx="2">
+            <a:schemeClr val="accent1">
+              <a:shade val="50000"/>
+            </a:schemeClr>
+          </a:lnRef>
+          <a:fillRef idx="1">
+            <a:schemeClr val="accent1"/>
+          </a:fillRef>
+          <a:effectRef idx="0">
+            <a:schemeClr val="accent1"/>
+          </a:effectRef>
+          <a:fontRef idx="minor">
+            <a:schemeClr val="lt1"/>
+          </a:fontRef>
+        </p:style>
+        <p:txBody>
+          <a:bodyPr rtlCol="0" anchor="ctr"/>
+          <a:p>
+            <a:pPr algn="ctr"/>
+            <a:endParaRPr lang="en-US"/>
+          </a:p>
+        </p:txBody>
+      </p:sp>
+      <p:sp>
+        <p:nvSpPr>
+          <p:cNvPr id="38" name="Rectangles 37"/>
+          <p:cNvSpPr/>
+          <p:nvPr/>
+        </p:nvSpPr>
+        <p:spPr>
+          <a:xfrm>
+            <a:off x="6885305" y="1574165"/>
+            <a:ext cx="138430" cy="980440"/>
+          </a:xfrm>
+          <a:prstGeom prst="rect">
+            <a:avLst/>
+          </a:prstGeom>
+        </p:spPr>
+        <p:style>
+          <a:lnRef idx="2">
+            <a:schemeClr val="accent1">
+              <a:shade val="50000"/>
+            </a:schemeClr>
+          </a:lnRef>
+          <a:fillRef idx="1">
+            <a:schemeClr val="accent1"/>
+          </a:fillRef>
+          <a:effectRef idx="0">
+            <a:schemeClr val="accent1"/>
+          </a:effectRef>
+          <a:fontRef idx="minor">
+            <a:schemeClr val="lt1"/>
+          </a:fontRef>
+        </p:style>
+        <p:txBody>
+          <a:bodyPr rtlCol="0" anchor="ctr"/>
+          <a:p>
+            <a:pPr algn="ctr"/>
+            <a:endParaRPr lang="en-US"/>
+          </a:p>
+        </p:txBody>
+      </p:sp>
+      <p:sp>
+        <p:nvSpPr>
+          <p:cNvPr id="39" name="Rectangles 38"/>
+          <p:cNvSpPr/>
+          <p:nvPr/>
+        </p:nvSpPr>
+        <p:spPr>
+          <a:xfrm>
+            <a:off x="7145020" y="1762125"/>
+            <a:ext cx="138430" cy="980440"/>
+          </a:xfrm>
+          <a:prstGeom prst="rect">
+            <a:avLst/>
+          </a:prstGeom>
+        </p:spPr>
+        <p:style>
+          <a:lnRef idx="2">
+            <a:schemeClr val="accent1">
+              <a:shade val="50000"/>
+            </a:schemeClr>
+          </a:lnRef>
+          <a:fillRef idx="1">
+            <a:schemeClr val="accent1"/>
+          </a:fillRef>
+          <a:effectRef idx="0">
+            <a:schemeClr val="accent1"/>
+          </a:effectRef>
+          <a:fontRef idx="minor">
+            <a:schemeClr val="lt1"/>
+          </a:fontRef>
+        </p:style>
+        <p:txBody>
+          <a:bodyPr rtlCol="0" anchor="ctr"/>
+          <a:p>
+            <a:pPr algn="ctr"/>
+            <a:endParaRPr lang="en-US"/>
+          </a:p>
+        </p:txBody>
+      </p:sp>
+      <p:sp>
+        <p:nvSpPr>
+          <p:cNvPr id="40" name="Rectangles 39"/>
+          <p:cNvSpPr/>
+          <p:nvPr/>
+        </p:nvSpPr>
+        <p:spPr>
+          <a:xfrm>
+            <a:off x="7404735" y="2053590"/>
+            <a:ext cx="138430" cy="980440"/>
+          </a:xfrm>
+          <a:prstGeom prst="rect">
+            <a:avLst/>
+          </a:prstGeom>
+        </p:spPr>
+        <p:style>
+          <a:lnRef idx="2">
+            <a:schemeClr val="accent1">
+              <a:shade val="50000"/>
+            </a:schemeClr>
+          </a:lnRef>
+          <a:fillRef idx="1">
+            <a:schemeClr val="accent1"/>
+          </a:fillRef>
+          <a:effectRef idx="0">
+            <a:schemeClr val="accent1"/>
+          </a:effectRef>
+          <a:fontRef idx="minor">
+            <a:schemeClr val="lt1"/>
+          </a:fontRef>
+        </p:style>
+        <p:txBody>
+          <a:bodyPr rtlCol="0" anchor="ctr"/>
+          <a:p>
+            <a:pPr algn="ctr"/>
+            <a:endParaRPr lang="en-US"/>
+          </a:p>
+        </p:txBody>
+      </p:sp>
+      <p:sp>
+        <p:nvSpPr>
+          <p:cNvPr id="41" name="Rectangles 40"/>
+          <p:cNvSpPr/>
+          <p:nvPr/>
+        </p:nvSpPr>
+        <p:spPr>
+          <a:xfrm>
+            <a:off x="7664450" y="2413635"/>
+            <a:ext cx="138430" cy="980440"/>
+          </a:xfrm>
+          <a:prstGeom prst="rect">
+            <a:avLst/>
+          </a:prstGeom>
+        </p:spPr>
+        <p:style>
+          <a:lnRef idx="2">
+            <a:schemeClr val="accent1">
+              <a:shade val="50000"/>
+            </a:schemeClr>
+          </a:lnRef>
+          <a:fillRef idx="1">
+            <a:schemeClr val="accent1"/>
+          </a:fillRef>
+          <a:effectRef idx="0">
+            <a:schemeClr val="accent1"/>
+          </a:effectRef>
+          <a:fontRef idx="minor">
+            <a:schemeClr val="lt1"/>
+          </a:fontRef>
+        </p:style>
+        <p:txBody>
+          <a:bodyPr rtlCol="0" anchor="ctr"/>
+          <a:p>
+            <a:pPr algn="ctr"/>
+            <a:endParaRPr lang="en-US"/>
+          </a:p>
+        </p:txBody>
+      </p:sp>
+      <p:sp>
+        <p:nvSpPr>
+          <p:cNvPr id="42" name="Rectangles 41"/>
+          <p:cNvSpPr/>
+          <p:nvPr/>
+        </p:nvSpPr>
+        <p:spPr>
+          <a:xfrm>
+            <a:off x="7924165" y="2742565"/>
+            <a:ext cx="138430" cy="980440"/>
+          </a:xfrm>
+          <a:prstGeom prst="rect">
+            <a:avLst/>
+          </a:prstGeom>
+        </p:spPr>
+        <p:style>
+          <a:lnRef idx="2">
+            <a:schemeClr val="accent1">
+              <a:shade val="50000"/>
+            </a:schemeClr>
+          </a:lnRef>
+          <a:fillRef idx="1">
+            <a:schemeClr val="accent1"/>
+          </a:fillRef>
+          <a:effectRef idx="0">
+            <a:schemeClr val="accent1"/>
+          </a:effectRef>
+          <a:fontRef idx="minor">
+            <a:schemeClr val="lt1"/>
+          </a:fontRef>
+        </p:style>
+        <p:txBody>
+          <a:bodyPr rtlCol="0" anchor="ctr"/>
+          <a:p>
+            <a:pPr algn="ctr"/>
+            <a:endParaRPr lang="en-US"/>
+          </a:p>
+        </p:txBody>
+      </p:sp>
+      <p:sp>
+        <p:nvSpPr>
+          <p:cNvPr id="43" name="Rectangles 42"/>
+          <p:cNvSpPr/>
+          <p:nvPr/>
+        </p:nvSpPr>
+        <p:spPr>
+          <a:xfrm>
+            <a:off x="8183880" y="3124835"/>
+            <a:ext cx="138430" cy="980440"/>
+          </a:xfrm>
+          <a:prstGeom prst="rect">
+            <a:avLst/>
+          </a:prstGeom>
+          <a:solidFill>
+            <a:srgbClr val="00B050"/>
+          </a:solidFill>
+        </p:spPr>
+        <p:style>
+          <a:lnRef idx="2">
+            <a:schemeClr val="accent1">
+              <a:shade val="50000"/>
+            </a:schemeClr>
+          </a:lnRef>
+          <a:fillRef idx="1">
+            <a:schemeClr val="accent1"/>
+          </a:fillRef>
+          <a:effectRef idx="0">
+            <a:schemeClr val="accent1"/>
+          </a:effectRef>
+          <a:fontRef idx="minor">
+            <a:schemeClr val="lt1"/>
+          </a:fontRef>
+        </p:style>
+        <p:txBody>
+          <a:bodyPr rtlCol="0" anchor="ctr"/>
+          <a:p>
+            <a:pPr algn="ctr"/>
+            <a:endParaRPr lang="en-US"/>
+          </a:p>
+        </p:txBody>
+      </p:sp>
+      <p:sp>
+        <p:nvSpPr>
+          <p:cNvPr id="44" name="Rectangles 43"/>
+          <p:cNvSpPr/>
+          <p:nvPr/>
+        </p:nvSpPr>
+        <p:spPr>
+          <a:xfrm>
+            <a:off x="8443595" y="2818130"/>
+            <a:ext cx="138430" cy="980440"/>
+          </a:xfrm>
+          <a:prstGeom prst="rect">
+            <a:avLst/>
+          </a:prstGeom>
+        </p:spPr>
+        <p:style>
+          <a:lnRef idx="2">
+            <a:schemeClr val="accent1">
+              <a:shade val="50000"/>
+            </a:schemeClr>
+          </a:lnRef>
+          <a:fillRef idx="1">
+            <a:schemeClr val="accent1"/>
+          </a:fillRef>
+          <a:effectRef idx="0">
+            <a:schemeClr val="accent1"/>
+          </a:effectRef>
+          <a:fontRef idx="minor">
+            <a:schemeClr val="lt1"/>
+          </a:fontRef>
+        </p:style>
+        <p:txBody>
+          <a:bodyPr rtlCol="0" anchor="ctr"/>
+          <a:p>
+            <a:pPr algn="ctr"/>
+            <a:endParaRPr lang="en-US"/>
+          </a:p>
+        </p:txBody>
+      </p:sp>
+      <p:sp>
+        <p:nvSpPr>
+          <p:cNvPr id="45" name="Rectangles 44"/>
+          <p:cNvSpPr/>
+          <p:nvPr/>
+        </p:nvSpPr>
+        <p:spPr>
+          <a:xfrm>
+            <a:off x="8703310" y="2450465"/>
+            <a:ext cx="138430" cy="980440"/>
+          </a:xfrm>
+          <a:prstGeom prst="rect">
+            <a:avLst/>
+          </a:prstGeom>
+        </p:spPr>
+        <p:style>
+          <a:lnRef idx="2">
+            <a:schemeClr val="accent1">
+              <a:shade val="50000"/>
+            </a:schemeClr>
+          </a:lnRef>
+          <a:fillRef idx="1">
+            <a:schemeClr val="accent1"/>
+          </a:fillRef>
+          <a:effectRef idx="0">
+            <a:schemeClr val="accent1"/>
+          </a:effectRef>
+          <a:fontRef idx="minor">
+            <a:schemeClr val="lt1"/>
+          </a:fontRef>
+        </p:style>
+        <p:txBody>
+          <a:bodyPr rtlCol="0" anchor="ctr"/>
+          <a:p>
+            <a:pPr algn="ctr"/>
+            <a:endParaRPr lang="en-US"/>
+          </a:p>
+        </p:txBody>
+      </p:sp>
+      <p:sp>
+        <p:nvSpPr>
+          <p:cNvPr id="46" name="Rectangles 45"/>
+          <p:cNvSpPr/>
+          <p:nvPr/>
+        </p:nvSpPr>
+        <p:spPr>
+          <a:xfrm>
+            <a:off x="8963025" y="2818765"/>
+            <a:ext cx="138430" cy="980440"/>
+          </a:xfrm>
+          <a:prstGeom prst="rect">
+            <a:avLst/>
+          </a:prstGeom>
+        </p:spPr>
+        <p:style>
+          <a:lnRef idx="2">
+            <a:schemeClr val="accent1">
+              <a:shade val="50000"/>
+            </a:schemeClr>
+          </a:lnRef>
+          <a:fillRef idx="1">
+            <a:schemeClr val="accent1"/>
+          </a:fillRef>
+          <a:effectRef idx="0">
+            <a:schemeClr val="accent1"/>
+          </a:effectRef>
+          <a:fontRef idx="minor">
+            <a:schemeClr val="lt1"/>
+          </a:fontRef>
+        </p:style>
+        <p:txBody>
+          <a:bodyPr rtlCol="0" anchor="ctr"/>
+          <a:p>
+            <a:pPr algn="ctr"/>
+            <a:endParaRPr lang="en-US"/>
+          </a:p>
+        </p:txBody>
+      </p:sp>
+      <p:sp>
+        <p:nvSpPr>
+          <p:cNvPr id="47" name="Rectangles 46"/>
+          <p:cNvSpPr/>
+          <p:nvPr/>
+        </p:nvSpPr>
+        <p:spPr>
+          <a:xfrm>
+            <a:off x="9222740" y="3124835"/>
+            <a:ext cx="138430" cy="980440"/>
+          </a:xfrm>
+          <a:prstGeom prst="rect">
+            <a:avLst/>
+          </a:prstGeom>
+        </p:spPr>
+        <p:style>
+          <a:lnRef idx="2">
+            <a:schemeClr val="accent1">
+              <a:shade val="50000"/>
+            </a:schemeClr>
+          </a:lnRef>
+          <a:fillRef idx="1">
+            <a:schemeClr val="accent1"/>
+          </a:fillRef>
+          <a:effectRef idx="0">
+            <a:schemeClr val="accent1"/>
+          </a:effectRef>
+          <a:fontRef idx="minor">
+            <a:schemeClr val="lt1"/>
+          </a:fontRef>
+        </p:style>
+        <p:txBody>
+          <a:bodyPr rtlCol="0" anchor="ctr"/>
+          <a:p>
+            <a:pPr algn="ctr"/>
+            <a:endParaRPr lang="en-US"/>
+          </a:p>
+        </p:txBody>
+      </p:sp>
+      <p:sp>
+        <p:nvSpPr>
+          <p:cNvPr id="48" name="Rectangles 47"/>
+          <p:cNvSpPr/>
+          <p:nvPr/>
+        </p:nvSpPr>
+        <p:spPr>
+          <a:xfrm>
+            <a:off x="9482455" y="3394075"/>
+            <a:ext cx="138430" cy="980440"/>
+          </a:xfrm>
+          <a:prstGeom prst="rect">
+            <a:avLst/>
+          </a:prstGeom>
+        </p:spPr>
+        <p:style>
+          <a:lnRef idx="2">
+            <a:schemeClr val="accent1">
+              <a:shade val="50000"/>
+            </a:schemeClr>
+          </a:lnRef>
+          <a:fillRef idx="1">
+            <a:schemeClr val="accent1"/>
+          </a:fillRef>
+          <a:effectRef idx="0">
+            <a:schemeClr val="accent1"/>
+          </a:effectRef>
+          <a:fontRef idx="minor">
+            <a:schemeClr val="lt1"/>
+          </a:fontRef>
+        </p:style>
+        <p:txBody>
+          <a:bodyPr rtlCol="0" anchor="ctr"/>
+          <a:p>
+            <a:pPr algn="ctr"/>
+            <a:endParaRPr lang="en-US"/>
+          </a:p>
+        </p:txBody>
+      </p:sp>
+      <p:sp>
+        <p:nvSpPr>
+          <p:cNvPr id="49" name="Rectangles 48"/>
+          <p:cNvSpPr/>
+          <p:nvPr/>
+        </p:nvSpPr>
+        <p:spPr>
+          <a:xfrm>
+            <a:off x="9742170" y="3723005"/>
+            <a:ext cx="138430" cy="980440"/>
+          </a:xfrm>
+          <a:prstGeom prst="rect">
+            <a:avLst/>
+          </a:prstGeom>
+        </p:spPr>
+        <p:style>
+          <a:lnRef idx="2">
+            <a:schemeClr val="accent1">
+              <a:shade val="50000"/>
+            </a:schemeClr>
+          </a:lnRef>
+          <a:fillRef idx="1">
+            <a:schemeClr val="accent1"/>
+          </a:fillRef>
+          <a:effectRef idx="0">
+            <a:schemeClr val="accent1"/>
+          </a:effectRef>
+          <a:fontRef idx="minor">
+            <a:schemeClr val="lt1"/>
+          </a:fontRef>
+        </p:style>
+        <p:txBody>
+          <a:bodyPr rtlCol="0" anchor="ctr"/>
+          <a:p>
+            <a:pPr algn="ctr"/>
+            <a:endParaRPr lang="en-US"/>
+          </a:p>
+        </p:txBody>
+      </p:sp>
+      <p:sp>
+        <p:nvSpPr>
+          <p:cNvPr id="50" name="Rectangles 49"/>
+          <p:cNvSpPr/>
+          <p:nvPr/>
+        </p:nvSpPr>
+        <p:spPr>
+          <a:xfrm>
+            <a:off x="10001885" y="4036060"/>
+            <a:ext cx="138430" cy="980440"/>
+          </a:xfrm>
+          <a:prstGeom prst="rect">
+            <a:avLst/>
+          </a:prstGeom>
+        </p:spPr>
+        <p:style>
+          <a:lnRef idx="2">
+            <a:schemeClr val="accent1">
+              <a:shade val="50000"/>
+            </a:schemeClr>
+          </a:lnRef>
+          <a:fillRef idx="1">
+            <a:schemeClr val="accent1"/>
+          </a:fillRef>
+          <a:effectRef idx="0">
+            <a:schemeClr val="accent1"/>
+          </a:effectRef>
+          <a:fontRef idx="minor">
+            <a:schemeClr val="lt1"/>
+          </a:fontRef>
+        </p:style>
+        <p:txBody>
+          <a:bodyPr rtlCol="0" anchor="ctr"/>
+          <a:p>
+            <a:pPr algn="ctr"/>
+            <a:endParaRPr lang="en-US"/>
+          </a:p>
+        </p:txBody>
+      </p:sp>
+      <p:sp>
+        <p:nvSpPr>
+          <p:cNvPr id="51" name="Rectangles 50"/>
+          <p:cNvSpPr/>
+          <p:nvPr/>
+        </p:nvSpPr>
+        <p:spPr>
+          <a:xfrm>
+            <a:off x="10261600" y="4374515"/>
+            <a:ext cx="138430" cy="980440"/>
+          </a:xfrm>
+          <a:prstGeom prst="rect">
+            <a:avLst/>
+          </a:prstGeom>
+          <a:solidFill>
+            <a:srgbClr val="00B050"/>
+          </a:solidFill>
+        </p:spPr>
+        <p:style>
+          <a:lnRef idx="2">
+            <a:schemeClr val="accent1">
+              <a:shade val="50000"/>
+            </a:schemeClr>
+          </a:lnRef>
+          <a:fillRef idx="1">
+            <a:schemeClr val="accent1"/>
+          </a:fillRef>
+          <a:effectRef idx="0">
+            <a:schemeClr val="accent1"/>
+          </a:effectRef>
+          <a:fontRef idx="minor">
+            <a:schemeClr val="lt1"/>
+          </a:fontRef>
+        </p:style>
+        <p:txBody>
+          <a:bodyPr rtlCol="0" anchor="ctr"/>
+          <a:p>
+            <a:pPr algn="ctr"/>
+            <a:endParaRPr lang="en-US"/>
+          </a:p>
+        </p:txBody>
+      </p:sp>
+      <p:sp>
+        <p:nvSpPr>
+          <p:cNvPr id="52" name="Rectangles 51"/>
+          <p:cNvSpPr/>
+          <p:nvPr/>
+        </p:nvSpPr>
+        <p:spPr>
+          <a:xfrm>
+            <a:off x="10521315" y="4036060"/>
+            <a:ext cx="138430" cy="980440"/>
+          </a:xfrm>
+          <a:prstGeom prst="rect">
+            <a:avLst/>
+          </a:prstGeom>
+        </p:spPr>
+        <p:style>
+          <a:lnRef idx="2">
+            <a:schemeClr val="accent1">
+              <a:shade val="50000"/>
+            </a:schemeClr>
+          </a:lnRef>
+          <a:fillRef idx="1">
+            <a:schemeClr val="accent1"/>
+          </a:fillRef>
+          <a:effectRef idx="0">
+            <a:schemeClr val="accent1"/>
+          </a:effectRef>
+          <a:fontRef idx="minor">
+            <a:schemeClr val="lt1"/>
+          </a:fontRef>
+        </p:style>
+        <p:txBody>
+          <a:bodyPr rtlCol="0" anchor="ctr"/>
+          <a:p>
+            <a:pPr algn="ctr"/>
+            <a:endParaRPr lang="en-US"/>
+          </a:p>
+        </p:txBody>
+      </p:sp>
+      <p:sp>
+        <p:nvSpPr>
+          <p:cNvPr id="53" name="Multiply 52"/>
+          <p:cNvSpPr/>
+          <p:nvPr/>
+        </p:nvSpPr>
+        <p:spPr>
+          <a:xfrm>
+            <a:off x="1553845" y="1036320"/>
+            <a:ext cx="482600" cy="396875"/>
+          </a:xfrm>
+          <a:prstGeom prst="mathMultiply">
+            <a:avLst/>
+          </a:prstGeom>
+          <a:solidFill>
+            <a:srgbClr val="FF8D41"/>
+          </a:solidFill>
+        </p:spPr>
+        <p:style>
+          <a:lnRef idx="2">
+            <a:schemeClr val="accent1">
+              <a:shade val="50000"/>
+            </a:schemeClr>
+          </a:lnRef>
+          <a:fillRef idx="1">
+            <a:schemeClr val="accent1"/>
+          </a:fillRef>
+          <a:effectRef idx="0">
+            <a:schemeClr val="accent1"/>
+          </a:effectRef>
+          <a:fontRef idx="minor">
+            <a:schemeClr val="lt1"/>
+          </a:fontRef>
+        </p:style>
+        <p:txBody>
+          <a:bodyPr rtlCol="0" anchor="ctr"/>
+          <a:p>
+            <a:pPr algn="ctr"/>
+            <a:endParaRPr lang="en-US"/>
+          </a:p>
+        </p:txBody>
+      </p:sp>
+      <p:sp>
+        <p:nvSpPr>
+          <p:cNvPr id="54" name="Multiply 53"/>
+          <p:cNvSpPr/>
+          <p:nvPr/>
+        </p:nvSpPr>
+        <p:spPr>
+          <a:xfrm>
+            <a:off x="3364230" y="748030"/>
+            <a:ext cx="482600" cy="396875"/>
+          </a:xfrm>
+          <a:prstGeom prst="mathMultiply">
+            <a:avLst/>
+          </a:prstGeom>
+          <a:solidFill>
+            <a:srgbClr val="FF8D41"/>
+          </a:solidFill>
+        </p:spPr>
+        <p:style>
+          <a:lnRef idx="2">
+            <a:schemeClr val="accent1">
+              <a:shade val="50000"/>
+            </a:schemeClr>
+          </a:lnRef>
+          <a:fillRef idx="1">
+            <a:schemeClr val="accent1"/>
+          </a:fillRef>
+          <a:effectRef idx="0">
+            <a:schemeClr val="accent1"/>
+          </a:effectRef>
+          <a:fontRef idx="minor">
+            <a:schemeClr val="lt1"/>
+          </a:fontRef>
+        </p:style>
+        <p:txBody>
+          <a:bodyPr rtlCol="0" anchor="ctr"/>
+          <a:p>
+            <a:pPr algn="ctr"/>
+            <a:endParaRPr lang="en-US"/>
+          </a:p>
+        </p:txBody>
+      </p:sp>
+      <p:sp>
+        <p:nvSpPr>
+          <p:cNvPr id="55" name="Multiply 54"/>
+          <p:cNvSpPr/>
+          <p:nvPr/>
+        </p:nvSpPr>
+        <p:spPr>
+          <a:xfrm>
+            <a:off x="6193790" y="2997200"/>
+            <a:ext cx="482600" cy="396875"/>
+          </a:xfrm>
+          <a:prstGeom prst="mathMultiply">
+            <a:avLst/>
+          </a:prstGeom>
+          <a:solidFill>
+            <a:srgbClr val="FF8D41"/>
+          </a:solidFill>
+        </p:spPr>
+        <p:style>
+          <a:lnRef idx="2">
+            <a:schemeClr val="accent1">
+              <a:shade val="50000"/>
+            </a:schemeClr>
+          </a:lnRef>
+          <a:fillRef idx="1">
+            <a:schemeClr val="accent1"/>
+          </a:fillRef>
+          <a:effectRef idx="0">
+            <a:schemeClr val="accent1"/>
+          </a:effectRef>
+          <a:fontRef idx="minor">
+            <a:schemeClr val="lt1"/>
+          </a:fontRef>
+        </p:style>
+        <p:txBody>
+          <a:bodyPr rtlCol="0" anchor="ctr"/>
+          <a:p>
+            <a:pPr algn="ctr"/>
+            <a:endParaRPr lang="en-US"/>
+          </a:p>
+        </p:txBody>
+      </p:sp>
+      <p:sp>
+        <p:nvSpPr>
+          <p:cNvPr id="56" name="Multiply 55"/>
+          <p:cNvSpPr/>
+          <p:nvPr/>
+        </p:nvSpPr>
+        <p:spPr>
+          <a:xfrm>
+            <a:off x="8011795" y="4105275"/>
+            <a:ext cx="482600" cy="396875"/>
+          </a:xfrm>
+          <a:prstGeom prst="mathMultiply">
+            <a:avLst/>
+          </a:prstGeom>
+          <a:solidFill>
+            <a:srgbClr val="FF8D41"/>
+          </a:solidFill>
+        </p:spPr>
+        <p:style>
+          <a:lnRef idx="2">
+            <a:schemeClr val="accent1">
+              <a:shade val="50000"/>
+            </a:schemeClr>
+          </a:lnRef>
+          <a:fillRef idx="1">
+            <a:schemeClr val="accent1"/>
+          </a:fillRef>
+          <a:effectRef idx="0">
+            <a:schemeClr val="accent1"/>
+          </a:effectRef>
+          <a:fontRef idx="minor">
+            <a:schemeClr val="lt1"/>
+          </a:fontRef>
+        </p:style>
+        <p:txBody>
+          <a:bodyPr rtlCol="0" anchor="ctr"/>
+          <a:p>
+            <a:pPr algn="ctr"/>
+            <a:endParaRPr lang="en-US"/>
+          </a:p>
+        </p:txBody>
+      </p:sp>
+      <p:cxnSp>
+        <p:nvCxnSpPr>
+          <p:cNvPr id="57" name="Straight Connector 56"/>
+          <p:cNvCxnSpPr>
+            <a:endCxn id="20" idx="0"/>
+          </p:cNvCxnSpPr>
+          <p:nvPr/>
+        </p:nvCxnSpPr>
+        <p:spPr>
+          <a:xfrm flipV="1">
+            <a:off x="589280" y="164465"/>
+            <a:ext cx="4547235" cy="3058160"/>
+          </a:xfrm>
+          <a:prstGeom prst="line">
+            <a:avLst/>
+          </a:prstGeom>
+          <a:ln w="47625">
+            <a:solidFill>
+              <a:srgbClr val="FF3300"/>
+            </a:solidFill>
+          </a:ln>
+        </p:spPr>
+        <p:style>
+          <a:lnRef idx="1">
+            <a:schemeClr val="accent1"/>
+          </a:lnRef>
+          <a:fillRef idx="0">
+            <a:schemeClr val="accent1"/>
+          </a:fillRef>
+          <a:effectRef idx="0">
+            <a:schemeClr val="accent1"/>
+          </a:effectRef>
+          <a:fontRef idx="minor">
+            <a:schemeClr val="tx1"/>
+          </a:fontRef>
+        </p:style>
+      </p:cxnSp>
+      <p:cxnSp>
+        <p:nvCxnSpPr>
+          <p:cNvPr id="58" name="Straight Connector 57"/>
+          <p:cNvCxnSpPr>
+            <a:endCxn id="51" idx="2"/>
+          </p:cNvCxnSpPr>
+          <p:nvPr/>
+        </p:nvCxnSpPr>
+        <p:spPr>
+          <a:xfrm>
+            <a:off x="5197475" y="173990"/>
+            <a:ext cx="5133340" cy="5180965"/>
+          </a:xfrm>
+          <a:prstGeom prst="line">
+            <a:avLst/>
+          </a:prstGeom>
+          <a:ln w="47625">
+            <a:solidFill>
+              <a:srgbClr val="00B050"/>
+            </a:solidFill>
+          </a:ln>
+        </p:spPr>
+        <p:style>
+          <a:lnRef idx="1">
+            <a:schemeClr val="accent1"/>
+          </a:lnRef>
+          <a:fillRef idx="0">
+            <a:schemeClr val="accent1"/>
+          </a:fillRef>
+          <a:effectRef idx="0">
+            <a:schemeClr val="accent1"/>
+          </a:effectRef>
+          <a:fontRef idx="minor">
+            <a:schemeClr val="tx1"/>
+          </a:fontRef>
+        </p:style>
+      </p:cxnSp>
+      <p:sp>
+        <p:nvSpPr>
+          <p:cNvPr id="59" name="Text Box 58"/>
+          <p:cNvSpPr txBox="1"/>
+          <p:nvPr/>
+        </p:nvSpPr>
+        <p:spPr>
+          <a:xfrm>
+            <a:off x="203835" y="5016500"/>
+            <a:ext cx="11251565" cy="1753235"/>
+          </a:xfrm>
+          <a:prstGeom prst="rect">
+            <a:avLst/>
+          </a:prstGeom>
+          <a:noFill/>
+        </p:spPr>
+        <p:txBody>
+          <a:bodyPr wrap="square" rtlCol="0">
+            <a:spAutoFit/>
+          </a:bodyPr>
+          <a:p>
+            <a:r>
+              <a:rPr lang="zh-CN" altLang="en-US"/>
+              <a:t>笔的划分步骤</a:t>
+            </a:r>
+            <a:endParaRPr lang="zh-CN" altLang="en-US"/>
+          </a:p>
+          <a:p>
+            <a:endParaRPr lang="zh-CN" altLang="en-US"/>
+          </a:p>
+          <a:p>
+            <a:r>
+              <a:rPr lang="en-US" altLang="zh-CN"/>
+              <a:t>1. </a:t>
+            </a:r>
+            <a:r>
+              <a:rPr lang="zh-CN" altLang="en-US"/>
+              <a:t>确定所有顶底分型</a:t>
+            </a:r>
+            <a:endParaRPr lang="zh-CN" altLang="en-US"/>
+          </a:p>
+          <a:p>
+            <a:r>
+              <a:rPr lang="en-US" altLang="zh-CN"/>
+              <a:t>2. </a:t>
+            </a:r>
+            <a:r>
+              <a:rPr lang="zh-CN" altLang="en-US"/>
+              <a:t>如果前后是同一分型，对于顶，前面低于后面的，只保留后面的，前面的可以</a:t>
+            </a:r>
+            <a:r>
+              <a:rPr lang="en-US" altLang="zh-CN"/>
+              <a:t>X</a:t>
+            </a:r>
+            <a:r>
+              <a:rPr lang="zh-CN" altLang="en-US"/>
+              <a:t>掉；对于底，前面高于后面的，只保留后面的，前面的可以</a:t>
+            </a:r>
+            <a:r>
+              <a:rPr lang="en-US" altLang="zh-CN"/>
+              <a:t>X</a:t>
+            </a:r>
+            <a:r>
+              <a:rPr lang="zh-CN" altLang="en-US"/>
+              <a:t>掉</a:t>
+            </a:r>
+            <a:endParaRPr lang="zh-CN" altLang="en-US"/>
+          </a:p>
+          <a:p>
+            <a:r>
+              <a:rPr lang="en-US" altLang="zh-CN"/>
+              <a:t>3. </a:t>
+            </a:r>
+            <a:r>
+              <a:rPr lang="zh-CN" altLang="en-US"/>
+              <a:t>余下的相邻顶底，可以划为一笔</a:t>
+            </a:r>
+            <a:endParaRPr lang="zh-CN" altLang="en-US"/>
           </a:p>
         </p:txBody>
       </p:sp>

--- a/finance/chanlun/charts.pptx
+++ b/finance/chanlun/charts.pptx
@@ -14208,7 +14208,7 @@
         </p:nvSpPr>
         <p:spPr>
           <a:xfrm>
-            <a:off x="3484880" y="2037715"/>
+            <a:off x="3484880" y="2698115"/>
             <a:ext cx="138430" cy="901700"/>
           </a:xfrm>
           <a:prstGeom prst="rect">
@@ -14247,7 +14247,7 @@
         </p:nvSpPr>
         <p:spPr>
           <a:xfrm>
-            <a:off x="3749040" y="1365250"/>
+            <a:off x="3749040" y="2025650"/>
             <a:ext cx="138430" cy="980440"/>
           </a:xfrm>
           <a:prstGeom prst="rect">
@@ -14364,7 +14364,7 @@
         </p:nvSpPr>
         <p:spPr>
           <a:xfrm>
-            <a:off x="1727835" y="1671320"/>
+            <a:off x="1727835" y="2331720"/>
             <a:ext cx="1247775" cy="368300"/>
           </a:xfrm>
           <a:prstGeom prst="rect">
@@ -14417,7 +14417,7 @@
         </p:nvSpPr>
         <p:spPr>
           <a:xfrm>
-            <a:off x="7148830" y="341630"/>
+            <a:off x="7148830" y="1002030"/>
             <a:ext cx="138430" cy="901700"/>
           </a:xfrm>
           <a:prstGeom prst="rect">
@@ -14459,7 +14459,7 @@
         </p:nvSpPr>
         <p:spPr>
           <a:xfrm>
-            <a:off x="7588885" y="819785"/>
+            <a:off x="7588885" y="1480185"/>
             <a:ext cx="138430" cy="1432560"/>
           </a:xfrm>
           <a:prstGeom prst="rect">
@@ -14498,7 +14498,7 @@
         </p:nvSpPr>
         <p:spPr>
           <a:xfrm>
-            <a:off x="6708775" y="1137920"/>
+            <a:off x="6708775" y="1798320"/>
             <a:ext cx="138430" cy="901700"/>
           </a:xfrm>
           <a:prstGeom prst="rect">
@@ -14657,7 +14657,7 @@
         </p:nvSpPr>
         <p:spPr>
           <a:xfrm>
-            <a:off x="4027805" y="892810"/>
+            <a:off x="4027805" y="1553210"/>
             <a:ext cx="138430" cy="980440"/>
           </a:xfrm>
           <a:prstGeom prst="rect">
@@ -14788,8 +14788,8 @@
         </p:nvSpPr>
         <p:spPr>
           <a:xfrm>
-            <a:off x="6783705" y="2411095"/>
-            <a:ext cx="868680" cy="368300"/>
+            <a:off x="6783705" y="3071495"/>
+            <a:ext cx="870585" cy="368300"/>
           </a:xfrm>
           <a:prstGeom prst="rect">
             <a:avLst/>
@@ -14802,14 +14802,14 @@
           </a:bodyPr>
           <a:p>
             <a:r>
-              <a:rPr lang="zh-CN" altLang="en-US">
+              <a:rPr lang="zh-CN" altLang="en-US" b="1">
                 <a:solidFill>
                   <a:srgbClr val="FF0000"/>
                 </a:solidFill>
               </a:rPr>
               <a:t>顶分型</a:t>
             </a:r>
-            <a:endParaRPr lang="zh-CN" altLang="en-US">
+            <a:endParaRPr lang="zh-CN" altLang="en-US" b="1">
               <a:solidFill>
                 <a:srgbClr val="FF0000"/>
               </a:solidFill>
@@ -14826,7 +14826,7 @@
         <p:spPr>
           <a:xfrm>
             <a:off x="6783705" y="6322060"/>
-            <a:ext cx="868680" cy="368300"/>
+            <a:ext cx="870585" cy="368300"/>
           </a:xfrm>
           <a:prstGeom prst="rect">
             <a:avLst/>
@@ -14839,14 +14839,14 @@
           </a:bodyPr>
           <a:p>
             <a:r>
-              <a:rPr lang="zh-CN" altLang="en-US">
+              <a:rPr lang="zh-CN" altLang="en-US" b="1">
                 <a:solidFill>
                   <a:srgbClr val="00B050"/>
                 </a:solidFill>
               </a:rPr>
               <a:t>底分型</a:t>
             </a:r>
-            <a:endParaRPr lang="zh-CN" altLang="en-US">
+            <a:endParaRPr lang="zh-CN" altLang="en-US" b="1">
               <a:solidFill>
                 <a:srgbClr val="00B050"/>
               </a:solidFill>
@@ -14862,8 +14862,8 @@
         </p:nvSpPr>
         <p:spPr>
           <a:xfrm>
-            <a:off x="8213725" y="341630"/>
-            <a:ext cx="411480" cy="368300"/>
+            <a:off x="8213725" y="1002030"/>
+            <a:ext cx="412115" cy="368300"/>
           </a:xfrm>
           <a:prstGeom prst="rect">
             <a:avLst/>
@@ -14876,14 +14876,14 @@
           </a:bodyPr>
           <a:p>
             <a:r>
-              <a:rPr lang="zh-CN" altLang="en-US">
+              <a:rPr lang="zh-CN" altLang="en-US" b="1">
                 <a:solidFill>
                   <a:srgbClr val="FF0000"/>
                 </a:solidFill>
               </a:rPr>
               <a:t>顶</a:t>
             </a:r>
-            <a:endParaRPr lang="zh-CN" altLang="en-US">
+            <a:endParaRPr lang="zh-CN" altLang="en-US" b="1">
               <a:solidFill>
                 <a:srgbClr val="FF0000"/>
               </a:solidFill>
@@ -14900,7 +14900,7 @@
         <p:spPr>
           <a:xfrm>
             <a:off x="8213725" y="5859145"/>
-            <a:ext cx="411480" cy="368300"/>
+            <a:ext cx="412115" cy="368300"/>
           </a:xfrm>
           <a:prstGeom prst="rect">
             <a:avLst/>
@@ -14913,14 +14913,14 @@
           </a:bodyPr>
           <a:p>
             <a:r>
-              <a:rPr lang="zh-CN" altLang="en-US">
+              <a:rPr lang="zh-CN" altLang="en-US" b="1">
                 <a:solidFill>
                   <a:srgbClr val="00B050"/>
                 </a:solidFill>
               </a:rPr>
               <a:t>底</a:t>
             </a:r>
-            <a:endParaRPr lang="zh-CN" altLang="en-US">
+            <a:endParaRPr lang="zh-CN" altLang="en-US" b="1">
               <a:solidFill>
                 <a:srgbClr val="00B050"/>
               </a:solidFill>
@@ -14938,7 +14938,7 @@
         </p:nvCxnSpPr>
         <p:spPr>
           <a:xfrm>
-            <a:off x="7301865" y="276225"/>
+            <a:off x="7301865" y="936625"/>
             <a:ext cx="911860" cy="249555"/>
           </a:xfrm>
           <a:prstGeom prst="straightConnector1">
@@ -15698,7 +15698,7 @@
           </a:prstGeom>
           <a:ln w="60325" cmpd="sng">
             <a:solidFill>
-              <a:srgbClr val="00B050"/>
+              <a:srgbClr val="FF3300"/>
             </a:solidFill>
             <a:prstDash val="sysDot"/>
           </a:ln>
@@ -17446,9 +17446,90 @@
           </a:p>
         </p:txBody>
       </p:sp>
+      <p:sp>
+        <p:nvSpPr>
+          <p:cNvPr id="59" name="Text Box 58"/>
+          <p:cNvSpPr txBox="1"/>
+          <p:nvPr/>
+        </p:nvSpPr>
+        <p:spPr>
+          <a:xfrm>
+            <a:off x="203835" y="5016500"/>
+            <a:ext cx="11251565" cy="1753235"/>
+          </a:xfrm>
+          <a:prstGeom prst="rect">
+            <a:avLst/>
+          </a:prstGeom>
+          <a:noFill/>
+        </p:spPr>
+        <p:txBody>
+          <a:bodyPr wrap="square" rtlCol="0">
+            <a:spAutoFit/>
+          </a:bodyPr>
+          <a:p>
+            <a:r>
+              <a:rPr lang="zh-CN" altLang="en-US"/>
+              <a:t>笔的划分步骤</a:t>
+            </a:r>
+            <a:endParaRPr lang="zh-CN" altLang="en-US"/>
+          </a:p>
+          <a:p>
+            <a:endParaRPr lang="zh-CN" altLang="en-US"/>
+          </a:p>
+          <a:p>
+            <a:r>
+              <a:rPr lang="en-US" altLang="zh-CN"/>
+              <a:t>1. </a:t>
+            </a:r>
+            <a:r>
+              <a:rPr lang="zh-CN" altLang="en-US"/>
+              <a:t>确定所有顶底分型</a:t>
+            </a:r>
+            <a:endParaRPr lang="zh-CN" altLang="en-US"/>
+          </a:p>
+          <a:p>
+            <a:r>
+              <a:rPr lang="en-US" altLang="zh-CN"/>
+              <a:t>2. </a:t>
+            </a:r>
+            <a:r>
+              <a:rPr lang="zh-CN" altLang="en-US"/>
+              <a:t>如果前后是同一分型，对于顶，前面低于后面的，只保留后面的，前面的可以</a:t>
+            </a:r>
+            <a:r>
+              <a:rPr lang="en-US" altLang="zh-CN"/>
+              <a:t>X</a:t>
+            </a:r>
+            <a:r>
+              <a:rPr lang="zh-CN" altLang="en-US"/>
+              <a:t>掉；对于底，前面高于后面的，只保留后面的，前面的可以</a:t>
+            </a:r>
+            <a:r>
+              <a:rPr lang="en-US" altLang="zh-CN"/>
+              <a:t>X</a:t>
+            </a:r>
+            <a:r>
+              <a:rPr lang="zh-CN" altLang="en-US"/>
+              <a:t>掉</a:t>
+            </a:r>
+            <a:endParaRPr lang="zh-CN" altLang="en-US"/>
+          </a:p>
+          <a:p>
+            <a:r>
+              <a:rPr lang="en-US" altLang="zh-CN"/>
+              <a:t>3. </a:t>
+            </a:r>
+            <a:r>
+              <a:rPr lang="zh-CN" altLang="en-US"/>
+              <a:t>余下的相邻顶底，可以划为一笔</a:t>
+            </a:r>
+            <a:endParaRPr lang="zh-CN" altLang="en-US"/>
+          </a:p>
+        </p:txBody>
+      </p:sp>
       <p:cxnSp>
         <p:nvCxnSpPr>
-          <p:cNvPr id="57" name="Straight Connector 56"/>
+          <p:cNvPr id="60" name="Straight Arrow Connector 59"/>
           <p:cNvCxnSpPr>
             <a:endCxn id="20" idx="0"/>
           </p:cNvCxnSpPr>
@@ -17456,16 +17537,17 @@
         </p:nvCxnSpPr>
         <p:spPr>
           <a:xfrm flipV="1">
-            <a:off x="589280" y="164465"/>
-            <a:ext cx="4547235" cy="3058160"/>
-          </a:xfrm>
-          <a:prstGeom prst="line">
-            <a:avLst/>
-          </a:prstGeom>
-          <a:ln w="47625">
+            <a:off x="600075" y="164465"/>
+            <a:ext cx="4536440" cy="2717165"/>
+          </a:xfrm>
+          <a:prstGeom prst="straightConnector1">
+            <a:avLst/>
+          </a:prstGeom>
+          <a:ln w="79375">
             <a:solidFill>
-              <a:srgbClr val="FF3300"/>
+              <a:srgbClr val="FF6600"/>
             </a:solidFill>
+            <a:tailEnd type="arrow"/>
           </a:ln>
         </p:spPr>
         <p:style>
@@ -17485,24 +17567,26 @@
       </p:cxnSp>
       <p:cxnSp>
         <p:nvCxnSpPr>
-          <p:cNvPr id="58" name="Straight Connector 57"/>
+          <p:cNvPr id="61" name="Straight Arrow Connector 60"/>
           <p:cNvCxnSpPr>
-            <a:endCxn id="51" idx="2"/>
+            <a:stCxn id="20" idx="0"/>
           </p:cNvCxnSpPr>
           <p:nvPr/>
         </p:nvCxnSpPr>
         <p:spPr>
           <a:xfrm>
-            <a:off x="5197475" y="173990"/>
-            <a:ext cx="5133340" cy="5180965"/>
-          </a:xfrm>
-          <a:prstGeom prst="line">
-            <a:avLst/>
-          </a:prstGeom>
-          <a:ln w="47625">
+            <a:off x="5136515" y="164465"/>
+            <a:ext cx="5156835" cy="5183505"/>
+          </a:xfrm>
+          <a:prstGeom prst="straightConnector1">
+            <a:avLst/>
+          </a:prstGeom>
+          <a:ln w="82550" cmpd="sng">
             <a:solidFill>
-              <a:srgbClr val="00B050"/>
+              <a:srgbClr val="92D050"/>
             </a:solidFill>
+            <a:prstDash val="solid"/>
+            <a:tailEnd type="arrow"/>
           </a:ln>
         </p:spPr>
         <p:style>
@@ -17520,87 +17604,6 @@
           </a:fontRef>
         </p:style>
       </p:cxnSp>
-      <p:sp>
-        <p:nvSpPr>
-          <p:cNvPr id="59" name="Text Box 58"/>
-          <p:cNvSpPr txBox="1"/>
-          <p:nvPr/>
-        </p:nvSpPr>
-        <p:spPr>
-          <a:xfrm>
-            <a:off x="203835" y="5016500"/>
-            <a:ext cx="11251565" cy="1753235"/>
-          </a:xfrm>
-          <a:prstGeom prst="rect">
-            <a:avLst/>
-          </a:prstGeom>
-          <a:noFill/>
-        </p:spPr>
-        <p:txBody>
-          <a:bodyPr wrap="square" rtlCol="0">
-            <a:spAutoFit/>
-          </a:bodyPr>
-          <a:p>
-            <a:r>
-              <a:rPr lang="zh-CN" altLang="en-US"/>
-              <a:t>笔的划分步骤</a:t>
-            </a:r>
-            <a:endParaRPr lang="zh-CN" altLang="en-US"/>
-          </a:p>
-          <a:p>
-            <a:endParaRPr lang="zh-CN" altLang="en-US"/>
-          </a:p>
-          <a:p>
-            <a:r>
-              <a:rPr lang="en-US" altLang="zh-CN"/>
-              <a:t>1. </a:t>
-            </a:r>
-            <a:r>
-              <a:rPr lang="zh-CN" altLang="en-US"/>
-              <a:t>确定所有顶底分型</a:t>
-            </a:r>
-            <a:endParaRPr lang="zh-CN" altLang="en-US"/>
-          </a:p>
-          <a:p>
-            <a:r>
-              <a:rPr lang="en-US" altLang="zh-CN"/>
-              <a:t>2. </a:t>
-            </a:r>
-            <a:r>
-              <a:rPr lang="zh-CN" altLang="en-US"/>
-              <a:t>如果前后是同一分型，对于顶，前面低于后面的，只保留后面的，前面的可以</a:t>
-            </a:r>
-            <a:r>
-              <a:rPr lang="en-US" altLang="zh-CN"/>
-              <a:t>X</a:t>
-            </a:r>
-            <a:r>
-              <a:rPr lang="zh-CN" altLang="en-US"/>
-              <a:t>掉；对于底，前面高于后面的，只保留后面的，前面的可以</a:t>
-            </a:r>
-            <a:r>
-              <a:rPr lang="en-US" altLang="zh-CN"/>
-              <a:t>X</a:t>
-            </a:r>
-            <a:r>
-              <a:rPr lang="zh-CN" altLang="en-US"/>
-              <a:t>掉</a:t>
-            </a:r>
-            <a:endParaRPr lang="zh-CN" altLang="en-US"/>
-          </a:p>
-          <a:p>
-            <a:r>
-              <a:rPr lang="en-US" altLang="zh-CN"/>
-              <a:t>3. </a:t>
-            </a:r>
-            <a:r>
-              <a:rPr lang="zh-CN" altLang="en-US"/>
-              <a:t>余下的相邻顶底，可以划为一笔</a:t>
-            </a:r>
-            <a:endParaRPr lang="zh-CN" altLang="en-US"/>
-          </a:p>
-        </p:txBody>
-      </p:sp>
     </p:spTree>
   </p:cSld>
   <p:clrMapOvr>
